--- a/SpringBatch.pptx
+++ b/SpringBatch.pptx
@@ -5,7 +5,7 @@
     <p:sldMasterId id="2147483660" r:id="rId1"/>
   </p:sldMasterIdLst>
   <p:notesMasterIdLst>
-    <p:notesMasterId r:id="rId19"/>
+    <p:notesMasterId r:id="rId20"/>
   </p:notesMasterIdLst>
   <p:sldIdLst>
     <p:sldId id="256" r:id="rId2"/>
@@ -25,6 +25,7 @@
     <p:sldId id="270" r:id="rId16"/>
     <p:sldId id="272" r:id="rId17"/>
     <p:sldId id="273" r:id="rId18"/>
+    <p:sldId id="274" r:id="rId19"/>
   </p:sldIdLst>
   <p:sldSz cx="12192000" cy="6858000"/>
   <p:notesSz cx="6858000" cy="9144000"/>
@@ -123,19 +124,36 @@
       </a:defRPr>
     </a:lvl9pPr>
   </p:defaultTextStyle>
+  <p:extLst>
+    <p:ext uri="{EFAFB233-063F-42B5-8137-9DF3F51BA10A}">
+      <p15:sldGuideLst xmlns:p15="http://schemas.microsoft.com/office/powerpoint/2012/main"/>
+    </p:ext>
+  </p:extLst>
 </p:presentation>
 </file>
 
 <file path=ppt/diagrams/colors1.xml><?xml version="1.0" encoding="utf-8"?>
-<dgm:colorsDef xmlns:dgm="http://schemas.openxmlformats.org/drawingml/2006/diagram" xmlns:a="http://schemas.openxmlformats.org/drawingml/2006/main" uniqueId="urn:microsoft.com/office/officeart/2005/8/colors/accent1_2">
+<dgm:colorsDef xmlns:dgm="http://schemas.openxmlformats.org/drawingml/2006/diagram" xmlns:a="http://schemas.openxmlformats.org/drawingml/2006/main" uniqueId="urn:microsoft.com/office/officeart/2005/8/colors/accent2_2">
   <dgm:title val=""/>
   <dgm:desc val=""/>
   <dgm:catLst>
-    <dgm:cat type="accent1" pri="11200"/>
+    <dgm:cat type="accent2" pri="11200"/>
   </dgm:catLst>
   <dgm:styleLbl name="node0">
     <dgm:fillClrLst meth="repeat">
-      <a:schemeClr val="accent1"/>
+      <a:schemeClr val="accent2"/>
+    </dgm:fillClrLst>
+    <dgm:linClrLst meth="repeat">
+      <a:schemeClr val="lt1"/>
+    </dgm:linClrLst>
+    <dgm:effectClrLst/>
+    <dgm:txLinClrLst/>
+    <dgm:txFillClrLst/>
+    <dgm:txEffectClrLst/>
+  </dgm:styleLbl>
+  <dgm:styleLbl name="node1">
+    <dgm:fillClrLst meth="repeat">
+      <a:schemeClr val="accent2"/>
     </dgm:fillClrLst>
     <dgm:linClrLst meth="repeat">
       <a:schemeClr val="lt1"/>
@@ -147,22 +165,10 @@
   </dgm:styleLbl>
   <dgm:styleLbl name="alignNode1">
     <dgm:fillClrLst meth="repeat">
-      <a:schemeClr val="accent1"/>
-    </dgm:fillClrLst>
-    <dgm:linClrLst meth="repeat">
-      <a:schemeClr val="accent1"/>
-    </dgm:linClrLst>
-    <dgm:effectClrLst/>
-    <dgm:txLinClrLst/>
-    <dgm:txFillClrLst/>
-    <dgm:txEffectClrLst/>
-  </dgm:styleLbl>
-  <dgm:styleLbl name="node1">
-    <dgm:fillClrLst meth="repeat">
-      <a:schemeClr val="accent1"/>
-    </dgm:fillClrLst>
-    <dgm:linClrLst meth="repeat">
-      <a:schemeClr val="lt1"/>
+      <a:schemeClr val="accent2"/>
+    </dgm:fillClrLst>
+    <dgm:linClrLst meth="repeat">
+      <a:schemeClr val="accent2"/>
     </dgm:linClrLst>
     <dgm:effectClrLst/>
     <dgm:txLinClrLst/>
@@ -171,7 +177,7 @@
   </dgm:styleLbl>
   <dgm:styleLbl name="lnNode1">
     <dgm:fillClrLst meth="repeat">
-      <a:schemeClr val="accent1"/>
+      <a:schemeClr val="accent2"/>
     </dgm:fillClrLst>
     <dgm:linClrLst meth="repeat">
       <a:schemeClr val="lt1"/>
@@ -183,7 +189,7 @@
   </dgm:styleLbl>
   <dgm:styleLbl name="vennNode1">
     <dgm:fillClrLst meth="repeat">
-      <a:schemeClr val="accent1">
+      <a:schemeClr val="accent2">
         <a:alpha val="50000"/>
       </a:schemeClr>
     </dgm:fillClrLst>
@@ -197,7 +203,7 @@
   </dgm:styleLbl>
   <dgm:styleLbl name="node2">
     <dgm:fillClrLst meth="repeat">
-      <a:schemeClr val="accent1"/>
+      <a:schemeClr val="accent2"/>
     </dgm:fillClrLst>
     <dgm:linClrLst meth="repeat">
       <a:schemeClr val="lt1"/>
@@ -209,7 +215,7 @@
   </dgm:styleLbl>
   <dgm:styleLbl name="node3">
     <dgm:fillClrLst meth="repeat">
-      <a:schemeClr val="accent1"/>
+      <a:schemeClr val="accent2"/>
     </dgm:fillClrLst>
     <dgm:linClrLst meth="repeat">
       <a:schemeClr val="lt1"/>
@@ -221,7 +227,7 @@
   </dgm:styleLbl>
   <dgm:styleLbl name="node4">
     <dgm:fillClrLst meth="repeat">
-      <a:schemeClr val="accent1"/>
+      <a:schemeClr val="accent2"/>
     </dgm:fillClrLst>
     <dgm:linClrLst meth="repeat">
       <a:schemeClr val="lt1"/>
@@ -233,7 +239,7 @@
   </dgm:styleLbl>
   <dgm:styleLbl name="fgImgPlace1">
     <dgm:fillClrLst meth="repeat">
-      <a:schemeClr val="accent1">
+      <a:schemeClr val="accent2">
         <a:tint val="50000"/>
       </a:schemeClr>
     </dgm:fillClrLst>
@@ -249,7 +255,7 @@
   </dgm:styleLbl>
   <dgm:styleLbl name="alignImgPlace1">
     <dgm:fillClrLst meth="repeat">
-      <a:schemeClr val="accent1">
+      <a:schemeClr val="accent2">
         <a:tint val="50000"/>
       </a:schemeClr>
     </dgm:fillClrLst>
@@ -265,7 +271,7 @@
   </dgm:styleLbl>
   <dgm:styleLbl name="bgImgPlace1">
     <dgm:fillClrLst meth="repeat">
-      <a:schemeClr val="accent1">
+      <a:schemeClr val="accent2">
         <a:tint val="50000"/>
       </a:schemeClr>
     </dgm:fillClrLst>
@@ -281,12 +287,12 @@
   </dgm:styleLbl>
   <dgm:styleLbl name="sibTrans2D1">
     <dgm:fillClrLst meth="repeat">
-      <a:schemeClr val="accent1">
+      <a:schemeClr val="accent2">
         <a:tint val="60000"/>
       </a:schemeClr>
     </dgm:fillClrLst>
     <dgm:linClrLst meth="repeat">
-      <a:schemeClr val="accent1">
+      <a:schemeClr val="accent2">
         <a:tint val="60000"/>
       </a:schemeClr>
     </dgm:linClrLst>
@@ -297,12 +303,12 @@
   </dgm:styleLbl>
   <dgm:styleLbl name="fgSibTrans2D1">
     <dgm:fillClrLst meth="repeat">
-      <a:schemeClr val="accent1">
+      <a:schemeClr val="accent2">
         <a:tint val="60000"/>
       </a:schemeClr>
     </dgm:fillClrLst>
     <dgm:linClrLst meth="repeat">
-      <a:schemeClr val="accent1">
+      <a:schemeClr val="accent2">
         <a:tint val="60000"/>
       </a:schemeClr>
     </dgm:linClrLst>
@@ -313,12 +319,12 @@
   </dgm:styleLbl>
   <dgm:styleLbl name="bgSibTrans2D1">
     <dgm:fillClrLst meth="repeat">
-      <a:schemeClr val="accent1">
+      <a:schemeClr val="accent2">
         <a:tint val="60000"/>
       </a:schemeClr>
     </dgm:fillClrLst>
     <dgm:linClrLst meth="repeat">
-      <a:schemeClr val="accent1">
+      <a:schemeClr val="accent2">
         <a:tint val="60000"/>
       </a:schemeClr>
     </dgm:linClrLst>
@@ -329,10 +335,10 @@
   </dgm:styleLbl>
   <dgm:styleLbl name="sibTrans1D1">
     <dgm:fillClrLst meth="repeat">
-      <a:schemeClr val="accent1"/>
-    </dgm:fillClrLst>
-    <dgm:linClrLst meth="repeat">
-      <a:schemeClr val="accent1"/>
+      <a:schemeClr val="accent2"/>
+    </dgm:fillClrLst>
+    <dgm:linClrLst meth="repeat">
+      <a:schemeClr val="accent2"/>
     </dgm:linClrLst>
     <dgm:effectClrLst/>
     <dgm:txLinClrLst/>
@@ -343,10 +349,10 @@
   </dgm:styleLbl>
   <dgm:styleLbl name="callout">
     <dgm:fillClrLst meth="repeat">
-      <a:schemeClr val="accent1"/>
-    </dgm:fillClrLst>
-    <dgm:linClrLst meth="repeat">
-      <a:schemeClr val="accent1">
+      <a:schemeClr val="accent2"/>
+    </dgm:fillClrLst>
+    <dgm:linClrLst meth="repeat">
+      <a:schemeClr val="accent2">
         <a:tint val="50000"/>
       </a:schemeClr>
     </dgm:linClrLst>
@@ -359,7 +365,7 @@
   </dgm:styleLbl>
   <dgm:styleLbl name="asst0">
     <dgm:fillClrLst meth="repeat">
-      <a:schemeClr val="accent1"/>
+      <a:schemeClr val="accent2"/>
     </dgm:fillClrLst>
     <dgm:linClrLst meth="repeat">
       <a:schemeClr val="lt1"/>
@@ -371,7 +377,7 @@
   </dgm:styleLbl>
   <dgm:styleLbl name="asst1">
     <dgm:fillClrLst meth="repeat">
-      <a:schemeClr val="accent1"/>
+      <a:schemeClr val="accent2"/>
     </dgm:fillClrLst>
     <dgm:linClrLst meth="repeat">
       <a:schemeClr val="lt1"/>
@@ -383,7 +389,7 @@
   </dgm:styleLbl>
   <dgm:styleLbl name="asst2">
     <dgm:fillClrLst meth="repeat">
-      <a:schemeClr val="accent1"/>
+      <a:schemeClr val="accent2"/>
     </dgm:fillClrLst>
     <dgm:linClrLst meth="repeat">
       <a:schemeClr val="lt1"/>
@@ -395,7 +401,7 @@
   </dgm:styleLbl>
   <dgm:styleLbl name="asst3">
     <dgm:fillClrLst meth="repeat">
-      <a:schemeClr val="accent1"/>
+      <a:schemeClr val="accent2"/>
     </dgm:fillClrLst>
     <dgm:linClrLst meth="repeat">
       <a:schemeClr val="lt1"/>
@@ -407,7 +413,7 @@
   </dgm:styleLbl>
   <dgm:styleLbl name="asst4">
     <dgm:fillClrLst meth="repeat">
-      <a:schemeClr val="accent1"/>
+      <a:schemeClr val="accent2"/>
     </dgm:fillClrLst>
     <dgm:linClrLst meth="repeat">
       <a:schemeClr val="lt1"/>
@@ -419,12 +425,12 @@
   </dgm:styleLbl>
   <dgm:styleLbl name="parChTrans2D1">
     <dgm:fillClrLst meth="repeat">
-      <a:schemeClr val="accent1">
+      <a:schemeClr val="accent2">
         <a:tint val="60000"/>
       </a:schemeClr>
     </dgm:fillClrLst>
     <dgm:linClrLst meth="repeat">
-      <a:schemeClr val="accent1">
+      <a:schemeClr val="accent2">
         <a:tint val="60000"/>
       </a:schemeClr>
     </dgm:linClrLst>
@@ -437,10 +443,10 @@
   </dgm:styleLbl>
   <dgm:styleLbl name="parChTrans2D2">
     <dgm:fillClrLst meth="repeat">
-      <a:schemeClr val="accent1"/>
-    </dgm:fillClrLst>
-    <dgm:linClrLst meth="repeat">
-      <a:schemeClr val="accent1"/>
+      <a:schemeClr val="accent2"/>
+    </dgm:fillClrLst>
+    <dgm:linClrLst meth="repeat">
+      <a:schemeClr val="accent2"/>
     </dgm:linClrLst>
     <dgm:effectClrLst/>
     <dgm:txLinClrLst/>
@@ -451,10 +457,10 @@
   </dgm:styleLbl>
   <dgm:styleLbl name="parChTrans2D3">
     <dgm:fillClrLst meth="repeat">
-      <a:schemeClr val="accent1"/>
-    </dgm:fillClrLst>
-    <dgm:linClrLst meth="repeat">
-      <a:schemeClr val="accent1"/>
+      <a:schemeClr val="accent2"/>
+    </dgm:fillClrLst>
+    <dgm:linClrLst meth="repeat">
+      <a:schemeClr val="accent2"/>
     </dgm:linClrLst>
     <dgm:effectClrLst/>
     <dgm:txLinClrLst/>
@@ -465,10 +471,10 @@
   </dgm:styleLbl>
   <dgm:styleLbl name="parChTrans2D4">
     <dgm:fillClrLst meth="repeat">
-      <a:schemeClr val="accent1"/>
-    </dgm:fillClrLst>
-    <dgm:linClrLst meth="repeat">
-      <a:schemeClr val="accent1"/>
+      <a:schemeClr val="accent2"/>
+    </dgm:fillClrLst>
+    <dgm:linClrLst meth="repeat">
+      <a:schemeClr val="accent2"/>
     </dgm:linClrLst>
     <dgm:effectClrLst/>
     <dgm:txLinClrLst/>
@@ -479,10 +485,10 @@
   </dgm:styleLbl>
   <dgm:styleLbl name="parChTrans1D1">
     <dgm:fillClrLst meth="repeat">
-      <a:schemeClr val="accent1"/>
-    </dgm:fillClrLst>
-    <dgm:linClrLst meth="repeat">
-      <a:schemeClr val="accent1">
+      <a:schemeClr val="accent2"/>
+    </dgm:fillClrLst>
+    <dgm:linClrLst meth="repeat">
+      <a:schemeClr val="accent2">
         <a:shade val="60000"/>
       </a:schemeClr>
     </dgm:linClrLst>
@@ -495,10 +501,10 @@
   </dgm:styleLbl>
   <dgm:styleLbl name="parChTrans1D2">
     <dgm:fillClrLst meth="repeat">
-      <a:schemeClr val="accent1"/>
-    </dgm:fillClrLst>
-    <dgm:linClrLst meth="repeat">
-      <a:schemeClr val="accent1">
+      <a:schemeClr val="accent2"/>
+    </dgm:fillClrLst>
+    <dgm:linClrLst meth="repeat">
+      <a:schemeClr val="accent2">
         <a:shade val="60000"/>
       </a:schemeClr>
     </dgm:linClrLst>
@@ -511,10 +517,10 @@
   </dgm:styleLbl>
   <dgm:styleLbl name="parChTrans1D3">
     <dgm:fillClrLst meth="repeat">
-      <a:schemeClr val="accent1"/>
-    </dgm:fillClrLst>
-    <dgm:linClrLst meth="repeat">
-      <a:schemeClr val="accent1">
+      <a:schemeClr val="accent2"/>
+    </dgm:fillClrLst>
+    <dgm:linClrLst meth="repeat">
+      <a:schemeClr val="accent2">
         <a:shade val="80000"/>
       </a:schemeClr>
     </dgm:linClrLst>
@@ -527,10 +533,10 @@
   </dgm:styleLbl>
   <dgm:styleLbl name="parChTrans1D4">
     <dgm:fillClrLst meth="repeat">
-      <a:schemeClr val="accent1"/>
-    </dgm:fillClrLst>
-    <dgm:linClrLst meth="repeat">
-      <a:schemeClr val="accent1">
+      <a:schemeClr val="accent2"/>
+    </dgm:fillClrLst>
+    <dgm:linClrLst meth="repeat">
+      <a:schemeClr val="accent2">
         <a:shade val="80000"/>
       </a:schemeClr>
     </dgm:linClrLst>
@@ -548,7 +554,7 @@
       </a:schemeClr>
     </dgm:fillClrLst>
     <dgm:linClrLst meth="repeat">
-      <a:schemeClr val="accent1"/>
+      <a:schemeClr val="accent2"/>
     </dgm:linClrLst>
     <dgm:effectClrLst/>
     <dgm:txLinClrLst/>
@@ -564,7 +570,7 @@
       </a:schemeClr>
     </dgm:fillClrLst>
     <dgm:linClrLst meth="repeat">
-      <a:schemeClr val="accent1"/>
+      <a:schemeClr val="accent2"/>
     </dgm:linClrLst>
     <dgm:effectClrLst/>
     <dgm:txLinClrLst/>
@@ -580,7 +586,7 @@
       </a:schemeClr>
     </dgm:fillClrLst>
     <dgm:linClrLst meth="repeat">
-      <a:schemeClr val="accent1"/>
+      <a:schemeClr val="accent2"/>
     </dgm:linClrLst>
     <dgm:effectClrLst/>
     <dgm:txLinClrLst/>
@@ -596,7 +602,7 @@
       </a:schemeClr>
     </dgm:fillClrLst>
     <dgm:linClrLst meth="repeat">
-      <a:schemeClr val="accent1"/>
+      <a:schemeClr val="accent2"/>
     </dgm:linClrLst>
     <dgm:effectClrLst/>
     <dgm:txLinClrLst/>
@@ -612,7 +618,7 @@
       </a:schemeClr>
     </dgm:fillClrLst>
     <dgm:linClrLst meth="repeat">
-      <a:schemeClr val="accent1"/>
+      <a:schemeClr val="accent2"/>
     </dgm:linClrLst>
     <dgm:effectClrLst/>
     <dgm:txLinClrLst/>
@@ -626,7 +632,7 @@
       <a:schemeClr val="lt1"/>
     </dgm:fillClrLst>
     <dgm:linClrLst meth="repeat">
-      <a:schemeClr val="accent1"/>
+      <a:schemeClr val="accent2"/>
     </dgm:linClrLst>
     <dgm:effectClrLst/>
     <dgm:txLinClrLst/>
@@ -640,7 +646,7 @@
       <a:schemeClr val="lt1"/>
     </dgm:fillClrLst>
     <dgm:linClrLst meth="repeat">
-      <a:schemeClr val="accent1"/>
+      <a:schemeClr val="accent2"/>
     </dgm:linClrLst>
     <dgm:effectClrLst/>
     <dgm:txLinClrLst/>
@@ -654,7 +660,7 @@
       <a:schemeClr val="lt1"/>
     </dgm:fillClrLst>
     <dgm:linClrLst meth="repeat">
-      <a:schemeClr val="accent1"/>
+      <a:schemeClr val="accent2"/>
     </dgm:linClrLst>
     <dgm:effectClrLst/>
     <dgm:txLinClrLst/>
@@ -665,13 +671,13 @@
   </dgm:styleLbl>
   <dgm:styleLbl name="fgAccFollowNode1">
     <dgm:fillClrLst meth="repeat">
-      <a:schemeClr val="accent1">
+      <a:schemeClr val="accent2">
         <a:alpha val="90000"/>
         <a:tint val="40000"/>
       </a:schemeClr>
     </dgm:fillClrLst>
     <dgm:linClrLst meth="repeat">
-      <a:schemeClr val="accent1">
+      <a:schemeClr val="accent2">
         <a:alpha val="90000"/>
         <a:tint val="40000"/>
       </a:schemeClr>
@@ -685,13 +691,13 @@
   </dgm:styleLbl>
   <dgm:styleLbl name="alignAccFollowNode1">
     <dgm:fillClrLst meth="repeat">
-      <a:schemeClr val="accent1">
+      <a:schemeClr val="accent2">
         <a:alpha val="90000"/>
         <a:tint val="40000"/>
       </a:schemeClr>
     </dgm:fillClrLst>
     <dgm:linClrLst meth="repeat">
-      <a:schemeClr val="accent1">
+      <a:schemeClr val="accent2">
         <a:alpha val="90000"/>
         <a:tint val="40000"/>
       </a:schemeClr>
@@ -705,13 +711,13 @@
   </dgm:styleLbl>
   <dgm:styleLbl name="bgAccFollowNode1">
     <dgm:fillClrLst meth="repeat">
-      <a:schemeClr val="accent1">
+      <a:schemeClr val="accent2">
         <a:alpha val="90000"/>
         <a:tint val="40000"/>
       </a:schemeClr>
     </dgm:fillClrLst>
     <dgm:linClrLst meth="repeat">
-      <a:schemeClr val="accent1">
+      <a:schemeClr val="accent2">
         <a:alpha val="90000"/>
         <a:tint val="40000"/>
       </a:schemeClr>
@@ -730,7 +736,7 @@
       </a:schemeClr>
     </dgm:fillClrLst>
     <dgm:linClrLst meth="repeat">
-      <a:schemeClr val="accent1"/>
+      <a:schemeClr val="accent2"/>
     </dgm:linClrLst>
     <dgm:effectClrLst/>
     <dgm:txLinClrLst/>
@@ -746,7 +752,7 @@
       </a:schemeClr>
     </dgm:fillClrLst>
     <dgm:linClrLst meth="repeat">
-      <a:schemeClr val="accent1"/>
+      <a:schemeClr val="accent2"/>
     </dgm:linClrLst>
     <dgm:effectClrLst/>
     <dgm:txLinClrLst/>
@@ -762,7 +768,7 @@
       </a:schemeClr>
     </dgm:fillClrLst>
     <dgm:linClrLst meth="repeat">
-      <a:schemeClr val="accent1"/>
+      <a:schemeClr val="accent2"/>
     </dgm:linClrLst>
     <dgm:effectClrLst/>
     <dgm:txLinClrLst/>
@@ -778,7 +784,7 @@
       </a:schemeClr>
     </dgm:fillClrLst>
     <dgm:linClrLst meth="repeat">
-      <a:schemeClr val="accent1"/>
+      <a:schemeClr val="accent2"/>
     </dgm:linClrLst>
     <dgm:effectClrLst/>
     <dgm:txLinClrLst/>
@@ -789,12 +795,12 @@
   </dgm:styleLbl>
   <dgm:styleLbl name="bgShp">
     <dgm:fillClrLst meth="repeat">
-      <a:schemeClr val="accent1">
+      <a:schemeClr val="accent2">
         <a:tint val="40000"/>
       </a:schemeClr>
     </dgm:fillClrLst>
     <dgm:linClrLst meth="repeat">
-      <a:schemeClr val="accent1"/>
+      <a:schemeClr val="accent2"/>
     </dgm:linClrLst>
     <dgm:effectClrLst/>
     <dgm:txLinClrLst/>
@@ -805,12 +811,12 @@
   </dgm:styleLbl>
   <dgm:styleLbl name="dkBgShp">
     <dgm:fillClrLst meth="repeat">
-      <a:schemeClr val="accent1">
+      <a:schemeClr val="accent2">
         <a:shade val="80000"/>
       </a:schemeClr>
     </dgm:fillClrLst>
     <dgm:linClrLst meth="repeat">
-      <a:schemeClr val="accent1"/>
+      <a:schemeClr val="accent2"/>
     </dgm:linClrLst>
     <dgm:effectClrLst/>
     <dgm:txLinClrLst/>
@@ -821,13 +827,13 @@
   </dgm:styleLbl>
   <dgm:styleLbl name="trBgShp">
     <dgm:fillClrLst meth="repeat">
-      <a:schemeClr val="accent1">
+      <a:schemeClr val="accent2">
         <a:tint val="50000"/>
         <a:alpha val="40000"/>
       </a:schemeClr>
     </dgm:fillClrLst>
     <dgm:linClrLst meth="repeat">
-      <a:schemeClr val="accent1"/>
+      <a:schemeClr val="accent2"/>
     </dgm:linClrLst>
     <dgm:effectClrLst/>
     <dgm:txLinClrLst/>
@@ -838,7 +844,7 @@
   </dgm:styleLbl>
   <dgm:styleLbl name="fgShp">
     <dgm:fillClrLst meth="repeat">
-      <a:schemeClr val="accent1">
+      <a:schemeClr val="accent2">
         <a:tint val="60000"/>
       </a:schemeClr>
     </dgm:fillClrLst>
@@ -2714,15 +2720,27 @@
 </file>
 
 <file path=ppt/diagrams/colors4.xml><?xml version="1.0" encoding="utf-8"?>
-<dgm:colorsDef xmlns:dgm="http://schemas.openxmlformats.org/drawingml/2006/diagram" xmlns:a="http://schemas.openxmlformats.org/drawingml/2006/main" uniqueId="urn:microsoft.com/office/officeart/2005/8/colors/accent1_2">
+<dgm:colorsDef xmlns:dgm="http://schemas.openxmlformats.org/drawingml/2006/diagram" xmlns:a="http://schemas.openxmlformats.org/drawingml/2006/main" uniqueId="urn:microsoft.com/office/officeart/2005/8/colors/accent5_2">
   <dgm:title val=""/>
   <dgm:desc val=""/>
   <dgm:catLst>
-    <dgm:cat type="accent1" pri="11200"/>
+    <dgm:cat type="accent5" pri="11200"/>
   </dgm:catLst>
   <dgm:styleLbl name="node0">
     <dgm:fillClrLst meth="repeat">
-      <a:schemeClr val="accent1"/>
+      <a:schemeClr val="accent5"/>
+    </dgm:fillClrLst>
+    <dgm:linClrLst meth="repeat">
+      <a:schemeClr val="lt1"/>
+    </dgm:linClrLst>
+    <dgm:effectClrLst/>
+    <dgm:txLinClrLst/>
+    <dgm:txFillClrLst/>
+    <dgm:txEffectClrLst/>
+  </dgm:styleLbl>
+  <dgm:styleLbl name="node1">
+    <dgm:fillClrLst meth="repeat">
+      <a:schemeClr val="accent5"/>
     </dgm:fillClrLst>
     <dgm:linClrLst meth="repeat">
       <a:schemeClr val="lt1"/>
@@ -2734,22 +2752,10 @@
   </dgm:styleLbl>
   <dgm:styleLbl name="alignNode1">
     <dgm:fillClrLst meth="repeat">
-      <a:schemeClr val="accent1"/>
-    </dgm:fillClrLst>
-    <dgm:linClrLst meth="repeat">
-      <a:schemeClr val="accent1"/>
-    </dgm:linClrLst>
-    <dgm:effectClrLst/>
-    <dgm:txLinClrLst/>
-    <dgm:txFillClrLst/>
-    <dgm:txEffectClrLst/>
-  </dgm:styleLbl>
-  <dgm:styleLbl name="node1">
-    <dgm:fillClrLst meth="repeat">
-      <a:schemeClr val="accent1"/>
-    </dgm:fillClrLst>
-    <dgm:linClrLst meth="repeat">
-      <a:schemeClr val="lt1"/>
+      <a:schemeClr val="accent5"/>
+    </dgm:fillClrLst>
+    <dgm:linClrLst meth="repeat">
+      <a:schemeClr val="accent5"/>
     </dgm:linClrLst>
     <dgm:effectClrLst/>
     <dgm:txLinClrLst/>
@@ -2758,7 +2764,7 @@
   </dgm:styleLbl>
   <dgm:styleLbl name="lnNode1">
     <dgm:fillClrLst meth="repeat">
-      <a:schemeClr val="accent1"/>
+      <a:schemeClr val="accent5"/>
     </dgm:fillClrLst>
     <dgm:linClrLst meth="repeat">
       <a:schemeClr val="lt1"/>
@@ -2770,7 +2776,7 @@
   </dgm:styleLbl>
   <dgm:styleLbl name="vennNode1">
     <dgm:fillClrLst meth="repeat">
-      <a:schemeClr val="accent1">
+      <a:schemeClr val="accent5">
         <a:alpha val="50000"/>
       </a:schemeClr>
     </dgm:fillClrLst>
@@ -2784,7 +2790,7 @@
   </dgm:styleLbl>
   <dgm:styleLbl name="node2">
     <dgm:fillClrLst meth="repeat">
-      <a:schemeClr val="accent1"/>
+      <a:schemeClr val="accent5"/>
     </dgm:fillClrLst>
     <dgm:linClrLst meth="repeat">
       <a:schemeClr val="lt1"/>
@@ -2796,7 +2802,7 @@
   </dgm:styleLbl>
   <dgm:styleLbl name="node3">
     <dgm:fillClrLst meth="repeat">
-      <a:schemeClr val="accent1"/>
+      <a:schemeClr val="accent5"/>
     </dgm:fillClrLst>
     <dgm:linClrLst meth="repeat">
       <a:schemeClr val="lt1"/>
@@ -2808,7 +2814,7 @@
   </dgm:styleLbl>
   <dgm:styleLbl name="node4">
     <dgm:fillClrLst meth="repeat">
-      <a:schemeClr val="accent1"/>
+      <a:schemeClr val="accent5"/>
     </dgm:fillClrLst>
     <dgm:linClrLst meth="repeat">
       <a:schemeClr val="lt1"/>
@@ -2820,7 +2826,7 @@
   </dgm:styleLbl>
   <dgm:styleLbl name="fgImgPlace1">
     <dgm:fillClrLst meth="repeat">
-      <a:schemeClr val="accent1">
+      <a:schemeClr val="accent5">
         <a:tint val="50000"/>
       </a:schemeClr>
     </dgm:fillClrLst>
@@ -2836,7 +2842,7 @@
   </dgm:styleLbl>
   <dgm:styleLbl name="alignImgPlace1">
     <dgm:fillClrLst meth="repeat">
-      <a:schemeClr val="accent1">
+      <a:schemeClr val="accent5">
         <a:tint val="50000"/>
       </a:schemeClr>
     </dgm:fillClrLst>
@@ -2852,7 +2858,7 @@
   </dgm:styleLbl>
   <dgm:styleLbl name="bgImgPlace1">
     <dgm:fillClrLst meth="repeat">
-      <a:schemeClr val="accent1">
+      <a:schemeClr val="accent5">
         <a:tint val="50000"/>
       </a:schemeClr>
     </dgm:fillClrLst>
@@ -2868,12 +2874,12 @@
   </dgm:styleLbl>
   <dgm:styleLbl name="sibTrans2D1">
     <dgm:fillClrLst meth="repeat">
-      <a:schemeClr val="accent1">
+      <a:schemeClr val="accent5">
         <a:tint val="60000"/>
       </a:schemeClr>
     </dgm:fillClrLst>
     <dgm:linClrLst meth="repeat">
-      <a:schemeClr val="accent1">
+      <a:schemeClr val="accent5">
         <a:tint val="60000"/>
       </a:schemeClr>
     </dgm:linClrLst>
@@ -2884,12 +2890,12 @@
   </dgm:styleLbl>
   <dgm:styleLbl name="fgSibTrans2D1">
     <dgm:fillClrLst meth="repeat">
-      <a:schemeClr val="accent1">
+      <a:schemeClr val="accent5">
         <a:tint val="60000"/>
       </a:schemeClr>
     </dgm:fillClrLst>
     <dgm:linClrLst meth="repeat">
-      <a:schemeClr val="accent1">
+      <a:schemeClr val="accent5">
         <a:tint val="60000"/>
       </a:schemeClr>
     </dgm:linClrLst>
@@ -2900,12 +2906,12 @@
   </dgm:styleLbl>
   <dgm:styleLbl name="bgSibTrans2D1">
     <dgm:fillClrLst meth="repeat">
-      <a:schemeClr val="accent1">
+      <a:schemeClr val="accent5">
         <a:tint val="60000"/>
       </a:schemeClr>
     </dgm:fillClrLst>
     <dgm:linClrLst meth="repeat">
-      <a:schemeClr val="accent1">
+      <a:schemeClr val="accent5">
         <a:tint val="60000"/>
       </a:schemeClr>
     </dgm:linClrLst>
@@ -2916,10 +2922,10 @@
   </dgm:styleLbl>
   <dgm:styleLbl name="sibTrans1D1">
     <dgm:fillClrLst meth="repeat">
-      <a:schemeClr val="accent1"/>
-    </dgm:fillClrLst>
-    <dgm:linClrLst meth="repeat">
-      <a:schemeClr val="accent1"/>
+      <a:schemeClr val="accent5"/>
+    </dgm:fillClrLst>
+    <dgm:linClrLst meth="repeat">
+      <a:schemeClr val="accent5"/>
     </dgm:linClrLst>
     <dgm:effectClrLst/>
     <dgm:txLinClrLst/>
@@ -2930,10 +2936,10 @@
   </dgm:styleLbl>
   <dgm:styleLbl name="callout">
     <dgm:fillClrLst meth="repeat">
-      <a:schemeClr val="accent1"/>
-    </dgm:fillClrLst>
-    <dgm:linClrLst meth="repeat">
-      <a:schemeClr val="accent1">
+      <a:schemeClr val="accent5"/>
+    </dgm:fillClrLst>
+    <dgm:linClrLst meth="repeat">
+      <a:schemeClr val="accent5">
         <a:tint val="50000"/>
       </a:schemeClr>
     </dgm:linClrLst>
@@ -2946,7 +2952,7 @@
   </dgm:styleLbl>
   <dgm:styleLbl name="asst0">
     <dgm:fillClrLst meth="repeat">
-      <a:schemeClr val="accent1"/>
+      <a:schemeClr val="accent5"/>
     </dgm:fillClrLst>
     <dgm:linClrLst meth="repeat">
       <a:schemeClr val="lt1"/>
@@ -2958,7 +2964,7 @@
   </dgm:styleLbl>
   <dgm:styleLbl name="asst1">
     <dgm:fillClrLst meth="repeat">
-      <a:schemeClr val="accent1"/>
+      <a:schemeClr val="accent5"/>
     </dgm:fillClrLst>
     <dgm:linClrLst meth="repeat">
       <a:schemeClr val="lt1"/>
@@ -2970,7 +2976,7 @@
   </dgm:styleLbl>
   <dgm:styleLbl name="asst2">
     <dgm:fillClrLst meth="repeat">
-      <a:schemeClr val="accent1"/>
+      <a:schemeClr val="accent5"/>
     </dgm:fillClrLst>
     <dgm:linClrLst meth="repeat">
       <a:schemeClr val="lt1"/>
@@ -2982,7 +2988,7 @@
   </dgm:styleLbl>
   <dgm:styleLbl name="asst3">
     <dgm:fillClrLst meth="repeat">
-      <a:schemeClr val="accent1"/>
+      <a:schemeClr val="accent5"/>
     </dgm:fillClrLst>
     <dgm:linClrLst meth="repeat">
       <a:schemeClr val="lt1"/>
@@ -2994,7 +3000,7 @@
   </dgm:styleLbl>
   <dgm:styleLbl name="asst4">
     <dgm:fillClrLst meth="repeat">
-      <a:schemeClr val="accent1"/>
+      <a:schemeClr val="accent5"/>
     </dgm:fillClrLst>
     <dgm:linClrLst meth="repeat">
       <a:schemeClr val="lt1"/>
@@ -3006,12 +3012,12 @@
   </dgm:styleLbl>
   <dgm:styleLbl name="parChTrans2D1">
     <dgm:fillClrLst meth="repeat">
-      <a:schemeClr val="accent1">
+      <a:schemeClr val="accent5">
         <a:tint val="60000"/>
       </a:schemeClr>
     </dgm:fillClrLst>
     <dgm:linClrLst meth="repeat">
-      <a:schemeClr val="accent1">
+      <a:schemeClr val="accent5">
         <a:tint val="60000"/>
       </a:schemeClr>
     </dgm:linClrLst>
@@ -3024,10 +3030,10 @@
   </dgm:styleLbl>
   <dgm:styleLbl name="parChTrans2D2">
     <dgm:fillClrLst meth="repeat">
-      <a:schemeClr val="accent1"/>
-    </dgm:fillClrLst>
-    <dgm:linClrLst meth="repeat">
-      <a:schemeClr val="accent1"/>
+      <a:schemeClr val="accent5"/>
+    </dgm:fillClrLst>
+    <dgm:linClrLst meth="repeat">
+      <a:schemeClr val="accent5"/>
     </dgm:linClrLst>
     <dgm:effectClrLst/>
     <dgm:txLinClrLst/>
@@ -3038,10 +3044,10 @@
   </dgm:styleLbl>
   <dgm:styleLbl name="parChTrans2D3">
     <dgm:fillClrLst meth="repeat">
-      <a:schemeClr val="accent1"/>
-    </dgm:fillClrLst>
-    <dgm:linClrLst meth="repeat">
-      <a:schemeClr val="accent1"/>
+      <a:schemeClr val="accent5"/>
+    </dgm:fillClrLst>
+    <dgm:linClrLst meth="repeat">
+      <a:schemeClr val="accent5"/>
     </dgm:linClrLst>
     <dgm:effectClrLst/>
     <dgm:txLinClrLst/>
@@ -3052,10 +3058,10 @@
   </dgm:styleLbl>
   <dgm:styleLbl name="parChTrans2D4">
     <dgm:fillClrLst meth="repeat">
-      <a:schemeClr val="accent1"/>
-    </dgm:fillClrLst>
-    <dgm:linClrLst meth="repeat">
-      <a:schemeClr val="accent1"/>
+      <a:schemeClr val="accent5"/>
+    </dgm:fillClrLst>
+    <dgm:linClrLst meth="repeat">
+      <a:schemeClr val="accent5"/>
     </dgm:linClrLst>
     <dgm:effectClrLst/>
     <dgm:txLinClrLst/>
@@ -3066,10 +3072,10 @@
   </dgm:styleLbl>
   <dgm:styleLbl name="parChTrans1D1">
     <dgm:fillClrLst meth="repeat">
-      <a:schemeClr val="accent1"/>
-    </dgm:fillClrLst>
-    <dgm:linClrLst meth="repeat">
-      <a:schemeClr val="accent1">
+      <a:schemeClr val="accent5"/>
+    </dgm:fillClrLst>
+    <dgm:linClrLst meth="repeat">
+      <a:schemeClr val="accent5">
         <a:shade val="60000"/>
       </a:schemeClr>
     </dgm:linClrLst>
@@ -3082,10 +3088,10 @@
   </dgm:styleLbl>
   <dgm:styleLbl name="parChTrans1D2">
     <dgm:fillClrLst meth="repeat">
-      <a:schemeClr val="accent1"/>
-    </dgm:fillClrLst>
-    <dgm:linClrLst meth="repeat">
-      <a:schemeClr val="accent1">
+      <a:schemeClr val="accent5"/>
+    </dgm:fillClrLst>
+    <dgm:linClrLst meth="repeat">
+      <a:schemeClr val="accent5">
         <a:shade val="60000"/>
       </a:schemeClr>
     </dgm:linClrLst>
@@ -3098,10 +3104,10 @@
   </dgm:styleLbl>
   <dgm:styleLbl name="parChTrans1D3">
     <dgm:fillClrLst meth="repeat">
-      <a:schemeClr val="accent1"/>
-    </dgm:fillClrLst>
-    <dgm:linClrLst meth="repeat">
-      <a:schemeClr val="accent1">
+      <a:schemeClr val="accent5"/>
+    </dgm:fillClrLst>
+    <dgm:linClrLst meth="repeat">
+      <a:schemeClr val="accent5">
         <a:shade val="80000"/>
       </a:schemeClr>
     </dgm:linClrLst>
@@ -3114,10 +3120,10 @@
   </dgm:styleLbl>
   <dgm:styleLbl name="parChTrans1D4">
     <dgm:fillClrLst meth="repeat">
-      <a:schemeClr val="accent1"/>
-    </dgm:fillClrLst>
-    <dgm:linClrLst meth="repeat">
-      <a:schemeClr val="accent1">
+      <a:schemeClr val="accent5"/>
+    </dgm:fillClrLst>
+    <dgm:linClrLst meth="repeat">
+      <a:schemeClr val="accent5">
         <a:shade val="80000"/>
       </a:schemeClr>
     </dgm:linClrLst>
@@ -3135,7 +3141,7 @@
       </a:schemeClr>
     </dgm:fillClrLst>
     <dgm:linClrLst meth="repeat">
-      <a:schemeClr val="accent1"/>
+      <a:schemeClr val="accent5"/>
     </dgm:linClrLst>
     <dgm:effectClrLst/>
     <dgm:txLinClrLst/>
@@ -3151,7 +3157,7 @@
       </a:schemeClr>
     </dgm:fillClrLst>
     <dgm:linClrLst meth="repeat">
-      <a:schemeClr val="accent1"/>
+      <a:schemeClr val="accent5"/>
     </dgm:linClrLst>
     <dgm:effectClrLst/>
     <dgm:txLinClrLst/>
@@ -3167,7 +3173,7 @@
       </a:schemeClr>
     </dgm:fillClrLst>
     <dgm:linClrLst meth="repeat">
-      <a:schemeClr val="accent1"/>
+      <a:schemeClr val="accent5"/>
     </dgm:linClrLst>
     <dgm:effectClrLst/>
     <dgm:txLinClrLst/>
@@ -3183,7 +3189,7 @@
       </a:schemeClr>
     </dgm:fillClrLst>
     <dgm:linClrLst meth="repeat">
-      <a:schemeClr val="accent1"/>
+      <a:schemeClr val="accent5"/>
     </dgm:linClrLst>
     <dgm:effectClrLst/>
     <dgm:txLinClrLst/>
@@ -3199,7 +3205,7 @@
       </a:schemeClr>
     </dgm:fillClrLst>
     <dgm:linClrLst meth="repeat">
-      <a:schemeClr val="accent1"/>
+      <a:schemeClr val="accent5"/>
     </dgm:linClrLst>
     <dgm:effectClrLst/>
     <dgm:txLinClrLst/>
@@ -3213,7 +3219,7 @@
       <a:schemeClr val="lt1"/>
     </dgm:fillClrLst>
     <dgm:linClrLst meth="repeat">
-      <a:schemeClr val="accent1"/>
+      <a:schemeClr val="accent5"/>
     </dgm:linClrLst>
     <dgm:effectClrLst/>
     <dgm:txLinClrLst/>
@@ -3227,7 +3233,7 @@
       <a:schemeClr val="lt1"/>
     </dgm:fillClrLst>
     <dgm:linClrLst meth="repeat">
-      <a:schemeClr val="accent1"/>
+      <a:schemeClr val="accent5"/>
     </dgm:linClrLst>
     <dgm:effectClrLst/>
     <dgm:txLinClrLst/>
@@ -3241,7 +3247,7 @@
       <a:schemeClr val="lt1"/>
     </dgm:fillClrLst>
     <dgm:linClrLst meth="repeat">
-      <a:schemeClr val="accent1"/>
+      <a:schemeClr val="accent5"/>
     </dgm:linClrLst>
     <dgm:effectClrLst/>
     <dgm:txLinClrLst/>
@@ -3252,13 +3258,13 @@
   </dgm:styleLbl>
   <dgm:styleLbl name="fgAccFollowNode1">
     <dgm:fillClrLst meth="repeat">
-      <a:schemeClr val="accent1">
+      <a:schemeClr val="accent5">
         <a:alpha val="90000"/>
         <a:tint val="40000"/>
       </a:schemeClr>
     </dgm:fillClrLst>
     <dgm:linClrLst meth="repeat">
-      <a:schemeClr val="accent1">
+      <a:schemeClr val="accent5">
         <a:alpha val="90000"/>
         <a:tint val="40000"/>
       </a:schemeClr>
@@ -3272,13 +3278,13 @@
   </dgm:styleLbl>
   <dgm:styleLbl name="alignAccFollowNode1">
     <dgm:fillClrLst meth="repeat">
-      <a:schemeClr val="accent1">
+      <a:schemeClr val="accent5">
         <a:alpha val="90000"/>
         <a:tint val="40000"/>
       </a:schemeClr>
     </dgm:fillClrLst>
     <dgm:linClrLst meth="repeat">
-      <a:schemeClr val="accent1">
+      <a:schemeClr val="accent5">
         <a:alpha val="90000"/>
         <a:tint val="40000"/>
       </a:schemeClr>
@@ -3292,13 +3298,13 @@
   </dgm:styleLbl>
   <dgm:styleLbl name="bgAccFollowNode1">
     <dgm:fillClrLst meth="repeat">
-      <a:schemeClr val="accent1">
+      <a:schemeClr val="accent5">
         <a:alpha val="90000"/>
         <a:tint val="40000"/>
       </a:schemeClr>
     </dgm:fillClrLst>
     <dgm:linClrLst meth="repeat">
-      <a:schemeClr val="accent1">
+      <a:schemeClr val="accent5">
         <a:alpha val="90000"/>
         <a:tint val="40000"/>
       </a:schemeClr>
@@ -3317,7 +3323,7 @@
       </a:schemeClr>
     </dgm:fillClrLst>
     <dgm:linClrLst meth="repeat">
-      <a:schemeClr val="accent1"/>
+      <a:schemeClr val="accent5"/>
     </dgm:linClrLst>
     <dgm:effectClrLst/>
     <dgm:txLinClrLst/>
@@ -3333,7 +3339,7 @@
       </a:schemeClr>
     </dgm:fillClrLst>
     <dgm:linClrLst meth="repeat">
-      <a:schemeClr val="accent1"/>
+      <a:schemeClr val="accent5"/>
     </dgm:linClrLst>
     <dgm:effectClrLst/>
     <dgm:txLinClrLst/>
@@ -3349,7 +3355,7 @@
       </a:schemeClr>
     </dgm:fillClrLst>
     <dgm:linClrLst meth="repeat">
-      <a:schemeClr val="accent1"/>
+      <a:schemeClr val="accent5"/>
     </dgm:linClrLst>
     <dgm:effectClrLst/>
     <dgm:txLinClrLst/>
@@ -3365,7 +3371,7 @@
       </a:schemeClr>
     </dgm:fillClrLst>
     <dgm:linClrLst meth="repeat">
-      <a:schemeClr val="accent1"/>
+      <a:schemeClr val="accent5"/>
     </dgm:linClrLst>
     <dgm:effectClrLst/>
     <dgm:txLinClrLst/>
@@ -3376,12 +3382,12 @@
   </dgm:styleLbl>
   <dgm:styleLbl name="bgShp">
     <dgm:fillClrLst meth="repeat">
-      <a:schemeClr val="accent1">
+      <a:schemeClr val="accent5">
         <a:tint val="40000"/>
       </a:schemeClr>
     </dgm:fillClrLst>
     <dgm:linClrLst meth="repeat">
-      <a:schemeClr val="accent1"/>
+      <a:schemeClr val="accent5"/>
     </dgm:linClrLst>
     <dgm:effectClrLst/>
     <dgm:txLinClrLst/>
@@ -3392,12 +3398,12 @@
   </dgm:styleLbl>
   <dgm:styleLbl name="dkBgShp">
     <dgm:fillClrLst meth="repeat">
-      <a:schemeClr val="accent1">
+      <a:schemeClr val="accent5">
         <a:shade val="80000"/>
       </a:schemeClr>
     </dgm:fillClrLst>
     <dgm:linClrLst meth="repeat">
-      <a:schemeClr val="accent1"/>
+      <a:schemeClr val="accent5"/>
     </dgm:linClrLst>
     <dgm:effectClrLst/>
     <dgm:txLinClrLst/>
@@ -3408,13 +3414,13 @@
   </dgm:styleLbl>
   <dgm:styleLbl name="trBgShp">
     <dgm:fillClrLst meth="repeat">
-      <a:schemeClr val="accent1">
+      <a:schemeClr val="accent5">
         <a:tint val="50000"/>
         <a:alpha val="40000"/>
       </a:schemeClr>
     </dgm:fillClrLst>
     <dgm:linClrLst meth="repeat">
-      <a:schemeClr val="accent1"/>
+      <a:schemeClr val="accent5"/>
     </dgm:linClrLst>
     <dgm:effectClrLst/>
     <dgm:txLinClrLst/>
@@ -3425,7 +3431,7 @@
   </dgm:styleLbl>
   <dgm:styleLbl name="fgShp">
     <dgm:fillClrLst meth="repeat">
-      <a:schemeClr val="accent1">
+      <a:schemeClr val="accent5">
         <a:tint val="60000"/>
       </a:schemeClr>
     </dgm:fillClrLst>
@@ -7406,7 +7412,7 @@
 <dgm:dataModel xmlns:dgm="http://schemas.openxmlformats.org/drawingml/2006/diagram" xmlns:a="http://schemas.openxmlformats.org/drawingml/2006/main">
   <dgm:ptLst>
     <dgm:pt modelId="{372AFEC7-375E-4250-BAA9-930ACAE5BBF6}" type="doc">
-      <dgm:prSet loTypeId="urn:microsoft.com/office/officeart/2005/8/layout/hierarchy1" loCatId="hierarchy" qsTypeId="urn:microsoft.com/office/officeart/2005/8/quickstyle/simple2" qsCatId="simple" csTypeId="urn:microsoft.com/office/officeart/2005/8/colors/accent1_2" csCatId="accent1" phldr="1"/>
+      <dgm:prSet loTypeId="urn:microsoft.com/office/officeart/2005/8/layout/hierarchy1" loCatId="hierarchy" qsTypeId="urn:microsoft.com/office/officeart/2005/8/quickstyle/simple1" qsCatId="simple" csTypeId="urn:microsoft.com/office/officeart/2005/8/colors/accent2_2" csCatId="accent2" phldr="1"/>
       <dgm:spPr/>
       <dgm:t>
         <a:bodyPr/>
@@ -7424,10 +7430,42 @@
         <a:lstStyle/>
         <a:p>
           <a:r>
-            <a:rPr lang="tr-TR"/>
-            <a:t>Spring framewrork’ünden biri olan Spring Batch, batch processing (toplu işleme) için tasarlanmıştır.</a:t>
+            <a:rPr lang="tr-TR" dirty="0"/>
+            <a:t>Spring </a:t>
           </a:r>
-          <a:endParaRPr lang="en-US"/>
+          <a:r>
+            <a:rPr lang="tr-TR" dirty="0" err="1"/>
+            <a:t>framework’ünden</a:t>
+          </a:r>
+          <a:r>
+            <a:rPr lang="tr-TR" dirty="0"/>
+            <a:t> biri olan Spring </a:t>
+          </a:r>
+          <a:r>
+            <a:rPr lang="tr-TR" dirty="0" err="1"/>
+            <a:t>Batch</a:t>
+          </a:r>
+          <a:r>
+            <a:rPr lang="tr-TR" dirty="0"/>
+            <a:t>, </a:t>
+          </a:r>
+          <a:r>
+            <a:rPr lang="tr-TR" dirty="0" err="1"/>
+            <a:t>batch</a:t>
+          </a:r>
+          <a:r>
+            <a:rPr lang="tr-TR" dirty="0"/>
+            <a:t> </a:t>
+          </a:r>
+          <a:r>
+            <a:rPr lang="tr-TR" dirty="0" err="1"/>
+            <a:t>processing</a:t>
+          </a:r>
+          <a:r>
+            <a:rPr lang="tr-TR" dirty="0"/>
+            <a:t> (toplu işleme) için tasarlanmıştır.</a:t>
+          </a:r>
+          <a:endParaRPr lang="en-US" dirty="0"/>
         </a:p>
       </dgm:t>
     </dgm:pt>
@@ -7498,7 +7536,7 @@
         </a:p>
       </dgm:t>
     </dgm:pt>
-    <dgm:pt modelId="{FBD1C52D-F98A-8B4C-8ED5-6DE4A77D35EC}" type="pres">
+    <dgm:pt modelId="{DF712B9E-91AA-DA42-A3A9-7903A967B3E1}" type="pres">
       <dgm:prSet presAssocID="{372AFEC7-375E-4250-BAA9-930ACAE5BBF6}" presName="hierChild1" presStyleCnt="0">
         <dgm:presLayoutVars>
           <dgm:chPref val="1"/>
@@ -7510,19 +7548,19 @@
       </dgm:prSet>
       <dgm:spPr/>
     </dgm:pt>
-    <dgm:pt modelId="{99598624-BE8A-3F4A-A93A-9D51A26EB801}" type="pres">
+    <dgm:pt modelId="{BD7B16B0-3FE3-0040-A84C-A2E4BF66D8E4}" type="pres">
       <dgm:prSet presAssocID="{C9472450-605A-4519-8D04-9E7891937174}" presName="hierRoot1" presStyleCnt="0"/>
       <dgm:spPr/>
     </dgm:pt>
-    <dgm:pt modelId="{6AFDC110-9549-2D43-8624-A8A0DEDF71F4}" type="pres">
+    <dgm:pt modelId="{7AE54EF5-7A4E-BA44-8F9A-6C358EEA5D08}" type="pres">
       <dgm:prSet presAssocID="{C9472450-605A-4519-8D04-9E7891937174}" presName="composite" presStyleCnt="0"/>
       <dgm:spPr/>
     </dgm:pt>
-    <dgm:pt modelId="{5C79826F-8381-1F41-97CF-55F179378F74}" type="pres">
+    <dgm:pt modelId="{268EEDB8-65E9-1B49-9701-11C6A92314BC}" type="pres">
       <dgm:prSet presAssocID="{C9472450-605A-4519-8D04-9E7891937174}" presName="background" presStyleLbl="node0" presStyleIdx="0" presStyleCnt="2"/>
       <dgm:spPr/>
     </dgm:pt>
-    <dgm:pt modelId="{73E21B9C-F096-1746-ADBF-AD8B949A0D7E}" type="pres">
+    <dgm:pt modelId="{056E599C-E035-3746-B9EB-494E8CE03ADD}" type="pres">
       <dgm:prSet presAssocID="{C9472450-605A-4519-8D04-9E7891937174}" presName="text" presStyleLbl="fgAcc0" presStyleIdx="0" presStyleCnt="2">
         <dgm:presLayoutVars>
           <dgm:chPref val="3"/>
@@ -7530,23 +7568,23 @@
       </dgm:prSet>
       <dgm:spPr/>
     </dgm:pt>
-    <dgm:pt modelId="{4CBF9085-90CF-6D4D-B5C0-1145F185993E}" type="pres">
+    <dgm:pt modelId="{CC4EC4E4-CC5A-4B47-BB7B-E037E481498B}" type="pres">
       <dgm:prSet presAssocID="{C9472450-605A-4519-8D04-9E7891937174}" presName="hierChild2" presStyleCnt="0"/>
       <dgm:spPr/>
     </dgm:pt>
-    <dgm:pt modelId="{9574BE0E-4A7E-BA48-8232-8174EA157C0B}" type="pres">
+    <dgm:pt modelId="{94174CB5-CD89-AB47-AD7E-D464009787CC}" type="pres">
       <dgm:prSet presAssocID="{4BE6F5BF-6795-4811-9237-E6E54AFB3EAA}" presName="hierRoot1" presStyleCnt="0"/>
       <dgm:spPr/>
     </dgm:pt>
-    <dgm:pt modelId="{83BD72CB-5EFB-D34C-8D2C-F1FA4CC1C624}" type="pres">
+    <dgm:pt modelId="{A89B0E20-96C1-3E41-BF8C-9A3281345FEA}" type="pres">
       <dgm:prSet presAssocID="{4BE6F5BF-6795-4811-9237-E6E54AFB3EAA}" presName="composite" presStyleCnt="0"/>
       <dgm:spPr/>
     </dgm:pt>
-    <dgm:pt modelId="{CF468B61-8B65-1047-B543-E199129256C5}" type="pres">
+    <dgm:pt modelId="{9608D0B5-DBA1-824B-A22B-EEC3727B394C}" type="pres">
       <dgm:prSet presAssocID="{4BE6F5BF-6795-4811-9237-E6E54AFB3EAA}" presName="background" presStyleLbl="node0" presStyleIdx="1" presStyleCnt="2"/>
       <dgm:spPr/>
     </dgm:pt>
-    <dgm:pt modelId="{CD18FC46-3EAD-5048-A78A-B911B0D060FC}" type="pres">
+    <dgm:pt modelId="{25A11C61-5872-1C43-B582-838998421EE2}" type="pres">
       <dgm:prSet presAssocID="{4BE6F5BF-6795-4811-9237-E6E54AFB3EAA}" presName="text" presStyleLbl="fgAcc0" presStyleIdx="1" presStyleCnt="2">
         <dgm:presLayoutVars>
           <dgm:chPref val="3"/>
@@ -7554,27 +7592,27 @@
       </dgm:prSet>
       <dgm:spPr/>
     </dgm:pt>
-    <dgm:pt modelId="{7CA66257-B602-9740-B3E0-0393F71310F1}" type="pres">
+    <dgm:pt modelId="{7BA03E6F-4727-2140-9289-DE638C9AB712}" type="pres">
       <dgm:prSet presAssocID="{4BE6F5BF-6795-4811-9237-E6E54AFB3EAA}" presName="hierChild2" presStyleCnt="0"/>
       <dgm:spPr/>
     </dgm:pt>
   </dgm:ptLst>
   <dgm:cxnLst>
-    <dgm:cxn modelId="{14678006-E127-354A-B7B4-0A0A2A4AEE56}" type="presOf" srcId="{4BE6F5BF-6795-4811-9237-E6E54AFB3EAA}" destId="{CD18FC46-3EAD-5048-A78A-B911B0D060FC}" srcOrd="0" destOrd="0" presId="urn:microsoft.com/office/officeart/2005/8/layout/hierarchy1"/>
     <dgm:cxn modelId="{C916942E-9109-44FF-B3DE-E2626EA838BF}" srcId="{372AFEC7-375E-4250-BAA9-930ACAE5BBF6}" destId="{C9472450-605A-4519-8D04-9E7891937174}" srcOrd="0" destOrd="0" parTransId="{2D2B1606-6509-4A5F-A366-5C85A50C5876}" sibTransId="{53C4091F-CCB3-4DCC-8CA3-F17D2A81D060}"/>
+    <dgm:cxn modelId="{59CAAB3E-64FB-FD4D-85C8-58F925821A22}" type="presOf" srcId="{372AFEC7-375E-4250-BAA9-930ACAE5BBF6}" destId="{DF712B9E-91AA-DA42-A3A9-7903A967B3E1}" srcOrd="0" destOrd="0" presId="urn:microsoft.com/office/officeart/2005/8/layout/hierarchy1"/>
     <dgm:cxn modelId="{D176BD4E-0A8A-44E4-8926-4C459E7AFCA0}" srcId="{372AFEC7-375E-4250-BAA9-930ACAE5BBF6}" destId="{4BE6F5BF-6795-4811-9237-E6E54AFB3EAA}" srcOrd="1" destOrd="0" parTransId="{E23F7AA4-AE43-48B6-A8BB-54AA97DE32EB}" sibTransId="{74E8A344-34E5-4600-8330-0034FAEEBA52}"/>
-    <dgm:cxn modelId="{1A9F9C5D-33C1-6742-92B4-BC08A384250D}" type="presOf" srcId="{C9472450-605A-4519-8D04-9E7891937174}" destId="{73E21B9C-F096-1746-ADBF-AD8B949A0D7E}" srcOrd="0" destOrd="0" presId="urn:microsoft.com/office/officeart/2005/8/layout/hierarchy1"/>
-    <dgm:cxn modelId="{68A7E8DB-7C48-DF41-A788-9F23E5ED5151}" type="presOf" srcId="{372AFEC7-375E-4250-BAA9-930ACAE5BBF6}" destId="{FBD1C52D-F98A-8B4C-8ED5-6DE4A77D35EC}" srcOrd="0" destOrd="0" presId="urn:microsoft.com/office/officeart/2005/8/layout/hierarchy1"/>
-    <dgm:cxn modelId="{D6344ABE-96EF-6244-A875-0E4CF3CCA2B1}" type="presParOf" srcId="{FBD1C52D-F98A-8B4C-8ED5-6DE4A77D35EC}" destId="{99598624-BE8A-3F4A-A93A-9D51A26EB801}" srcOrd="0" destOrd="0" presId="urn:microsoft.com/office/officeart/2005/8/layout/hierarchy1"/>
-    <dgm:cxn modelId="{4CC622BA-6899-A84F-AE0F-0F98F08574E1}" type="presParOf" srcId="{99598624-BE8A-3F4A-A93A-9D51A26EB801}" destId="{6AFDC110-9549-2D43-8624-A8A0DEDF71F4}" srcOrd="0" destOrd="0" presId="urn:microsoft.com/office/officeart/2005/8/layout/hierarchy1"/>
-    <dgm:cxn modelId="{438E709C-07B7-FA41-A059-1C348DC9A1FB}" type="presParOf" srcId="{6AFDC110-9549-2D43-8624-A8A0DEDF71F4}" destId="{5C79826F-8381-1F41-97CF-55F179378F74}" srcOrd="0" destOrd="0" presId="urn:microsoft.com/office/officeart/2005/8/layout/hierarchy1"/>
-    <dgm:cxn modelId="{A48346C7-83ED-3748-B4B0-A85A0DE3622F}" type="presParOf" srcId="{6AFDC110-9549-2D43-8624-A8A0DEDF71F4}" destId="{73E21B9C-F096-1746-ADBF-AD8B949A0D7E}" srcOrd="1" destOrd="0" presId="urn:microsoft.com/office/officeart/2005/8/layout/hierarchy1"/>
-    <dgm:cxn modelId="{DA77F93E-6461-904E-94AF-6E99F884E9D3}" type="presParOf" srcId="{99598624-BE8A-3F4A-A93A-9D51A26EB801}" destId="{4CBF9085-90CF-6D4D-B5C0-1145F185993E}" srcOrd="1" destOrd="0" presId="urn:microsoft.com/office/officeart/2005/8/layout/hierarchy1"/>
-    <dgm:cxn modelId="{A18126D3-90B9-184A-B0A5-65F44D29C2A0}" type="presParOf" srcId="{FBD1C52D-F98A-8B4C-8ED5-6DE4A77D35EC}" destId="{9574BE0E-4A7E-BA48-8232-8174EA157C0B}" srcOrd="1" destOrd="0" presId="urn:microsoft.com/office/officeart/2005/8/layout/hierarchy1"/>
-    <dgm:cxn modelId="{DBCC8B1E-F4C6-6845-B5CD-03ECA3419151}" type="presParOf" srcId="{9574BE0E-4A7E-BA48-8232-8174EA157C0B}" destId="{83BD72CB-5EFB-D34C-8D2C-F1FA4CC1C624}" srcOrd="0" destOrd="0" presId="urn:microsoft.com/office/officeart/2005/8/layout/hierarchy1"/>
-    <dgm:cxn modelId="{BF0220B5-028D-694C-9304-2ACC587593D3}" type="presParOf" srcId="{83BD72CB-5EFB-D34C-8D2C-F1FA4CC1C624}" destId="{CF468B61-8B65-1047-B543-E199129256C5}" srcOrd="0" destOrd="0" presId="urn:microsoft.com/office/officeart/2005/8/layout/hierarchy1"/>
-    <dgm:cxn modelId="{5FBC4033-1146-D841-9271-C3462611695C}" type="presParOf" srcId="{83BD72CB-5EFB-D34C-8D2C-F1FA4CC1C624}" destId="{CD18FC46-3EAD-5048-A78A-B911B0D060FC}" srcOrd="1" destOrd="0" presId="urn:microsoft.com/office/officeart/2005/8/layout/hierarchy1"/>
-    <dgm:cxn modelId="{6694A446-1C9F-B545-8E2E-270754C30DD9}" type="presParOf" srcId="{9574BE0E-4A7E-BA48-8232-8174EA157C0B}" destId="{7CA66257-B602-9740-B3E0-0393F71310F1}" srcOrd="1" destOrd="0" presId="urn:microsoft.com/office/officeart/2005/8/layout/hierarchy1"/>
+    <dgm:cxn modelId="{28AABAA6-4DE0-C346-ABB7-C9B06ADBC664}" type="presOf" srcId="{4BE6F5BF-6795-4811-9237-E6E54AFB3EAA}" destId="{25A11C61-5872-1C43-B582-838998421EE2}" srcOrd="0" destOrd="0" presId="urn:microsoft.com/office/officeart/2005/8/layout/hierarchy1"/>
+    <dgm:cxn modelId="{F1CD5CC0-D66B-7A45-8CF3-22AADCADA298}" type="presOf" srcId="{C9472450-605A-4519-8D04-9E7891937174}" destId="{056E599C-E035-3746-B9EB-494E8CE03ADD}" srcOrd="0" destOrd="0" presId="urn:microsoft.com/office/officeart/2005/8/layout/hierarchy1"/>
+    <dgm:cxn modelId="{EFC08BE4-ACA3-C742-A6E2-5D4B1D5E520B}" type="presParOf" srcId="{DF712B9E-91AA-DA42-A3A9-7903A967B3E1}" destId="{BD7B16B0-3FE3-0040-A84C-A2E4BF66D8E4}" srcOrd="0" destOrd="0" presId="urn:microsoft.com/office/officeart/2005/8/layout/hierarchy1"/>
+    <dgm:cxn modelId="{B8850DA5-8872-E74E-ACA5-FD2B3A98ACAD}" type="presParOf" srcId="{BD7B16B0-3FE3-0040-A84C-A2E4BF66D8E4}" destId="{7AE54EF5-7A4E-BA44-8F9A-6C358EEA5D08}" srcOrd="0" destOrd="0" presId="urn:microsoft.com/office/officeart/2005/8/layout/hierarchy1"/>
+    <dgm:cxn modelId="{631C8F91-1C11-B242-B645-5FB07F3D4F57}" type="presParOf" srcId="{7AE54EF5-7A4E-BA44-8F9A-6C358EEA5D08}" destId="{268EEDB8-65E9-1B49-9701-11C6A92314BC}" srcOrd="0" destOrd="0" presId="urn:microsoft.com/office/officeart/2005/8/layout/hierarchy1"/>
+    <dgm:cxn modelId="{9B2A659D-D1D9-274D-9746-CACBC04534AF}" type="presParOf" srcId="{7AE54EF5-7A4E-BA44-8F9A-6C358EEA5D08}" destId="{056E599C-E035-3746-B9EB-494E8CE03ADD}" srcOrd="1" destOrd="0" presId="urn:microsoft.com/office/officeart/2005/8/layout/hierarchy1"/>
+    <dgm:cxn modelId="{7FA39C57-4BC5-2943-848C-02490560BCD7}" type="presParOf" srcId="{BD7B16B0-3FE3-0040-A84C-A2E4BF66D8E4}" destId="{CC4EC4E4-CC5A-4B47-BB7B-E037E481498B}" srcOrd="1" destOrd="0" presId="urn:microsoft.com/office/officeart/2005/8/layout/hierarchy1"/>
+    <dgm:cxn modelId="{5CF5EC0C-7B57-8648-BACF-B91EBFD6FB88}" type="presParOf" srcId="{DF712B9E-91AA-DA42-A3A9-7903A967B3E1}" destId="{94174CB5-CD89-AB47-AD7E-D464009787CC}" srcOrd="1" destOrd="0" presId="urn:microsoft.com/office/officeart/2005/8/layout/hierarchy1"/>
+    <dgm:cxn modelId="{EF48C855-CAF6-B843-849C-B7708A7F7970}" type="presParOf" srcId="{94174CB5-CD89-AB47-AD7E-D464009787CC}" destId="{A89B0E20-96C1-3E41-BF8C-9A3281345FEA}" srcOrd="0" destOrd="0" presId="urn:microsoft.com/office/officeart/2005/8/layout/hierarchy1"/>
+    <dgm:cxn modelId="{81461155-229F-F34D-9569-70BE6C6D467E}" type="presParOf" srcId="{A89B0E20-96C1-3E41-BF8C-9A3281345FEA}" destId="{9608D0B5-DBA1-824B-A22B-EEC3727B394C}" srcOrd="0" destOrd="0" presId="urn:microsoft.com/office/officeart/2005/8/layout/hierarchy1"/>
+    <dgm:cxn modelId="{71FB5E18-6EF8-714F-9B5A-3CBCABA337C7}" type="presParOf" srcId="{A89B0E20-96C1-3E41-BF8C-9A3281345FEA}" destId="{25A11C61-5872-1C43-B582-838998421EE2}" srcOrd="1" destOrd="0" presId="urn:microsoft.com/office/officeart/2005/8/layout/hierarchy1"/>
+    <dgm:cxn modelId="{705E3DD7-49B2-2346-A011-148C14773C18}" type="presParOf" srcId="{94174CB5-CD89-AB47-AD7E-D464009787CC}" destId="{7BA03E6F-4727-2140-9289-DE638C9AB712}" srcOrd="1" destOrd="0" presId="urn:microsoft.com/office/officeart/2005/8/layout/hierarchy1"/>
   </dgm:cxnLst>
   <dgm:bg/>
   <dgm:whole/>
@@ -7590,7 +7628,7 @@
 <dgm:dataModel xmlns:dgm="http://schemas.openxmlformats.org/drawingml/2006/diagram" xmlns:a="http://schemas.openxmlformats.org/drawingml/2006/main">
   <dgm:ptLst>
     <dgm:pt modelId="{189266E7-6626-42A8-AC4C-69838B83BF9F}" type="doc">
-      <dgm:prSet loTypeId="urn:microsoft.com/office/officeart/2018/2/layout/IconLabelList" loCatId="icon" qsTypeId="urn:microsoft.com/office/officeart/2005/8/quickstyle/simple1" qsCatId="simple" csTypeId="urn:microsoft.com/office/officeart/2018/5/colors/Iconchunking_neutralbg_colorful1" csCatId="colorful" phldr="1"/>
+      <dgm:prSet loTypeId="urn:microsoft.com/office/officeart/2018/2/layout/IconVerticalSolidList" loCatId="icon" qsTypeId="urn:microsoft.com/office/officeart/2005/8/quickstyle/simple1" qsCatId="simple" csTypeId="urn:microsoft.com/office/officeart/2018/5/colors/Iconchunking_neutralbg_colorful1" csCatId="colorful" phldr="1"/>
       <dgm:spPr/>
       <dgm:t>
         <a:bodyPr/>
@@ -7607,6 +7645,11 @@
         <a:bodyPr/>
         <a:lstStyle/>
         <a:p>
+          <a:pPr>
+            <a:lnSpc>
+              <a:spcPct val="100000"/>
+            </a:lnSpc>
+          </a:pPr>
           <a:r>
             <a:rPr lang="tr-TR" b="1" dirty="0" err="1"/>
             <a:t>Scalability</a:t>
@@ -7652,6 +7695,11 @@
         <a:bodyPr/>
         <a:lstStyle/>
         <a:p>
+          <a:pPr>
+            <a:lnSpc>
+              <a:spcPct val="100000"/>
+            </a:lnSpc>
+          </a:pPr>
           <a:r>
             <a:rPr lang="tr-TR" b="1"/>
             <a:t>Fault Tolerance (Hata Toleransı) : </a:t>
@@ -7693,6 +7741,11 @@
         <a:bodyPr/>
         <a:lstStyle/>
         <a:p>
+          <a:pPr>
+            <a:lnSpc>
+              <a:spcPct val="100000"/>
+            </a:lnSpc>
+          </a:pPr>
           <a:r>
             <a:rPr lang="tr-TR" b="1"/>
             <a:t>Transactional Integrity (İşlem Bütünlüğü) : </a:t>
@@ -7734,6 +7787,11 @@
         <a:bodyPr/>
         <a:lstStyle/>
         <a:p>
+          <a:pPr>
+            <a:lnSpc>
+              <a:spcPct val="100000"/>
+            </a:lnSpc>
+          </a:pPr>
           <a:r>
             <a:rPr lang="tr-TR" b="1"/>
             <a:t>Parallel Processing (Paralel İşleme) : </a:t>
@@ -7768,7 +7826,7 @@
         </a:p>
       </dgm:t>
     </dgm:pt>
-    <dgm:pt modelId="{7535BBF6-C4A5-48BC-AD2A-B2D279A4CC07}" type="pres">
+    <dgm:pt modelId="{FD383B6D-269C-4BBE-B11D-8B5320223B8F}" type="pres">
       <dgm:prSet presAssocID="{189266E7-6626-42A8-AC4C-69838B83BF9F}" presName="root" presStyleCnt="0">
         <dgm:presLayoutVars>
           <dgm:dir/>
@@ -7777,11 +7835,15 @@
       </dgm:prSet>
       <dgm:spPr/>
     </dgm:pt>
-    <dgm:pt modelId="{34E04FA7-A792-44CF-990C-F4A40215409D}" type="pres">
+    <dgm:pt modelId="{F3F52749-2C7A-4474-8420-83C4DB334FCD}" type="pres">
       <dgm:prSet presAssocID="{62B26F37-FA1F-4779-B8AC-728CA51871F0}" presName="compNode" presStyleCnt="0"/>
       <dgm:spPr/>
     </dgm:pt>
-    <dgm:pt modelId="{B1204EAC-A6B3-4301-AEE4-84151B6785B8}" type="pres">
+    <dgm:pt modelId="{7BDFB228-D8E3-4F08-A6D3-E8C6C48447FB}" type="pres">
+      <dgm:prSet presAssocID="{62B26F37-FA1F-4779-B8AC-728CA51871F0}" presName="bgRect" presStyleLbl="bgShp" presStyleIdx="0" presStyleCnt="4"/>
+      <dgm:spPr/>
+    </dgm:pt>
+    <dgm:pt modelId="{8DC68B68-5D22-4021-B2DC-CFEAF1013159}" type="pres">
       <dgm:prSet presAssocID="{62B26F37-FA1F-4779-B8AC-728CA51871F0}" presName="iconRect" presStyleLbl="node1" presStyleIdx="0" presStyleCnt="4"/>
       <dgm:spPr>
         <a:blipFill>
@@ -7809,28 +7871,32 @@
         </a:ext>
       </dgm:extLst>
     </dgm:pt>
-    <dgm:pt modelId="{0DA5D6F9-3B63-4373-932F-8EEB6DB11B13}" type="pres">
+    <dgm:pt modelId="{B1C5FC9C-BA1E-4AFB-A602-E6F254D368F8}" type="pres">
       <dgm:prSet presAssocID="{62B26F37-FA1F-4779-B8AC-728CA51871F0}" presName="spaceRect" presStyleCnt="0"/>
       <dgm:spPr/>
     </dgm:pt>
-    <dgm:pt modelId="{C2A85639-9B07-463E-8E13-C7C8A35CD159}" type="pres">
-      <dgm:prSet presAssocID="{62B26F37-FA1F-4779-B8AC-728CA51871F0}" presName="textRect" presStyleLbl="revTx" presStyleIdx="0" presStyleCnt="4">
+    <dgm:pt modelId="{51C0E5B3-39DC-40B5-8878-3504A5748E1A}" type="pres">
+      <dgm:prSet presAssocID="{62B26F37-FA1F-4779-B8AC-728CA51871F0}" presName="parTx" presStyleLbl="revTx" presStyleIdx="0" presStyleCnt="4">
         <dgm:presLayoutVars>
-          <dgm:chMax val="1"/>
-          <dgm:chPref val="1"/>
+          <dgm:chMax val="0"/>
+          <dgm:chPref val="0"/>
         </dgm:presLayoutVars>
       </dgm:prSet>
       <dgm:spPr/>
     </dgm:pt>
-    <dgm:pt modelId="{E2294475-842A-4011-A925-E3C71DF558CD}" type="pres">
+    <dgm:pt modelId="{A85D98D7-E37C-44B7-AA43-3053D0C61646}" type="pres">
       <dgm:prSet presAssocID="{2C2661C0-3B26-4951-8E78-238D4B85726E}" presName="sibTrans" presStyleCnt="0"/>
       <dgm:spPr/>
     </dgm:pt>
-    <dgm:pt modelId="{8547DC3F-475C-41F4-8293-65C4713E8A88}" type="pres">
+    <dgm:pt modelId="{9655D009-078E-4AD1-8C79-981D6C2C9350}" type="pres">
       <dgm:prSet presAssocID="{252BC273-1C0D-4FC8-96FB-8ADDBB05DC66}" presName="compNode" presStyleCnt="0"/>
       <dgm:spPr/>
     </dgm:pt>
-    <dgm:pt modelId="{48928132-9D4F-48DB-834A-11EC91EB542A}" type="pres">
+    <dgm:pt modelId="{A51678B3-88B1-461D-A1E9-63511F83E0D1}" type="pres">
+      <dgm:prSet presAssocID="{252BC273-1C0D-4FC8-96FB-8ADDBB05DC66}" presName="bgRect" presStyleLbl="bgShp" presStyleIdx="1" presStyleCnt="4"/>
+      <dgm:spPr/>
+    </dgm:pt>
+    <dgm:pt modelId="{5ED2EEF5-62CA-4F99-A0CB-452EF3A97A18}" type="pres">
       <dgm:prSet presAssocID="{252BC273-1C0D-4FC8-96FB-8ADDBB05DC66}" presName="iconRect" presStyleLbl="node1" presStyleIdx="1" presStyleCnt="4"/>
       <dgm:spPr>
         <a:blipFill>
@@ -7858,28 +7924,32 @@
         </a:ext>
       </dgm:extLst>
     </dgm:pt>
-    <dgm:pt modelId="{14E8B031-0605-4D68-9FC4-3BC4819D478E}" type="pres">
+    <dgm:pt modelId="{E8CA874E-5F3D-4919-ADB6-3E952392F412}" type="pres">
       <dgm:prSet presAssocID="{252BC273-1C0D-4FC8-96FB-8ADDBB05DC66}" presName="spaceRect" presStyleCnt="0"/>
       <dgm:spPr/>
     </dgm:pt>
-    <dgm:pt modelId="{1DE52405-FF29-4F8D-B547-13BA74E55A53}" type="pres">
-      <dgm:prSet presAssocID="{252BC273-1C0D-4FC8-96FB-8ADDBB05DC66}" presName="textRect" presStyleLbl="revTx" presStyleIdx="1" presStyleCnt="4">
+    <dgm:pt modelId="{4AA87CBF-8673-42FC-A6D3-FADFAD257889}" type="pres">
+      <dgm:prSet presAssocID="{252BC273-1C0D-4FC8-96FB-8ADDBB05DC66}" presName="parTx" presStyleLbl="revTx" presStyleIdx="1" presStyleCnt="4">
         <dgm:presLayoutVars>
-          <dgm:chMax val="1"/>
-          <dgm:chPref val="1"/>
+          <dgm:chMax val="0"/>
+          <dgm:chPref val="0"/>
         </dgm:presLayoutVars>
       </dgm:prSet>
       <dgm:spPr/>
     </dgm:pt>
-    <dgm:pt modelId="{B64E0EC6-3EBF-4CDB-AF7A-D6877176A6A4}" type="pres">
+    <dgm:pt modelId="{A6B7547A-ED92-4DC6-9E11-7A2C2660E9D8}" type="pres">
       <dgm:prSet presAssocID="{78E21949-CA99-4D94-8207-719920BF5CD3}" presName="sibTrans" presStyleCnt="0"/>
       <dgm:spPr/>
     </dgm:pt>
-    <dgm:pt modelId="{0A1F6EF5-7176-47FE-8013-1A97C0BFA4DB}" type="pres">
+    <dgm:pt modelId="{FBD4E0A4-44E2-4C7A-8FC4-6790D293506F}" type="pres">
       <dgm:prSet presAssocID="{68A53EE6-54D6-46E4-BA50-26D0245AD121}" presName="compNode" presStyleCnt="0"/>
       <dgm:spPr/>
     </dgm:pt>
-    <dgm:pt modelId="{A5CDAC41-8BE3-4DA0-ABB2-68C54F335769}" type="pres">
+    <dgm:pt modelId="{E6FD23CB-3CB2-4632-BAFA-C1455BB274D9}" type="pres">
+      <dgm:prSet presAssocID="{68A53EE6-54D6-46E4-BA50-26D0245AD121}" presName="bgRect" presStyleLbl="bgShp" presStyleIdx="2" presStyleCnt="4"/>
+      <dgm:spPr/>
+    </dgm:pt>
+    <dgm:pt modelId="{EABC0173-1478-4D6F-86E0-9C39FCF6ED00}" type="pres">
       <dgm:prSet presAssocID="{68A53EE6-54D6-46E4-BA50-26D0245AD121}" presName="iconRect" presStyleLbl="node1" presStyleIdx="2" presStyleCnt="4"/>
       <dgm:spPr>
         <a:blipFill>
@@ -7907,28 +7977,32 @@
         </a:ext>
       </dgm:extLst>
     </dgm:pt>
-    <dgm:pt modelId="{71C97AF5-084E-4312-A8EE-35B4DE22EBE1}" type="pres">
+    <dgm:pt modelId="{ED83D3EC-CCC1-4E31-A89E-898F024C14DB}" type="pres">
       <dgm:prSet presAssocID="{68A53EE6-54D6-46E4-BA50-26D0245AD121}" presName="spaceRect" presStyleCnt="0"/>
       <dgm:spPr/>
     </dgm:pt>
-    <dgm:pt modelId="{03D4AFB7-BB13-4E44-8072-E81B3674471B}" type="pres">
-      <dgm:prSet presAssocID="{68A53EE6-54D6-46E4-BA50-26D0245AD121}" presName="textRect" presStyleLbl="revTx" presStyleIdx="2" presStyleCnt="4">
+    <dgm:pt modelId="{74556909-DD8B-457D-A1FA-E5F4C528024F}" type="pres">
+      <dgm:prSet presAssocID="{68A53EE6-54D6-46E4-BA50-26D0245AD121}" presName="parTx" presStyleLbl="revTx" presStyleIdx="2" presStyleCnt="4">
         <dgm:presLayoutVars>
-          <dgm:chMax val="1"/>
-          <dgm:chPref val="1"/>
+          <dgm:chMax val="0"/>
+          <dgm:chPref val="0"/>
         </dgm:presLayoutVars>
       </dgm:prSet>
       <dgm:spPr/>
     </dgm:pt>
-    <dgm:pt modelId="{E25F7675-31E7-4C1B-8A40-250A148DA4E5}" type="pres">
+    <dgm:pt modelId="{E4262E20-6118-44FD-AFAC-C0236520C51B}" type="pres">
       <dgm:prSet presAssocID="{F75DE19C-3AE9-4DCC-AFF1-8CAC758676C4}" presName="sibTrans" presStyleCnt="0"/>
       <dgm:spPr/>
     </dgm:pt>
-    <dgm:pt modelId="{2919948B-8A4E-40A7-AF0A-31DF91FAA712}" type="pres">
+    <dgm:pt modelId="{4DA36735-D531-42C5-87B4-D9ADCC58F8B4}" type="pres">
       <dgm:prSet presAssocID="{DA797695-C817-4446-AD4D-565CE42BD0C7}" presName="compNode" presStyleCnt="0"/>
       <dgm:spPr/>
     </dgm:pt>
-    <dgm:pt modelId="{4A54F2F4-AA9F-46B4-8733-F6B127B26CEB}" type="pres">
+    <dgm:pt modelId="{395B37BA-7D16-4C54-8CE2-9CC553AEB89B}" type="pres">
+      <dgm:prSet presAssocID="{DA797695-C817-4446-AD4D-565CE42BD0C7}" presName="bgRect" presStyleLbl="bgShp" presStyleIdx="3" presStyleCnt="4"/>
+      <dgm:spPr/>
+    </dgm:pt>
+    <dgm:pt modelId="{B9B63B67-1132-4914-A248-412E2869DF08}" type="pres">
       <dgm:prSet presAssocID="{DA797695-C817-4446-AD4D-565CE42BD0C7}" presName="iconRect" presStyleLbl="node1" presStyleIdx="3" presStyleCnt="4"/>
       <dgm:spPr>
         <a:blipFill>
@@ -7956,49 +8030,53 @@
         </a:ext>
       </dgm:extLst>
     </dgm:pt>
-    <dgm:pt modelId="{085AB6B6-56DC-46DD-B91B-839DF964159A}" type="pres">
+    <dgm:pt modelId="{F08E9B0F-FFE4-44B0-B5DF-0D4E766819C7}" type="pres">
       <dgm:prSet presAssocID="{DA797695-C817-4446-AD4D-565CE42BD0C7}" presName="spaceRect" presStyleCnt="0"/>
       <dgm:spPr/>
     </dgm:pt>
-    <dgm:pt modelId="{3F7C175B-829C-4945-A2DB-83CD71AF72A4}" type="pres">
-      <dgm:prSet presAssocID="{DA797695-C817-4446-AD4D-565CE42BD0C7}" presName="textRect" presStyleLbl="revTx" presStyleIdx="3" presStyleCnt="4">
+    <dgm:pt modelId="{D4C64864-61C2-47AB-B3E5-46DA1DCB64D0}" type="pres">
+      <dgm:prSet presAssocID="{DA797695-C817-4446-AD4D-565CE42BD0C7}" presName="parTx" presStyleLbl="revTx" presStyleIdx="3" presStyleCnt="4">
         <dgm:presLayoutVars>
-          <dgm:chMax val="1"/>
-          <dgm:chPref val="1"/>
+          <dgm:chMax val="0"/>
+          <dgm:chPref val="0"/>
         </dgm:presLayoutVars>
       </dgm:prSet>
       <dgm:spPr/>
     </dgm:pt>
   </dgm:ptLst>
   <dgm:cxnLst>
-    <dgm:cxn modelId="{53247217-DE1A-49A0-A95E-D9CDDB3E0790}" type="presOf" srcId="{62B26F37-FA1F-4779-B8AC-728CA51871F0}" destId="{C2A85639-9B07-463E-8E13-C7C8A35CD159}" srcOrd="0" destOrd="0" presId="urn:microsoft.com/office/officeart/2018/2/layout/IconLabelList"/>
-    <dgm:cxn modelId="{5E5B9A1A-17B6-4C04-929C-4222F95545A0}" type="presOf" srcId="{DA797695-C817-4446-AD4D-565CE42BD0C7}" destId="{3F7C175B-829C-4945-A2DB-83CD71AF72A4}" srcOrd="0" destOrd="0" presId="urn:microsoft.com/office/officeart/2018/2/layout/IconLabelList"/>
-    <dgm:cxn modelId="{AB771C6D-14D3-493B-AA34-0E489AFF7696}" type="presOf" srcId="{68A53EE6-54D6-46E4-BA50-26D0245AD121}" destId="{03D4AFB7-BB13-4E44-8072-E81B3674471B}" srcOrd="0" destOrd="0" presId="urn:microsoft.com/office/officeart/2018/2/layout/IconLabelList"/>
-    <dgm:cxn modelId="{A38FD089-40E4-4836-8031-364BA550C0F0}" type="presOf" srcId="{252BC273-1C0D-4FC8-96FB-8ADDBB05DC66}" destId="{1DE52405-FF29-4F8D-B547-13BA74E55A53}" srcOrd="0" destOrd="0" presId="urn:microsoft.com/office/officeart/2018/2/layout/IconLabelList"/>
+    <dgm:cxn modelId="{85D1D15D-BF69-7549-BDD3-F35360916F79}" type="presOf" srcId="{62B26F37-FA1F-4779-B8AC-728CA51871F0}" destId="{51C0E5B3-39DC-40B5-8878-3504A5748E1A}" srcOrd="0" destOrd="0" presId="urn:microsoft.com/office/officeart/2018/2/layout/IconVerticalSolidList"/>
+    <dgm:cxn modelId="{3517B678-FE62-A941-B3CE-239188181616}" type="presOf" srcId="{DA797695-C817-4446-AD4D-565CE42BD0C7}" destId="{D4C64864-61C2-47AB-B3E5-46DA1DCB64D0}" srcOrd="0" destOrd="0" presId="urn:microsoft.com/office/officeart/2018/2/layout/IconVerticalSolidList"/>
+    <dgm:cxn modelId="{22AB0F8C-FDE7-F547-AA7A-21CAF33914BD}" type="presOf" srcId="{68A53EE6-54D6-46E4-BA50-26D0245AD121}" destId="{74556909-DD8B-457D-A1FA-E5F4C528024F}" srcOrd="0" destOrd="0" presId="urn:microsoft.com/office/officeart/2018/2/layout/IconVerticalSolidList"/>
     <dgm:cxn modelId="{0AD8BC93-AA89-443D-AAB9-258417952596}" srcId="{189266E7-6626-42A8-AC4C-69838B83BF9F}" destId="{68A53EE6-54D6-46E4-BA50-26D0245AD121}" srcOrd="2" destOrd="0" parTransId="{A90A7411-FCE7-4448-9426-4E61DA0FB179}" sibTransId="{F75DE19C-3AE9-4DCC-AFF1-8CAC758676C4}"/>
-    <dgm:cxn modelId="{B0BB9CAD-5931-488B-ABBB-3DF1AF558E37}" type="presOf" srcId="{189266E7-6626-42A8-AC4C-69838B83BF9F}" destId="{7535BBF6-C4A5-48BC-AD2A-B2D279A4CC07}" srcOrd="0" destOrd="0" presId="urn:microsoft.com/office/officeart/2018/2/layout/IconLabelList"/>
     <dgm:cxn modelId="{15B20AB0-833F-44EB-B19F-969AFAD42AE4}" srcId="{189266E7-6626-42A8-AC4C-69838B83BF9F}" destId="{DA797695-C817-4446-AD4D-565CE42BD0C7}" srcOrd="3" destOrd="0" parTransId="{C59491D3-A378-40E8-8723-DACC1CBC9BD0}" sibTransId="{27C12036-19F6-43A0-9F6E-C36D0C7C1075}"/>
     <dgm:cxn modelId="{E14E48C3-3DE1-47B4-A466-2C57B2267247}" srcId="{189266E7-6626-42A8-AC4C-69838B83BF9F}" destId="{62B26F37-FA1F-4779-B8AC-728CA51871F0}" srcOrd="0" destOrd="0" parTransId="{38E12B95-32BA-4954-9544-5C552C0F19D0}" sibTransId="{2C2661C0-3B26-4951-8E78-238D4B85726E}"/>
     <dgm:cxn modelId="{4FB39AE0-D603-4CD8-8449-E8EAA2D75506}" srcId="{189266E7-6626-42A8-AC4C-69838B83BF9F}" destId="{252BC273-1C0D-4FC8-96FB-8ADDBB05DC66}" srcOrd="1" destOrd="0" parTransId="{09BA4F6D-B73F-4941-B8AA-563C996F61C5}" sibTransId="{78E21949-CA99-4D94-8207-719920BF5CD3}"/>
-    <dgm:cxn modelId="{8BD13FD6-B72D-4BF5-8256-9087AE5FA4CC}" type="presParOf" srcId="{7535BBF6-C4A5-48BC-AD2A-B2D279A4CC07}" destId="{34E04FA7-A792-44CF-990C-F4A40215409D}" srcOrd="0" destOrd="0" presId="urn:microsoft.com/office/officeart/2018/2/layout/IconLabelList"/>
-    <dgm:cxn modelId="{54649B12-D789-4635-A7EC-428A50FC8129}" type="presParOf" srcId="{34E04FA7-A792-44CF-990C-F4A40215409D}" destId="{B1204EAC-A6B3-4301-AEE4-84151B6785B8}" srcOrd="0" destOrd="0" presId="urn:microsoft.com/office/officeart/2018/2/layout/IconLabelList"/>
-    <dgm:cxn modelId="{A899C69E-CB3F-49A2-AA99-408C75F181F2}" type="presParOf" srcId="{34E04FA7-A792-44CF-990C-F4A40215409D}" destId="{0DA5D6F9-3B63-4373-932F-8EEB6DB11B13}" srcOrd="1" destOrd="0" presId="urn:microsoft.com/office/officeart/2018/2/layout/IconLabelList"/>
-    <dgm:cxn modelId="{54231EDF-9E1F-43D6-BCA9-2A2CF37A1DC5}" type="presParOf" srcId="{34E04FA7-A792-44CF-990C-F4A40215409D}" destId="{C2A85639-9B07-463E-8E13-C7C8A35CD159}" srcOrd="2" destOrd="0" presId="urn:microsoft.com/office/officeart/2018/2/layout/IconLabelList"/>
-    <dgm:cxn modelId="{98A1A391-7054-4379-B066-0A1941FF4CC2}" type="presParOf" srcId="{7535BBF6-C4A5-48BC-AD2A-B2D279A4CC07}" destId="{E2294475-842A-4011-A925-E3C71DF558CD}" srcOrd="1" destOrd="0" presId="urn:microsoft.com/office/officeart/2018/2/layout/IconLabelList"/>
-    <dgm:cxn modelId="{84197DAF-B142-42AC-83F0-B9FFA6B8A161}" type="presParOf" srcId="{7535BBF6-C4A5-48BC-AD2A-B2D279A4CC07}" destId="{8547DC3F-475C-41F4-8293-65C4713E8A88}" srcOrd="2" destOrd="0" presId="urn:microsoft.com/office/officeart/2018/2/layout/IconLabelList"/>
-    <dgm:cxn modelId="{E59781FF-2CDF-4A2F-9592-7C85CF189840}" type="presParOf" srcId="{8547DC3F-475C-41F4-8293-65C4713E8A88}" destId="{48928132-9D4F-48DB-834A-11EC91EB542A}" srcOrd="0" destOrd="0" presId="urn:microsoft.com/office/officeart/2018/2/layout/IconLabelList"/>
-    <dgm:cxn modelId="{6F5F5A63-AAE0-4629-8456-77245007293A}" type="presParOf" srcId="{8547DC3F-475C-41F4-8293-65C4713E8A88}" destId="{14E8B031-0605-4D68-9FC4-3BC4819D478E}" srcOrd="1" destOrd="0" presId="urn:microsoft.com/office/officeart/2018/2/layout/IconLabelList"/>
-    <dgm:cxn modelId="{62CE0820-48A4-4B63-A312-738864A82383}" type="presParOf" srcId="{8547DC3F-475C-41F4-8293-65C4713E8A88}" destId="{1DE52405-FF29-4F8D-B547-13BA74E55A53}" srcOrd="2" destOrd="0" presId="urn:microsoft.com/office/officeart/2018/2/layout/IconLabelList"/>
-    <dgm:cxn modelId="{0A629686-5EA7-4E6F-A461-26754461A9C2}" type="presParOf" srcId="{7535BBF6-C4A5-48BC-AD2A-B2D279A4CC07}" destId="{B64E0EC6-3EBF-4CDB-AF7A-D6877176A6A4}" srcOrd="3" destOrd="0" presId="urn:microsoft.com/office/officeart/2018/2/layout/IconLabelList"/>
-    <dgm:cxn modelId="{5552431E-FF53-4FCE-82B6-245E845E531D}" type="presParOf" srcId="{7535BBF6-C4A5-48BC-AD2A-B2D279A4CC07}" destId="{0A1F6EF5-7176-47FE-8013-1A97C0BFA4DB}" srcOrd="4" destOrd="0" presId="urn:microsoft.com/office/officeart/2018/2/layout/IconLabelList"/>
-    <dgm:cxn modelId="{4B0E41EA-E625-44F9-9ACF-C5151762F746}" type="presParOf" srcId="{0A1F6EF5-7176-47FE-8013-1A97C0BFA4DB}" destId="{A5CDAC41-8BE3-4DA0-ABB2-68C54F335769}" srcOrd="0" destOrd="0" presId="urn:microsoft.com/office/officeart/2018/2/layout/IconLabelList"/>
-    <dgm:cxn modelId="{C3FB074B-1B4E-4C5B-988A-FB447EA44B78}" type="presParOf" srcId="{0A1F6EF5-7176-47FE-8013-1A97C0BFA4DB}" destId="{71C97AF5-084E-4312-A8EE-35B4DE22EBE1}" srcOrd="1" destOrd="0" presId="urn:microsoft.com/office/officeart/2018/2/layout/IconLabelList"/>
-    <dgm:cxn modelId="{1A1377E1-00DA-4A9C-B8A4-95D86E107542}" type="presParOf" srcId="{0A1F6EF5-7176-47FE-8013-1A97C0BFA4DB}" destId="{03D4AFB7-BB13-4E44-8072-E81B3674471B}" srcOrd="2" destOrd="0" presId="urn:microsoft.com/office/officeart/2018/2/layout/IconLabelList"/>
-    <dgm:cxn modelId="{1383BB8E-014F-4914-BC07-0F21B836C4F1}" type="presParOf" srcId="{7535BBF6-C4A5-48BC-AD2A-B2D279A4CC07}" destId="{E25F7675-31E7-4C1B-8A40-250A148DA4E5}" srcOrd="5" destOrd="0" presId="urn:microsoft.com/office/officeart/2018/2/layout/IconLabelList"/>
-    <dgm:cxn modelId="{88CAF184-722F-4882-B4EF-89EA16A9B62D}" type="presParOf" srcId="{7535BBF6-C4A5-48BC-AD2A-B2D279A4CC07}" destId="{2919948B-8A4E-40A7-AF0A-31DF91FAA712}" srcOrd="6" destOrd="0" presId="urn:microsoft.com/office/officeart/2018/2/layout/IconLabelList"/>
-    <dgm:cxn modelId="{309A1B28-BDA7-400A-9CEC-FB5736318EB5}" type="presParOf" srcId="{2919948B-8A4E-40A7-AF0A-31DF91FAA712}" destId="{4A54F2F4-AA9F-46B4-8733-F6B127B26CEB}" srcOrd="0" destOrd="0" presId="urn:microsoft.com/office/officeart/2018/2/layout/IconLabelList"/>
-    <dgm:cxn modelId="{2746F638-4EBE-465D-9A22-65FDB8D3ABC1}" type="presParOf" srcId="{2919948B-8A4E-40A7-AF0A-31DF91FAA712}" destId="{085AB6B6-56DC-46DD-B91B-839DF964159A}" srcOrd="1" destOrd="0" presId="urn:microsoft.com/office/officeart/2018/2/layout/IconLabelList"/>
-    <dgm:cxn modelId="{3B31BEF4-AF05-4A5B-8EFF-CD5C9313C570}" type="presParOf" srcId="{2919948B-8A4E-40A7-AF0A-31DF91FAA712}" destId="{3F7C175B-829C-4945-A2DB-83CD71AF72A4}" srcOrd="2" destOrd="0" presId="urn:microsoft.com/office/officeart/2018/2/layout/IconLabelList"/>
+    <dgm:cxn modelId="{EA6AB6E3-0862-6149-A5A8-06BC0A60AE81}" type="presOf" srcId="{189266E7-6626-42A8-AC4C-69838B83BF9F}" destId="{FD383B6D-269C-4BBE-B11D-8B5320223B8F}" srcOrd="0" destOrd="0" presId="urn:microsoft.com/office/officeart/2018/2/layout/IconVerticalSolidList"/>
+    <dgm:cxn modelId="{570D61ED-AE34-2E4D-A126-5E116CCD1D20}" type="presOf" srcId="{252BC273-1C0D-4FC8-96FB-8ADDBB05DC66}" destId="{4AA87CBF-8673-42FC-A6D3-FADFAD257889}" srcOrd="0" destOrd="0" presId="urn:microsoft.com/office/officeart/2018/2/layout/IconVerticalSolidList"/>
+    <dgm:cxn modelId="{B0D68A5C-4471-8545-A588-E395389E503C}" type="presParOf" srcId="{FD383B6D-269C-4BBE-B11D-8B5320223B8F}" destId="{F3F52749-2C7A-4474-8420-83C4DB334FCD}" srcOrd="0" destOrd="0" presId="urn:microsoft.com/office/officeart/2018/2/layout/IconVerticalSolidList"/>
+    <dgm:cxn modelId="{64F65E44-964C-2449-B2B5-CE6C4BEE3E23}" type="presParOf" srcId="{F3F52749-2C7A-4474-8420-83C4DB334FCD}" destId="{7BDFB228-D8E3-4F08-A6D3-E8C6C48447FB}" srcOrd="0" destOrd="0" presId="urn:microsoft.com/office/officeart/2018/2/layout/IconVerticalSolidList"/>
+    <dgm:cxn modelId="{C2FFAA00-C48C-4340-A543-1C83C2565D19}" type="presParOf" srcId="{F3F52749-2C7A-4474-8420-83C4DB334FCD}" destId="{8DC68B68-5D22-4021-B2DC-CFEAF1013159}" srcOrd="1" destOrd="0" presId="urn:microsoft.com/office/officeart/2018/2/layout/IconVerticalSolidList"/>
+    <dgm:cxn modelId="{874EC6DB-8548-624E-9F86-4F6BB1488FD0}" type="presParOf" srcId="{F3F52749-2C7A-4474-8420-83C4DB334FCD}" destId="{B1C5FC9C-BA1E-4AFB-A602-E6F254D368F8}" srcOrd="2" destOrd="0" presId="urn:microsoft.com/office/officeart/2018/2/layout/IconVerticalSolidList"/>
+    <dgm:cxn modelId="{BC9C0556-0755-9E44-BE8A-E3561DCADD55}" type="presParOf" srcId="{F3F52749-2C7A-4474-8420-83C4DB334FCD}" destId="{51C0E5B3-39DC-40B5-8878-3504A5748E1A}" srcOrd="3" destOrd="0" presId="urn:microsoft.com/office/officeart/2018/2/layout/IconVerticalSolidList"/>
+    <dgm:cxn modelId="{D6E1905B-3384-C448-A9A1-7080B7E6B179}" type="presParOf" srcId="{FD383B6D-269C-4BBE-B11D-8B5320223B8F}" destId="{A85D98D7-E37C-44B7-AA43-3053D0C61646}" srcOrd="1" destOrd="0" presId="urn:microsoft.com/office/officeart/2018/2/layout/IconVerticalSolidList"/>
+    <dgm:cxn modelId="{65051B0F-23D0-304D-8951-D205FACAA85C}" type="presParOf" srcId="{FD383B6D-269C-4BBE-B11D-8B5320223B8F}" destId="{9655D009-078E-4AD1-8C79-981D6C2C9350}" srcOrd="2" destOrd="0" presId="urn:microsoft.com/office/officeart/2018/2/layout/IconVerticalSolidList"/>
+    <dgm:cxn modelId="{929E33D5-CF48-6C4F-ABE6-1D8F5F73BA30}" type="presParOf" srcId="{9655D009-078E-4AD1-8C79-981D6C2C9350}" destId="{A51678B3-88B1-461D-A1E9-63511F83E0D1}" srcOrd="0" destOrd="0" presId="urn:microsoft.com/office/officeart/2018/2/layout/IconVerticalSolidList"/>
+    <dgm:cxn modelId="{49630E8B-640C-CF46-BFB3-0A57BB05FA83}" type="presParOf" srcId="{9655D009-078E-4AD1-8C79-981D6C2C9350}" destId="{5ED2EEF5-62CA-4F99-A0CB-452EF3A97A18}" srcOrd="1" destOrd="0" presId="urn:microsoft.com/office/officeart/2018/2/layout/IconVerticalSolidList"/>
+    <dgm:cxn modelId="{2F20BFCD-5995-FA4C-85FB-7031719E2938}" type="presParOf" srcId="{9655D009-078E-4AD1-8C79-981D6C2C9350}" destId="{E8CA874E-5F3D-4919-ADB6-3E952392F412}" srcOrd="2" destOrd="0" presId="urn:microsoft.com/office/officeart/2018/2/layout/IconVerticalSolidList"/>
+    <dgm:cxn modelId="{66BD19F9-277B-0D47-B140-AEAEDEACA0C0}" type="presParOf" srcId="{9655D009-078E-4AD1-8C79-981D6C2C9350}" destId="{4AA87CBF-8673-42FC-A6D3-FADFAD257889}" srcOrd="3" destOrd="0" presId="urn:microsoft.com/office/officeart/2018/2/layout/IconVerticalSolidList"/>
+    <dgm:cxn modelId="{8A74DAFD-FAE0-774A-A0EE-E52FB7CDEEBC}" type="presParOf" srcId="{FD383B6D-269C-4BBE-B11D-8B5320223B8F}" destId="{A6B7547A-ED92-4DC6-9E11-7A2C2660E9D8}" srcOrd="3" destOrd="0" presId="urn:microsoft.com/office/officeart/2018/2/layout/IconVerticalSolidList"/>
+    <dgm:cxn modelId="{2F1D6F29-A67D-5442-9D51-6451D4BD9F25}" type="presParOf" srcId="{FD383B6D-269C-4BBE-B11D-8B5320223B8F}" destId="{FBD4E0A4-44E2-4C7A-8FC4-6790D293506F}" srcOrd="4" destOrd="0" presId="urn:microsoft.com/office/officeart/2018/2/layout/IconVerticalSolidList"/>
+    <dgm:cxn modelId="{18884AF9-E153-1D4B-ABD6-B166A89696F0}" type="presParOf" srcId="{FBD4E0A4-44E2-4C7A-8FC4-6790D293506F}" destId="{E6FD23CB-3CB2-4632-BAFA-C1455BB274D9}" srcOrd="0" destOrd="0" presId="urn:microsoft.com/office/officeart/2018/2/layout/IconVerticalSolidList"/>
+    <dgm:cxn modelId="{A383BC9E-B7C4-A442-A1BE-87E4D843E6C9}" type="presParOf" srcId="{FBD4E0A4-44E2-4C7A-8FC4-6790D293506F}" destId="{EABC0173-1478-4D6F-86E0-9C39FCF6ED00}" srcOrd="1" destOrd="0" presId="urn:microsoft.com/office/officeart/2018/2/layout/IconVerticalSolidList"/>
+    <dgm:cxn modelId="{07E10918-6F34-CC4A-84EB-366DFEA5B46C}" type="presParOf" srcId="{FBD4E0A4-44E2-4C7A-8FC4-6790D293506F}" destId="{ED83D3EC-CCC1-4E31-A89E-898F024C14DB}" srcOrd="2" destOrd="0" presId="urn:microsoft.com/office/officeart/2018/2/layout/IconVerticalSolidList"/>
+    <dgm:cxn modelId="{87F73CE4-4626-FE4E-B7F4-5A584EC271AA}" type="presParOf" srcId="{FBD4E0A4-44E2-4C7A-8FC4-6790D293506F}" destId="{74556909-DD8B-457D-A1FA-E5F4C528024F}" srcOrd="3" destOrd="0" presId="urn:microsoft.com/office/officeart/2018/2/layout/IconVerticalSolidList"/>
+    <dgm:cxn modelId="{D1D2AD31-47FB-7043-805A-A0418758644B}" type="presParOf" srcId="{FD383B6D-269C-4BBE-B11D-8B5320223B8F}" destId="{E4262E20-6118-44FD-AFAC-C0236520C51B}" srcOrd="5" destOrd="0" presId="urn:microsoft.com/office/officeart/2018/2/layout/IconVerticalSolidList"/>
+    <dgm:cxn modelId="{3BD68E1E-01CD-E243-9C86-FF9F32FED71A}" type="presParOf" srcId="{FD383B6D-269C-4BBE-B11D-8B5320223B8F}" destId="{4DA36735-D531-42C5-87B4-D9ADCC58F8B4}" srcOrd="6" destOrd="0" presId="urn:microsoft.com/office/officeart/2018/2/layout/IconVerticalSolidList"/>
+    <dgm:cxn modelId="{0C17836F-BE2D-D343-B316-7DC5F5441360}" type="presParOf" srcId="{4DA36735-D531-42C5-87B4-D9ADCC58F8B4}" destId="{395B37BA-7D16-4C54-8CE2-9CC553AEB89B}" srcOrd="0" destOrd="0" presId="urn:microsoft.com/office/officeart/2018/2/layout/IconVerticalSolidList"/>
+    <dgm:cxn modelId="{91C3085F-16AB-6C4D-9D46-61671FC4E091}" type="presParOf" srcId="{4DA36735-D531-42C5-87B4-D9ADCC58F8B4}" destId="{B9B63B67-1132-4914-A248-412E2869DF08}" srcOrd="1" destOrd="0" presId="urn:microsoft.com/office/officeart/2018/2/layout/IconVerticalSolidList"/>
+    <dgm:cxn modelId="{6CF9FFDE-AB5F-2D42-AF0F-8E8A9C0B6EE4}" type="presParOf" srcId="{4DA36735-D531-42C5-87B4-D9ADCC58F8B4}" destId="{F08E9B0F-FFE4-44B0-B5DF-0D4E766819C7}" srcOrd="2" destOrd="0" presId="urn:microsoft.com/office/officeart/2018/2/layout/IconVerticalSolidList"/>
+    <dgm:cxn modelId="{6AC48BBE-F9A3-C649-87C6-F39FEF24ADFF}" type="presParOf" srcId="{4DA36735-D531-42C5-87B4-D9ADCC58F8B4}" destId="{D4C64864-61C2-47AB-B3E5-46DA1DCB64D0}" srcOrd="3" destOrd="0" presId="urn:microsoft.com/office/officeart/2018/2/layout/IconVerticalSolidList"/>
   </dgm:cxnLst>
   <dgm:bg/>
   <dgm:whole/>
@@ -8796,7 +8874,7 @@
 <dgm:dataModel xmlns:dgm="http://schemas.openxmlformats.org/drawingml/2006/diagram" xmlns:a="http://schemas.openxmlformats.org/drawingml/2006/main">
   <dgm:ptLst>
     <dgm:pt modelId="{DB1A698A-DF73-4A10-950E-8A7729AEAC7F}" type="doc">
-      <dgm:prSet loTypeId="urn:microsoft.com/office/officeart/2005/8/layout/hierarchy1" loCatId="hierarchy" qsTypeId="urn:microsoft.com/office/officeart/2005/8/quickstyle/simple2" qsCatId="simple" csTypeId="urn:microsoft.com/office/officeart/2005/8/colors/accent1_2" csCatId="accent1"/>
+      <dgm:prSet loTypeId="urn:microsoft.com/office/officeart/2005/8/layout/hierarchy1" loCatId="hierarchy" qsTypeId="urn:microsoft.com/office/officeart/2005/8/quickstyle/simple1" qsCatId="simple" csTypeId="urn:microsoft.com/office/officeart/2005/8/colors/accent5_2" csCatId="accent5"/>
       <dgm:spPr/>
       <dgm:t>
         <a:bodyPr/>
@@ -8880,7 +8958,7 @@
         </a:p>
       </dgm:t>
     </dgm:pt>
-    <dgm:pt modelId="{606575B7-E017-0C44-AC69-47DE3DF31549}" type="pres">
+    <dgm:pt modelId="{AA09EC11-E6E3-BC4D-A6FB-87F46E93E80C}" type="pres">
       <dgm:prSet presAssocID="{DB1A698A-DF73-4A10-950E-8A7729AEAC7F}" presName="hierChild1" presStyleCnt="0">
         <dgm:presLayoutVars>
           <dgm:chPref val="1"/>
@@ -8892,19 +8970,19 @@
       </dgm:prSet>
       <dgm:spPr/>
     </dgm:pt>
-    <dgm:pt modelId="{DDC58B00-1781-1044-B245-AFEA52496D99}" type="pres">
+    <dgm:pt modelId="{B7387E57-A391-C348-A889-751E2E8938BA}" type="pres">
       <dgm:prSet presAssocID="{67C4BF0B-5F66-45FF-A95C-5B2376103EFD}" presName="hierRoot1" presStyleCnt="0"/>
       <dgm:spPr/>
     </dgm:pt>
-    <dgm:pt modelId="{B9BABB18-C148-E041-8436-2D76CCA2C2E4}" type="pres">
+    <dgm:pt modelId="{084D2EB7-801F-6B42-8465-7F9A56D23791}" type="pres">
       <dgm:prSet presAssocID="{67C4BF0B-5F66-45FF-A95C-5B2376103EFD}" presName="composite" presStyleCnt="0"/>
       <dgm:spPr/>
     </dgm:pt>
-    <dgm:pt modelId="{AD5D6C5F-B472-814D-9EB1-6361B898A9BE}" type="pres">
+    <dgm:pt modelId="{17912647-7FF7-6E4D-BC18-9BB592C5E64A}" type="pres">
       <dgm:prSet presAssocID="{67C4BF0B-5F66-45FF-A95C-5B2376103EFD}" presName="background" presStyleLbl="node0" presStyleIdx="0" presStyleCnt="2"/>
       <dgm:spPr/>
     </dgm:pt>
-    <dgm:pt modelId="{F23CC254-F374-4E44-9331-BAA88479D5E9}" type="pres">
+    <dgm:pt modelId="{304EB894-ABE0-FA42-B47A-FE08D4A2AF76}" type="pres">
       <dgm:prSet presAssocID="{67C4BF0B-5F66-45FF-A95C-5B2376103EFD}" presName="text" presStyleLbl="fgAcc0" presStyleIdx="0" presStyleCnt="2">
         <dgm:presLayoutVars>
           <dgm:chPref val="3"/>
@@ -8912,23 +8990,23 @@
       </dgm:prSet>
       <dgm:spPr/>
     </dgm:pt>
-    <dgm:pt modelId="{3BF53543-2613-1847-B655-4FD56753FF4F}" type="pres">
+    <dgm:pt modelId="{C2EDC933-2123-8D4F-807F-3E3A0AFE5C4C}" type="pres">
       <dgm:prSet presAssocID="{67C4BF0B-5F66-45FF-A95C-5B2376103EFD}" presName="hierChild2" presStyleCnt="0"/>
       <dgm:spPr/>
     </dgm:pt>
-    <dgm:pt modelId="{BB935487-6596-534D-BF33-B79FE2A211BE}" type="pres">
+    <dgm:pt modelId="{475A2123-F451-FD45-86A4-A2E083951098}" type="pres">
       <dgm:prSet presAssocID="{41DC943C-E7B3-462C-8E8B-4327D51A203B}" presName="hierRoot1" presStyleCnt="0"/>
       <dgm:spPr/>
     </dgm:pt>
-    <dgm:pt modelId="{1E5A9C54-F7DD-F44B-9B4D-6CD1CF5DDA67}" type="pres">
+    <dgm:pt modelId="{B97A3346-5128-4C45-BADF-E676455FE21B}" type="pres">
       <dgm:prSet presAssocID="{41DC943C-E7B3-462C-8E8B-4327D51A203B}" presName="composite" presStyleCnt="0"/>
       <dgm:spPr/>
     </dgm:pt>
-    <dgm:pt modelId="{C4ADFC1C-99AC-0E49-80BD-DCBB0F750842}" type="pres">
+    <dgm:pt modelId="{5A8B23F8-46C9-1F4B-ABB2-5673D8B6C522}" type="pres">
       <dgm:prSet presAssocID="{41DC943C-E7B3-462C-8E8B-4327D51A203B}" presName="background" presStyleLbl="node0" presStyleIdx="1" presStyleCnt="2"/>
       <dgm:spPr/>
     </dgm:pt>
-    <dgm:pt modelId="{102F95FB-F5FF-F944-9A10-78FFF872099B}" type="pres">
+    <dgm:pt modelId="{99A86AD1-0BD9-1243-8344-B8ADEAEB834F}" type="pres">
       <dgm:prSet presAssocID="{41DC943C-E7B3-462C-8E8B-4327D51A203B}" presName="text" presStyleLbl="fgAcc0" presStyleIdx="1" presStyleCnt="2">
         <dgm:presLayoutVars>
           <dgm:chPref val="3"/>
@@ -8936,27 +9014,27 @@
       </dgm:prSet>
       <dgm:spPr/>
     </dgm:pt>
-    <dgm:pt modelId="{FD2AE071-2DEA-1D43-8BC7-20A9642A4F9A}" type="pres">
+    <dgm:pt modelId="{67EC8282-2E60-9D44-8C24-D3BA1DC3AFB8}" type="pres">
       <dgm:prSet presAssocID="{41DC943C-E7B3-462C-8E8B-4327D51A203B}" presName="hierChild2" presStyleCnt="0"/>
       <dgm:spPr/>
     </dgm:pt>
   </dgm:ptLst>
   <dgm:cxnLst>
     <dgm:cxn modelId="{48CE0219-C337-405A-9652-F5F500ACB57E}" srcId="{DB1A698A-DF73-4A10-950E-8A7729AEAC7F}" destId="{67C4BF0B-5F66-45FF-A95C-5B2376103EFD}" srcOrd="0" destOrd="0" parTransId="{A8E70FA6-1587-4A58-B932-06B6E143F0A3}" sibTransId="{379A0C0F-B888-4F86-ACF6-AF1EBA49879A}"/>
-    <dgm:cxn modelId="{C5DEE637-D6E3-5A4E-A64E-73DB22DFFF54}" type="presOf" srcId="{67C4BF0B-5F66-45FF-A95C-5B2376103EFD}" destId="{F23CC254-F374-4E44-9331-BAA88479D5E9}" srcOrd="0" destOrd="0" presId="urn:microsoft.com/office/officeart/2005/8/layout/hierarchy1"/>
+    <dgm:cxn modelId="{ABD1BB2D-B286-FD4A-8FF2-BEC12885945B}" type="presOf" srcId="{67C4BF0B-5F66-45FF-A95C-5B2376103EFD}" destId="{304EB894-ABE0-FA42-B47A-FE08D4A2AF76}" srcOrd="0" destOrd="0" presId="urn:microsoft.com/office/officeart/2005/8/layout/hierarchy1"/>
+    <dgm:cxn modelId="{5A41382E-EC61-C74D-AB75-605C64E656D5}" type="presOf" srcId="{DB1A698A-DF73-4A10-950E-8A7729AEAC7F}" destId="{AA09EC11-E6E3-BC4D-A6FB-87F46E93E80C}" srcOrd="0" destOrd="0" presId="urn:microsoft.com/office/officeart/2005/8/layout/hierarchy1"/>
+    <dgm:cxn modelId="{E73E6953-B631-1542-AAF9-921CB54DAEF2}" type="presOf" srcId="{41DC943C-E7B3-462C-8E8B-4327D51A203B}" destId="{99A86AD1-0BD9-1243-8344-B8ADEAEB834F}" srcOrd="0" destOrd="0" presId="urn:microsoft.com/office/officeart/2005/8/layout/hierarchy1"/>
     <dgm:cxn modelId="{47EE8B80-EE78-43D6-9303-92B039DA0207}" srcId="{DB1A698A-DF73-4A10-950E-8A7729AEAC7F}" destId="{41DC943C-E7B3-462C-8E8B-4327D51A203B}" srcOrd="1" destOrd="0" parTransId="{C8FB222E-EFDD-4BE8-B37D-B2AE8D67B0A4}" sibTransId="{0718C4FD-BD6A-4039-8909-AF43072A41B5}"/>
-    <dgm:cxn modelId="{2729B99D-A255-F041-858C-BCC3AFC76779}" type="presOf" srcId="{DB1A698A-DF73-4A10-950E-8A7729AEAC7F}" destId="{606575B7-E017-0C44-AC69-47DE3DF31549}" srcOrd="0" destOrd="0" presId="urn:microsoft.com/office/officeart/2005/8/layout/hierarchy1"/>
-    <dgm:cxn modelId="{17F3EFE4-B11E-3B45-A908-2578DA7AD721}" type="presOf" srcId="{41DC943C-E7B3-462C-8E8B-4327D51A203B}" destId="{102F95FB-F5FF-F944-9A10-78FFF872099B}" srcOrd="0" destOrd="0" presId="urn:microsoft.com/office/officeart/2005/8/layout/hierarchy1"/>
-    <dgm:cxn modelId="{C9E50936-024C-7C4C-9226-23BD72141FC3}" type="presParOf" srcId="{606575B7-E017-0C44-AC69-47DE3DF31549}" destId="{DDC58B00-1781-1044-B245-AFEA52496D99}" srcOrd="0" destOrd="0" presId="urn:microsoft.com/office/officeart/2005/8/layout/hierarchy1"/>
-    <dgm:cxn modelId="{654A8F6D-EC45-B941-ADB4-23D99E100FCA}" type="presParOf" srcId="{DDC58B00-1781-1044-B245-AFEA52496D99}" destId="{B9BABB18-C148-E041-8436-2D76CCA2C2E4}" srcOrd="0" destOrd="0" presId="urn:microsoft.com/office/officeart/2005/8/layout/hierarchy1"/>
-    <dgm:cxn modelId="{4F4E906A-AFB5-DC44-8449-456EB3976301}" type="presParOf" srcId="{B9BABB18-C148-E041-8436-2D76CCA2C2E4}" destId="{AD5D6C5F-B472-814D-9EB1-6361B898A9BE}" srcOrd="0" destOrd="0" presId="urn:microsoft.com/office/officeart/2005/8/layout/hierarchy1"/>
-    <dgm:cxn modelId="{6F7C9706-7F29-BF42-B579-AA2744D52C69}" type="presParOf" srcId="{B9BABB18-C148-E041-8436-2D76CCA2C2E4}" destId="{F23CC254-F374-4E44-9331-BAA88479D5E9}" srcOrd="1" destOrd="0" presId="urn:microsoft.com/office/officeart/2005/8/layout/hierarchy1"/>
-    <dgm:cxn modelId="{A4C0898D-503E-9E41-8ED6-8DF5ED1E0281}" type="presParOf" srcId="{DDC58B00-1781-1044-B245-AFEA52496D99}" destId="{3BF53543-2613-1847-B655-4FD56753FF4F}" srcOrd="1" destOrd="0" presId="urn:microsoft.com/office/officeart/2005/8/layout/hierarchy1"/>
-    <dgm:cxn modelId="{2CA960E4-7035-B24B-876E-0AE308C57149}" type="presParOf" srcId="{606575B7-E017-0C44-AC69-47DE3DF31549}" destId="{BB935487-6596-534D-BF33-B79FE2A211BE}" srcOrd="1" destOrd="0" presId="urn:microsoft.com/office/officeart/2005/8/layout/hierarchy1"/>
-    <dgm:cxn modelId="{5543990E-88F4-D549-8B30-A83527E00162}" type="presParOf" srcId="{BB935487-6596-534D-BF33-B79FE2A211BE}" destId="{1E5A9C54-F7DD-F44B-9B4D-6CD1CF5DDA67}" srcOrd="0" destOrd="0" presId="urn:microsoft.com/office/officeart/2005/8/layout/hierarchy1"/>
-    <dgm:cxn modelId="{BF4B1AA9-CA9C-AF44-8E9C-8A89B2B09AC8}" type="presParOf" srcId="{1E5A9C54-F7DD-F44B-9B4D-6CD1CF5DDA67}" destId="{C4ADFC1C-99AC-0E49-80BD-DCBB0F750842}" srcOrd="0" destOrd="0" presId="urn:microsoft.com/office/officeart/2005/8/layout/hierarchy1"/>
-    <dgm:cxn modelId="{877EF397-E7EE-E34A-B4A0-D7AA93E74DFE}" type="presParOf" srcId="{1E5A9C54-F7DD-F44B-9B4D-6CD1CF5DDA67}" destId="{102F95FB-F5FF-F944-9A10-78FFF872099B}" srcOrd="1" destOrd="0" presId="urn:microsoft.com/office/officeart/2005/8/layout/hierarchy1"/>
-    <dgm:cxn modelId="{F145CDED-67F2-C246-B1F9-634EA7255439}" type="presParOf" srcId="{BB935487-6596-534D-BF33-B79FE2A211BE}" destId="{FD2AE071-2DEA-1D43-8BC7-20A9642A4F9A}" srcOrd="1" destOrd="0" presId="urn:microsoft.com/office/officeart/2005/8/layout/hierarchy1"/>
+    <dgm:cxn modelId="{40ECF328-345E-4544-814B-226BC9E9BB10}" type="presParOf" srcId="{AA09EC11-E6E3-BC4D-A6FB-87F46E93E80C}" destId="{B7387E57-A391-C348-A889-751E2E8938BA}" srcOrd="0" destOrd="0" presId="urn:microsoft.com/office/officeart/2005/8/layout/hierarchy1"/>
+    <dgm:cxn modelId="{33A74D16-3870-C44B-AED8-B79F75C23AF9}" type="presParOf" srcId="{B7387E57-A391-C348-A889-751E2E8938BA}" destId="{084D2EB7-801F-6B42-8465-7F9A56D23791}" srcOrd="0" destOrd="0" presId="urn:microsoft.com/office/officeart/2005/8/layout/hierarchy1"/>
+    <dgm:cxn modelId="{43FF46CE-6997-F74E-B4D2-06721CC015F0}" type="presParOf" srcId="{084D2EB7-801F-6B42-8465-7F9A56D23791}" destId="{17912647-7FF7-6E4D-BC18-9BB592C5E64A}" srcOrd="0" destOrd="0" presId="urn:microsoft.com/office/officeart/2005/8/layout/hierarchy1"/>
+    <dgm:cxn modelId="{2B54312B-273D-834B-8149-3B545B408D6E}" type="presParOf" srcId="{084D2EB7-801F-6B42-8465-7F9A56D23791}" destId="{304EB894-ABE0-FA42-B47A-FE08D4A2AF76}" srcOrd="1" destOrd="0" presId="urn:microsoft.com/office/officeart/2005/8/layout/hierarchy1"/>
+    <dgm:cxn modelId="{40BEEDCE-3DCD-734F-81F4-892BFBC7BF28}" type="presParOf" srcId="{B7387E57-A391-C348-A889-751E2E8938BA}" destId="{C2EDC933-2123-8D4F-807F-3E3A0AFE5C4C}" srcOrd="1" destOrd="0" presId="urn:microsoft.com/office/officeart/2005/8/layout/hierarchy1"/>
+    <dgm:cxn modelId="{DEAA5C38-9DEC-B34F-94BD-DE895748827C}" type="presParOf" srcId="{AA09EC11-E6E3-BC4D-A6FB-87F46E93E80C}" destId="{475A2123-F451-FD45-86A4-A2E083951098}" srcOrd="1" destOrd="0" presId="urn:microsoft.com/office/officeart/2005/8/layout/hierarchy1"/>
+    <dgm:cxn modelId="{BF6E6D16-08D3-CD47-95CC-F0E494C7C500}" type="presParOf" srcId="{475A2123-F451-FD45-86A4-A2E083951098}" destId="{B97A3346-5128-4C45-BADF-E676455FE21B}" srcOrd="0" destOrd="0" presId="urn:microsoft.com/office/officeart/2005/8/layout/hierarchy1"/>
+    <dgm:cxn modelId="{FA925671-64D3-EB42-B1F8-B797E094E923}" type="presParOf" srcId="{B97A3346-5128-4C45-BADF-E676455FE21B}" destId="{5A8B23F8-46C9-1F4B-ABB2-5673D8B6C522}" srcOrd="0" destOrd="0" presId="urn:microsoft.com/office/officeart/2005/8/layout/hierarchy1"/>
+    <dgm:cxn modelId="{2E68240E-C528-6848-9E40-17584BA36CC6}" type="presParOf" srcId="{B97A3346-5128-4C45-BADF-E676455FE21B}" destId="{99A86AD1-0BD9-1243-8344-B8ADEAEB834F}" srcOrd="1" destOrd="0" presId="urn:microsoft.com/office/officeart/2005/8/layout/hierarchy1"/>
+    <dgm:cxn modelId="{B274782D-741F-3640-A39D-8E70FCF95CBB}" type="presParOf" srcId="{475A2123-F451-FD45-86A4-A2E083951098}" destId="{67EC8282-2E60-9D44-8C24-D3BA1DC3AFB8}" srcOrd="1" destOrd="0" presId="urn:microsoft.com/office/officeart/2005/8/layout/hierarchy1"/>
   </dgm:cxnLst>
   <dgm:bg/>
   <dgm:whole/>
@@ -9208,10 +9286,18 @@
             </a:lnSpc>
           </a:pPr>
           <a:r>
-            <a:rPr lang="tr-TR"/>
-            <a:t>Bir Step, geliştiricinin isteğine bağlı olarak basit veya karmaşık olabilir. Basit bir Step, veriyi bir dosyadan veritabanına yüklemek gibi az veya hiç kod gerektirmeyen bir işi içerebilir (kullanılan uygulamalara bağlı olarak). </a:t>
+            <a:rPr lang="tr-TR" dirty="0"/>
+            <a:t>Bir Step, geliştiricinin isteğine bağlı olarak basit veya karmaşık olabilir. Basit bir Step, veriyi bir dosyadan </a:t>
           </a:r>
-          <a:endParaRPr lang="en-US"/>
+          <a:r>
+            <a:rPr lang="tr-TR" dirty="0" err="1"/>
+            <a:t>veritabanına</a:t>
+          </a:r>
+          <a:r>
+            <a:rPr lang="tr-TR" dirty="0"/>
+            <a:t> yüklemek gibi az veya hiç kod gerektirmeyen bir işi içerebilir.</a:t>
+          </a:r>
+          <a:endParaRPr lang="en-US" dirty="0"/>
         </a:p>
       </dgm:t>
     </dgm:pt>
@@ -9300,13 +9386,10 @@
       <dgm:prSet presAssocID="{2365CEFC-1E44-49F7-8354-E3FE45A62901}" presName="iconRect" presStyleLbl="node1" presStyleIdx="0" presStyleCnt="3"/>
       <dgm:spPr>
         <a:blipFill>
-          <a:blip xmlns:r="http://schemas.openxmlformats.org/officeDocument/2006/relationships" r:embed="rId1">
+          <a:blip xmlns:r="http://schemas.openxmlformats.org/officeDocument/2006/relationships">
             <a:extLst>
               <a:ext uri="{28A0092B-C50C-407E-A947-70E740481C1C}">
                 <a14:useLocalDpi xmlns:a14="http://schemas.microsoft.com/office/drawing/2010/main" val="0"/>
-              </a:ext>
-              <a:ext uri="{96DAC541-7B7A-43D3-8B79-37D633B846F1}">
-                <asvg:svgBlip xmlns:asvg="http://schemas.microsoft.com/office/drawing/2016/SVG/main" r:embed="rId2"/>
               </a:ext>
             </a:extLst>
           </a:blip>
@@ -9350,13 +9433,10 @@
       <dgm:prSet presAssocID="{78956A0C-7535-4F30-AEF7-BCD30483C7A2}" presName="iconRect" presStyleLbl="node1" presStyleIdx="1" presStyleCnt="3"/>
       <dgm:spPr>
         <a:blipFill>
-          <a:blip xmlns:r="http://schemas.openxmlformats.org/officeDocument/2006/relationships" r:embed="rId3">
+          <a:blip xmlns:r="http://schemas.openxmlformats.org/officeDocument/2006/relationships">
             <a:extLst>
               <a:ext uri="{28A0092B-C50C-407E-A947-70E740481C1C}">
                 <a14:useLocalDpi xmlns:a14="http://schemas.microsoft.com/office/drawing/2010/main" val="0"/>
-              </a:ext>
-              <a:ext uri="{96DAC541-7B7A-43D3-8B79-37D633B846F1}">
-                <asvg:svgBlip xmlns:asvg="http://schemas.microsoft.com/office/drawing/2016/SVG/main" r:embed="rId4"/>
               </a:ext>
             </a:extLst>
           </a:blip>
@@ -9400,13 +9480,10 @@
       <dgm:prSet presAssocID="{E5FB4563-82DD-4597-8094-6698D0463C74}" presName="iconRect" presStyleLbl="node1" presStyleIdx="2" presStyleCnt="3"/>
       <dgm:spPr>
         <a:blipFill>
-          <a:blip xmlns:r="http://schemas.openxmlformats.org/officeDocument/2006/relationships" r:embed="rId5">
+          <a:blip xmlns:r="http://schemas.openxmlformats.org/officeDocument/2006/relationships">
             <a:extLst>
               <a:ext uri="{28A0092B-C50C-407E-A947-70E740481C1C}">
                 <a14:useLocalDpi xmlns:a14="http://schemas.microsoft.com/office/drawing/2010/main" val="0"/>
-              </a:ext>
-              <a:ext uri="{96DAC541-7B7A-43D3-8B79-37D633B846F1}">
-                <asvg:svgBlip xmlns:asvg="http://schemas.microsoft.com/office/drawing/2016/SVG/main" r:embed="rId6"/>
               </a:ext>
             </a:extLst>
           </a:blip>
@@ -9475,7 +9552,7 @@
 <dgm:dataModel xmlns:dgm="http://schemas.openxmlformats.org/drawingml/2006/diagram" xmlns:a="http://schemas.openxmlformats.org/drawingml/2006/main">
   <dgm:ptLst>
     <dgm:pt modelId="{FEF875A7-9EF3-424B-9420-44E76A877F76}" type="doc">
-      <dgm:prSet loTypeId="urn:microsoft.com/office/officeart/2005/8/layout/process1" loCatId="process" qsTypeId="urn:microsoft.com/office/officeart/2005/8/quickstyle/simple1" qsCatId="simple" csTypeId="urn:microsoft.com/office/officeart/2005/8/colors/accent1_2" csCatId="accent1"/>
+      <dgm:prSet loTypeId="urn:microsoft.com/office/officeart/2005/8/layout/process1" loCatId="process" qsTypeId="urn:microsoft.com/office/officeart/2005/8/quickstyle/simple1" qsCatId="simple" csTypeId="urn:microsoft.com/office/officeart/2005/8/colors/accent1_2" csCatId="accent1" phldr="1"/>
       <dgm:spPr/>
       <dgm:t>
         <a:bodyPr/>
@@ -9493,10 +9570,42 @@
         <a:lstStyle/>
         <a:p>
           <a:r>
-            <a:rPr lang="tr-TR"/>
-            <a:t>Bir StepExecution, bir Step’i çalıştırmak için yapılan tek bir denemeyi temsil eder. Bir Step çalıştırıldığında, her seferinde yeni bir StepExecution oluşturulur, JobExecution ile benzer şekilde. Ancak, bir Step’in bir önceki adımın başarısızlığı nedeniyle çalıştırılamazsa, bu adım için hiçbir yürütme saklanmaz. Bir StepExecution yalnızca ilgili Step gerçekten başlatıldığında oluşturulur.</a:t>
+            <a:rPr lang="tr-TR" dirty="0"/>
+            <a:t>Bir </a:t>
           </a:r>
-          <a:endParaRPr lang="en-US"/>
+          <a:r>
+            <a:rPr lang="tr-TR" dirty="0" err="1"/>
+            <a:t>StepExecution</a:t>
+          </a:r>
+          <a:r>
+            <a:rPr lang="tr-TR" dirty="0"/>
+            <a:t>, bir Step’i çalıştırmak için yapılan tek bir denemeyi temsil eder. Bir Step çalıştırıldığında, </a:t>
+          </a:r>
+          <a:r>
+            <a:rPr lang="tr-TR" dirty="0" err="1"/>
+            <a:t>JobExecution</a:t>
+          </a:r>
+          <a:r>
+            <a:rPr lang="tr-TR" dirty="0"/>
+            <a:t> gibi her seferinde yeni bir </a:t>
+          </a:r>
+          <a:r>
+            <a:rPr lang="tr-TR" dirty="0" err="1"/>
+            <a:t>StepExecution</a:t>
+          </a:r>
+          <a:r>
+            <a:rPr lang="tr-TR" dirty="0"/>
+            <a:t> oluşturulur. Ancak, bir Step’in bir önceki adımın başarısızlığı nedeniyle çalıştırılamazsa, bu adım için hiçbir yürütme saklanmaz. Bir </a:t>
+          </a:r>
+          <a:r>
+            <a:rPr lang="tr-TR" dirty="0" err="1"/>
+            <a:t>StepExecution</a:t>
+          </a:r>
+          <a:r>
+            <a:rPr lang="tr-TR" dirty="0"/>
+            <a:t> yalnızca ilgili Step gerçekten başlatıldığında oluşturulur.</a:t>
+          </a:r>
+          <a:endParaRPr lang="en-US" dirty="0"/>
         </a:p>
       </dgm:t>
     </dgm:pt>
@@ -9856,7 +9965,7 @@
 <dgm:dataModel xmlns:dgm="http://schemas.openxmlformats.org/drawingml/2006/diagram" xmlns:a="http://schemas.openxmlformats.org/drawingml/2006/main">
   <dgm:ptLst>
     <dgm:pt modelId="{29F5DA36-6276-4847-B4F8-652A5BE44439}" type="doc">
-      <dgm:prSet loTypeId="urn:microsoft.com/office/officeart/2005/8/layout/hierarchy1" loCatId="hierarchy" qsTypeId="urn:microsoft.com/office/officeart/2005/8/quickstyle/simple2" qsCatId="simple" csTypeId="urn:microsoft.com/office/officeart/2005/8/colors/accent1_2" csCatId="accent1"/>
+      <dgm:prSet loTypeId="urn:microsoft.com/office/officeart/2005/8/layout/hierarchy1" loCatId="hierarchy" qsTypeId="urn:microsoft.com/office/officeart/2005/8/quickstyle/simple2" qsCatId="simple" csTypeId="urn:microsoft.com/office/officeart/2005/8/colors/accent1_2" csCatId="accent1" phldr="1"/>
       <dgm:spPr/>
       <dgm:t>
         <a:bodyPr/>
@@ -9874,10 +9983,46 @@
         <a:lstStyle/>
         <a:p>
           <a:r>
-            <a:rPr lang="tr-TR"/>
-            <a:t>JobLauncher, verilen bir Job ve JobParameters kümesi ile bir Job’u başlatmak için kullanılan basit bir interfacedir</a:t>
+            <a:rPr lang="tr-TR" dirty="0" err="1"/>
+            <a:t>JobLauncher</a:t>
           </a:r>
-          <a:endParaRPr lang="en-US"/>
+          <a:r>
+            <a:rPr lang="tr-TR" dirty="0"/>
+            <a:t>, verilen bir </a:t>
+          </a:r>
+          <a:r>
+            <a:rPr lang="tr-TR" dirty="0" err="1"/>
+            <a:t>Job</a:t>
+          </a:r>
+          <a:r>
+            <a:rPr lang="tr-TR" dirty="0"/>
+            <a:t> ve </a:t>
+          </a:r>
+          <a:r>
+            <a:rPr lang="tr-TR" dirty="0" err="1"/>
+            <a:t>JobParameters</a:t>
+          </a:r>
+          <a:r>
+            <a:rPr lang="tr-TR" dirty="0"/>
+            <a:t> kümesi ile bir </a:t>
+          </a:r>
+          <a:r>
+            <a:rPr lang="tr-TR" dirty="0" err="1"/>
+            <a:t>Job’u</a:t>
+          </a:r>
+          <a:r>
+            <a:rPr lang="tr-TR" dirty="0"/>
+            <a:t> başlatmak için kullanılan basit bir </a:t>
+          </a:r>
+          <a:r>
+            <a:rPr lang="tr-TR" dirty="0" err="1"/>
+            <a:t>interfacedir</a:t>
+          </a:r>
+          <a:r>
+            <a:rPr lang="tr-TR" dirty="0"/>
+            <a:t>.</a:t>
+          </a:r>
+          <a:endParaRPr lang="en-US" dirty="0"/>
         </a:p>
       </dgm:t>
     </dgm:pt>
@@ -10036,15 +10181,15 @@
       <dsp:cNvGrpSpPr/>
     </dsp:nvGrpSpPr>
     <dsp:grpSpPr/>
-    <dsp:sp modelId="{5C79826F-8381-1F41-97CF-55F179378F74}">
+    <dsp:sp modelId="{268EEDB8-65E9-1B49-9701-11C6A92314BC}">
       <dsp:nvSpPr>
         <dsp:cNvPr id="0" name=""/>
         <dsp:cNvSpPr/>
       </dsp:nvSpPr>
       <dsp:spPr>
         <a:xfrm>
-          <a:off x="1227" y="267023"/>
-          <a:ext cx="4309690" cy="2736653"/>
+          <a:off x="736" y="1668476"/>
+          <a:ext cx="2586473" cy="1642410"/>
         </a:xfrm>
         <a:prstGeom prst="roundRect">
           <a:avLst>
@@ -10052,14 +10197,14 @@
           </a:avLst>
         </a:prstGeom>
         <a:solidFill>
-          <a:schemeClr val="accent1">
+          <a:schemeClr val="accent2">
             <a:hueOff val="0"/>
             <a:satOff val="0"/>
             <a:lumOff val="0"/>
             <a:alphaOff val="0"/>
           </a:schemeClr>
         </a:solidFill>
-        <a:ln w="19050" cap="flat" cmpd="sng" algn="ctr">
+        <a:ln w="12700" cap="flat" cmpd="sng" algn="ctr">
           <a:solidFill>
             <a:schemeClr val="lt1">
               <a:hueOff val="0"/>
@@ -10073,13 +10218,13 @@
         <a:effectLst/>
       </dsp:spPr>
       <dsp:style>
-        <a:lnRef idx="3">
+        <a:lnRef idx="2">
           <a:scrgbClr r="0" g="0" b="0"/>
         </a:lnRef>
         <a:fillRef idx="1">
           <a:scrgbClr r="0" g="0" b="0"/>
         </a:fillRef>
-        <a:effectRef idx="1">
+        <a:effectRef idx="0">
           <a:scrgbClr r="0" g="0" b="0"/>
         </a:effectRef>
         <a:fontRef idx="minor">
@@ -10087,15 +10232,15 @@
         </a:fontRef>
       </dsp:style>
     </dsp:sp>
-    <dsp:sp modelId="{73E21B9C-F096-1746-ADBF-AD8B949A0D7E}">
+    <dsp:sp modelId="{056E599C-E035-3746-B9EB-494E8CE03ADD}">
       <dsp:nvSpPr>
         <dsp:cNvPr id="0" name=""/>
         <dsp:cNvSpPr/>
       </dsp:nvSpPr>
       <dsp:spPr>
         <a:xfrm>
-          <a:off x="480082" y="721935"/>
-          <a:ext cx="4309690" cy="2736653"/>
+          <a:off x="288122" y="1941493"/>
+          <a:ext cx="2586473" cy="1642410"/>
         </a:xfrm>
         <a:prstGeom prst="roundRect">
           <a:avLst>
@@ -10113,7 +10258,7 @@
         </a:solidFill>
         <a:ln w="12700" cap="flat" cmpd="sng" algn="ctr">
           <a:solidFill>
-            <a:schemeClr val="accent1">
+            <a:schemeClr val="accent2">
               <a:hueOff val="0"/>
               <a:satOff val="0"/>
               <a:lumOff val="0"/>
@@ -10137,12 +10282,12 @@
         <a:fontRef idx="minor"/>
       </dsp:style>
       <dsp:txBody>
-        <a:bodyPr spcFirstLastPara="0" vert="horz" wrap="square" lIns="106680" tIns="106680" rIns="106680" bIns="106680" numCol="1" spcCol="1270" anchor="ctr" anchorCtr="0">
+        <a:bodyPr spcFirstLastPara="0" vert="horz" wrap="square" lIns="64770" tIns="64770" rIns="64770" bIns="64770" numCol="1" spcCol="1270" anchor="ctr" anchorCtr="0">
           <a:noAutofit/>
         </a:bodyPr>
         <a:lstStyle/>
         <a:p>
-          <a:pPr marL="0" lvl="0" indent="0" algn="ctr" defTabSz="1244600">
+          <a:pPr marL="0" lvl="0" indent="0" algn="ctr" defTabSz="755650">
             <a:lnSpc>
               <a:spcPct val="90000"/>
             </a:lnSpc>
@@ -10155,26 +10300,58 @@
             <a:buNone/>
           </a:pPr>
           <a:r>
-            <a:rPr lang="tr-TR" sz="2800" kern="1200"/>
-            <a:t>Spring framewrork’ünden biri olan Spring Batch, batch processing (toplu işleme) için tasarlanmıştır.</a:t>
+            <a:rPr lang="tr-TR" sz="1700" kern="1200" dirty="0"/>
+            <a:t>Spring </a:t>
           </a:r>
-          <a:endParaRPr lang="en-US" sz="2800" kern="1200"/>
+          <a:r>
+            <a:rPr lang="tr-TR" sz="1700" kern="1200" dirty="0" err="1"/>
+            <a:t>framework’ünden</a:t>
+          </a:r>
+          <a:r>
+            <a:rPr lang="tr-TR" sz="1700" kern="1200" dirty="0"/>
+            <a:t> biri olan Spring </a:t>
+          </a:r>
+          <a:r>
+            <a:rPr lang="tr-TR" sz="1700" kern="1200" dirty="0" err="1"/>
+            <a:t>Batch</a:t>
+          </a:r>
+          <a:r>
+            <a:rPr lang="tr-TR" sz="1700" kern="1200" dirty="0"/>
+            <a:t>, </a:t>
+          </a:r>
+          <a:r>
+            <a:rPr lang="tr-TR" sz="1700" kern="1200" dirty="0" err="1"/>
+            <a:t>batch</a:t>
+          </a:r>
+          <a:r>
+            <a:rPr lang="tr-TR" sz="1700" kern="1200" dirty="0"/>
+            <a:t> </a:t>
+          </a:r>
+          <a:r>
+            <a:rPr lang="tr-TR" sz="1700" kern="1200" dirty="0" err="1"/>
+            <a:t>processing</a:t>
+          </a:r>
+          <a:r>
+            <a:rPr lang="tr-TR" sz="1700" kern="1200" dirty="0"/>
+            <a:t> (toplu işleme) için tasarlanmıştır.</a:t>
+          </a:r>
+          <a:endParaRPr lang="en-US" sz="1700" kern="1200" dirty="0"/>
         </a:p>
       </dsp:txBody>
       <dsp:txXfrm>
-        <a:off x="560236" y="802089"/>
-        <a:ext cx="4149382" cy="2576345"/>
+        <a:off x="336227" y="1989598"/>
+        <a:ext cx="2490263" cy="1546200"/>
       </dsp:txXfrm>
     </dsp:sp>
-    <dsp:sp modelId="{CF468B61-8B65-1047-B543-E199129256C5}">
+    <dsp:sp modelId="{9608D0B5-DBA1-824B-A22B-EEC3727B394C}">
       <dsp:nvSpPr>
         <dsp:cNvPr id="0" name=""/>
         <dsp:cNvSpPr/>
       </dsp:nvSpPr>
       <dsp:spPr>
         <a:xfrm>
-          <a:off x="5268627" y="267023"/>
-          <a:ext cx="4309690" cy="2736653"/>
+          <a:off x="3161982" y="1668476"/>
+          <a:ext cx="2586473" cy="1642410"/>
         </a:xfrm>
         <a:prstGeom prst="roundRect">
           <a:avLst>
@@ -10182,14 +10359,14 @@
           </a:avLst>
         </a:prstGeom>
         <a:solidFill>
-          <a:schemeClr val="accent1">
+          <a:schemeClr val="accent2">
             <a:hueOff val="0"/>
             <a:satOff val="0"/>
             <a:lumOff val="0"/>
             <a:alphaOff val="0"/>
           </a:schemeClr>
         </a:solidFill>
-        <a:ln w="19050" cap="flat" cmpd="sng" algn="ctr">
+        <a:ln w="12700" cap="flat" cmpd="sng" algn="ctr">
           <a:solidFill>
             <a:schemeClr val="lt1">
               <a:hueOff val="0"/>
@@ -10203,13 +10380,13 @@
         <a:effectLst/>
       </dsp:spPr>
       <dsp:style>
-        <a:lnRef idx="3">
+        <a:lnRef idx="2">
           <a:scrgbClr r="0" g="0" b="0"/>
         </a:lnRef>
         <a:fillRef idx="1">
           <a:scrgbClr r="0" g="0" b="0"/>
         </a:fillRef>
-        <a:effectRef idx="1">
+        <a:effectRef idx="0">
           <a:scrgbClr r="0" g="0" b="0"/>
         </a:effectRef>
         <a:fontRef idx="minor">
@@ -10217,15 +10394,15 @@
         </a:fontRef>
       </dsp:style>
     </dsp:sp>
-    <dsp:sp modelId="{CD18FC46-3EAD-5048-A78A-B911B0D060FC}">
+    <dsp:sp modelId="{25A11C61-5872-1C43-B582-838998421EE2}">
       <dsp:nvSpPr>
         <dsp:cNvPr id="0" name=""/>
         <dsp:cNvSpPr/>
       </dsp:nvSpPr>
       <dsp:spPr>
         <a:xfrm>
-          <a:off x="5747481" y="721935"/>
-          <a:ext cx="4309690" cy="2736653"/>
+          <a:off x="3449368" y="1941493"/>
+          <a:ext cx="2586473" cy="1642410"/>
         </a:xfrm>
         <a:prstGeom prst="roundRect">
           <a:avLst>
@@ -10243,7 +10420,7 @@
         </a:solidFill>
         <a:ln w="12700" cap="flat" cmpd="sng" algn="ctr">
           <a:solidFill>
-            <a:schemeClr val="accent1">
+            <a:schemeClr val="accent2">
               <a:hueOff val="0"/>
               <a:satOff val="0"/>
               <a:lumOff val="0"/>
@@ -10267,12 +10444,12 @@
         <a:fontRef idx="minor"/>
       </dsp:style>
       <dsp:txBody>
-        <a:bodyPr spcFirstLastPara="0" vert="horz" wrap="square" lIns="106680" tIns="106680" rIns="106680" bIns="106680" numCol="1" spcCol="1270" anchor="ctr" anchorCtr="0">
+        <a:bodyPr spcFirstLastPara="0" vert="horz" wrap="square" lIns="64770" tIns="64770" rIns="64770" bIns="64770" numCol="1" spcCol="1270" anchor="ctr" anchorCtr="0">
           <a:noAutofit/>
         </a:bodyPr>
         <a:lstStyle/>
         <a:p>
-          <a:pPr marL="0" lvl="0" indent="0" algn="ctr" defTabSz="1244600">
+          <a:pPr marL="0" lvl="0" indent="0" algn="ctr" defTabSz="755650">
             <a:lnSpc>
               <a:spcPct val="90000"/>
             </a:lnSpc>
@@ -10285,23 +10462,23 @@
             <a:buNone/>
           </a:pPr>
           <a:r>
-            <a:rPr lang="tr-TR" sz="2800" kern="1200" dirty="0"/>
+            <a:rPr lang="tr-TR" sz="1700" kern="1200" dirty="0"/>
             <a:t>Spring </a:t>
           </a:r>
           <a:r>
-            <a:rPr lang="tr-TR" sz="2800" kern="1200" dirty="0" err="1"/>
+            <a:rPr lang="tr-TR" sz="1700" kern="1200" dirty="0" err="1"/>
             <a:t>Batch</a:t>
           </a:r>
           <a:r>
-            <a:rPr lang="tr-TR" sz="2800" kern="1200" dirty="0"/>
+            <a:rPr lang="tr-TR" sz="1700" kern="1200" dirty="0"/>
             <a:t> ile büyük miktardaki verileri okuma ve yazma işlemleri yapabiliriz.</a:t>
           </a:r>
-          <a:endParaRPr lang="en-US" sz="2800" kern="1200" dirty="0"/>
+          <a:endParaRPr lang="en-US" sz="1700" kern="1200" dirty="0"/>
         </a:p>
       </dsp:txBody>
       <dsp:txXfrm>
-        <a:off x="5827635" y="802089"/>
-        <a:ext cx="4149382" cy="2576345"/>
+        <a:off x="3497473" y="1989598"/>
+        <a:ext cx="2490263" cy="1546200"/>
       </dsp:txXfrm>
     </dsp:sp>
   </dsp:spTree>
@@ -10316,15 +10493,57 @@
       <dsp:cNvGrpSpPr/>
     </dsp:nvGrpSpPr>
     <dsp:grpSpPr/>
-    <dsp:sp modelId="{B1204EAC-A6B3-4301-AEE4-84151B6785B8}">
+    <dsp:sp modelId="{7BDFB228-D8E3-4F08-A6D3-E8C6C48447FB}">
       <dsp:nvSpPr>
         <dsp:cNvPr id="0" name=""/>
         <dsp:cNvSpPr/>
       </dsp:nvSpPr>
       <dsp:spPr>
         <a:xfrm>
-          <a:off x="938775" y="778607"/>
-          <a:ext cx="926133" cy="926133"/>
+          <a:off x="0" y="2170"/>
+          <a:ext cx="5906181" cy="1100289"/>
+        </a:xfrm>
+        <a:prstGeom prst="roundRect">
+          <a:avLst>
+            <a:gd name="adj" fmla="val 10000"/>
+          </a:avLst>
+        </a:prstGeom>
+        <a:solidFill>
+          <a:schemeClr val="bg1">
+            <a:lumMod val="95000"/>
+            <a:hueOff val="0"/>
+            <a:satOff val="0"/>
+            <a:lumOff val="0"/>
+            <a:alphaOff val="0"/>
+          </a:schemeClr>
+        </a:solidFill>
+        <a:ln>
+          <a:noFill/>
+        </a:ln>
+        <a:effectLst/>
+      </dsp:spPr>
+      <dsp:style>
+        <a:lnRef idx="0">
+          <a:scrgbClr r="0" g="0" b="0"/>
+        </a:lnRef>
+        <a:fillRef idx="1">
+          <a:scrgbClr r="0" g="0" b="0"/>
+        </a:fillRef>
+        <a:effectRef idx="0">
+          <a:scrgbClr r="0" g="0" b="0"/>
+        </a:effectRef>
+        <a:fontRef idx="minor"/>
+      </dsp:style>
+    </dsp:sp>
+    <dsp:sp modelId="{8DC68B68-5D22-4021-B2DC-CFEAF1013159}">
+      <dsp:nvSpPr>
+        <dsp:cNvPr id="0" name=""/>
+        <dsp:cNvSpPr/>
+      </dsp:nvSpPr>
+      <dsp:spPr>
+        <a:xfrm>
+          <a:off x="332837" y="249736"/>
+          <a:ext cx="605159" cy="605159"/>
         </a:xfrm>
         <a:prstGeom prst="rect">
           <a:avLst/>
@@ -10365,15 +10584,15 @@
         </a:fontRef>
       </dsp:style>
     </dsp:sp>
-    <dsp:sp modelId="{C2A85639-9B07-463E-8E13-C7C8A35CD159}">
+    <dsp:sp modelId="{51C0E5B3-39DC-40B5-8878-3504A5748E1A}">
       <dsp:nvSpPr>
         <dsp:cNvPr id="0" name=""/>
         <dsp:cNvSpPr/>
       </dsp:nvSpPr>
       <dsp:spPr>
         <a:xfrm>
-          <a:off x="372805" y="2030349"/>
-          <a:ext cx="2058075" cy="916655"/>
+          <a:off x="1270834" y="2170"/>
+          <a:ext cx="4635346" cy="1100289"/>
         </a:xfrm>
         <a:prstGeom prst="rect">
           <a:avLst/>
@@ -10397,14 +10616,14 @@
         <a:fontRef idx="minor"/>
       </dsp:style>
       <dsp:txBody>
-        <a:bodyPr spcFirstLastPara="0" vert="horz" wrap="square" lIns="0" tIns="0" rIns="0" bIns="0" numCol="1" spcCol="1270" anchor="t" anchorCtr="0">
+        <a:bodyPr spcFirstLastPara="0" vert="horz" wrap="square" lIns="116447" tIns="116447" rIns="116447" bIns="116447" numCol="1" spcCol="1270" anchor="ctr" anchorCtr="0">
           <a:noAutofit/>
         </a:bodyPr>
         <a:lstStyle/>
         <a:p>
-          <a:pPr marL="0" lvl="0" indent="0" algn="ctr" defTabSz="488950">
+          <a:pPr marL="0" lvl="0" indent="0" algn="l" defTabSz="622300">
             <a:lnSpc>
-              <a:spcPct val="90000"/>
+              <a:spcPct val="100000"/>
             </a:lnSpc>
             <a:spcBef>
               <a:spcPct val="0"/>
@@ -10415,34 +10634,76 @@
             <a:buNone/>
           </a:pPr>
           <a:r>
-            <a:rPr lang="tr-TR" sz="1100" b="1" kern="1200" dirty="0" err="1"/>
+            <a:rPr lang="tr-TR" sz="1400" b="1" kern="1200" dirty="0" err="1"/>
             <a:t>Scalability</a:t>
           </a:r>
           <a:r>
-            <a:rPr lang="tr-TR" sz="1100" b="1" kern="1200" dirty="0"/>
+            <a:rPr lang="tr-TR" sz="1400" b="1" kern="1200" dirty="0"/>
             <a:t> (Ölçeklenebilirlik) :</a:t>
           </a:r>
           <a:r>
-            <a:rPr lang="tr-TR" sz="1100" kern="1200" dirty="0"/>
+            <a:rPr lang="tr-TR" sz="1400" kern="1200" dirty="0"/>
             <a:t> Yüksek performans sunarak yüksek hacimli verileri verimli bir şekilde veri boyutundan bağımsız olarak işler.</a:t>
           </a:r>
-          <a:endParaRPr lang="en-US" sz="1100" kern="1200" dirty="0"/>
+          <a:endParaRPr lang="en-US" sz="1400" kern="1200" dirty="0"/>
         </a:p>
       </dsp:txBody>
       <dsp:txXfrm>
-        <a:off x="372805" y="2030349"/>
-        <a:ext cx="2058075" cy="916655"/>
+        <a:off x="1270834" y="2170"/>
+        <a:ext cx="4635346" cy="1100289"/>
       </dsp:txXfrm>
     </dsp:sp>
-    <dsp:sp modelId="{48928132-9D4F-48DB-834A-11EC91EB542A}">
+    <dsp:sp modelId="{A51678B3-88B1-461D-A1E9-63511F83E0D1}">
       <dsp:nvSpPr>
         <dsp:cNvPr id="0" name=""/>
         <dsp:cNvSpPr/>
       </dsp:nvSpPr>
       <dsp:spPr>
         <a:xfrm>
-          <a:off x="3357014" y="778607"/>
-          <a:ext cx="926133" cy="926133"/>
+          <a:off x="0" y="1377533"/>
+          <a:ext cx="5906181" cy="1100289"/>
+        </a:xfrm>
+        <a:prstGeom prst="roundRect">
+          <a:avLst>
+            <a:gd name="adj" fmla="val 10000"/>
+          </a:avLst>
+        </a:prstGeom>
+        <a:solidFill>
+          <a:schemeClr val="bg1">
+            <a:lumMod val="95000"/>
+            <a:hueOff val="0"/>
+            <a:satOff val="0"/>
+            <a:lumOff val="0"/>
+            <a:alphaOff val="0"/>
+          </a:schemeClr>
+        </a:solidFill>
+        <a:ln>
+          <a:noFill/>
+        </a:ln>
+        <a:effectLst/>
+      </dsp:spPr>
+      <dsp:style>
+        <a:lnRef idx="0">
+          <a:scrgbClr r="0" g="0" b="0"/>
+        </a:lnRef>
+        <a:fillRef idx="1">
+          <a:scrgbClr r="0" g="0" b="0"/>
+        </a:fillRef>
+        <a:effectRef idx="0">
+          <a:scrgbClr r="0" g="0" b="0"/>
+        </a:effectRef>
+        <a:fontRef idx="minor"/>
+      </dsp:style>
+    </dsp:sp>
+    <dsp:sp modelId="{5ED2EEF5-62CA-4F99-A0CB-452EF3A97A18}">
+      <dsp:nvSpPr>
+        <dsp:cNvPr id="0" name=""/>
+        <dsp:cNvSpPr/>
+      </dsp:nvSpPr>
+      <dsp:spPr>
+        <a:xfrm>
+          <a:off x="332837" y="1625098"/>
+          <a:ext cx="605159" cy="605159"/>
         </a:xfrm>
         <a:prstGeom prst="rect">
           <a:avLst/>
@@ -10483,15 +10744,15 @@
         </a:fontRef>
       </dsp:style>
     </dsp:sp>
-    <dsp:sp modelId="{1DE52405-FF29-4F8D-B547-13BA74E55A53}">
+    <dsp:sp modelId="{4AA87CBF-8673-42FC-A6D3-FADFAD257889}">
       <dsp:nvSpPr>
         <dsp:cNvPr id="0" name=""/>
         <dsp:cNvSpPr/>
       </dsp:nvSpPr>
       <dsp:spPr>
         <a:xfrm>
-          <a:off x="2791043" y="2030349"/>
-          <a:ext cx="2058075" cy="916655"/>
+          <a:off x="1270834" y="1377533"/>
+          <a:ext cx="4635346" cy="1100289"/>
         </a:xfrm>
         <a:prstGeom prst="rect">
           <a:avLst/>
@@ -10515,14 +10776,14 @@
         <a:fontRef idx="minor"/>
       </dsp:style>
       <dsp:txBody>
-        <a:bodyPr spcFirstLastPara="0" vert="horz" wrap="square" lIns="0" tIns="0" rIns="0" bIns="0" numCol="1" spcCol="1270" anchor="t" anchorCtr="0">
+        <a:bodyPr spcFirstLastPara="0" vert="horz" wrap="square" lIns="116447" tIns="116447" rIns="116447" bIns="116447" numCol="1" spcCol="1270" anchor="ctr" anchorCtr="0">
           <a:noAutofit/>
         </a:bodyPr>
         <a:lstStyle/>
         <a:p>
-          <a:pPr marL="0" lvl="0" indent="0" algn="ctr" defTabSz="488950">
+          <a:pPr marL="0" lvl="0" indent="0" algn="l" defTabSz="622300">
             <a:lnSpc>
-              <a:spcPct val="90000"/>
+              <a:spcPct val="100000"/>
             </a:lnSpc>
             <a:spcBef>
               <a:spcPct val="0"/>
@@ -10533,30 +10794,72 @@
             <a:buNone/>
           </a:pPr>
           <a:r>
-            <a:rPr lang="tr-TR" sz="1100" b="1" kern="1200"/>
+            <a:rPr lang="tr-TR" sz="1400" b="1" kern="1200"/>
             <a:t>Fault Tolerance (Hata Toleransı) : </a:t>
           </a:r>
           <a:r>
-            <a:rPr lang="tr-TR" sz="1100" kern="1200"/>
+            <a:rPr lang="tr-TR" sz="1400" kern="1200"/>
             <a:t>Hatalar her zaman olabilir ama spring batch otomatik yeniden başlatma, atlama ve geri alma özelliklerine sahiptir.</a:t>
           </a:r>
-          <a:endParaRPr lang="en-US" sz="1100" kern="1200"/>
+          <a:endParaRPr lang="en-US" sz="1400" kern="1200"/>
         </a:p>
       </dsp:txBody>
       <dsp:txXfrm>
-        <a:off x="2791043" y="2030349"/>
-        <a:ext cx="2058075" cy="916655"/>
+        <a:off x="1270834" y="1377533"/>
+        <a:ext cx="4635346" cy="1100289"/>
       </dsp:txXfrm>
     </dsp:sp>
-    <dsp:sp modelId="{A5CDAC41-8BE3-4DA0-ABB2-68C54F335769}">
+    <dsp:sp modelId="{E6FD23CB-3CB2-4632-BAFA-C1455BB274D9}">
       <dsp:nvSpPr>
         <dsp:cNvPr id="0" name=""/>
         <dsp:cNvSpPr/>
       </dsp:nvSpPr>
       <dsp:spPr>
         <a:xfrm>
-          <a:off x="5775252" y="778607"/>
-          <a:ext cx="926133" cy="926133"/>
+          <a:off x="0" y="2752895"/>
+          <a:ext cx="5906181" cy="1100289"/>
+        </a:xfrm>
+        <a:prstGeom prst="roundRect">
+          <a:avLst>
+            <a:gd name="adj" fmla="val 10000"/>
+          </a:avLst>
+        </a:prstGeom>
+        <a:solidFill>
+          <a:schemeClr val="bg1">
+            <a:lumMod val="95000"/>
+            <a:hueOff val="0"/>
+            <a:satOff val="0"/>
+            <a:lumOff val="0"/>
+            <a:alphaOff val="0"/>
+          </a:schemeClr>
+        </a:solidFill>
+        <a:ln>
+          <a:noFill/>
+        </a:ln>
+        <a:effectLst/>
+      </dsp:spPr>
+      <dsp:style>
+        <a:lnRef idx="0">
+          <a:scrgbClr r="0" g="0" b="0"/>
+        </a:lnRef>
+        <a:fillRef idx="1">
+          <a:scrgbClr r="0" g="0" b="0"/>
+        </a:fillRef>
+        <a:effectRef idx="0">
+          <a:scrgbClr r="0" g="0" b="0"/>
+        </a:effectRef>
+        <a:fontRef idx="minor"/>
+      </dsp:style>
+    </dsp:sp>
+    <dsp:sp modelId="{EABC0173-1478-4D6F-86E0-9C39FCF6ED00}">
+      <dsp:nvSpPr>
+        <dsp:cNvPr id="0" name=""/>
+        <dsp:cNvSpPr/>
+      </dsp:nvSpPr>
+      <dsp:spPr>
+        <a:xfrm>
+          <a:off x="332837" y="3000460"/>
+          <a:ext cx="605159" cy="605159"/>
         </a:xfrm>
         <a:prstGeom prst="rect">
           <a:avLst/>
@@ -10597,15 +10900,15 @@
         </a:fontRef>
       </dsp:style>
     </dsp:sp>
-    <dsp:sp modelId="{03D4AFB7-BB13-4E44-8072-E81B3674471B}">
+    <dsp:sp modelId="{74556909-DD8B-457D-A1FA-E5F4C528024F}">
       <dsp:nvSpPr>
         <dsp:cNvPr id="0" name=""/>
         <dsp:cNvSpPr/>
       </dsp:nvSpPr>
       <dsp:spPr>
         <a:xfrm>
-          <a:off x="5209281" y="2030349"/>
-          <a:ext cx="2058075" cy="916655"/>
+          <a:off x="1270834" y="2752895"/>
+          <a:ext cx="4635346" cy="1100289"/>
         </a:xfrm>
         <a:prstGeom prst="rect">
           <a:avLst/>
@@ -10629,14 +10932,14 @@
         <a:fontRef idx="minor"/>
       </dsp:style>
       <dsp:txBody>
-        <a:bodyPr spcFirstLastPara="0" vert="horz" wrap="square" lIns="0" tIns="0" rIns="0" bIns="0" numCol="1" spcCol="1270" anchor="t" anchorCtr="0">
+        <a:bodyPr spcFirstLastPara="0" vert="horz" wrap="square" lIns="116447" tIns="116447" rIns="116447" bIns="116447" numCol="1" spcCol="1270" anchor="ctr" anchorCtr="0">
           <a:noAutofit/>
         </a:bodyPr>
         <a:lstStyle/>
         <a:p>
-          <a:pPr marL="0" lvl="0" indent="0" algn="ctr" defTabSz="488950">
+          <a:pPr marL="0" lvl="0" indent="0" algn="l" defTabSz="622300">
             <a:lnSpc>
-              <a:spcPct val="90000"/>
+              <a:spcPct val="100000"/>
             </a:lnSpc>
             <a:spcBef>
               <a:spcPct val="0"/>
@@ -10647,30 +10950,72 @@
             <a:buNone/>
           </a:pPr>
           <a:r>
-            <a:rPr lang="tr-TR" sz="1100" b="1" kern="1200"/>
+            <a:rPr lang="tr-TR" sz="1400" b="1" kern="1200"/>
             <a:t>Transactional Integrity (İşlem Bütünlüğü) : </a:t>
           </a:r>
           <a:r>
-            <a:rPr lang="tr-TR" sz="1100" kern="1200"/>
+            <a:rPr lang="tr-TR" sz="1400" kern="1200"/>
             <a:t>Spring batch işleri belirli parçalara böler. Parçalar sorunla karşılaşsa bile verilerin bütünlüğünü garantiler.</a:t>
           </a:r>
-          <a:endParaRPr lang="en-US" sz="1100" kern="1200"/>
+          <a:endParaRPr lang="en-US" sz="1400" kern="1200"/>
         </a:p>
       </dsp:txBody>
       <dsp:txXfrm>
-        <a:off x="5209281" y="2030349"/>
-        <a:ext cx="2058075" cy="916655"/>
+        <a:off x="1270834" y="2752895"/>
+        <a:ext cx="4635346" cy="1100289"/>
       </dsp:txXfrm>
     </dsp:sp>
-    <dsp:sp modelId="{4A54F2F4-AA9F-46B4-8733-F6B127B26CEB}">
+    <dsp:sp modelId="{395B37BA-7D16-4C54-8CE2-9CC553AEB89B}">
       <dsp:nvSpPr>
         <dsp:cNvPr id="0" name=""/>
         <dsp:cNvSpPr/>
       </dsp:nvSpPr>
       <dsp:spPr>
         <a:xfrm>
-          <a:off x="8193490" y="778607"/>
-          <a:ext cx="926133" cy="926133"/>
+          <a:off x="0" y="4128257"/>
+          <a:ext cx="5906181" cy="1100289"/>
+        </a:xfrm>
+        <a:prstGeom prst="roundRect">
+          <a:avLst>
+            <a:gd name="adj" fmla="val 10000"/>
+          </a:avLst>
+        </a:prstGeom>
+        <a:solidFill>
+          <a:schemeClr val="bg1">
+            <a:lumMod val="95000"/>
+            <a:hueOff val="0"/>
+            <a:satOff val="0"/>
+            <a:lumOff val="0"/>
+            <a:alphaOff val="0"/>
+          </a:schemeClr>
+        </a:solidFill>
+        <a:ln>
+          <a:noFill/>
+        </a:ln>
+        <a:effectLst/>
+      </dsp:spPr>
+      <dsp:style>
+        <a:lnRef idx="0">
+          <a:scrgbClr r="0" g="0" b="0"/>
+        </a:lnRef>
+        <a:fillRef idx="1">
+          <a:scrgbClr r="0" g="0" b="0"/>
+        </a:fillRef>
+        <a:effectRef idx="0">
+          <a:scrgbClr r="0" g="0" b="0"/>
+        </a:effectRef>
+        <a:fontRef idx="minor"/>
+      </dsp:style>
+    </dsp:sp>
+    <dsp:sp modelId="{B9B63B67-1132-4914-A248-412E2869DF08}">
+      <dsp:nvSpPr>
+        <dsp:cNvPr id="0" name=""/>
+        <dsp:cNvSpPr/>
+      </dsp:nvSpPr>
+      <dsp:spPr>
+        <a:xfrm>
+          <a:off x="332837" y="4375822"/>
+          <a:ext cx="605159" cy="605159"/>
         </a:xfrm>
         <a:prstGeom prst="rect">
           <a:avLst/>
@@ -10711,15 +11056,15 @@
         </a:fontRef>
       </dsp:style>
     </dsp:sp>
-    <dsp:sp modelId="{3F7C175B-829C-4945-A2DB-83CD71AF72A4}">
+    <dsp:sp modelId="{D4C64864-61C2-47AB-B3E5-46DA1DCB64D0}">
       <dsp:nvSpPr>
         <dsp:cNvPr id="0" name=""/>
         <dsp:cNvSpPr/>
       </dsp:nvSpPr>
       <dsp:spPr>
         <a:xfrm>
-          <a:off x="7627519" y="2030349"/>
-          <a:ext cx="2058075" cy="916655"/>
+          <a:off x="1270834" y="4128257"/>
+          <a:ext cx="4635346" cy="1100289"/>
         </a:xfrm>
         <a:prstGeom prst="rect">
           <a:avLst/>
@@ -10743,14 +11088,14 @@
         <a:fontRef idx="minor"/>
       </dsp:style>
       <dsp:txBody>
-        <a:bodyPr spcFirstLastPara="0" vert="horz" wrap="square" lIns="0" tIns="0" rIns="0" bIns="0" numCol="1" spcCol="1270" anchor="t" anchorCtr="0">
+        <a:bodyPr spcFirstLastPara="0" vert="horz" wrap="square" lIns="116447" tIns="116447" rIns="116447" bIns="116447" numCol="1" spcCol="1270" anchor="ctr" anchorCtr="0">
           <a:noAutofit/>
         </a:bodyPr>
         <a:lstStyle/>
         <a:p>
-          <a:pPr marL="0" lvl="0" indent="0" algn="ctr" defTabSz="488950">
+          <a:pPr marL="0" lvl="0" indent="0" algn="l" defTabSz="622300">
             <a:lnSpc>
-              <a:spcPct val="90000"/>
+              <a:spcPct val="100000"/>
             </a:lnSpc>
             <a:spcBef>
               <a:spcPct val="0"/>
@@ -10761,19 +11106,19 @@
             <a:buNone/>
           </a:pPr>
           <a:r>
-            <a:rPr lang="tr-TR" sz="1100" b="1" kern="1200"/>
+            <a:rPr lang="tr-TR" sz="1400" b="1" kern="1200"/>
             <a:t>Parallel Processing (Paralel İşleme) : </a:t>
           </a:r>
           <a:r>
-            <a:rPr lang="tr-TR" sz="1100" kern="1200"/>
+            <a:rPr lang="tr-TR" sz="1400" kern="1200"/>
             <a:t>Kendi içinde paralel işleme mekanizmaları vardır.</a:t>
           </a:r>
-          <a:endParaRPr lang="en-US" sz="1100" kern="1200"/>
+          <a:endParaRPr lang="en-US" sz="1400" kern="1200"/>
         </a:p>
       </dsp:txBody>
       <dsp:txXfrm>
-        <a:off x="7627519" y="2030349"/>
-        <a:ext cx="2058075" cy="916655"/>
+        <a:off x="1270834" y="4128257"/>
+        <a:ext cx="4635346" cy="1100289"/>
       </dsp:txXfrm>
     </dsp:sp>
   </dsp:spTree>
@@ -11875,15 +12220,15 @@
       <dsp:cNvGrpSpPr/>
     </dsp:nvGrpSpPr>
     <dsp:grpSpPr/>
-    <dsp:sp modelId="{AD5D6C5F-B472-814D-9EB1-6361B898A9BE}">
+    <dsp:sp modelId="{17912647-7FF7-6E4D-BC18-9BB592C5E64A}">
       <dsp:nvSpPr>
         <dsp:cNvPr id="0" name=""/>
         <dsp:cNvSpPr/>
       </dsp:nvSpPr>
       <dsp:spPr>
         <a:xfrm>
-          <a:off x="1227" y="267023"/>
-          <a:ext cx="4309690" cy="2736653"/>
+          <a:off x="720" y="1678333"/>
+          <a:ext cx="2530602" cy="1606932"/>
         </a:xfrm>
         <a:prstGeom prst="roundRect">
           <a:avLst>
@@ -11891,14 +12236,14 @@
           </a:avLst>
         </a:prstGeom>
         <a:solidFill>
-          <a:schemeClr val="accent1">
+          <a:schemeClr val="accent5">
             <a:hueOff val="0"/>
             <a:satOff val="0"/>
             <a:lumOff val="0"/>
             <a:alphaOff val="0"/>
           </a:schemeClr>
         </a:solidFill>
-        <a:ln w="19050" cap="flat" cmpd="sng" algn="ctr">
+        <a:ln w="12700" cap="flat" cmpd="sng" algn="ctr">
           <a:solidFill>
             <a:schemeClr val="lt1">
               <a:hueOff val="0"/>
@@ -11912,13 +12257,13 @@
         <a:effectLst/>
       </dsp:spPr>
       <dsp:style>
-        <a:lnRef idx="3">
+        <a:lnRef idx="2">
           <a:scrgbClr r="0" g="0" b="0"/>
         </a:lnRef>
         <a:fillRef idx="1">
           <a:scrgbClr r="0" g="0" b="0"/>
         </a:fillRef>
-        <a:effectRef idx="1">
+        <a:effectRef idx="0">
           <a:scrgbClr r="0" g="0" b="0"/>
         </a:effectRef>
         <a:fontRef idx="minor">
@@ -11926,15 +12271,15 @@
         </a:fontRef>
       </dsp:style>
     </dsp:sp>
-    <dsp:sp modelId="{F23CC254-F374-4E44-9331-BAA88479D5E9}">
+    <dsp:sp modelId="{304EB894-ABE0-FA42-B47A-FE08D4A2AF76}">
       <dsp:nvSpPr>
         <dsp:cNvPr id="0" name=""/>
         <dsp:cNvSpPr/>
       </dsp:nvSpPr>
       <dsp:spPr>
         <a:xfrm>
-          <a:off x="480082" y="721935"/>
-          <a:ext cx="4309690" cy="2736653"/>
+          <a:off x="281899" y="1945452"/>
+          <a:ext cx="2530602" cy="1606932"/>
         </a:xfrm>
         <a:prstGeom prst="roundRect">
           <a:avLst>
@@ -11952,7 +12297,7 @@
         </a:solidFill>
         <a:ln w="12700" cap="flat" cmpd="sng" algn="ctr">
           <a:solidFill>
-            <a:schemeClr val="accent1">
+            <a:schemeClr val="accent5">
               <a:hueOff val="0"/>
               <a:satOff val="0"/>
               <a:lumOff val="0"/>
@@ -11976,12 +12321,12 @@
         <a:fontRef idx="minor"/>
       </dsp:style>
       <dsp:txBody>
-        <a:bodyPr spcFirstLastPara="0" vert="horz" wrap="square" lIns="125730" tIns="125730" rIns="125730" bIns="125730" numCol="1" spcCol="1270" anchor="ctr" anchorCtr="0">
+        <a:bodyPr spcFirstLastPara="0" vert="horz" wrap="square" lIns="72390" tIns="72390" rIns="72390" bIns="72390" numCol="1" spcCol="1270" anchor="ctr" anchorCtr="0">
           <a:noAutofit/>
         </a:bodyPr>
         <a:lstStyle/>
         <a:p>
-          <a:pPr marL="0" lvl="0" indent="0" algn="ctr" defTabSz="1466850">
+          <a:pPr marL="0" lvl="0" indent="0" algn="ctr" defTabSz="844550">
             <a:lnSpc>
               <a:spcPct val="90000"/>
             </a:lnSpc>
@@ -11994,26 +12339,26 @@
             <a:buNone/>
           </a:pPr>
           <a:r>
-            <a:rPr lang="tr-TR" sz="3300" kern="1200"/>
+            <a:rPr lang="tr-TR" sz="1900" kern="1200"/>
             <a:t>Başlangıçtan bitişe kadar çalışan tüm toplu işlemi kapsayan bir yapıdır. </a:t>
           </a:r>
-          <a:endParaRPr lang="en-US" sz="3300" kern="1200"/>
+          <a:endParaRPr lang="en-US" sz="1900" kern="1200"/>
         </a:p>
       </dsp:txBody>
       <dsp:txXfrm>
-        <a:off x="560236" y="802089"/>
-        <a:ext cx="4149382" cy="2576345"/>
+        <a:off x="328964" y="1992517"/>
+        <a:ext cx="2436472" cy="1512802"/>
       </dsp:txXfrm>
     </dsp:sp>
-    <dsp:sp modelId="{C4ADFC1C-99AC-0E49-80BD-DCBB0F750842}">
+    <dsp:sp modelId="{5A8B23F8-46C9-1F4B-ABB2-5673D8B6C522}">
       <dsp:nvSpPr>
         <dsp:cNvPr id="0" name=""/>
         <dsp:cNvSpPr/>
       </dsp:nvSpPr>
       <dsp:spPr>
         <a:xfrm>
-          <a:off x="5268627" y="267023"/>
-          <a:ext cx="4309690" cy="2736653"/>
+          <a:off x="3093679" y="1678333"/>
+          <a:ext cx="2530602" cy="1606932"/>
         </a:xfrm>
         <a:prstGeom prst="roundRect">
           <a:avLst>
@@ -12021,14 +12366,14 @@
           </a:avLst>
         </a:prstGeom>
         <a:solidFill>
-          <a:schemeClr val="accent1">
+          <a:schemeClr val="accent5">
             <a:hueOff val="0"/>
             <a:satOff val="0"/>
             <a:lumOff val="0"/>
             <a:alphaOff val="0"/>
           </a:schemeClr>
         </a:solidFill>
-        <a:ln w="19050" cap="flat" cmpd="sng" algn="ctr">
+        <a:ln w="12700" cap="flat" cmpd="sng" algn="ctr">
           <a:solidFill>
             <a:schemeClr val="lt1">
               <a:hueOff val="0"/>
@@ -12042,13 +12387,13 @@
         <a:effectLst/>
       </dsp:spPr>
       <dsp:style>
-        <a:lnRef idx="3">
+        <a:lnRef idx="2">
           <a:scrgbClr r="0" g="0" b="0"/>
         </a:lnRef>
         <a:fillRef idx="1">
           <a:scrgbClr r="0" g="0" b="0"/>
         </a:fillRef>
-        <a:effectRef idx="1">
+        <a:effectRef idx="0">
           <a:scrgbClr r="0" g="0" b="0"/>
         </a:effectRef>
         <a:fontRef idx="minor">
@@ -12056,15 +12401,15 @@
         </a:fontRef>
       </dsp:style>
     </dsp:sp>
-    <dsp:sp modelId="{102F95FB-F5FF-F944-9A10-78FFF872099B}">
+    <dsp:sp modelId="{99A86AD1-0BD9-1243-8344-B8ADEAEB834F}">
       <dsp:nvSpPr>
         <dsp:cNvPr id="0" name=""/>
         <dsp:cNvSpPr/>
       </dsp:nvSpPr>
       <dsp:spPr>
         <a:xfrm>
-          <a:off x="5747481" y="721935"/>
-          <a:ext cx="4309690" cy="2736653"/>
+          <a:off x="3374857" y="1945452"/>
+          <a:ext cx="2530602" cy="1606932"/>
         </a:xfrm>
         <a:prstGeom prst="roundRect">
           <a:avLst>
@@ -12082,7 +12427,7 @@
         </a:solidFill>
         <a:ln w="12700" cap="flat" cmpd="sng" algn="ctr">
           <a:solidFill>
-            <a:schemeClr val="accent1">
+            <a:schemeClr val="accent5">
               <a:hueOff val="0"/>
               <a:satOff val="0"/>
               <a:lumOff val="0"/>
@@ -12106,12 +12451,12 @@
         <a:fontRef idx="minor"/>
       </dsp:style>
       <dsp:txBody>
-        <a:bodyPr spcFirstLastPara="0" vert="horz" wrap="square" lIns="125730" tIns="125730" rIns="125730" bIns="125730" numCol="1" spcCol="1270" anchor="ctr" anchorCtr="0">
+        <a:bodyPr spcFirstLastPara="0" vert="horz" wrap="square" lIns="72390" tIns="72390" rIns="72390" bIns="72390" numCol="1" spcCol="1270" anchor="ctr" anchorCtr="0">
           <a:noAutofit/>
         </a:bodyPr>
         <a:lstStyle/>
         <a:p>
-          <a:pPr marL="0" lvl="0" indent="0" algn="ctr" defTabSz="1466850">
+          <a:pPr marL="0" lvl="0" indent="0" algn="ctr" defTabSz="844550">
             <a:lnSpc>
               <a:spcPct val="90000"/>
             </a:lnSpc>
@@ -12124,15 +12469,15 @@
             <a:buNone/>
           </a:pPr>
           <a:r>
-            <a:rPr lang="tr-TR" sz="3300" kern="1200"/>
+            <a:rPr lang="tr-TR" sz="1900" kern="1200"/>
             <a:t>Belirli bir sırayla çalışan bir dizi adımdan oluşur.</a:t>
           </a:r>
-          <a:endParaRPr lang="en-US" sz="3300" kern="1200"/>
+          <a:endParaRPr lang="en-US" sz="1900" kern="1200"/>
         </a:p>
       </dsp:txBody>
       <dsp:txXfrm>
-        <a:off x="5827635" y="802089"/>
-        <a:ext cx="4149382" cy="2576345"/>
+        <a:off x="3421922" y="1992517"/>
+        <a:ext cx="2436472" cy="1512802"/>
       </dsp:txXfrm>
     </dsp:sp>
   </dsp:spTree>
@@ -12454,13 +12799,10 @@
           <a:avLst/>
         </a:prstGeom>
         <a:blipFill>
-          <a:blip xmlns:r="http://schemas.openxmlformats.org/officeDocument/2006/relationships" r:embed="rId1">
+          <a:blip xmlns:r="http://schemas.openxmlformats.org/officeDocument/2006/relationships">
             <a:extLst>
               <a:ext uri="{28A0092B-C50C-407E-A947-70E740481C1C}">
                 <a14:useLocalDpi xmlns:a14="http://schemas.microsoft.com/office/drawing/2010/main" val="0"/>
-              </a:ext>
-              <a:ext uri="{96DAC541-7B7A-43D3-8B79-37D633B846F1}">
-                <asvg:svgBlip xmlns:asvg="http://schemas.microsoft.com/office/drawing/2016/SVG/main" r:embed="rId2"/>
               </a:ext>
             </a:extLst>
           </a:blip>
@@ -12613,13 +12955,10 @@
           <a:avLst/>
         </a:prstGeom>
         <a:blipFill>
-          <a:blip xmlns:r="http://schemas.openxmlformats.org/officeDocument/2006/relationships" r:embed="rId3">
+          <a:blip xmlns:r="http://schemas.openxmlformats.org/officeDocument/2006/relationships">
             <a:extLst>
               <a:ext uri="{28A0092B-C50C-407E-A947-70E740481C1C}">
                 <a14:useLocalDpi xmlns:a14="http://schemas.microsoft.com/office/drawing/2010/main" val="0"/>
-              </a:ext>
-              <a:ext uri="{96DAC541-7B7A-43D3-8B79-37D633B846F1}">
-                <asvg:svgBlip xmlns:asvg="http://schemas.microsoft.com/office/drawing/2016/SVG/main" r:embed="rId4"/>
               </a:ext>
             </a:extLst>
           </a:blip>
@@ -12705,10 +13044,18 @@
             <a:buNone/>
           </a:pPr>
           <a:r>
-            <a:rPr lang="tr-TR" sz="1400" kern="1200"/>
-            <a:t>Bir Step, geliştiricinin isteğine bağlı olarak basit veya karmaşık olabilir. Basit bir Step, veriyi bir dosyadan veritabanına yüklemek gibi az veya hiç kod gerektirmeyen bir işi içerebilir (kullanılan uygulamalara bağlı olarak). </a:t>
+            <a:rPr lang="tr-TR" sz="1400" kern="1200" dirty="0"/>
+            <a:t>Bir Step, geliştiricinin isteğine bağlı olarak basit veya karmaşık olabilir. Basit bir Step, veriyi bir dosyadan </a:t>
           </a:r>
-          <a:endParaRPr lang="en-US" sz="1400" kern="1200"/>
+          <a:r>
+            <a:rPr lang="tr-TR" sz="1400" kern="1200" dirty="0" err="1"/>
+            <a:t>veritabanına</a:t>
+          </a:r>
+          <a:r>
+            <a:rPr lang="tr-TR" sz="1400" kern="1200" dirty="0"/>
+            <a:t> yüklemek gibi az veya hiç kod gerektirmeyen bir işi içerebilir.</a:t>
+          </a:r>
+          <a:endParaRPr lang="en-US" sz="1400" kern="1200" dirty="0"/>
         </a:p>
       </dsp:txBody>
       <dsp:txXfrm>
@@ -12772,13 +13119,10 @@
           <a:avLst/>
         </a:prstGeom>
         <a:blipFill>
-          <a:blip xmlns:r="http://schemas.openxmlformats.org/officeDocument/2006/relationships" r:embed="rId5">
+          <a:blip xmlns:r="http://schemas.openxmlformats.org/officeDocument/2006/relationships">
             <a:extLst>
               <a:ext uri="{28A0092B-C50C-407E-A947-70E740481C1C}">
                 <a14:useLocalDpi xmlns:a14="http://schemas.microsoft.com/office/drawing/2010/main" val="0"/>
-              </a:ext>
-              <a:ext uri="{96DAC541-7B7A-43D3-8B79-37D633B846F1}">
-                <asvg:svgBlip xmlns:asvg="http://schemas.microsoft.com/office/drawing/2016/SVG/main" r:embed="rId6"/>
               </a:ext>
             </a:extLst>
           </a:blip>
@@ -12894,8 +13238,8 @@
       </dsp:nvSpPr>
       <dsp:spPr>
         <a:xfrm>
-          <a:off x="8840" y="82430"/>
-          <a:ext cx="2642294" cy="3684762"/>
+          <a:off x="8840" y="68496"/>
+          <a:ext cx="2642294" cy="3712630"/>
         </a:xfrm>
         <a:prstGeom prst="roundRect">
           <a:avLst>
@@ -12956,15 +13300,47 @@
             <a:buNone/>
           </a:pPr>
           <a:r>
-            <a:rPr lang="tr-TR" sz="1300" kern="1200"/>
-            <a:t>Bir StepExecution, bir Step’i çalıştırmak için yapılan tek bir denemeyi temsil eder. Bir Step çalıştırıldığında, her seferinde yeni bir StepExecution oluşturulur, JobExecution ile benzer şekilde. Ancak, bir Step’in bir önceki adımın başarısızlığı nedeniyle çalıştırılamazsa, bu adım için hiçbir yürütme saklanmaz. Bir StepExecution yalnızca ilgili Step gerçekten başlatıldığında oluşturulur.</a:t>
+            <a:rPr lang="tr-TR" sz="1300" kern="1200" dirty="0"/>
+            <a:t>Bir </a:t>
           </a:r>
-          <a:endParaRPr lang="en-US" sz="1300" kern="1200"/>
+          <a:r>
+            <a:rPr lang="tr-TR" sz="1300" kern="1200" dirty="0" err="1"/>
+            <a:t>StepExecution</a:t>
+          </a:r>
+          <a:r>
+            <a:rPr lang="tr-TR" sz="1300" kern="1200" dirty="0"/>
+            <a:t>, bir Step’i çalıştırmak için yapılan tek bir denemeyi temsil eder. Bir Step çalıştırıldığında, </a:t>
+          </a:r>
+          <a:r>
+            <a:rPr lang="tr-TR" sz="1300" kern="1200" dirty="0" err="1"/>
+            <a:t>JobExecution</a:t>
+          </a:r>
+          <a:r>
+            <a:rPr lang="tr-TR" sz="1300" kern="1200" dirty="0"/>
+            <a:t> gibi her seferinde yeni bir </a:t>
+          </a:r>
+          <a:r>
+            <a:rPr lang="tr-TR" sz="1300" kern="1200" dirty="0" err="1"/>
+            <a:t>StepExecution</a:t>
+          </a:r>
+          <a:r>
+            <a:rPr lang="tr-TR" sz="1300" kern="1200" dirty="0"/>
+            <a:t> oluşturulur. Ancak, bir Step’in bir önceki adımın başarısızlığı nedeniyle çalıştırılamazsa, bu adım için hiçbir yürütme saklanmaz. Bir </a:t>
+          </a:r>
+          <a:r>
+            <a:rPr lang="tr-TR" sz="1300" kern="1200" dirty="0" err="1"/>
+            <a:t>StepExecution</a:t>
+          </a:r>
+          <a:r>
+            <a:rPr lang="tr-TR" sz="1300" kern="1200" dirty="0"/>
+            <a:t> yalnızca ilgili Step gerçekten başlatıldığında oluşturulur.</a:t>
+          </a:r>
+          <a:endParaRPr lang="en-US" sz="1300" kern="1200" dirty="0"/>
         </a:p>
       </dsp:txBody>
       <dsp:txXfrm>
-        <a:off x="86230" y="159820"/>
-        <a:ext cx="2487514" cy="3529982"/>
+        <a:off x="86230" y="145886"/>
+        <a:ext cx="2487514" cy="3557850"/>
       </dsp:txXfrm>
     </dsp:sp>
     <dsp:sp modelId="{F7920782-49DF-C745-BEE3-1A2E722751AC}">
@@ -13044,8 +13420,8 @@
       </dsp:nvSpPr>
       <dsp:spPr>
         <a:xfrm>
-          <a:off x="3708052" y="82430"/>
-          <a:ext cx="2642294" cy="3684762"/>
+          <a:off x="3708052" y="68496"/>
+          <a:ext cx="2642294" cy="3712630"/>
         </a:xfrm>
         <a:prstGeom prst="roundRect">
           <a:avLst>
@@ -13113,8 +13489,8 @@
         </a:p>
       </dsp:txBody>
       <dsp:txXfrm>
-        <a:off x="3785442" y="159820"/>
-        <a:ext cx="2487514" cy="3529982"/>
+        <a:off x="3785442" y="145886"/>
+        <a:ext cx="2487514" cy="3557850"/>
       </dsp:txXfrm>
     </dsp:sp>
     <dsp:sp modelId="{C8891094-7CBA-6B4B-BE69-F6E1636E987B}">
@@ -13194,8 +13570,8 @@
       </dsp:nvSpPr>
       <dsp:spPr>
         <a:xfrm>
-          <a:off x="7407265" y="82430"/>
-          <a:ext cx="2642294" cy="3684762"/>
+          <a:off x="7407265" y="68496"/>
+          <a:ext cx="2642294" cy="3712630"/>
         </a:xfrm>
         <a:prstGeom prst="roundRect">
           <a:avLst>
@@ -13263,8 +13639,8 @@
         </a:p>
       </dsp:txBody>
       <dsp:txXfrm>
-        <a:off x="7484655" y="159820"/>
-        <a:ext cx="2487514" cy="3529982"/>
+        <a:off x="7484655" y="145886"/>
+        <a:ext cx="2487514" cy="3557850"/>
       </dsp:txXfrm>
     </dsp:sp>
   </dsp:spTree>
@@ -13670,10 +14046,46 @@
             <a:buNone/>
           </a:pPr>
           <a:r>
-            <a:rPr lang="tr-TR" sz="2800" kern="1200"/>
-            <a:t>JobLauncher, verilen bir Job ve JobParameters kümesi ile bir Job’u başlatmak için kullanılan basit bir interfacedir</a:t>
+            <a:rPr lang="tr-TR" sz="2800" kern="1200" dirty="0" err="1"/>
+            <a:t>JobLauncher</a:t>
           </a:r>
-          <a:endParaRPr lang="en-US" sz="2800" kern="1200"/>
+          <a:r>
+            <a:rPr lang="tr-TR" sz="2800" kern="1200" dirty="0"/>
+            <a:t>, verilen bir </a:t>
+          </a:r>
+          <a:r>
+            <a:rPr lang="tr-TR" sz="2800" kern="1200" dirty="0" err="1"/>
+            <a:t>Job</a:t>
+          </a:r>
+          <a:r>
+            <a:rPr lang="tr-TR" sz="2800" kern="1200" dirty="0"/>
+            <a:t> ve </a:t>
+          </a:r>
+          <a:r>
+            <a:rPr lang="tr-TR" sz="2800" kern="1200" dirty="0" err="1"/>
+            <a:t>JobParameters</a:t>
+          </a:r>
+          <a:r>
+            <a:rPr lang="tr-TR" sz="2800" kern="1200" dirty="0"/>
+            <a:t> kümesi ile bir </a:t>
+          </a:r>
+          <a:r>
+            <a:rPr lang="tr-TR" sz="2800" kern="1200" dirty="0" err="1"/>
+            <a:t>Job’u</a:t>
+          </a:r>
+          <a:r>
+            <a:rPr lang="tr-TR" sz="2800" kern="1200" dirty="0"/>
+            <a:t> başlatmak için kullanılan basit bir </a:t>
+          </a:r>
+          <a:r>
+            <a:rPr lang="tr-TR" sz="2800" kern="1200" dirty="0" err="1"/>
+            <a:t>interfacedir</a:t>
+          </a:r>
+          <a:r>
+            <a:rPr lang="tr-TR" sz="2800" kern="1200" dirty="0"/>
+            <a:t>.</a:t>
+          </a:r>
+          <a:endParaRPr lang="en-US" sz="2800" kern="1200" dirty="0"/>
         </a:p>
       </dsp:txBody>
       <dsp:txXfrm>
@@ -14379,9 +14791,9 @@
 </file>
 
 <file path=ppt/diagrams/layout2.xml><?xml version="1.0" encoding="utf-8"?>
-<dgm:layoutDef xmlns:dgm="http://schemas.openxmlformats.org/drawingml/2006/diagram" xmlns:a="http://schemas.openxmlformats.org/drawingml/2006/main" uniqueId="urn:microsoft.com/office/officeart/2018/2/layout/IconLabelList">
-  <dgm:title val="Icon Label List"/>
-  <dgm:desc val="Use to show non-sequential or grouped chunks of information accompanied by a related visuals. Works best with icons or small pictures with short text captions."/>
+<dgm:layoutDef xmlns:dgm="http://schemas.openxmlformats.org/drawingml/2006/diagram" xmlns:a="http://schemas.openxmlformats.org/drawingml/2006/main" uniqueId="urn:microsoft.com/office/officeart/2018/2/layout/IconVerticalSolidList">
+  <dgm:title val="Icon Vertical Solid List"/>
+  <dgm:desc val="Use to show a series of visuals from top to bottom with Level 1 or Level 1 and Level 2 text grouped in a shape. Works best with icons or small pictures with lengthier descriptions."/>
   <dgm:catLst>
     <dgm:cat type="icon" pri="500"/>
   </dgm:catLst>
@@ -14413,23 +14825,15 @@
     </dgm:varLst>
     <dgm:choose name="Name0">
       <dgm:if name="Name1" axis="self" func="var" arg="dir" op="equ" val="norm">
-        <dgm:alg type="snake">
-          <dgm:param type="grDir" val="tL"/>
-          <dgm:param type="flowDir" val="row"/>
-          <dgm:param type="contDir" val="sameDir"/>
-          <dgm:param type="off" val="ctr"/>
-          <dgm:param type="vertAlign" val="mid"/>
-          <dgm:param type="horzAlign" val="ctr"/>
+        <dgm:alg type="lin">
+          <dgm:param type="linDir" val="fromT"/>
+          <dgm:param type="nodeHorzAlign" val="l"/>
         </dgm:alg>
       </dgm:if>
       <dgm:else name="Name2">
-        <dgm:alg type="snake">
-          <dgm:param type="grDir" val="tR"/>
-          <dgm:param type="flowDir" val="row"/>
-          <dgm:param type="contDir" val="sameDir"/>
-          <dgm:param type="off" val="ctr"/>
-          <dgm:param type="vertAlign" val="mid"/>
-          <dgm:param type="horzAlign" val="ctr"/>
+        <dgm:alg type="lin">
+          <dgm:param type="linDir" val="fromT"/>
+          <dgm:param type="nodeHorzAlign" val="r"/>
         </dgm:alg>
       </dgm:else>
     </dgm:choose>
@@ -14438,67 +14842,139 @@
     </dgm:shape>
     <dgm:presOf/>
     <dgm:choose name="Name3">
-      <dgm:if name="Name4" axis="ch" ptType="node" func="cnt" op="lte" val="2">
+      <dgm:if name="Name4" axis="ch" ptType="node" func="cnt" op="lte" val="3">
         <dgm:constrLst>
-          <dgm:constr type="h" for="ch" forName="compNode" refType="h" fact="0.4"/>
-          <dgm:constr type="w" for="ch" forName="compNode" val="120"/>
-          <dgm:constr type="w" for="ch" forName="sibTrans" refType="w" refFor="ch" refForName="compNode" fact="0.175"/>
-          <dgm:constr type="sp" refType="w" refFor="ch" refForName="compNode" op="equ" fact="0.25"/>
-          <dgm:constr type="primFontSz" for="des" ptType="node" op="equ" val="50"/>
+          <dgm:constr type="h" for="ch" forName="compNode" refType="h" fact="0.3"/>
+          <dgm:constr type="w" for="ch" forName="compNode" refType="w"/>
+          <dgm:constr type="h" for="ch" forName="sibTrans" refType="h" refFor="ch" refForName="compNode" fact="0.25"/>
+          <dgm:constr type="primFontSz" for="des" forName="parTx" val="25"/>
+          <dgm:constr type="primFontSz" for="des" forName="desTx" refType="primFontSz" refFor="des" refForName="parTx" op="lte" fact="0.75"/>
           <dgm:constr type="h" for="des" forName="compNode" op="equ"/>
-          <dgm:constr type="h" for="des" forName="textRect" op="equ"/>
+          <dgm:constr type="h" for="des" forName="bgRect" op="equ"/>
+          <dgm:constr type="h" for="des" forName="iconRect" op="equ"/>
+          <dgm:constr type="w" for="des" forName="iconRect" op="equ"/>
+          <dgm:constr type="h" for="des" forName="spaceRect" op="equ"/>
+          <dgm:constr type="h" for="des" forName="parTx" op="equ"/>
+          <dgm:constr type="h" for="des" forName="desTx" op="equ"/>
         </dgm:constrLst>
       </dgm:if>
       <dgm:if name="Name5" axis="ch" ptType="node" func="cnt" op="lte" val="4">
         <dgm:constrLst>
-          <dgm:constr type="h" for="ch" forName="compNode" refType="h" fact="0.4"/>
+          <dgm:constr type="h" for="ch" forName="compNode" refType="h" fact="0.3"/>
           <dgm:constr type="w" for="ch" forName="compNode" refType="w"/>
-          <dgm:constr type="w" for="ch" forName="sibTrans" refType="w" refFor="ch" refForName="compNode" fact="0.175"/>
-          <dgm:constr type="sp" refType="w" refFor="ch" refForName="compNode" op="equ" fact="0.25"/>
-          <dgm:constr type="primFontSz" for="des" ptType="node" op="equ" val="36"/>
+          <dgm:constr type="h" for="ch" forName="sibTrans" refType="h" refFor="ch" refForName="compNode" fact="0.25"/>
+          <dgm:constr type="primFontSz" for="des" forName="parTx" val="22"/>
+          <dgm:constr type="primFontSz" for="des" forName="desTx" refType="primFontSz" refFor="des" refForName="parTx" op="lte" fact="0.75"/>
           <dgm:constr type="h" for="des" forName="compNode" op="equ"/>
-          <dgm:constr type="h" for="des" forName="textRect" op="equ"/>
+          <dgm:constr type="h" for="des" forName="bgRect" op="equ"/>
+          <dgm:constr type="h" for="des" forName="iconRect" op="equ"/>
+          <dgm:constr type="w" for="des" forName="iconRect" op="equ"/>
+          <dgm:constr type="h" for="des" forName="spaceRect" op="equ"/>
+          <dgm:constr type="h" for="des" forName="parTx" op="equ"/>
+          <dgm:constr type="h" for="des" forName="desTx" op="equ"/>
         </dgm:constrLst>
       </dgm:if>
-      <dgm:else name="Name6">
+      <dgm:if name="Name6" axis="ch" ptType="node" func="cnt" op="lte" val="6">
         <dgm:constrLst>
-          <dgm:constr type="h" for="ch" forName="compNode" refType="h" fact="0.4"/>
+          <dgm:constr type="h" for="ch" forName="compNode" refType="h" fact="0.3"/>
           <dgm:constr type="w" for="ch" forName="compNode" refType="w"/>
-          <dgm:constr type="w" for="ch" forName="sibTrans" refType="w" refFor="ch" refForName="compNode" fact="0.175"/>
-          <dgm:constr type="sp" refType="w" refFor="ch" refForName="compNode" op="equ" fact="0.25"/>
-          <dgm:constr type="primFontSz" for="des" ptType="node" op="equ" val="24"/>
+          <dgm:constr type="h" for="ch" forName="sibTrans" refType="h" refFor="ch" refForName="compNode" fact="0.25"/>
+          <dgm:constr type="primFontSz" for="des" forName="parTx" val="19"/>
+          <dgm:constr type="primFontSz" for="des" forName="desTx" refType="primFontSz" refFor="des" refForName="parTx" op="lte" fact="0.75"/>
           <dgm:constr type="h" for="des" forName="compNode" op="equ"/>
-          <dgm:constr type="h" for="des" forName="textRect" op="equ"/>
+          <dgm:constr type="h" for="des" forName="bgRect" op="equ"/>
+          <dgm:constr type="h" for="des" forName="iconRect" op="equ"/>
+          <dgm:constr type="w" for="des" forName="iconRect" op="equ"/>
+          <dgm:constr type="h" for="des" forName="spaceRect" op="equ"/>
+          <dgm:constr type="h" for="des" forName="parTx" op="equ"/>
+          <dgm:constr type="h" for="des" forName="desTx" op="equ"/>
+        </dgm:constrLst>
+      </dgm:if>
+      <dgm:else name="Name7">
+        <dgm:constrLst>
+          <dgm:constr type="h" for="ch" forName="compNode" refType="h" fact="0.3"/>
+          <dgm:constr type="w" for="ch" forName="compNode" refType="w"/>
+          <dgm:constr type="h" for="ch" forName="sibTrans" refType="h" refFor="ch" refForName="compNode" fact="0.25"/>
+          <dgm:constr type="primFontSz" for="des" forName="parTx" val="16"/>
+          <dgm:constr type="primFontSz" for="des" forName="desTx" refType="primFontSz" refFor="des" refForName="parTx" op="lte" fact="0.75"/>
+          <dgm:constr type="h" for="des" forName="compNode" op="equ"/>
+          <dgm:constr type="h" for="des" forName="bgRect" op="equ"/>
+          <dgm:constr type="h" for="des" forName="iconRect" op="equ"/>
+          <dgm:constr type="w" for="des" forName="iconRect" op="equ"/>
+          <dgm:constr type="h" for="des" forName="spaceRect" op="equ"/>
+          <dgm:constr type="h" for="des" forName="parTx" op="equ"/>
+          <dgm:constr type="h" for="des" forName="desTx" op="equ"/>
         </dgm:constrLst>
       </dgm:else>
     </dgm:choose>
     <dgm:ruleLst>
-      <dgm:rule type="w" for="ch" forName="compNode" val="50" fact="NaN" max="NaN"/>
+      <dgm:rule type="h" for="ch" forName="compNode" val="0" fact="NaN" max="NaN"/>
     </dgm:ruleLst>
-    <dgm:forEach name="Name7" axis="ch" ptType="node">
+    <dgm:forEach name="Name8" axis="ch" ptType="node">
       <dgm:layoutNode name="compNode">
         <dgm:alg type="composite"/>
         <dgm:shape xmlns:r="http://schemas.openxmlformats.org/officeDocument/2006/relationships" r:blip="">
           <dgm:adjLst/>
         </dgm:shape>
         <dgm:presOf axis="self"/>
-        <dgm:constrLst>
-          <dgm:constr type="w" for="ch" forName="iconRect" refType="w" fact="0.45"/>
-          <dgm:constr type="h" for="ch" forName="iconRect" refType="w" refFor="ch" refForName="iconRect"/>
-          <dgm:constr type="ctrX" for="ch" forName="iconRect" refType="w" fact="0.5"/>
-          <dgm:constr type="t" for="ch" forName="iconRect"/>
-          <dgm:constr type="h" for="ch" forName="spaceRect" refType="h" fact="0.15"/>
-          <dgm:constr type="w" for="ch" forName="spaceRect" refType="w"/>
-          <dgm:constr type="l" for="ch" forName="spaceRect"/>
-          <dgm:constr type="t" for="ch" forName="spaceRect" refType="b" refFor="ch" refForName="iconRect"/>
-          <dgm:constr type="h" for="ch" forName="textRect" val="20"/>
-          <dgm:constr type="w" for="ch" forName="textRect" refType="w"/>
-          <dgm:constr type="l" for="ch" forName="textRect"/>
-          <dgm:constr type="t" for="ch" forName="textRect" refType="b" refFor="ch" refForName="spaceRect"/>
-        </dgm:constrLst>
+        <dgm:choose name="Name9">
+          <dgm:if name="Name10" axis="ch" ptType="node" func="cnt" op="gte" val="1">
+            <dgm:constrLst>
+              <dgm:constr type="w" for="ch" forName="bgRect" refType="w"/>
+              <dgm:constr type="h" for="ch" forName="bgRect" refType="h"/>
+              <dgm:constr type="l" for="ch" forName="bgRect"/>
+              <dgm:constr type="t" for="ch" forName="bgRect"/>
+              <dgm:constr type="h" for="ch" forName="iconRect" refType="h" fact="0.55"/>
+              <dgm:constr type="w" for="ch" forName="iconRect" refType="h" refFor="ch" refForName="iconRect"/>
+              <dgm:constr type="l" for="ch" forName="iconRect" refType="h" refFor="ch" refForName="iconRect" fact="0.55"/>
+              <dgm:constr type="ctrY" for="ch" forName="iconRect" refType="ctrY" refFor="ch" refForName="bgRect"/>
+              <dgm:constr type="w" for="ch" forName="spaceRect" refType="l" refFor="ch" refForName="iconRect"/>
+              <dgm:constr type="h" for="ch" forName="spaceRect" refType="h"/>
+              <dgm:constr type="l" for="ch" forName="spaceRect" refType="r" refFor="ch" refForName="iconRect"/>
+              <dgm:constr type="t" for="ch" forName="spaceRect"/>
+              <dgm:constr type="w" for="ch" forName="parTx" refType="w" fact="0.45"/>
+              <dgm:constr type="h" for="ch" forName="parTx" refType="h"/>
+              <dgm:constr type="l" for="ch" forName="parTx" refType="r" refFor="ch" refForName="spaceRect"/>
+              <dgm:constr type="t" for="ch" forName="parTx"/>
+              <dgm:constr type="h" for="ch" forName="desTx" refType="h"/>
+              <dgm:constr type="l" for="ch" forName="desTx" refType="r" refFor="ch" refForName="parTx"/>
+              <dgm:constr type="t" for="ch" forName="desTx"/>
+            </dgm:constrLst>
+          </dgm:if>
+          <dgm:else name="Name11">
+            <dgm:constrLst>
+              <dgm:constr type="w" for="ch" forName="bgRect" refType="w"/>
+              <dgm:constr type="h" for="ch" forName="bgRect" refType="h"/>
+              <dgm:constr type="l" for="ch" forName="bgRect"/>
+              <dgm:constr type="t" for="ch" forName="bgRect"/>
+              <dgm:constr type="h" for="ch" forName="iconRect" refType="h" fact="0.55"/>
+              <dgm:constr type="w" for="ch" forName="iconRect" refType="h" refFor="ch" refForName="iconRect"/>
+              <dgm:constr type="l" for="ch" forName="iconRect" refType="h" refFor="ch" refForName="iconRect" fact="0.55"/>
+              <dgm:constr type="ctrY" for="ch" forName="iconRect" refType="ctrY" refFor="ch" refForName="bgRect"/>
+              <dgm:constr type="w" for="ch" forName="spaceRect" refType="l" refFor="ch" refForName="iconRect"/>
+              <dgm:constr type="h" for="ch" forName="spaceRect" refType="h"/>
+              <dgm:constr type="l" for="ch" forName="spaceRect" refType="r" refFor="ch" refForName="iconRect"/>
+              <dgm:constr type="t" for="ch" forName="spaceRect"/>
+              <dgm:constr type="h" for="ch" forName="parTx" refType="h"/>
+              <dgm:constr type="l" for="ch" forName="parTx" refType="r" refFor="ch" refForName="spaceRect"/>
+              <dgm:constr type="t" for="ch" forName="parTx"/>
+            </dgm:constrLst>
+          </dgm:else>
+        </dgm:choose>
         <dgm:ruleLst>
           <dgm:rule type="h" val="INF" fact="NaN" max="NaN"/>
         </dgm:ruleLst>
+        <dgm:layoutNode name="bgRect" styleLbl="bgShp">
+          <dgm:alg type="sp"/>
+          <dgm:shape xmlns:r="http://schemas.openxmlformats.org/officeDocument/2006/relationships" type="roundRect" r:blip="">
+            <dgm:adjLst>
+              <dgm:adj idx="1" val="0.1"/>
+            </dgm:adjLst>
+          </dgm:shape>
+          <dgm:presOf/>
+          <dgm:constrLst/>
+          <dgm:ruleLst/>
+        </dgm:layoutNode>
         <dgm:layoutNode name="iconRect" styleLbl="node1">
           <dgm:alg type="sp"/>
           <dgm:shape xmlns:r="http://schemas.openxmlformats.org/officeDocument/2006/relationships" type="rect" r:blip="" blipPhldr="1">
@@ -14517,31 +14993,66 @@
           <dgm:constrLst/>
           <dgm:ruleLst/>
         </dgm:layoutNode>
-        <dgm:layoutNode name="textRect" styleLbl="revTx">
+        <dgm:layoutNode name="parTx" styleLbl="revTx">
           <dgm:varLst>
-            <dgm:chMax val="1"/>
-            <dgm:chPref val="1"/>
+            <dgm:chMax val="0"/>
+            <dgm:chPref val="0"/>
           </dgm:varLst>
           <dgm:alg type="tx">
-            <dgm:param type="txAnchorVert" val="t"/>
+            <dgm:param type="txAnchorVert" val="mid"/>
+            <dgm:param type="parTxLTRAlign" val="l"/>
+            <dgm:param type="shpTxLTRAlignCh" val="l"/>
+            <dgm:param type="parTxRTLAlign" val="r"/>
+            <dgm:param type="shpTxRTLAlignCh" val="r"/>
           </dgm:alg>
           <dgm:shape xmlns:r="http://schemas.openxmlformats.org/officeDocument/2006/relationships" type="rect" r:blip="">
             <dgm:adjLst/>
           </dgm:shape>
           <dgm:presOf axis="self" ptType="node"/>
           <dgm:constrLst>
-            <dgm:constr type="lMarg"/>
-            <dgm:constr type="rMarg"/>
-            <dgm:constr type="tMarg"/>
-            <dgm:constr type="bMarg"/>
+            <dgm:constr type="lMarg" refType="h" fact="0.3"/>
+            <dgm:constr type="rMarg" refType="h" fact="0.3"/>
+            <dgm:constr type="tMarg" refType="h" fact="0.3"/>
+            <dgm:constr type="bMarg" refType="h" fact="0.3"/>
           </dgm:constrLst>
           <dgm:ruleLst>
-            <dgm:rule type="primFontSz" val="11" fact="NaN" max="NaN"/>
+            <dgm:rule type="primFontSz" val="14" fact="NaN" max="NaN"/>
             <dgm:rule type="h" val="INF" fact="NaN" max="NaN"/>
           </dgm:ruleLst>
         </dgm:layoutNode>
+        <dgm:choose name="Name12">
+          <dgm:if name="Name13" axis="ch" ptType="node" func="cnt" op="gte" val="1">
+            <dgm:layoutNode name="desTx" styleLbl="revTx">
+              <dgm:varLst/>
+              <dgm:alg type="tx">
+                <dgm:param type="txAnchorVertCh" val="mid"/>
+                <dgm:param type="parTxLTRAlign" val="l"/>
+                <dgm:param type="shpTxLTRAlignCh" val="l"/>
+                <dgm:param type="parTxRTLAlign" val="r"/>
+                <dgm:param type="shpTxRTLAlignCh" val="r"/>
+                <dgm:param type="stBulletLvl" val="0"/>
+              </dgm:alg>
+              <dgm:shape xmlns:r="http://schemas.openxmlformats.org/officeDocument/2006/relationships" type="rect" r:blip="">
+                <dgm:adjLst/>
+              </dgm:shape>
+              <dgm:presOf axis="des" ptType="node"/>
+              <dgm:constrLst>
+                <dgm:constr type="primFontSz" val="18"/>
+                <dgm:constr type="secFontSz" refType="primFontSz"/>
+                <dgm:constr type="lMarg" refType="h" fact="0.3"/>
+                <dgm:constr type="rMarg" refType="h" fact="0.3"/>
+                <dgm:constr type="tMarg" refType="h" fact="0.3"/>
+                <dgm:constr type="bMarg" refType="h" fact="0.3"/>
+              </dgm:constrLst>
+              <dgm:ruleLst>
+                <dgm:rule type="primFontSz" val="11" fact="NaN" max="NaN"/>
+              </dgm:ruleLst>
+            </dgm:layoutNode>
+          </dgm:if>
+          <dgm:else name="Name14"/>
+        </dgm:choose>
       </dgm:layoutNode>
-      <dgm:forEach name="Name8" axis="followSib" ptType="sibTrans" cnt="1">
+      <dgm:forEach name="Name15" axis="followSib" ptType="sibTrans" cnt="1">
         <dgm:layoutNode name="sibTrans">
           <dgm:alg type="sp"/>
           <dgm:shape xmlns:r="http://schemas.openxmlformats.org/officeDocument/2006/relationships" r:blip="">
@@ -14562,6 +15073,11 @@
             <a:spcPct val="100000"/>
           </a:lnSpc>
         </a:lvl1pPr>
+        <a:lvl2pPr>
+          <a:lnSpc>
+            <a:spcPct val="100000"/>
+          </a:lnSpc>
+        </a:lvl2pPr>
       </dgm1612:lstStyle>
     </a:ext>
   </dgm:extLst>
@@ -18149,11 +18665,11 @@
 </file>
 
 <file path=ppt/diagrams/quickStyle1.xml><?xml version="1.0" encoding="utf-8"?>
-<dgm:styleDef xmlns:dgm="http://schemas.openxmlformats.org/drawingml/2006/diagram" xmlns:a="http://schemas.openxmlformats.org/drawingml/2006/main" uniqueId="urn:microsoft.com/office/officeart/2005/8/quickstyle/simple2">
+<dgm:styleDef xmlns:dgm="http://schemas.openxmlformats.org/drawingml/2006/diagram" xmlns:a="http://schemas.openxmlformats.org/drawingml/2006/main" uniqueId="urn:microsoft.com/office/officeart/2005/8/quickstyle/simple1">
   <dgm:title val=""/>
   <dgm:desc val=""/>
   <dgm:catLst>
-    <dgm:cat type="simple" pri="10200"/>
+    <dgm:cat type="simple" pri="10100"/>
   </dgm:catLst>
   <dgm:scene3d>
     <a:camera prst="orthographicFront"/>
@@ -18167,13 +18683,13 @@
     <dgm:sp3d/>
     <dgm:txPr/>
     <dgm:style>
-      <a:lnRef idx="3">
+      <a:lnRef idx="2">
         <a:scrgbClr r="0" g="0" b="0"/>
       </a:lnRef>
       <a:fillRef idx="1">
         <a:scrgbClr r="0" g="0" b="0"/>
       </a:fillRef>
-      <a:effectRef idx="1">
+      <a:effectRef idx="0">
         <a:scrgbClr r="0" g="0" b="0"/>
       </a:effectRef>
       <a:fontRef idx="minor">
@@ -18189,13 +18705,13 @@
     <dgm:sp3d/>
     <dgm:txPr/>
     <dgm:style>
-      <a:lnRef idx="3">
+      <a:lnRef idx="2">
         <a:scrgbClr r="0" g="0" b="0"/>
       </a:lnRef>
       <a:fillRef idx="1">
         <a:scrgbClr r="0" g="0" b="0"/>
       </a:fillRef>
-      <a:effectRef idx="1">
+      <a:effectRef idx="0">
         <a:scrgbClr r="0" g="0" b="0"/>
       </a:effectRef>
       <a:fontRef idx="minor">
@@ -18211,7 +18727,7 @@
     <dgm:sp3d/>
     <dgm:txPr/>
     <dgm:style>
-      <a:lnRef idx="3">
+      <a:lnRef idx="2">
         <a:scrgbClr r="0" g="0" b="0"/>
       </a:lnRef>
       <a:fillRef idx="1">
@@ -18239,7 +18755,7 @@
       <a:fillRef idx="1">
         <a:scrgbClr r="0" g="0" b="0"/>
       </a:fillRef>
-      <a:effectRef idx="1">
+      <a:effectRef idx="0">
         <a:scrgbClr r="0" g="0" b="0"/>
       </a:effectRef>
       <a:fontRef idx="minor">
@@ -18255,13 +18771,13 @@
     <dgm:sp3d/>
     <dgm:txPr/>
     <dgm:style>
-      <a:lnRef idx="3">
+      <a:lnRef idx="2">
         <a:scrgbClr r="0" g="0" b="0"/>
       </a:lnRef>
       <a:fillRef idx="1">
         <a:scrgbClr r="0" g="0" b="0"/>
       </a:fillRef>
-      <a:effectRef idx="1">
+      <a:effectRef idx="0">
         <a:scrgbClr r="0" g="0" b="0"/>
       </a:effectRef>
       <a:fontRef idx="minor">
@@ -18277,13 +18793,13 @@
     <dgm:sp3d/>
     <dgm:txPr/>
     <dgm:style>
-      <a:lnRef idx="3">
+      <a:lnRef idx="2">
         <a:scrgbClr r="0" g="0" b="0"/>
       </a:lnRef>
       <a:fillRef idx="1">
         <a:scrgbClr r="0" g="0" b="0"/>
       </a:fillRef>
-      <a:effectRef idx="1">
+      <a:effectRef idx="0">
         <a:scrgbClr r="0" g="0" b="0"/>
       </a:effectRef>
       <a:fontRef idx="minor">
@@ -18299,13 +18815,13 @@
     <dgm:sp3d/>
     <dgm:txPr/>
     <dgm:style>
-      <a:lnRef idx="3">
+      <a:lnRef idx="2">
         <a:scrgbClr r="0" g="0" b="0"/>
       </a:lnRef>
       <a:fillRef idx="1">
         <a:scrgbClr r="0" g="0" b="0"/>
       </a:fillRef>
-      <a:effectRef idx="1">
+      <a:effectRef idx="0">
         <a:scrgbClr r="0" g="0" b="0"/>
       </a:effectRef>
       <a:fontRef idx="minor">
@@ -18321,13 +18837,13 @@
     <dgm:sp3d/>
     <dgm:txPr/>
     <dgm:style>
-      <a:lnRef idx="3">
+      <a:lnRef idx="2">
         <a:scrgbClr r="0" g="0" b="0"/>
       </a:lnRef>
       <a:fillRef idx="1">
         <a:scrgbClr r="0" g="0" b="0"/>
       </a:fillRef>
-      <a:effectRef idx="1">
+      <a:effectRef idx="0">
         <a:scrgbClr r="0" g="0" b="0"/>
       </a:effectRef>
       <a:fontRef idx="minor">
@@ -18343,13 +18859,13 @@
     <dgm:sp3d/>
     <dgm:txPr/>
     <dgm:style>
-      <a:lnRef idx="3">
+      <a:lnRef idx="2">
         <a:scrgbClr r="0" g="0" b="0"/>
       </a:lnRef>
       <a:fillRef idx="1">
         <a:scrgbClr r="0" g="0" b="0"/>
       </a:fillRef>
-      <a:effectRef idx="1">
+      <a:effectRef idx="0">
         <a:scrgbClr r="0" g="0" b="0"/>
       </a:effectRef>
       <a:fontRef idx="minor"/>
@@ -18363,13 +18879,13 @@
     <dgm:sp3d/>
     <dgm:txPr/>
     <dgm:style>
-      <a:lnRef idx="3">
+      <a:lnRef idx="2">
         <a:scrgbClr r="0" g="0" b="0"/>
       </a:lnRef>
       <a:fillRef idx="1">
         <a:scrgbClr r="0" g="0" b="0"/>
       </a:fillRef>
-      <a:effectRef idx="1">
+      <a:effectRef idx="0">
         <a:scrgbClr r="0" g="0" b="0"/>
       </a:effectRef>
       <a:fontRef idx="minor"/>
@@ -18383,13 +18899,13 @@
     <dgm:sp3d/>
     <dgm:txPr/>
     <dgm:style>
-      <a:lnRef idx="3">
+      <a:lnRef idx="2">
         <a:scrgbClr r="0" g="0" b="0"/>
       </a:lnRef>
       <a:fillRef idx="1">
         <a:scrgbClr r="0" g="0" b="0"/>
       </a:fillRef>
-      <a:effectRef idx="1">
+      <a:effectRef idx="0">
         <a:scrgbClr r="0" g="0" b="0"/>
       </a:effectRef>
       <a:fontRef idx="minor"/>
@@ -18409,7 +18925,7 @@
       <a:fillRef idx="1">
         <a:scrgbClr r="0" g="0" b="0"/>
       </a:fillRef>
-      <a:effectRef idx="1">
+      <a:effectRef idx="0">
         <a:scrgbClr r="0" g="0" b="0"/>
       </a:effectRef>
       <a:fontRef idx="minor">
@@ -18431,7 +18947,7 @@
       <a:fillRef idx="1">
         <a:scrgbClr r="0" g="0" b="0"/>
       </a:fillRef>
-      <a:effectRef idx="1">
+      <a:effectRef idx="0">
         <a:scrgbClr r="0" g="0" b="0"/>
       </a:effectRef>
       <a:fontRef idx="minor">
@@ -18453,7 +18969,7 @@
       <a:fillRef idx="1">
         <a:scrgbClr r="0" g="0" b="0"/>
       </a:fillRef>
-      <a:effectRef idx="1">
+      <a:effectRef idx="0">
         <a:scrgbClr r="0" g="0" b="0"/>
       </a:effectRef>
       <a:fontRef idx="minor">
@@ -18495,7 +19011,7 @@
       <a:fillRef idx="1">
         <a:scrgbClr r="0" g="0" b="0"/>
       </a:fillRef>
-      <a:effectRef idx="1">
+      <a:effectRef idx="0">
         <a:scrgbClr r="0" g="0" b="0"/>
       </a:effectRef>
       <a:fontRef idx="minor"/>
@@ -18509,13 +19025,13 @@
     <dgm:sp3d/>
     <dgm:txPr/>
     <dgm:style>
-      <a:lnRef idx="3">
+      <a:lnRef idx="2">
         <a:scrgbClr r="0" g="0" b="0"/>
       </a:lnRef>
       <a:fillRef idx="1">
         <a:scrgbClr r="0" g="0" b="0"/>
       </a:fillRef>
-      <a:effectRef idx="1">
+      <a:effectRef idx="0">
         <a:scrgbClr r="0" g="0" b="0"/>
       </a:effectRef>
       <a:fontRef idx="minor">
@@ -18531,13 +19047,13 @@
     <dgm:sp3d/>
     <dgm:txPr/>
     <dgm:style>
-      <a:lnRef idx="3">
+      <a:lnRef idx="2">
         <a:scrgbClr r="0" g="0" b="0"/>
       </a:lnRef>
       <a:fillRef idx="1">
         <a:scrgbClr r="0" g="0" b="0"/>
       </a:fillRef>
-      <a:effectRef idx="1">
+      <a:effectRef idx="0">
         <a:scrgbClr r="0" g="0" b="0"/>
       </a:effectRef>
       <a:fontRef idx="minor">
@@ -18553,13 +19069,13 @@
     <dgm:sp3d/>
     <dgm:txPr/>
     <dgm:style>
-      <a:lnRef idx="3">
+      <a:lnRef idx="2">
         <a:scrgbClr r="0" g="0" b="0"/>
       </a:lnRef>
       <a:fillRef idx="1">
         <a:scrgbClr r="0" g="0" b="0"/>
       </a:fillRef>
-      <a:effectRef idx="1">
+      <a:effectRef idx="0">
         <a:scrgbClr r="0" g="0" b="0"/>
       </a:effectRef>
       <a:fontRef idx="minor">
@@ -18575,13 +19091,13 @@
     <dgm:sp3d/>
     <dgm:txPr/>
     <dgm:style>
-      <a:lnRef idx="3">
+      <a:lnRef idx="2">
         <a:scrgbClr r="0" g="0" b="0"/>
       </a:lnRef>
       <a:fillRef idx="1">
         <a:scrgbClr r="0" g="0" b="0"/>
       </a:fillRef>
-      <a:effectRef idx="1">
+      <a:effectRef idx="0">
         <a:scrgbClr r="0" g="0" b="0"/>
       </a:effectRef>
       <a:fontRef idx="minor">
@@ -18597,13 +19113,13 @@
     <dgm:sp3d/>
     <dgm:txPr/>
     <dgm:style>
-      <a:lnRef idx="3">
+      <a:lnRef idx="2">
         <a:scrgbClr r="0" g="0" b="0"/>
       </a:lnRef>
       <a:fillRef idx="1">
         <a:scrgbClr r="0" g="0" b="0"/>
       </a:fillRef>
-      <a:effectRef idx="1">
+      <a:effectRef idx="0">
         <a:scrgbClr r="0" g="0" b="0"/>
       </a:effectRef>
       <a:fontRef idx="minor">
@@ -18619,13 +19135,13 @@
     <dgm:sp3d/>
     <dgm:txPr/>
     <dgm:style>
-      <a:lnRef idx="3">
+      <a:lnRef idx="2">
         <a:scrgbClr r="0" g="0" b="0"/>
       </a:lnRef>
       <a:fillRef idx="1">
         <a:scrgbClr r="0" g="0" b="0"/>
       </a:fillRef>
-      <a:effectRef idx="1">
+      <a:effectRef idx="0">
         <a:scrgbClr r="0" g="0" b="0"/>
       </a:effectRef>
       <a:fontRef idx="minor">
@@ -18641,13 +19157,13 @@
     <dgm:sp3d/>
     <dgm:txPr/>
     <dgm:style>
-      <a:lnRef idx="3">
+      <a:lnRef idx="2">
         <a:scrgbClr r="0" g="0" b="0"/>
       </a:lnRef>
       <a:fillRef idx="1">
         <a:scrgbClr r="0" g="0" b="0"/>
       </a:fillRef>
-      <a:effectRef idx="1">
+      <a:effectRef idx="0">
         <a:scrgbClr r="0" g="0" b="0"/>
       </a:effectRef>
       <a:fontRef idx="minor">
@@ -18663,13 +19179,13 @@
     <dgm:sp3d/>
     <dgm:txPr/>
     <dgm:style>
-      <a:lnRef idx="3">
+      <a:lnRef idx="2">
         <a:scrgbClr r="0" g="0" b="0"/>
       </a:lnRef>
       <a:fillRef idx="1">
         <a:scrgbClr r="0" g="0" b="0"/>
       </a:fillRef>
-      <a:effectRef idx="1">
+      <a:effectRef idx="0">
         <a:scrgbClr r="0" g="0" b="0"/>
       </a:effectRef>
       <a:fontRef idx="minor">
@@ -18685,13 +19201,13 @@
     <dgm:sp3d/>
     <dgm:txPr/>
     <dgm:style>
-      <a:lnRef idx="3">
+      <a:lnRef idx="2">
         <a:scrgbClr r="0" g="0" b="0"/>
       </a:lnRef>
       <a:fillRef idx="1">
         <a:scrgbClr r="0" g="0" b="0"/>
       </a:fillRef>
-      <a:effectRef idx="1">
+      <a:effectRef idx="0">
         <a:scrgbClr r="0" g="0" b="0"/>
       </a:effectRef>
       <a:fontRef idx="minor">
@@ -19147,13 +19663,13 @@
     <dgm:sp3d/>
     <dgm:txPr/>
     <dgm:style>
-      <a:lnRef idx="3">
+      <a:lnRef idx="2">
         <a:scrgbClr r="0" g="0" b="0"/>
       </a:lnRef>
       <a:fillRef idx="1">
         <a:scrgbClr r="0" g="0" b="0"/>
       </a:fillRef>
-      <a:effectRef idx="1">
+      <a:effectRef idx="0">
         <a:scrgbClr r="0" g="0" b="0"/>
       </a:effectRef>
       <a:fontRef idx="minor"/>
@@ -21251,11 +21767,11 @@
 </file>
 
 <file path=ppt/diagrams/quickStyle4.xml><?xml version="1.0" encoding="utf-8"?>
-<dgm:styleDef xmlns:dgm="http://schemas.openxmlformats.org/drawingml/2006/diagram" xmlns:a="http://schemas.openxmlformats.org/drawingml/2006/main" uniqueId="urn:microsoft.com/office/officeart/2005/8/quickstyle/simple2">
+<dgm:styleDef xmlns:dgm="http://schemas.openxmlformats.org/drawingml/2006/diagram" xmlns:a="http://schemas.openxmlformats.org/drawingml/2006/main" uniqueId="urn:microsoft.com/office/officeart/2005/8/quickstyle/simple1">
   <dgm:title val=""/>
   <dgm:desc val=""/>
   <dgm:catLst>
-    <dgm:cat type="simple" pri="10200"/>
+    <dgm:cat type="simple" pri="10100"/>
   </dgm:catLst>
   <dgm:scene3d>
     <a:camera prst="orthographicFront"/>
@@ -21269,13 +21785,13 @@
     <dgm:sp3d/>
     <dgm:txPr/>
     <dgm:style>
-      <a:lnRef idx="3">
+      <a:lnRef idx="2">
         <a:scrgbClr r="0" g="0" b="0"/>
       </a:lnRef>
       <a:fillRef idx="1">
         <a:scrgbClr r="0" g="0" b="0"/>
       </a:fillRef>
-      <a:effectRef idx="1">
+      <a:effectRef idx="0">
         <a:scrgbClr r="0" g="0" b="0"/>
       </a:effectRef>
       <a:fontRef idx="minor">
@@ -21291,13 +21807,13 @@
     <dgm:sp3d/>
     <dgm:txPr/>
     <dgm:style>
-      <a:lnRef idx="3">
+      <a:lnRef idx="2">
         <a:scrgbClr r="0" g="0" b="0"/>
       </a:lnRef>
       <a:fillRef idx="1">
         <a:scrgbClr r="0" g="0" b="0"/>
       </a:fillRef>
-      <a:effectRef idx="1">
+      <a:effectRef idx="0">
         <a:scrgbClr r="0" g="0" b="0"/>
       </a:effectRef>
       <a:fontRef idx="minor">
@@ -21313,7 +21829,7 @@
     <dgm:sp3d/>
     <dgm:txPr/>
     <dgm:style>
-      <a:lnRef idx="3">
+      <a:lnRef idx="2">
         <a:scrgbClr r="0" g="0" b="0"/>
       </a:lnRef>
       <a:fillRef idx="1">
@@ -21341,7 +21857,7 @@
       <a:fillRef idx="1">
         <a:scrgbClr r="0" g="0" b="0"/>
       </a:fillRef>
-      <a:effectRef idx="1">
+      <a:effectRef idx="0">
         <a:scrgbClr r="0" g="0" b="0"/>
       </a:effectRef>
       <a:fontRef idx="minor">
@@ -21357,13 +21873,13 @@
     <dgm:sp3d/>
     <dgm:txPr/>
     <dgm:style>
-      <a:lnRef idx="3">
+      <a:lnRef idx="2">
         <a:scrgbClr r="0" g="0" b="0"/>
       </a:lnRef>
       <a:fillRef idx="1">
         <a:scrgbClr r="0" g="0" b="0"/>
       </a:fillRef>
-      <a:effectRef idx="1">
+      <a:effectRef idx="0">
         <a:scrgbClr r="0" g="0" b="0"/>
       </a:effectRef>
       <a:fontRef idx="minor">
@@ -21379,13 +21895,13 @@
     <dgm:sp3d/>
     <dgm:txPr/>
     <dgm:style>
-      <a:lnRef idx="3">
+      <a:lnRef idx="2">
         <a:scrgbClr r="0" g="0" b="0"/>
       </a:lnRef>
       <a:fillRef idx="1">
         <a:scrgbClr r="0" g="0" b="0"/>
       </a:fillRef>
-      <a:effectRef idx="1">
+      <a:effectRef idx="0">
         <a:scrgbClr r="0" g="0" b="0"/>
       </a:effectRef>
       <a:fontRef idx="minor">
@@ -21401,13 +21917,13 @@
     <dgm:sp3d/>
     <dgm:txPr/>
     <dgm:style>
-      <a:lnRef idx="3">
+      <a:lnRef idx="2">
         <a:scrgbClr r="0" g="0" b="0"/>
       </a:lnRef>
       <a:fillRef idx="1">
         <a:scrgbClr r="0" g="0" b="0"/>
       </a:fillRef>
-      <a:effectRef idx="1">
+      <a:effectRef idx="0">
         <a:scrgbClr r="0" g="0" b="0"/>
       </a:effectRef>
       <a:fontRef idx="minor">
@@ -21423,13 +21939,13 @@
     <dgm:sp3d/>
     <dgm:txPr/>
     <dgm:style>
-      <a:lnRef idx="3">
+      <a:lnRef idx="2">
         <a:scrgbClr r="0" g="0" b="0"/>
       </a:lnRef>
       <a:fillRef idx="1">
         <a:scrgbClr r="0" g="0" b="0"/>
       </a:fillRef>
-      <a:effectRef idx="1">
+      <a:effectRef idx="0">
         <a:scrgbClr r="0" g="0" b="0"/>
       </a:effectRef>
       <a:fontRef idx="minor">
@@ -21445,13 +21961,13 @@
     <dgm:sp3d/>
     <dgm:txPr/>
     <dgm:style>
-      <a:lnRef idx="3">
+      <a:lnRef idx="2">
         <a:scrgbClr r="0" g="0" b="0"/>
       </a:lnRef>
       <a:fillRef idx="1">
         <a:scrgbClr r="0" g="0" b="0"/>
       </a:fillRef>
-      <a:effectRef idx="1">
+      <a:effectRef idx="0">
         <a:scrgbClr r="0" g="0" b="0"/>
       </a:effectRef>
       <a:fontRef idx="minor"/>
@@ -21465,13 +21981,13 @@
     <dgm:sp3d/>
     <dgm:txPr/>
     <dgm:style>
-      <a:lnRef idx="3">
+      <a:lnRef idx="2">
         <a:scrgbClr r="0" g="0" b="0"/>
       </a:lnRef>
       <a:fillRef idx="1">
         <a:scrgbClr r="0" g="0" b="0"/>
       </a:fillRef>
-      <a:effectRef idx="1">
+      <a:effectRef idx="0">
         <a:scrgbClr r="0" g="0" b="0"/>
       </a:effectRef>
       <a:fontRef idx="minor"/>
@@ -21485,13 +22001,13 @@
     <dgm:sp3d/>
     <dgm:txPr/>
     <dgm:style>
-      <a:lnRef idx="3">
+      <a:lnRef idx="2">
         <a:scrgbClr r="0" g="0" b="0"/>
       </a:lnRef>
       <a:fillRef idx="1">
         <a:scrgbClr r="0" g="0" b="0"/>
       </a:fillRef>
-      <a:effectRef idx="1">
+      <a:effectRef idx="0">
         <a:scrgbClr r="0" g="0" b="0"/>
       </a:effectRef>
       <a:fontRef idx="minor"/>
@@ -21511,7 +22027,7 @@
       <a:fillRef idx="1">
         <a:scrgbClr r="0" g="0" b="0"/>
       </a:fillRef>
-      <a:effectRef idx="1">
+      <a:effectRef idx="0">
         <a:scrgbClr r="0" g="0" b="0"/>
       </a:effectRef>
       <a:fontRef idx="minor">
@@ -21533,7 +22049,7 @@
       <a:fillRef idx="1">
         <a:scrgbClr r="0" g="0" b="0"/>
       </a:fillRef>
-      <a:effectRef idx="1">
+      <a:effectRef idx="0">
         <a:scrgbClr r="0" g="0" b="0"/>
       </a:effectRef>
       <a:fontRef idx="minor">
@@ -21555,7 +22071,7 @@
       <a:fillRef idx="1">
         <a:scrgbClr r="0" g="0" b="0"/>
       </a:fillRef>
-      <a:effectRef idx="1">
+      <a:effectRef idx="0">
         <a:scrgbClr r="0" g="0" b="0"/>
       </a:effectRef>
       <a:fontRef idx="minor">
@@ -21597,7 +22113,7 @@
       <a:fillRef idx="1">
         <a:scrgbClr r="0" g="0" b="0"/>
       </a:fillRef>
-      <a:effectRef idx="1">
+      <a:effectRef idx="0">
         <a:scrgbClr r="0" g="0" b="0"/>
       </a:effectRef>
       <a:fontRef idx="minor"/>
@@ -21611,13 +22127,13 @@
     <dgm:sp3d/>
     <dgm:txPr/>
     <dgm:style>
-      <a:lnRef idx="3">
+      <a:lnRef idx="2">
         <a:scrgbClr r="0" g="0" b="0"/>
       </a:lnRef>
       <a:fillRef idx="1">
         <a:scrgbClr r="0" g="0" b="0"/>
       </a:fillRef>
-      <a:effectRef idx="1">
+      <a:effectRef idx="0">
         <a:scrgbClr r="0" g="0" b="0"/>
       </a:effectRef>
       <a:fontRef idx="minor">
@@ -21633,13 +22149,13 @@
     <dgm:sp3d/>
     <dgm:txPr/>
     <dgm:style>
-      <a:lnRef idx="3">
+      <a:lnRef idx="2">
         <a:scrgbClr r="0" g="0" b="0"/>
       </a:lnRef>
       <a:fillRef idx="1">
         <a:scrgbClr r="0" g="0" b="0"/>
       </a:fillRef>
-      <a:effectRef idx="1">
+      <a:effectRef idx="0">
         <a:scrgbClr r="0" g="0" b="0"/>
       </a:effectRef>
       <a:fontRef idx="minor">
@@ -21655,13 +22171,13 @@
     <dgm:sp3d/>
     <dgm:txPr/>
     <dgm:style>
-      <a:lnRef idx="3">
+      <a:lnRef idx="2">
         <a:scrgbClr r="0" g="0" b="0"/>
       </a:lnRef>
       <a:fillRef idx="1">
         <a:scrgbClr r="0" g="0" b="0"/>
       </a:fillRef>
-      <a:effectRef idx="1">
+      <a:effectRef idx="0">
         <a:scrgbClr r="0" g="0" b="0"/>
       </a:effectRef>
       <a:fontRef idx="minor">
@@ -21677,13 +22193,13 @@
     <dgm:sp3d/>
     <dgm:txPr/>
     <dgm:style>
-      <a:lnRef idx="3">
+      <a:lnRef idx="2">
         <a:scrgbClr r="0" g="0" b="0"/>
       </a:lnRef>
       <a:fillRef idx="1">
         <a:scrgbClr r="0" g="0" b="0"/>
       </a:fillRef>
-      <a:effectRef idx="1">
+      <a:effectRef idx="0">
         <a:scrgbClr r="0" g="0" b="0"/>
       </a:effectRef>
       <a:fontRef idx="minor">
@@ -21699,13 +22215,13 @@
     <dgm:sp3d/>
     <dgm:txPr/>
     <dgm:style>
-      <a:lnRef idx="3">
+      <a:lnRef idx="2">
         <a:scrgbClr r="0" g="0" b="0"/>
       </a:lnRef>
       <a:fillRef idx="1">
         <a:scrgbClr r="0" g="0" b="0"/>
       </a:fillRef>
-      <a:effectRef idx="1">
+      <a:effectRef idx="0">
         <a:scrgbClr r="0" g="0" b="0"/>
       </a:effectRef>
       <a:fontRef idx="minor">
@@ -21721,13 +22237,13 @@
     <dgm:sp3d/>
     <dgm:txPr/>
     <dgm:style>
-      <a:lnRef idx="3">
+      <a:lnRef idx="2">
         <a:scrgbClr r="0" g="0" b="0"/>
       </a:lnRef>
       <a:fillRef idx="1">
         <a:scrgbClr r="0" g="0" b="0"/>
       </a:fillRef>
-      <a:effectRef idx="1">
+      <a:effectRef idx="0">
         <a:scrgbClr r="0" g="0" b="0"/>
       </a:effectRef>
       <a:fontRef idx="minor">
@@ -21743,13 +22259,13 @@
     <dgm:sp3d/>
     <dgm:txPr/>
     <dgm:style>
-      <a:lnRef idx="3">
+      <a:lnRef idx="2">
         <a:scrgbClr r="0" g="0" b="0"/>
       </a:lnRef>
       <a:fillRef idx="1">
         <a:scrgbClr r="0" g="0" b="0"/>
       </a:fillRef>
-      <a:effectRef idx="1">
+      <a:effectRef idx="0">
         <a:scrgbClr r="0" g="0" b="0"/>
       </a:effectRef>
       <a:fontRef idx="minor">
@@ -21765,13 +22281,13 @@
     <dgm:sp3d/>
     <dgm:txPr/>
     <dgm:style>
-      <a:lnRef idx="3">
+      <a:lnRef idx="2">
         <a:scrgbClr r="0" g="0" b="0"/>
       </a:lnRef>
       <a:fillRef idx="1">
         <a:scrgbClr r="0" g="0" b="0"/>
       </a:fillRef>
-      <a:effectRef idx="1">
+      <a:effectRef idx="0">
         <a:scrgbClr r="0" g="0" b="0"/>
       </a:effectRef>
       <a:fontRef idx="minor">
@@ -21787,13 +22303,13 @@
     <dgm:sp3d/>
     <dgm:txPr/>
     <dgm:style>
-      <a:lnRef idx="3">
+      <a:lnRef idx="2">
         <a:scrgbClr r="0" g="0" b="0"/>
       </a:lnRef>
       <a:fillRef idx="1">
         <a:scrgbClr r="0" g="0" b="0"/>
       </a:fillRef>
-      <a:effectRef idx="1">
+      <a:effectRef idx="0">
         <a:scrgbClr r="0" g="0" b="0"/>
       </a:effectRef>
       <a:fontRef idx="minor">
@@ -22249,13 +22765,13 @@
     <dgm:sp3d/>
     <dgm:txPr/>
     <dgm:style>
-      <a:lnRef idx="3">
+      <a:lnRef idx="2">
         <a:scrgbClr r="0" g="0" b="0"/>
       </a:lnRef>
       <a:fillRef idx="1">
         <a:scrgbClr r="0" g="0" b="0"/>
       </a:fillRef>
-      <a:effectRef idx="1">
+      <a:effectRef idx="0">
         <a:scrgbClr r="0" g="0" b="0"/>
       </a:effectRef>
       <a:fontRef idx="minor"/>
@@ -27536,7 +28052,7 @@
           <a:p>
             <a:fld id="{CA28E2E9-8B3D-3B43-9BFB-F82ABEFB19FA}" type="datetimeFigureOut">
               <a:rPr lang="tr-TR" smtClean="0"/>
-              <a:t>6.11.2023</a:t>
+              <a:t>8.11.2023</a:t>
             </a:fld>
             <a:endParaRPr lang="tr-TR"/>
           </a:p>
@@ -28356,7 +28872,7 @@
           <a:p>
             <a:fld id="{EA0C0817-A112-4847-8014-A94B7D2A4EA3}" type="datetime1">
               <a:rPr lang="en-US" smtClean="0"/>
-              <a:t>11/6/23</a:t>
+              <a:t>11/8/23</a:t>
             </a:fld>
             <a:endParaRPr lang="en-US" dirty="0"/>
           </a:p>
@@ -28558,7 +29074,7 @@
           <a:p>
             <a:fld id="{134F40B7-36AB-4376-BE14-EF7004D79BB9}" type="datetime1">
               <a:rPr lang="en-US" smtClean="0"/>
-              <a:t>11/6/23</a:t>
+              <a:t>11/8/23</a:t>
             </a:fld>
             <a:endParaRPr lang="en-US"/>
           </a:p>
@@ -28738,7 +29254,7 @@
           <a:p>
             <a:fld id="{FF87CAB8-DCAE-46A5-AADA-B3FAD11A54E0}" type="datetime1">
               <a:rPr lang="en-US" smtClean="0"/>
-              <a:t>11/6/23</a:t>
+              <a:t>11/8/23</a:t>
             </a:fld>
             <a:endParaRPr lang="en-US"/>
           </a:p>
@@ -28908,7 +29424,7 @@
           <a:p>
             <a:fld id="{7332B432-ACDA-4023-A761-2BAB76577B62}" type="datetime1">
               <a:rPr lang="en-US" smtClean="0"/>
-              <a:t>11/6/23</a:t>
+              <a:t>11/8/23</a:t>
             </a:fld>
             <a:endParaRPr lang="en-US"/>
           </a:p>
@@ -29507,7 +30023,7 @@
           <a:p>
             <a:fld id="{D9C646AA-F36E-4540-911D-FFFC0A0EF24A}" type="datetime1">
               <a:rPr lang="en-US" smtClean="0"/>
-              <a:t>11/6/23</a:t>
+              <a:t>11/8/23</a:t>
             </a:fld>
             <a:endParaRPr lang="en-US" dirty="0"/>
           </a:p>
@@ -29827,7 +30343,7 @@
           <a:p>
             <a:fld id="{69186D26-FA5F-4637-B602-B7C2DC34CFD4}" type="datetime1">
               <a:rPr lang="en-US" smtClean="0"/>
-              <a:t>11/6/23</a:t>
+              <a:t>11/8/23</a:t>
             </a:fld>
             <a:endParaRPr lang="en-US"/>
           </a:p>
@@ -30262,7 +30778,7 @@
           <a:p>
             <a:fld id="{8A7F15D8-96D1-4781-BC50-CA8A088B2FE4}" type="datetime1">
               <a:rPr lang="en-US" smtClean="0"/>
-              <a:t>11/6/23</a:t>
+              <a:t>11/8/23</a:t>
             </a:fld>
             <a:endParaRPr lang="en-US"/>
           </a:p>
@@ -30380,7 +30896,7 @@
           <a:p>
             <a:fld id="{F9A96C99-B8F8-4528-BD05-0E16E943DC09}" type="datetime1">
               <a:rPr lang="en-US" smtClean="0"/>
-              <a:t>11/6/23</a:t>
+              <a:t>11/8/23</a:t>
             </a:fld>
             <a:endParaRPr lang="en-US"/>
           </a:p>
@@ -30475,7 +30991,7 @@
           <a:p>
             <a:fld id="{03636942-C211-4B28-8DBD-C953E00AF71B}" type="datetime1">
               <a:rPr lang="en-US" smtClean="0"/>
-              <a:t>11/6/23</a:t>
+              <a:t>11/8/23</a:t>
             </a:fld>
             <a:endParaRPr lang="en-US"/>
           </a:p>
@@ -30892,7 +31408,7 @@
           <a:p>
             <a:fld id="{7E8D12A6-918A-48BD-8CB9-CA713993B0EA}" type="datetime1">
               <a:rPr lang="en-US" smtClean="0"/>
-              <a:t>11/6/23</a:t>
+              <a:t>11/8/23</a:t>
             </a:fld>
             <a:endParaRPr lang="en-US"/>
           </a:p>
@@ -31154,7 +31670,7 @@
             <a:fld id="{E778CE86-875F-4587-BCF6-FA054AFC0D53}" type="datetime1">
               <a:rPr lang="en-US" smtClean="0"/>
               <a:pPr/>
-              <a:t>11/6/23</a:t>
+              <a:t>11/8/23</a:t>
             </a:fld>
             <a:endParaRPr lang="en-US" dirty="0"/>
           </a:p>
@@ -31670,7 +32186,7 @@
           <a:p>
             <a:fld id="{F6FA2B21-3FCD-4721-B95C-427943F61125}" type="datetime1">
               <a:rPr lang="en-US" smtClean="0"/>
-              <a:t>11/6/23</a:t>
+              <a:t>11/8/23</a:t>
             </a:fld>
             <a:endParaRPr lang="en-US"/>
           </a:p>
@@ -32763,6 +33279,11 @@
           </p:cNvGraphicFramePr>
           <p:nvPr>
             <p:ph idx="1"/>
+            <p:extLst>
+              <p:ext uri="{D42A27DB-BD31-4B8C-83A1-F6EECF244321}">
+                <p14:modId xmlns:p14="http://schemas.microsoft.com/office/powerpoint/2010/main" val="2527588376"/>
+              </p:ext>
+            </p:extLst>
           </p:nvPr>
         </p:nvGraphicFramePr>
         <p:xfrm>
@@ -32848,6 +33369,11 @@
           </p:cNvGraphicFramePr>
           <p:nvPr>
             <p:ph idx="1"/>
+            <p:extLst>
+              <p:ext uri="{D42A27DB-BD31-4B8C-83A1-F6EECF244321}">
+                <p14:modId xmlns:p14="http://schemas.microsoft.com/office/powerpoint/2010/main" val="4025170630"/>
+              </p:ext>
+            </p:extLst>
           </p:nvPr>
         </p:nvGraphicFramePr>
         <p:xfrm>
@@ -32959,7 +33485,7 @@
             </a:r>
             <a:r>
               <a:rPr lang="tr-TR" dirty="0"/>
-              <a:t> nesnesine veya </a:t>
+              <a:t> veya </a:t>
             </a:r>
             <a:r>
               <a:rPr lang="tr-TR" dirty="0" err="1"/>
@@ -32967,23 +33493,7 @@
             </a:r>
             <a:r>
               <a:rPr lang="tr-TR" dirty="0"/>
-              <a:t> nesnesine özgü sürekli durumları saklamak için bir yer sağlamak amacıyla çerçeve tarafından sürdürülen ve kontrol edilen bir anahtar/değer çiftlerini içeren bir koleksiyonu temsil eder. (</a:t>
-            </a:r>
-            <a:r>
-              <a:rPr lang="tr-TR" dirty="0" err="1"/>
-              <a:t>Quartz</a:t>
-            </a:r>
-            <a:r>
-              <a:rPr lang="tr-TR" dirty="0"/>
-              <a:t> ile aşina olanlar için </a:t>
-            </a:r>
-            <a:r>
-              <a:rPr lang="tr-TR" dirty="0" err="1"/>
-              <a:t>JobDataMap'e</a:t>
-            </a:r>
-            <a:r>
-              <a:rPr lang="tr-TR" dirty="0"/>
-              <a:t> oldukça benzer.) En iyi kullanım örneği, yeniden başlatmayı kolaylaştırmaktır. Düz metin dosyası girdisini bir örnek olarak kullanarak, bireysel satırları işlerken, çerçeve belirli ara noktalarda </a:t>
+              <a:t> nesnesine özgü sürekli durumları saklamak için bir yer sağlamak amacıyla çerçeve tarafından sürdürülen ve kontrol edilen bir anahtar/değer çiftlerini içeren bir koleksiyonu temsil eder. En iyi kullanım örneği, yeniden başlatmayı kolaylaştırmaktır. Düz metin dosyası girdisini bir örnek olarak kullanarak, bireysel satırları işlerken, çerçeve belirli ara noktalarda </a:t>
             </a:r>
             <a:r>
               <a:rPr lang="tr-TR" dirty="0" err="1"/>
@@ -32999,52 +33509,7 @@
             </a:r>
             <a:r>
               <a:rPr lang="tr-TR" dirty="0"/>
-              <a:t> durumunu, çalışma sırasında bir ölümcül hata oluşursa veya hatta elektrik kesilirse saklamasına olanak tanır. İhtiyacınız olan tek şey, mevcut okunan satır sayısını bağlama koymaktır, aşağıdaki örnek gösterildiği gibi, ve çerçeve gerisini halleder:</a:t>
-            </a:r>
-          </a:p>
-          <a:p>
-            <a:endParaRPr lang="tr-TR" dirty="0"/>
-          </a:p>
-          <a:p>
-            <a:r>
-              <a:rPr lang="tr-TR" dirty="0" err="1"/>
-              <a:t>Job</a:t>
-            </a:r>
-            <a:r>
-              <a:rPr lang="tr-TR" dirty="0"/>
-              <a:t> taslakları bölümünde verilen </a:t>
-            </a:r>
-            <a:r>
-              <a:rPr lang="tr-TR" dirty="0" err="1"/>
-              <a:t>EndOfDay</a:t>
-            </a:r>
-            <a:r>
-              <a:rPr lang="tr-TR" dirty="0"/>
-              <a:t> örneğini kullanarak, bir adım (</a:t>
-            </a:r>
-            <a:r>
-              <a:rPr lang="tr-TR" dirty="0" err="1"/>
-              <a:t>loadData</a:t>
-            </a:r>
-            <a:r>
-              <a:rPr lang="tr-TR" dirty="0"/>
-              <a:t>) olduğunu varsayalım ve bu adım bir dosyayı </a:t>
-            </a:r>
-            <a:r>
-              <a:rPr lang="tr-TR" dirty="0" err="1"/>
-              <a:t>veritabanına</a:t>
-            </a:r>
-            <a:r>
-              <a:rPr lang="tr-TR" dirty="0"/>
-              <a:t> yükler. İlk başarısız çalıştırmadan sonra, </a:t>
-            </a:r>
-            <a:r>
-              <a:rPr lang="tr-TR" dirty="0" err="1"/>
-              <a:t>metadata</a:t>
-            </a:r>
-            <a:r>
-              <a:rPr lang="tr-TR" dirty="0"/>
-              <a:t> tabloları aşağıdaki örnekte gösterildiği gibi görünecektir.</a:t>
+              <a:t> durumunu, çalışma sırasında bir ölümcül hata oluşursa veya hatta elektrik kesilirse saklamasına olanak tanır. </a:t>
             </a:r>
           </a:p>
         </p:txBody>
@@ -33613,7 +34078,7 @@
             <p:ph idx="1"/>
             <p:extLst>
               <p:ext uri="{D42A27DB-BD31-4B8C-83A1-F6EECF244321}">
-                <p14:modId xmlns:p14="http://schemas.microsoft.com/office/powerpoint/2010/main" val="3854934166"/>
+                <p14:modId xmlns:p14="http://schemas.microsoft.com/office/powerpoint/2010/main" val="2073403899"/>
               </p:ext>
             </p:extLst>
           </p:nvPr>
@@ -34028,10 +34493,10 @@
       </p:grpSpPr>
       <p:sp>
         <p:nvSpPr>
-          <p:cNvPr id="8" name="Rectangle 7">
+          <p:cNvPr id="18" name="Rectangle 17">
             <a:extLst>
               <a:ext uri="{FF2B5EF4-FFF2-40B4-BE49-F238E27FC236}">
-                <a16:creationId xmlns:a16="http://schemas.microsoft.com/office/drawing/2014/main" id="{70120F84-A866-4D9F-8B1C-9120A013D654}"/>
+                <a16:creationId xmlns:a16="http://schemas.microsoft.com/office/drawing/2014/main" id="{2DC4AA0A-D9C3-4A0B-990D-1BCB0022A696}"/>
               </a:ext>
               <a:ext uri="{C183D7F6-B498-43B3-948B-1728B52AA6E4}">
                 <adec:decorative xmlns:adec="http://schemas.microsoft.com/office/drawing/2017/decorative" val="1"/>
@@ -34051,14 +34516,14 @@
         </p:nvSpPr>
         <p:spPr>
           <a:xfrm>
-            <a:off x="0" y="0"/>
-            <a:ext cx="12192001" cy="6858000"/>
+            <a:off x="-1867" y="0"/>
+            <a:ext cx="12193867" cy="6858000"/>
           </a:xfrm>
           <a:prstGeom prst="rect">
             <a:avLst/>
           </a:prstGeom>
           <a:solidFill>
-            <a:schemeClr val="accent1"/>
+            <a:srgbClr val="FFFFFF"/>
           </a:solidFill>
           <a:ln>
             <a:noFill/>
@@ -34081,119 +34546,20 @@
           </a:fontRef>
         </p:style>
         <p:txBody>
-          <a:bodyPr rot="0" spcFirstLastPara="0" vert="horz" wrap="square" lIns="91440" tIns="45720" rIns="91440" bIns="45720" numCol="1" spcCol="0" rtlCol="0" fromWordArt="0" anchor="ctr" anchorCtr="0" forceAA="0" compatLnSpc="1">
-            <a:prstTxWarp prst="textNoShape">
-              <a:avLst/>
-            </a:prstTxWarp>
-            <a:noAutofit/>
-          </a:bodyPr>
-          <a:lstStyle>
-            <a:defPPr>
-              <a:defRPr lang="en-US"/>
-            </a:defPPr>
-            <a:lvl1pPr marL="0" algn="l" defTabSz="914400" rtl="0" eaLnBrk="1" latinLnBrk="0" hangingPunct="1">
-              <a:defRPr sz="1800" kern="1200">
-                <a:solidFill>
-                  <a:schemeClr val="lt1"/>
-                </a:solidFill>
-                <a:latin typeface="+mn-lt"/>
-                <a:ea typeface="+mn-ea"/>
-                <a:cs typeface="+mn-cs"/>
-              </a:defRPr>
-            </a:lvl1pPr>
-            <a:lvl2pPr marL="457200" algn="l" defTabSz="914400" rtl="0" eaLnBrk="1" latinLnBrk="0" hangingPunct="1">
-              <a:defRPr sz="1800" kern="1200">
-                <a:solidFill>
-                  <a:schemeClr val="lt1"/>
-                </a:solidFill>
-                <a:latin typeface="+mn-lt"/>
-                <a:ea typeface="+mn-ea"/>
-                <a:cs typeface="+mn-cs"/>
-              </a:defRPr>
-            </a:lvl2pPr>
-            <a:lvl3pPr marL="914400" algn="l" defTabSz="914400" rtl="0" eaLnBrk="1" latinLnBrk="0" hangingPunct="1">
-              <a:defRPr sz="1800" kern="1200">
-                <a:solidFill>
-                  <a:schemeClr val="lt1"/>
-                </a:solidFill>
-                <a:latin typeface="+mn-lt"/>
-                <a:ea typeface="+mn-ea"/>
-                <a:cs typeface="+mn-cs"/>
-              </a:defRPr>
-            </a:lvl3pPr>
-            <a:lvl4pPr marL="1371600" algn="l" defTabSz="914400" rtl="0" eaLnBrk="1" latinLnBrk="0" hangingPunct="1">
-              <a:defRPr sz="1800" kern="1200">
-                <a:solidFill>
-                  <a:schemeClr val="lt1"/>
-                </a:solidFill>
-                <a:latin typeface="+mn-lt"/>
-                <a:ea typeface="+mn-ea"/>
-                <a:cs typeface="+mn-cs"/>
-              </a:defRPr>
-            </a:lvl4pPr>
-            <a:lvl5pPr marL="1828800" algn="l" defTabSz="914400" rtl="0" eaLnBrk="1" latinLnBrk="0" hangingPunct="1">
-              <a:defRPr sz="1800" kern="1200">
-                <a:solidFill>
-                  <a:schemeClr val="lt1"/>
-                </a:solidFill>
-                <a:latin typeface="+mn-lt"/>
-                <a:ea typeface="+mn-ea"/>
-                <a:cs typeface="+mn-cs"/>
-              </a:defRPr>
-            </a:lvl5pPr>
-            <a:lvl6pPr marL="2286000" algn="l" defTabSz="914400" rtl="0" eaLnBrk="1" latinLnBrk="0" hangingPunct="1">
-              <a:defRPr sz="1800" kern="1200">
-                <a:solidFill>
-                  <a:schemeClr val="lt1"/>
-                </a:solidFill>
-                <a:latin typeface="+mn-lt"/>
-                <a:ea typeface="+mn-ea"/>
-                <a:cs typeface="+mn-cs"/>
-              </a:defRPr>
-            </a:lvl6pPr>
-            <a:lvl7pPr marL="2743200" algn="l" defTabSz="914400" rtl="0" eaLnBrk="1" latinLnBrk="0" hangingPunct="1">
-              <a:defRPr sz="1800" kern="1200">
-                <a:solidFill>
-                  <a:schemeClr val="lt1"/>
-                </a:solidFill>
-                <a:latin typeface="+mn-lt"/>
-                <a:ea typeface="+mn-ea"/>
-                <a:cs typeface="+mn-cs"/>
-              </a:defRPr>
-            </a:lvl7pPr>
-            <a:lvl8pPr marL="3200400" algn="l" defTabSz="914400" rtl="0" eaLnBrk="1" latinLnBrk="0" hangingPunct="1">
-              <a:defRPr sz="1800" kern="1200">
-                <a:solidFill>
-                  <a:schemeClr val="lt1"/>
-                </a:solidFill>
-                <a:latin typeface="+mn-lt"/>
-                <a:ea typeface="+mn-ea"/>
-                <a:cs typeface="+mn-cs"/>
-              </a:defRPr>
-            </a:lvl8pPr>
-            <a:lvl9pPr marL="3657600" algn="l" defTabSz="914400" rtl="0" eaLnBrk="1" latinLnBrk="0" hangingPunct="1">
-              <a:defRPr sz="1800" kern="1200">
-                <a:solidFill>
-                  <a:schemeClr val="lt1"/>
-                </a:solidFill>
-                <a:latin typeface="+mn-lt"/>
-                <a:ea typeface="+mn-ea"/>
-                <a:cs typeface="+mn-cs"/>
-              </a:defRPr>
-            </a:lvl9pPr>
-          </a:lstStyle>
+          <a:bodyPr rtlCol="0" anchor="ctr"/>
+          <a:lstStyle/>
           <a:p>
             <a:pPr algn="ctr"/>
-            <a:endParaRPr lang="en-US"/>
+            <a:endParaRPr lang="en-US" dirty="0"/>
           </a:p>
         </p:txBody>
       </p:sp>
-      <p:sp useBgFill="1">
+      <p:sp>
         <p:nvSpPr>
-          <p:cNvPr id="10" name="Rectangle 9">
+          <p:cNvPr id="20" name="Rectangle 19">
             <a:extLst>
               <a:ext uri="{FF2B5EF4-FFF2-40B4-BE49-F238E27FC236}">
-                <a16:creationId xmlns:a16="http://schemas.microsoft.com/office/drawing/2014/main" id="{252FEFEF-6AC0-46B6-AC09-11FC56196FA4}"/>
+                <a16:creationId xmlns:a16="http://schemas.microsoft.com/office/drawing/2014/main" id="{370878C7-7719-40BD-AA97-751A85670594}"/>
               </a:ext>
               <a:ext uri="{C183D7F6-B498-43B3-948B-1728B52AA6E4}">
                 <adec:decorative xmlns:adec="http://schemas.microsoft.com/office/drawing/2017/decorative" val="1"/>
@@ -34213,19 +34579,76 @@
         </p:nvSpPr>
         <p:spPr>
           <a:xfrm>
-            <a:off x="210312" y="226665"/>
-            <a:ext cx="11722608" cy="6382512"/>
+            <a:off x="630501" y="4212709"/>
+            <a:ext cx="10905302" cy="1997060"/>
           </a:xfrm>
           <a:prstGeom prst="rect">
             <a:avLst/>
           </a:prstGeom>
+          <a:solidFill>
+            <a:srgbClr val="6DB146"/>
+          </a:solidFill>
           <a:ln w="6350" cap="flat" cmpd="sng" algn="ctr">
             <a:noFill/>
             <a:prstDash val="solid"/>
           </a:ln>
           <a:effectLst>
+            <a:outerShdw blurRad="50800" algn="ctr" rotWithShape="0">
+              <a:prstClr val="black">
+                <a:alpha val="66000"/>
+              </a:prstClr>
+            </a:outerShdw>
             <a:softEdge rad="0"/>
           </a:effectLst>
+        </p:spPr>
+        <p:txBody>
+          <a:bodyPr/>
+          <a:lstStyle/>
+          <a:p>
+            <a:endParaRPr lang="tr-TR"/>
+          </a:p>
+        </p:txBody>
+      </p:sp>
+      <p:sp>
+        <p:nvSpPr>
+          <p:cNvPr id="22" name="Rectangle 21">
+            <a:extLst>
+              <a:ext uri="{FF2B5EF4-FFF2-40B4-BE49-F238E27FC236}">
+                <a16:creationId xmlns:a16="http://schemas.microsoft.com/office/drawing/2014/main" id="{1D9D3865-C494-4C4A-8495-8245E905469D}"/>
+              </a:ext>
+              <a:ext uri="{C183D7F6-B498-43B3-948B-1728B52AA6E4}">
+                <adec:decorative xmlns:adec="http://schemas.microsoft.com/office/drawing/2017/decorative" val="1"/>
+              </a:ext>
+            </a:extLst>
+          </p:cNvPr>
+          <p:cNvSpPr>
+            <a:spLocks noGrp="1" noRot="1" noChangeAspect="1" noMove="1" noResize="1" noEditPoints="1" noAdjustHandles="1" noChangeArrowheads="1" noChangeShapeType="1" noTextEdit="1"/>
+          </p:cNvSpPr>
+          <p:nvPr>
+            <p:extLst>
+              <p:ext uri="{386F3935-93C4-4BCD-93E2-E3B085C9AB24}">
+                <p16:designElem xmlns:p16="http://schemas.microsoft.com/office/powerpoint/2015/main" val="1"/>
+              </p:ext>
+            </p:extLst>
+          </p:nvPr>
+        </p:nvSpPr>
+        <p:spPr>
+          <a:xfrm>
+            <a:off x="793348" y="4379135"/>
+            <a:ext cx="10579608" cy="1664208"/>
+          </a:xfrm>
+          <a:prstGeom prst="rect">
+            <a:avLst/>
+          </a:prstGeom>
+          <a:noFill/>
+          <a:ln w="6350" cap="sq" cmpd="sng" algn="ctr">
+            <a:solidFill>
+              <a:schemeClr val="tx1"/>
+            </a:solidFill>
+            <a:prstDash val="solid"/>
+            <a:miter lim="800000"/>
+          </a:ln>
+          <a:effectLst/>
         </p:spPr>
         <p:txBody>
           <a:bodyPr/>
@@ -34251,8 +34674,8 @@
         </p:nvSpPr>
         <p:spPr>
           <a:xfrm>
-            <a:off x="1219200" y="794994"/>
-            <a:ext cx="10058400" cy="1371600"/>
+            <a:off x="956234" y="4495894"/>
+            <a:ext cx="4942542" cy="1371600"/>
           </a:xfrm>
           <a:prstGeom prst="rect">
             <a:avLst/>
@@ -34286,17 +34709,74 @@
             </a:lvl1pPr>
           </a:lstStyle>
           <a:p>
+            <a:pPr algn="r">
+              <a:spcAft>
+                <a:spcPts val="600"/>
+              </a:spcAft>
+            </a:pPr>
             <a:r>
-              <a:rPr lang="tr-TR" dirty="0" err="1"/>
-              <a:t>ItemWriter</a:t>
-            </a:r>
-            <a:r>
-              <a:rPr lang="tr-TR" dirty="0"/>
-              <a:t> Nedir ?</a:t>
+              <a:rPr lang="en-US" sz="4400">
+                <a:solidFill>
+                  <a:schemeClr val="tx1"/>
+                </a:solidFill>
+              </a:rPr>
+              <a:t>ItemWriter Nedir ?</a:t>
             </a:r>
           </a:p>
         </p:txBody>
       </p:sp>
+      <p:cxnSp>
+        <p:nvCxnSpPr>
+          <p:cNvPr id="24" name="Straight Connector 23">
+            <a:extLst>
+              <a:ext uri="{FF2B5EF4-FFF2-40B4-BE49-F238E27FC236}">
+                <a16:creationId xmlns:a16="http://schemas.microsoft.com/office/drawing/2014/main" id="{B78EE79F-FCAA-4CF9-9746-730B51FC4CB3}"/>
+              </a:ext>
+              <a:ext uri="{C183D7F6-B498-43B3-948B-1728B52AA6E4}">
+                <adec:decorative xmlns:adec="http://schemas.microsoft.com/office/drawing/2017/decorative" val="1"/>
+              </a:ext>
+            </a:extLst>
+          </p:cNvPr>
+          <p:cNvCxnSpPr>
+            <a:cxnSpLocks noGrp="1" noRot="1" noChangeAspect="1" noMove="1" noResize="1" noEditPoints="1" noAdjustHandles="1" noChangeArrowheads="1" noChangeShapeType="1"/>
+          </p:cNvCxnSpPr>
+          <p:nvPr>
+            <p:extLst>
+              <p:ext uri="{386F3935-93C4-4BCD-93E2-E3B085C9AB24}">
+                <p16:designElem xmlns:p16="http://schemas.microsoft.com/office/powerpoint/2015/main" val="1"/>
+              </p:ext>
+            </p:extLst>
+          </p:nvPr>
+        </p:nvCxnSpPr>
+        <p:spPr>
+          <a:xfrm>
+            <a:off x="6096000" y="4634895"/>
+            <a:ext cx="0" cy="1152689"/>
+          </a:xfrm>
+          <a:prstGeom prst="line">
+            <a:avLst/>
+          </a:prstGeom>
+          <a:ln>
+            <a:solidFill>
+              <a:schemeClr val="tx1"/>
+            </a:solidFill>
+          </a:ln>
+        </p:spPr>
+        <p:style>
+          <a:lnRef idx="1">
+            <a:schemeClr val="accent1"/>
+          </a:lnRef>
+          <a:fillRef idx="0">
+            <a:schemeClr val="accent1"/>
+          </a:fillRef>
+          <a:effectRef idx="0">
+            <a:schemeClr val="accent1"/>
+          </a:effectRef>
+          <a:fontRef idx="minor">
+            <a:schemeClr val="tx1"/>
+          </a:fontRef>
+        </p:style>
+      </p:cxnSp>
       <p:sp>
         <p:nvSpPr>
           <p:cNvPr id="13" name="İçerik Yer Tutucusu 2">
@@ -34313,15 +34793,15 @@
         </p:nvSpPr>
         <p:spPr>
           <a:xfrm>
-            <a:off x="1219200" y="2255520"/>
-            <a:ext cx="10058400" cy="3849624"/>
+            <a:off x="6256866" y="4787922"/>
+            <a:ext cx="4978899" cy="1152690"/>
           </a:xfrm>
           <a:prstGeom prst="rect">
             <a:avLst/>
           </a:prstGeom>
         </p:spPr>
         <p:txBody>
-          <a:bodyPr vert="horz" lIns="91440" tIns="45720" rIns="91440" bIns="45720" rtlCol="0">
+          <a:bodyPr vert="horz" lIns="91440" tIns="45720" rIns="91440" bIns="45720" rtlCol="0" anchor="ctr">
             <a:normAutofit/>
           </a:bodyPr>
           <a:lstStyle>
@@ -34546,14 +35026,776 @@
             </a:lvl9pPr>
           </a:lstStyle>
           <a:p>
+            <a:pPr>
+              <a:lnSpc>
+                <a:spcPct val="100000"/>
+              </a:lnSpc>
+            </a:pPr>
             <a:r>
-              <a:rPr lang="tr-TR"/>
-              <a:t>ItemWriter, işlevsellik açısından bir ItemReader ile benzerdir, ancak ters işlemlere sahiptir. Kaynaklar hala bulunmalı, açılmalı ve kapatılmalıdır, ancak bir ItemWriter, veri yazma işlemi gerçekleştirirken okuma işlemi yapmaktansa veri yazma işlemi gerçekleştirir.</a:t>
+              <a:rPr lang="en-US" dirty="0"/>
+              <a:t>Veri </a:t>
             </a:r>
-            <a:endParaRPr lang="tr-TR" dirty="0"/>
+            <a:r>
+              <a:rPr lang="en-US" dirty="0" err="1"/>
+              <a:t>yazan</a:t>
+            </a:r>
+            <a:r>
+              <a:rPr lang="en-US" dirty="0"/>
+              <a:t> </a:t>
+            </a:r>
+            <a:r>
+              <a:rPr lang="en-US" dirty="0" err="1"/>
+              <a:t>bir</a:t>
+            </a:r>
+            <a:r>
+              <a:rPr lang="en-US" dirty="0"/>
+              <a:t> batch process </a:t>
+            </a:r>
+            <a:r>
+              <a:rPr lang="en-US" dirty="0" err="1"/>
+              <a:t>adımının</a:t>
+            </a:r>
+            <a:r>
+              <a:rPr lang="en-US" dirty="0"/>
+              <a:t> </a:t>
+            </a:r>
+            <a:r>
+              <a:rPr lang="en-US" dirty="0" err="1"/>
+              <a:t>öğesidir</a:t>
+            </a:r>
+            <a:r>
+              <a:rPr lang="en-US" dirty="0"/>
+              <a:t>. </a:t>
+            </a:r>
+            <a:r>
+              <a:rPr lang="en-US" dirty="0" err="1"/>
+              <a:t>ItemWriter</a:t>
+            </a:r>
+            <a:r>
+              <a:rPr lang="en-US" dirty="0"/>
+              <a:t> </a:t>
+            </a:r>
+            <a:r>
+              <a:rPr lang="en-US" dirty="0" err="1"/>
+              <a:t>bir</a:t>
+            </a:r>
+            <a:r>
+              <a:rPr lang="en-US" dirty="0"/>
+              <a:t> </a:t>
+            </a:r>
+            <a:r>
+              <a:rPr lang="en-US" dirty="0" err="1"/>
+              <a:t>kerede</a:t>
+            </a:r>
+            <a:r>
+              <a:rPr lang="en-US" dirty="0"/>
+              <a:t> </a:t>
+            </a:r>
+            <a:r>
+              <a:rPr lang="en-US" dirty="0" err="1"/>
+              <a:t>bir</a:t>
+            </a:r>
+            <a:r>
+              <a:rPr lang="en-US" dirty="0"/>
+              <a:t> </a:t>
+            </a:r>
+            <a:r>
+              <a:rPr lang="en-US" dirty="0" err="1"/>
+              <a:t>öğe</a:t>
+            </a:r>
+            <a:r>
+              <a:rPr lang="en-US" dirty="0"/>
+              <a:t> </a:t>
+            </a:r>
+            <a:r>
+              <a:rPr lang="en-US" dirty="0" err="1"/>
+              <a:t>yazar</a:t>
+            </a:r>
+            <a:r>
+              <a:rPr lang="en-US" dirty="0"/>
+              <a:t>. Spring Batch </a:t>
+            </a:r>
+            <a:r>
+              <a:rPr lang="en-US" dirty="0" err="1"/>
+              <a:t>bir</a:t>
+            </a:r>
+            <a:r>
+              <a:rPr lang="en-US" dirty="0"/>
+              <a:t> </a:t>
+            </a:r>
+            <a:r>
+              <a:rPr lang="en-US" dirty="0" err="1"/>
+              <a:t>ItemWriter</a:t>
+            </a:r>
+            <a:r>
+              <a:rPr lang="en-US" dirty="0"/>
+              <a:t> </a:t>
+            </a:r>
+            <a:r>
+              <a:rPr lang="en-US" dirty="0" err="1"/>
+              <a:t>interface’i</a:t>
+            </a:r>
+            <a:r>
+              <a:rPr lang="en-US" dirty="0"/>
+              <a:t> </a:t>
+            </a:r>
+            <a:r>
+              <a:rPr lang="en-US" dirty="0" err="1"/>
+              <a:t>sağlar</a:t>
+            </a:r>
+            <a:r>
+              <a:rPr lang="en-US" dirty="0"/>
+              <a:t>. </a:t>
+            </a:r>
+            <a:r>
+              <a:rPr lang="en-US" dirty="0" err="1"/>
+              <a:t>Tüm</a:t>
+            </a:r>
+            <a:r>
+              <a:rPr lang="en-US" dirty="0"/>
+              <a:t> </a:t>
+            </a:r>
+            <a:r>
+              <a:rPr lang="en-US" dirty="0" err="1"/>
+              <a:t>writerlar</a:t>
+            </a:r>
+            <a:r>
+              <a:rPr lang="en-US" dirty="0"/>
+              <a:t> </a:t>
+            </a:r>
+            <a:r>
+              <a:rPr lang="en-US" dirty="0" err="1"/>
+              <a:t>bu</a:t>
+            </a:r>
+            <a:r>
+              <a:rPr lang="en-US" dirty="0"/>
+              <a:t> </a:t>
+            </a:r>
+            <a:r>
+              <a:rPr lang="en-US" dirty="0" err="1"/>
+              <a:t>interface’i</a:t>
+            </a:r>
+            <a:r>
+              <a:rPr lang="en-US" dirty="0"/>
+              <a:t> </a:t>
+            </a:r>
+            <a:r>
+              <a:rPr lang="en-US" dirty="0" err="1"/>
+              <a:t>uygular</a:t>
+            </a:r>
+            <a:r>
+              <a:rPr lang="en-US" dirty="0"/>
+              <a:t>. </a:t>
+            </a:r>
+          </a:p>
+          <a:p>
+            <a:pPr>
+              <a:lnSpc>
+                <a:spcPct val="100000"/>
+              </a:lnSpc>
+            </a:pPr>
+            <a:endParaRPr lang="en-US" dirty="0"/>
+          </a:p>
+          <a:p>
+            <a:pPr>
+              <a:lnSpc>
+                <a:spcPct val="100000"/>
+              </a:lnSpc>
+            </a:pPr>
+            <a:endParaRPr lang="en-US" dirty="0"/>
+          </a:p>
+          <a:p>
+            <a:pPr>
+              <a:lnSpc>
+                <a:spcPct val="100000"/>
+              </a:lnSpc>
+            </a:pPr>
+            <a:endParaRPr lang="en-US" dirty="0"/>
           </a:p>
         </p:txBody>
       </p:sp>
+      <p:graphicFrame>
+        <p:nvGraphicFramePr>
+          <p:cNvPr id="3" name="Tablo 2">
+            <a:extLst>
+              <a:ext uri="{FF2B5EF4-FFF2-40B4-BE49-F238E27FC236}">
+                <a16:creationId xmlns:a16="http://schemas.microsoft.com/office/drawing/2014/main" id="{4A110878-6E63-9D34-2D37-2A63BE16089A}"/>
+              </a:ext>
+            </a:extLst>
+          </p:cNvPr>
+          <p:cNvGraphicFramePr>
+            <a:graphicFrameLocks noGrp="1"/>
+          </p:cNvGraphicFramePr>
+          <p:nvPr>
+            <p:extLst>
+              <p:ext uri="{D42A27DB-BD31-4B8C-83A1-F6EECF244321}">
+                <p14:modId xmlns:p14="http://schemas.microsoft.com/office/powerpoint/2010/main" val="2893008695"/>
+              </p:ext>
+            </p:extLst>
+          </p:nvPr>
+        </p:nvGraphicFramePr>
+        <p:xfrm>
+          <a:off x="1558988" y="648231"/>
+          <a:ext cx="9048330" cy="3217334"/>
+        </p:xfrm>
+        <a:graphic>
+          <a:graphicData uri="http://schemas.openxmlformats.org/drawingml/2006/table">
+            <a:tbl>
+              <a:tblPr/>
+              <a:tblGrid>
+                <a:gridCol w="4546858">
+                  <a:extLst>
+                    <a:ext uri="{9D8B030D-6E8A-4147-A177-3AD203B41FA5}">
+                      <a16:colId xmlns:a16="http://schemas.microsoft.com/office/drawing/2014/main" val="672906981"/>
+                    </a:ext>
+                  </a:extLst>
+                </a:gridCol>
+                <a:gridCol w="4501472">
+                  <a:extLst>
+                    <a:ext uri="{9D8B030D-6E8A-4147-A177-3AD203B41FA5}">
+                      <a16:colId xmlns:a16="http://schemas.microsoft.com/office/drawing/2014/main" val="3001711369"/>
+                    </a:ext>
+                  </a:extLst>
+                </a:gridCol>
+              </a:tblGrid>
+              <a:tr h="447834">
+                <a:tc>
+                  <a:txBody>
+                    <a:bodyPr/>
+                    <a:lstStyle/>
+                    <a:p>
+                      <a:pPr algn="ctr"/>
+                      <a:r>
+                        <a:rPr lang="tr-TR" sz="1700">
+                          <a:solidFill>
+                            <a:srgbClr val="000000"/>
+                          </a:solidFill>
+                          <a:effectLst/>
+                        </a:rPr>
+                        <a:t>FlatFIleItemWriter</a:t>
+                      </a:r>
+                    </a:p>
+                  </a:txBody>
+                  <a:tcPr marL="73657" marR="73657" marT="73657" marB="73657" anchor="ctr">
+                    <a:lnL>
+                      <a:noFill/>
+                    </a:lnL>
+                    <a:lnR>
+                      <a:noFill/>
+                    </a:lnR>
+                    <a:lnT>
+                      <a:noFill/>
+                    </a:lnT>
+                    <a:lnB>
+                      <a:noFill/>
+                    </a:lnB>
+                    <a:solidFill>
+                      <a:srgbClr val="FFFFFF"/>
+                    </a:solidFill>
+                  </a:tcPr>
+                </a:tc>
+                <a:tc>
+                  <a:txBody>
+                    <a:bodyPr/>
+                    <a:lstStyle/>
+                    <a:p>
+                      <a:pPr algn="l"/>
+                      <a:r>
+                        <a:rPr lang="tr-TR" sz="1700" dirty="0" err="1">
+                          <a:solidFill>
+                            <a:srgbClr val="000000"/>
+                          </a:solidFill>
+                          <a:effectLst/>
+                        </a:rPr>
+                        <a:t>Flat</a:t>
+                      </a:r>
+                      <a:r>
+                        <a:rPr lang="tr-TR" sz="1700" dirty="0">
+                          <a:solidFill>
+                            <a:srgbClr val="000000"/>
+                          </a:solidFill>
+                          <a:effectLst/>
+                        </a:rPr>
+                        <a:t> dosyalara veri yazma.</a:t>
+                      </a:r>
+                    </a:p>
+                  </a:txBody>
+                  <a:tcPr marL="73657" marR="73657" marT="73657" marB="73657" anchor="ctr">
+                    <a:lnL>
+                      <a:noFill/>
+                    </a:lnL>
+                    <a:lnR>
+                      <a:noFill/>
+                    </a:lnR>
+                    <a:lnT>
+                      <a:noFill/>
+                    </a:lnT>
+                    <a:lnB>
+                      <a:noFill/>
+                    </a:lnB>
+                    <a:solidFill>
+                      <a:srgbClr val="FFFFFF"/>
+                    </a:solidFill>
+                  </a:tcPr>
+                </a:tc>
+                <a:extLst>
+                  <a:ext uri="{0D108BD9-81ED-4DB2-BD59-A6C34878D82A}">
+                    <a16:rowId xmlns:a16="http://schemas.microsoft.com/office/drawing/2014/main" val="4291967442"/>
+                  </a:ext>
+                </a:extLst>
+              </a:tr>
+              <a:tr h="447834">
+                <a:tc>
+                  <a:txBody>
+                    <a:bodyPr/>
+                    <a:lstStyle/>
+                    <a:p>
+                      <a:pPr algn="ctr"/>
+                      <a:r>
+                        <a:rPr lang="tr-TR" sz="1700">
+                          <a:solidFill>
+                            <a:srgbClr val="000000"/>
+                          </a:solidFill>
+                          <a:effectLst/>
+                        </a:rPr>
+                        <a:t>StaxEventItemWriter</a:t>
+                      </a:r>
+                    </a:p>
+                  </a:txBody>
+                  <a:tcPr marL="73657" marR="73657" marT="73657" marB="73657" anchor="ctr">
+                    <a:lnL>
+                      <a:noFill/>
+                    </a:lnL>
+                    <a:lnR>
+                      <a:noFill/>
+                    </a:lnR>
+                    <a:lnT>
+                      <a:noFill/>
+                    </a:lnT>
+                    <a:lnB>
+                      <a:noFill/>
+                    </a:lnB>
+                    <a:solidFill>
+                      <a:srgbClr val="FFFFFF"/>
+                    </a:solidFill>
+                  </a:tcPr>
+                </a:tc>
+                <a:tc>
+                  <a:txBody>
+                    <a:bodyPr/>
+                    <a:lstStyle/>
+                    <a:p>
+                      <a:pPr algn="l"/>
+                      <a:r>
+                        <a:rPr lang="tr-TR" sz="1700" dirty="0">
+                          <a:solidFill>
+                            <a:srgbClr val="000000"/>
+                          </a:solidFill>
+                          <a:effectLst/>
+                        </a:rPr>
+                        <a:t>XML dosyalarına veri yazma</a:t>
+                      </a:r>
+                    </a:p>
+                  </a:txBody>
+                  <a:tcPr marL="73657" marR="73657" marT="73657" marB="73657" anchor="ctr">
+                    <a:lnL>
+                      <a:noFill/>
+                    </a:lnL>
+                    <a:lnR>
+                      <a:noFill/>
+                    </a:lnR>
+                    <a:lnT>
+                      <a:noFill/>
+                    </a:lnT>
+                    <a:lnB>
+                      <a:noFill/>
+                    </a:lnB>
+                    <a:solidFill>
+                      <a:srgbClr val="FFFFFF"/>
+                    </a:solidFill>
+                  </a:tcPr>
+                </a:tc>
+                <a:extLst>
+                  <a:ext uri="{0D108BD9-81ED-4DB2-BD59-A6C34878D82A}">
+                    <a16:rowId xmlns:a16="http://schemas.microsoft.com/office/drawing/2014/main" val="3785259216"/>
+                  </a:ext>
+                </a:extLst>
+              </a:tr>
+              <a:tr h="712999">
+                <a:tc>
+                  <a:txBody>
+                    <a:bodyPr/>
+                    <a:lstStyle/>
+                    <a:p>
+                      <a:pPr algn="ctr" fontAlgn="ctr"/>
+                      <a:r>
+                        <a:rPr lang="tr-TR" sz="1700">
+                          <a:solidFill>
+                            <a:srgbClr val="000000"/>
+                          </a:solidFill>
+                          <a:effectLst/>
+                        </a:rPr>
+                        <a:t>StoredProcedureItemWriter</a:t>
+                      </a:r>
+                    </a:p>
+                  </a:txBody>
+                  <a:tcPr marL="73657" marR="73657" marT="73657" marB="73657" anchor="ctr">
+                    <a:lnL>
+                      <a:noFill/>
+                    </a:lnL>
+                    <a:lnR>
+                      <a:noFill/>
+                    </a:lnR>
+                    <a:lnT>
+                      <a:noFill/>
+                    </a:lnT>
+                    <a:lnB>
+                      <a:noFill/>
+                    </a:lnB>
+                    <a:solidFill>
+                      <a:srgbClr val="FFFFFF"/>
+                    </a:solidFill>
+                  </a:tcPr>
+                </a:tc>
+                <a:tc>
+                  <a:txBody>
+                    <a:bodyPr/>
+                    <a:lstStyle/>
+                    <a:p>
+                      <a:pPr algn="l"/>
+                      <a:r>
+                        <a:rPr lang="tr-TR" sz="1700" dirty="0">
+                          <a:solidFill>
+                            <a:srgbClr val="000000"/>
+                          </a:solidFill>
+                          <a:effectLst/>
+                        </a:rPr>
+                        <a:t>Veri </a:t>
+                      </a:r>
+                      <a:r>
+                        <a:rPr lang="tr-TR" sz="1700" dirty="0" err="1">
+                          <a:solidFill>
+                            <a:srgbClr val="000000"/>
+                          </a:solidFill>
+                          <a:effectLst/>
+                        </a:rPr>
+                        <a:t>tabanı’nın</a:t>
+                      </a:r>
+                      <a:r>
+                        <a:rPr lang="tr-TR" sz="1700" dirty="0">
+                          <a:solidFill>
+                            <a:srgbClr val="000000"/>
+                          </a:solidFill>
+                          <a:effectLst/>
+                        </a:rPr>
+                        <a:t> </a:t>
+                      </a:r>
+                      <a:r>
+                        <a:rPr lang="tr-TR" sz="1700" dirty="0" err="1">
+                          <a:solidFill>
+                            <a:srgbClr val="000000"/>
+                          </a:solidFill>
+                          <a:effectLst/>
+                        </a:rPr>
+                        <a:t>stored</a:t>
+                      </a:r>
+                      <a:r>
+                        <a:rPr lang="tr-TR" sz="1700" dirty="0">
+                          <a:solidFill>
+                            <a:srgbClr val="000000"/>
+                          </a:solidFill>
+                          <a:effectLst/>
+                        </a:rPr>
+                        <a:t> </a:t>
+                      </a:r>
+                      <a:r>
+                        <a:rPr lang="tr-TR" sz="1700" dirty="0" err="1">
+                          <a:solidFill>
+                            <a:srgbClr val="000000"/>
+                          </a:solidFill>
+                          <a:effectLst/>
+                        </a:rPr>
+                        <a:t>procedurlerine</a:t>
+                      </a:r>
+                      <a:r>
+                        <a:rPr lang="tr-TR" sz="1700" dirty="0">
+                          <a:solidFill>
+                            <a:srgbClr val="000000"/>
+                          </a:solidFill>
+                          <a:effectLst/>
+                        </a:rPr>
+                        <a:t> veri yazmak </a:t>
+                      </a:r>
+                    </a:p>
+                  </a:txBody>
+                  <a:tcPr marL="73657" marR="73657" marT="73657" marB="73657" anchor="ctr">
+                    <a:lnL>
+                      <a:noFill/>
+                    </a:lnL>
+                    <a:lnR>
+                      <a:noFill/>
+                    </a:lnR>
+                    <a:lnT>
+                      <a:noFill/>
+                    </a:lnT>
+                    <a:lnB>
+                      <a:noFill/>
+                    </a:lnB>
+                    <a:solidFill>
+                      <a:srgbClr val="FFFFFF"/>
+                    </a:solidFill>
+                  </a:tcPr>
+                </a:tc>
+                <a:extLst>
+                  <a:ext uri="{0D108BD9-81ED-4DB2-BD59-A6C34878D82A}">
+                    <a16:rowId xmlns:a16="http://schemas.microsoft.com/office/drawing/2014/main" val="2017566182"/>
+                  </a:ext>
+                </a:extLst>
+              </a:tr>
+              <a:tr h="712999">
+                <a:tc>
+                  <a:txBody>
+                    <a:bodyPr/>
+                    <a:lstStyle/>
+                    <a:p>
+                      <a:pPr algn="ctr"/>
+                      <a:r>
+                        <a:rPr lang="tr-TR" sz="1700">
+                          <a:solidFill>
+                            <a:srgbClr val="000000"/>
+                          </a:solidFill>
+                          <a:effectLst/>
+                        </a:rPr>
+                        <a:t>JDBCPagingItemWriter</a:t>
+                      </a:r>
+                    </a:p>
+                  </a:txBody>
+                  <a:tcPr marL="73657" marR="73657" marT="73657" marB="73657" anchor="ctr">
+                    <a:lnL>
+                      <a:noFill/>
+                    </a:lnL>
+                    <a:lnR>
+                      <a:noFill/>
+                    </a:lnR>
+                    <a:lnT>
+                      <a:noFill/>
+                    </a:lnT>
+                    <a:lnB>
+                      <a:noFill/>
+                    </a:lnB>
+                    <a:solidFill>
+                      <a:srgbClr val="FFFFFF"/>
+                    </a:solidFill>
+                  </a:tcPr>
+                </a:tc>
+                <a:tc>
+                  <a:txBody>
+                    <a:bodyPr/>
+                    <a:lstStyle/>
+                    <a:p>
+                      <a:pPr algn="l"/>
+                      <a:r>
+                        <a:rPr lang="tr-TR" sz="1700" dirty="0">
+                          <a:solidFill>
+                            <a:srgbClr val="000000"/>
+                          </a:solidFill>
+                          <a:effectLst/>
+                        </a:rPr>
+                        <a:t>İlişkisel veri tabanlarına veri yazmak.</a:t>
+                      </a:r>
+                    </a:p>
+                  </a:txBody>
+                  <a:tcPr marL="73657" marR="73657" marT="73657" marB="73657" anchor="ctr">
+                    <a:lnL>
+                      <a:noFill/>
+                    </a:lnL>
+                    <a:lnR>
+                      <a:noFill/>
+                    </a:lnR>
+                    <a:lnT>
+                      <a:noFill/>
+                    </a:lnT>
+                    <a:lnB>
+                      <a:noFill/>
+                    </a:lnB>
+                    <a:solidFill>
+                      <a:srgbClr val="FFFFFF"/>
+                    </a:solidFill>
+                  </a:tcPr>
+                </a:tc>
+                <a:extLst>
+                  <a:ext uri="{0D108BD9-81ED-4DB2-BD59-A6C34878D82A}">
+                    <a16:rowId xmlns:a16="http://schemas.microsoft.com/office/drawing/2014/main" val="2515162147"/>
+                  </a:ext>
+                </a:extLst>
+              </a:tr>
+              <a:tr h="447834">
+                <a:tc>
+                  <a:txBody>
+                    <a:bodyPr/>
+                    <a:lstStyle/>
+                    <a:p>
+                      <a:pPr algn="ctr"/>
+                      <a:r>
+                        <a:rPr lang="tr-TR" sz="1700">
+                          <a:solidFill>
+                            <a:srgbClr val="000000"/>
+                          </a:solidFill>
+                          <a:effectLst/>
+                        </a:rPr>
+                        <a:t>MongoItemWriter</a:t>
+                      </a:r>
+                    </a:p>
+                  </a:txBody>
+                  <a:tcPr marL="73657" marR="73657" marT="73657" marB="73657" anchor="ctr">
+                    <a:lnL>
+                      <a:noFill/>
+                    </a:lnL>
+                    <a:lnR>
+                      <a:noFill/>
+                    </a:lnR>
+                    <a:lnT>
+                      <a:noFill/>
+                    </a:lnT>
+                    <a:lnB>
+                      <a:noFill/>
+                    </a:lnB>
+                    <a:solidFill>
+                      <a:srgbClr val="FFFFFF"/>
+                    </a:solidFill>
+                  </a:tcPr>
+                </a:tc>
+                <a:tc>
+                  <a:txBody>
+                    <a:bodyPr/>
+                    <a:lstStyle/>
+                    <a:p>
+                      <a:pPr algn="l"/>
+                      <a:r>
+                        <a:rPr lang="tr-TR" sz="1700" dirty="0" err="1">
+                          <a:solidFill>
+                            <a:srgbClr val="000000"/>
+                          </a:solidFill>
+                          <a:effectLst/>
+                        </a:rPr>
+                        <a:t>MongoDB’ye</a:t>
+                      </a:r>
+                      <a:r>
+                        <a:rPr lang="tr-TR" sz="1700" dirty="0">
+                          <a:solidFill>
+                            <a:srgbClr val="000000"/>
+                          </a:solidFill>
+                          <a:effectLst/>
+                        </a:rPr>
+                        <a:t> veri yazmak.</a:t>
+                      </a:r>
+                    </a:p>
+                  </a:txBody>
+                  <a:tcPr marL="73657" marR="73657" marT="73657" marB="73657" anchor="ctr">
+                    <a:lnL>
+                      <a:noFill/>
+                    </a:lnL>
+                    <a:lnR>
+                      <a:noFill/>
+                    </a:lnR>
+                    <a:lnT>
+                      <a:noFill/>
+                    </a:lnT>
+                    <a:lnB>
+                      <a:noFill/>
+                    </a:lnB>
+                    <a:solidFill>
+                      <a:srgbClr val="FFFFFF"/>
+                    </a:solidFill>
+                  </a:tcPr>
+                </a:tc>
+                <a:extLst>
+                  <a:ext uri="{0D108BD9-81ED-4DB2-BD59-A6C34878D82A}">
+                    <a16:rowId xmlns:a16="http://schemas.microsoft.com/office/drawing/2014/main" val="3494490188"/>
+                  </a:ext>
+                </a:extLst>
+              </a:tr>
+              <a:tr h="447834">
+                <a:tc>
+                  <a:txBody>
+                    <a:bodyPr/>
+                    <a:lstStyle/>
+                    <a:p>
+                      <a:pPr algn="ctr"/>
+                      <a:r>
+                        <a:rPr lang="tr-TR" sz="1700" dirty="0">
+                          <a:solidFill>
+                            <a:srgbClr val="000000"/>
+                          </a:solidFill>
+                          <a:effectLst/>
+                        </a:rPr>
+                        <a:t>Neo4jItemWriter</a:t>
+                      </a:r>
+                    </a:p>
+                  </a:txBody>
+                  <a:tcPr marL="73657" marR="73657" marT="73657" marB="73657" anchor="ctr">
+                    <a:lnL>
+                      <a:noFill/>
+                    </a:lnL>
+                    <a:lnR>
+                      <a:noFill/>
+                    </a:lnR>
+                    <a:lnT>
+                      <a:noFill/>
+                    </a:lnT>
+                    <a:lnB>
+                      <a:noFill/>
+                    </a:lnB>
+                    <a:solidFill>
+                      <a:srgbClr val="FFFFFF"/>
+                    </a:solidFill>
+                  </a:tcPr>
+                </a:tc>
+                <a:tc>
+                  <a:txBody>
+                    <a:bodyPr/>
+                    <a:lstStyle/>
+                    <a:p>
+                      <a:pPr algn="l"/>
+                      <a:r>
+                        <a:rPr lang="tr-TR" sz="1700" dirty="0">
+                          <a:solidFill>
+                            <a:srgbClr val="000000"/>
+                          </a:solidFill>
+                          <a:effectLst/>
+                        </a:rPr>
+                        <a:t>Neo4j’ye veri yazmak.</a:t>
+                      </a:r>
+                    </a:p>
+                  </a:txBody>
+                  <a:tcPr marL="73657" marR="73657" marT="73657" marB="73657" anchor="ctr">
+                    <a:lnL>
+                      <a:noFill/>
+                    </a:lnL>
+                    <a:lnR>
+                      <a:noFill/>
+                    </a:lnR>
+                    <a:lnT>
+                      <a:noFill/>
+                    </a:lnT>
+                    <a:lnB>
+                      <a:noFill/>
+                    </a:lnB>
+                    <a:solidFill>
+                      <a:srgbClr val="FFFFFF"/>
+                    </a:solidFill>
+                  </a:tcPr>
+                </a:tc>
+                <a:extLst>
+                  <a:ext uri="{0D108BD9-81ED-4DB2-BD59-A6C34878D82A}">
+                    <a16:rowId xmlns:a16="http://schemas.microsoft.com/office/drawing/2014/main" val="3023440036"/>
+                  </a:ext>
+                </a:extLst>
+              </a:tr>
+            </a:tbl>
+          </a:graphicData>
+        </a:graphic>
+      </p:graphicFrame>
     </p:spTree>
     <p:extLst>
       <p:ext uri="{BB962C8B-B14F-4D97-AF65-F5344CB8AC3E}">
@@ -34562,7 +35804,7 @@
     </p:extLst>
   </p:cSld>
   <p:clrMapOvr>
-    <a:masterClrMapping/>
+    <a:overrideClrMapping bg1="dk1" tx1="lt1" bg2="dk2" tx2="lt2" accent1="accent1" accent2="accent2" accent3="accent3" accent4="accent4" accent5="accent5" accent6="accent6" hlink="hlink" folHlink="folHlink"/>
   </p:clrMapOvr>
 </p:sld>
 </file>
@@ -34924,7 +36166,7 @@
 </p:sld>
 </file>
 
-<file path=ppt/slides/slide2.xml><?xml version="1.0" encoding="utf-8"?>
+<file path=ppt/slides/slide18.xml><?xml version="1.0" encoding="utf-8"?>
 <p:sld xmlns:a="http://schemas.openxmlformats.org/drawingml/2006/main" xmlns:r="http://schemas.openxmlformats.org/officeDocument/2006/relationships" xmlns:p="http://schemas.openxmlformats.org/presentationml/2006/main">
   <p:cSld>
     <p:bg>
@@ -34951,10 +36193,10 @@
       </p:grpSpPr>
       <p:sp>
         <p:nvSpPr>
-          <p:cNvPr id="16" name="Rectangle 15">
+          <p:cNvPr id="10" name="Rectangle 9">
             <a:extLst>
               <a:ext uri="{FF2B5EF4-FFF2-40B4-BE49-F238E27FC236}">
-                <a16:creationId xmlns:a16="http://schemas.microsoft.com/office/drawing/2014/main" id="{0EB72A9B-FD82-4F09-BF1E-D39311D3A0E3}"/>
+                <a16:creationId xmlns:a16="http://schemas.microsoft.com/office/drawing/2014/main" id="{904DB13E-F722-4ED6-BB00-556651E95281}"/>
               </a:ext>
               <a:ext uri="{C183D7F6-B498-43B3-948B-1728B52AA6E4}">
                 <adec:decorative xmlns:adec="http://schemas.microsoft.com/office/drawing/2017/decorative" val="1"/>
@@ -34976,6 +36218,570 @@
           <a:xfrm>
             <a:off x="0" y="0"/>
             <a:ext cx="12192000" cy="6858000"/>
+          </a:xfrm>
+          <a:prstGeom prst="rect">
+            <a:avLst/>
+          </a:prstGeom>
+          <a:solidFill>
+            <a:schemeClr val="tx1">
+              <a:lumMod val="65000"/>
+              <a:lumOff val="35000"/>
+            </a:schemeClr>
+          </a:solidFill>
+          <a:ln>
+            <a:noFill/>
+          </a:ln>
+        </p:spPr>
+        <p:style>
+          <a:lnRef idx="2">
+            <a:schemeClr val="accent1">
+              <a:shade val="50000"/>
+            </a:schemeClr>
+          </a:lnRef>
+          <a:fillRef idx="1">
+            <a:schemeClr val="accent1"/>
+          </a:fillRef>
+          <a:effectRef idx="0">
+            <a:schemeClr val="accent1"/>
+          </a:effectRef>
+          <a:fontRef idx="minor">
+            <a:schemeClr val="lt1"/>
+          </a:fontRef>
+        </p:style>
+        <p:txBody>
+          <a:bodyPr rtlCol="0" anchor="ctr"/>
+          <a:lstStyle/>
+          <a:p>
+            <a:pPr algn="ctr"/>
+            <a:endParaRPr lang="en-US"/>
+          </a:p>
+        </p:txBody>
+      </p:sp>
+      <p:sp useBgFill="1">
+        <p:nvSpPr>
+          <p:cNvPr id="12" name="Rectangle 11">
+            <a:extLst>
+              <a:ext uri="{FF2B5EF4-FFF2-40B4-BE49-F238E27FC236}">
+                <a16:creationId xmlns:a16="http://schemas.microsoft.com/office/drawing/2014/main" id="{1E8D93C5-28EB-42D0-86CE-D804955653CC}"/>
+              </a:ext>
+              <a:ext uri="{C183D7F6-B498-43B3-948B-1728B52AA6E4}">
+                <adec:decorative xmlns:adec="http://schemas.microsoft.com/office/drawing/2017/decorative" val="1"/>
+              </a:ext>
+            </a:extLst>
+          </p:cNvPr>
+          <p:cNvSpPr>
+            <a:spLocks noGrp="1" noRot="1" noChangeAspect="1" noMove="1" noResize="1" noEditPoints="1" noAdjustHandles="1" noChangeArrowheads="1" noChangeShapeType="1" noTextEdit="1"/>
+          </p:cNvSpPr>
+          <p:nvPr>
+            <p:extLst>
+              <p:ext uri="{386F3935-93C4-4BCD-93E2-E3B085C9AB24}">
+                <p16:designElem xmlns:p16="http://schemas.microsoft.com/office/powerpoint/2015/main" val="1"/>
+              </p:ext>
+            </p:extLst>
+          </p:nvPr>
+        </p:nvSpPr>
+        <p:spPr>
+          <a:xfrm>
+            <a:off x="1307870" y="1267730"/>
+            <a:ext cx="9576262" cy="4307950"/>
+          </a:xfrm>
+          <a:prstGeom prst="rect">
+            <a:avLst/>
+          </a:prstGeom>
+          <a:ln w="6350" cap="flat" cmpd="sng" algn="ctr">
+            <a:noFill/>
+            <a:prstDash val="solid"/>
+          </a:ln>
+          <a:effectLst>
+            <a:outerShdw blurRad="50800" algn="ctr" rotWithShape="0">
+              <a:prstClr val="black">
+                <a:alpha val="66000"/>
+              </a:prstClr>
+            </a:outerShdw>
+            <a:softEdge rad="0"/>
+          </a:effectLst>
+        </p:spPr>
+        <p:txBody>
+          <a:bodyPr/>
+          <a:lstStyle/>
+          <a:p>
+            <a:endParaRPr lang="tr-TR"/>
+          </a:p>
+        </p:txBody>
+      </p:sp>
+      <p:sp>
+        <p:nvSpPr>
+          <p:cNvPr id="14" name="Rectangle 13">
+            <a:extLst>
+              <a:ext uri="{FF2B5EF4-FFF2-40B4-BE49-F238E27FC236}">
+                <a16:creationId xmlns:a16="http://schemas.microsoft.com/office/drawing/2014/main" id="{AB1B1E7D-F76D-4744-AF85-239E6998A4C5}"/>
+              </a:ext>
+              <a:ext uri="{C183D7F6-B498-43B3-948B-1728B52AA6E4}">
+                <adec:decorative xmlns:adec="http://schemas.microsoft.com/office/drawing/2017/decorative" val="1"/>
+              </a:ext>
+            </a:extLst>
+          </p:cNvPr>
+          <p:cNvSpPr>
+            <a:spLocks noGrp="1" noRot="1" noChangeAspect="1" noMove="1" noResize="1" noEditPoints="1" noAdjustHandles="1" noChangeArrowheads="1" noChangeShapeType="1" noTextEdit="1"/>
+          </p:cNvSpPr>
+          <p:nvPr>
+            <p:extLst>
+              <p:ext uri="{386F3935-93C4-4BCD-93E2-E3B085C9AB24}">
+                <p16:designElem xmlns:p16="http://schemas.microsoft.com/office/powerpoint/2015/main" val="1"/>
+              </p:ext>
+            </p:extLst>
+          </p:nvPr>
+        </p:nvSpPr>
+        <p:spPr>
+          <a:xfrm>
+            <a:off x="1447801" y="1411615"/>
+            <a:ext cx="9296400" cy="4034770"/>
+          </a:xfrm>
+          <a:prstGeom prst="rect">
+            <a:avLst/>
+          </a:prstGeom>
+          <a:noFill/>
+          <a:ln w="6350" cap="sq" cmpd="sng" algn="ctr">
+            <a:solidFill>
+              <a:schemeClr val="tx1">
+                <a:lumMod val="75000"/>
+                <a:lumOff val="25000"/>
+              </a:schemeClr>
+            </a:solidFill>
+            <a:prstDash val="solid"/>
+            <a:miter lim="800000"/>
+          </a:ln>
+          <a:effectLst/>
+        </p:spPr>
+        <p:txBody>
+          <a:bodyPr/>
+          <a:lstStyle/>
+          <a:p>
+            <a:endParaRPr lang="tr-TR"/>
+          </a:p>
+        </p:txBody>
+      </p:sp>
+      <p:sp>
+        <p:nvSpPr>
+          <p:cNvPr id="16" name="Rectangle 15">
+            <a:extLst>
+              <a:ext uri="{FF2B5EF4-FFF2-40B4-BE49-F238E27FC236}">
+                <a16:creationId xmlns:a16="http://schemas.microsoft.com/office/drawing/2014/main" id="{3BB65211-00DB-45B6-A223-033B2D19CBE8}"/>
+              </a:ext>
+              <a:ext uri="{C183D7F6-B498-43B3-948B-1728B52AA6E4}">
+                <adec:decorative xmlns:adec="http://schemas.microsoft.com/office/drawing/2017/decorative" val="1"/>
+              </a:ext>
+            </a:extLst>
+          </p:cNvPr>
+          <p:cNvSpPr>
+            <a:spLocks noGrp="1" noRot="1" noChangeAspect="1" noMove="1" noResize="1" noEditPoints="1" noAdjustHandles="1" noChangeArrowheads="1" noChangeShapeType="1" noTextEdit="1"/>
+          </p:cNvSpPr>
+          <p:nvPr>
+            <p:extLst>
+              <p:ext uri="{386F3935-93C4-4BCD-93E2-E3B085C9AB24}">
+                <p16:designElem xmlns:p16="http://schemas.microsoft.com/office/powerpoint/2015/main" val="1"/>
+              </p:ext>
+            </p:extLst>
+          </p:nvPr>
+        </p:nvSpPr>
+        <p:spPr>
+          <a:xfrm>
+            <a:off x="5135880" y="1267730"/>
+            <a:ext cx="1920240" cy="731520"/>
+          </a:xfrm>
+          <a:prstGeom prst="rect">
+            <a:avLst/>
+          </a:prstGeom>
+          <a:solidFill>
+            <a:schemeClr val="accent1"/>
+          </a:solidFill>
+          <a:ln>
+            <a:noFill/>
+          </a:ln>
+        </p:spPr>
+        <p:style>
+          <a:lnRef idx="2">
+            <a:schemeClr val="accent1">
+              <a:shade val="50000"/>
+            </a:schemeClr>
+          </a:lnRef>
+          <a:fillRef idx="1">
+            <a:schemeClr val="accent1"/>
+          </a:fillRef>
+          <a:effectRef idx="0">
+            <a:schemeClr val="accent1"/>
+          </a:effectRef>
+          <a:fontRef idx="minor">
+            <a:schemeClr val="lt1"/>
+          </a:fontRef>
+        </p:style>
+        <p:txBody>
+          <a:bodyPr/>
+          <a:lstStyle/>
+          <a:p>
+            <a:endParaRPr lang="tr-TR"/>
+          </a:p>
+        </p:txBody>
+      </p:sp>
+      <p:grpSp>
+        <p:nvGrpSpPr>
+          <p:cNvPr id="18" name="Group 17">
+            <a:extLst>
+              <a:ext uri="{FF2B5EF4-FFF2-40B4-BE49-F238E27FC236}">
+                <a16:creationId xmlns:a16="http://schemas.microsoft.com/office/drawing/2014/main" id="{E26428D7-C6F3-473D-A360-A3F5C3E8728C}"/>
+              </a:ext>
+              <a:ext uri="{C183D7F6-B498-43B3-948B-1728B52AA6E4}">
+                <adec:decorative xmlns:adec="http://schemas.microsoft.com/office/drawing/2017/decorative" val="1"/>
+              </a:ext>
+            </a:extLst>
+          </p:cNvPr>
+          <p:cNvGrpSpPr>
+            <a:grpSpLocks noGrp="1" noUngrp="1" noRot="1" noChangeAspect="1" noMove="1" noResize="1"/>
+          </p:cNvGrpSpPr>
+          <p:nvPr>
+            <p:extLst>
+              <p:ext uri="{386F3935-93C4-4BCD-93E2-E3B085C9AB24}">
+                <p16:designElem xmlns:p16="http://schemas.microsoft.com/office/powerpoint/2015/main" val="1"/>
+              </p:ext>
+            </p:extLst>
+          </p:nvPr>
+        </p:nvGrpSpPr>
+        <p:grpSpPr>
+          <a:xfrm>
+            <a:off x="5250180" y="1267730"/>
+            <a:ext cx="1691640" cy="615934"/>
+            <a:chOff x="5250180" y="1267730"/>
+            <a:chExt cx="1691640" cy="615934"/>
+          </a:xfrm>
+        </p:grpSpPr>
+        <p:cxnSp>
+          <p:nvCxnSpPr>
+            <p:cNvPr id="19" name="Straight Connector 18">
+              <a:extLst>
+                <a:ext uri="{FF2B5EF4-FFF2-40B4-BE49-F238E27FC236}">
+                  <a16:creationId xmlns:a16="http://schemas.microsoft.com/office/drawing/2014/main" id="{14DF524F-3FEF-4236-90C6-820E876A94EE}"/>
+                </a:ext>
+                <a:ext uri="{C183D7F6-B498-43B3-948B-1728B52AA6E4}">
+                  <adec:decorative xmlns:adec="http://schemas.microsoft.com/office/drawing/2017/decorative" val="1"/>
+                </a:ext>
+              </a:extLst>
+            </p:cNvPr>
+            <p:cNvCxnSpPr/>
+            <p:nvPr>
+              <p:extLst>
+                <p:ext uri="{386F3935-93C4-4BCD-93E2-E3B085C9AB24}">
+                  <p16:designElem xmlns:p16="http://schemas.microsoft.com/office/powerpoint/2015/main" val="1"/>
+                </p:ext>
+              </p:extLst>
+            </p:nvPr>
+          </p:nvCxnSpPr>
+          <p:spPr>
+            <a:xfrm>
+              <a:off x="5250180" y="1267730"/>
+              <a:ext cx="0" cy="612648"/>
+            </a:xfrm>
+            <a:prstGeom prst="line">
+              <a:avLst/>
+            </a:prstGeom>
+            <a:solidFill>
+              <a:schemeClr val="tx1">
+                <a:lumMod val="85000"/>
+                <a:lumOff val="15000"/>
+              </a:schemeClr>
+            </a:solidFill>
+            <a:ln>
+              <a:solidFill>
+                <a:srgbClr val="FFFFFF"/>
+              </a:solidFill>
+              <a:miter lim="800000"/>
+            </a:ln>
+          </p:spPr>
+          <p:style>
+            <a:lnRef idx="1">
+              <a:schemeClr val="accent1"/>
+            </a:lnRef>
+            <a:fillRef idx="0">
+              <a:schemeClr val="accent1"/>
+            </a:fillRef>
+            <a:effectRef idx="0">
+              <a:schemeClr val="accent1"/>
+            </a:effectRef>
+            <a:fontRef idx="minor">
+              <a:schemeClr val="tx1"/>
+            </a:fontRef>
+          </p:style>
+        </p:cxnSp>
+        <p:cxnSp>
+          <p:nvCxnSpPr>
+            <p:cNvPr id="20" name="Straight Connector 19">
+              <a:extLst>
+                <a:ext uri="{FF2B5EF4-FFF2-40B4-BE49-F238E27FC236}">
+                  <a16:creationId xmlns:a16="http://schemas.microsoft.com/office/drawing/2014/main" id="{2400A003-1BE9-49C2-8E57-DCD9B870FC8A}"/>
+                </a:ext>
+                <a:ext uri="{C183D7F6-B498-43B3-948B-1728B52AA6E4}">
+                  <adec:decorative xmlns:adec="http://schemas.microsoft.com/office/drawing/2017/decorative" val="1"/>
+                </a:ext>
+              </a:extLst>
+            </p:cNvPr>
+            <p:cNvCxnSpPr/>
+            <p:nvPr>
+              <p:extLst>
+                <p:ext uri="{386F3935-93C4-4BCD-93E2-E3B085C9AB24}">
+                  <p16:designElem xmlns:p16="http://schemas.microsoft.com/office/powerpoint/2015/main" val="1"/>
+                </p:ext>
+              </p:extLst>
+            </p:nvPr>
+          </p:nvCxnSpPr>
+          <p:spPr>
+            <a:xfrm>
+              <a:off x="6941820" y="1267730"/>
+              <a:ext cx="0" cy="612648"/>
+            </a:xfrm>
+            <a:prstGeom prst="line">
+              <a:avLst/>
+            </a:prstGeom>
+            <a:solidFill>
+              <a:schemeClr val="tx1">
+                <a:lumMod val="85000"/>
+                <a:lumOff val="15000"/>
+              </a:schemeClr>
+            </a:solidFill>
+            <a:ln>
+              <a:solidFill>
+                <a:srgbClr val="FFFFFF"/>
+              </a:solidFill>
+              <a:miter lim="800000"/>
+            </a:ln>
+          </p:spPr>
+          <p:style>
+            <a:lnRef idx="1">
+              <a:schemeClr val="accent1"/>
+            </a:lnRef>
+            <a:fillRef idx="0">
+              <a:schemeClr val="accent1"/>
+            </a:fillRef>
+            <a:effectRef idx="0">
+              <a:schemeClr val="accent1"/>
+            </a:effectRef>
+            <a:fontRef idx="minor">
+              <a:schemeClr val="tx1"/>
+            </a:fontRef>
+          </p:style>
+        </p:cxnSp>
+        <p:cxnSp>
+          <p:nvCxnSpPr>
+            <p:cNvPr id="21" name="Straight Connector 20">
+              <a:extLst>
+                <a:ext uri="{FF2B5EF4-FFF2-40B4-BE49-F238E27FC236}">
+                  <a16:creationId xmlns:a16="http://schemas.microsoft.com/office/drawing/2014/main" id="{83BF0991-F9A1-4282-99DB-92D70239F6A9}"/>
+                </a:ext>
+                <a:ext uri="{C183D7F6-B498-43B3-948B-1728B52AA6E4}">
+                  <adec:decorative xmlns:adec="http://schemas.microsoft.com/office/drawing/2017/decorative" val="1"/>
+                </a:ext>
+              </a:extLst>
+            </p:cNvPr>
+            <p:cNvCxnSpPr/>
+            <p:nvPr>
+              <p:extLst>
+                <p:ext uri="{386F3935-93C4-4BCD-93E2-E3B085C9AB24}">
+                  <p16:designElem xmlns:p16="http://schemas.microsoft.com/office/powerpoint/2015/main" val="1"/>
+                </p:ext>
+              </p:extLst>
+            </p:nvPr>
+          </p:nvCxnSpPr>
+          <p:spPr>
+            <a:xfrm>
+              <a:off x="5250180" y="1883664"/>
+              <a:ext cx="1691640" cy="0"/>
+            </a:xfrm>
+            <a:prstGeom prst="line">
+              <a:avLst/>
+            </a:prstGeom>
+            <a:solidFill>
+              <a:schemeClr val="tx1">
+                <a:lumMod val="85000"/>
+                <a:lumOff val="15000"/>
+              </a:schemeClr>
+            </a:solidFill>
+            <a:ln>
+              <a:solidFill>
+                <a:srgbClr val="FFFFFF"/>
+              </a:solidFill>
+              <a:miter lim="800000"/>
+            </a:ln>
+          </p:spPr>
+          <p:style>
+            <a:lnRef idx="1">
+              <a:schemeClr val="accent1"/>
+            </a:lnRef>
+            <a:fillRef idx="0">
+              <a:schemeClr val="accent1"/>
+            </a:fillRef>
+            <a:effectRef idx="0">
+              <a:schemeClr val="accent1"/>
+            </a:effectRef>
+            <a:fontRef idx="minor">
+              <a:schemeClr val="tx1"/>
+            </a:fontRef>
+          </p:style>
+        </p:cxnSp>
+      </p:grpSp>
+      <p:sp>
+        <p:nvSpPr>
+          <p:cNvPr id="23" name="Rectangle 22">
+            <a:extLst>
+              <a:ext uri="{FF2B5EF4-FFF2-40B4-BE49-F238E27FC236}">
+                <a16:creationId xmlns:a16="http://schemas.microsoft.com/office/drawing/2014/main" id="{1C3E817E-E139-426E-89E5-9DD346EC7514}"/>
+              </a:ext>
+              <a:ext uri="{C183D7F6-B498-43B3-948B-1728B52AA6E4}">
+                <adec:decorative xmlns:adec="http://schemas.microsoft.com/office/drawing/2017/decorative" val="1"/>
+              </a:ext>
+            </a:extLst>
+          </p:cNvPr>
+          <p:cNvSpPr>
+            <a:spLocks noGrp="1" noRot="1" noChangeAspect="1" noMove="1" noResize="1" noEditPoints="1" noAdjustHandles="1" noChangeArrowheads="1" noChangeShapeType="1" noTextEdit="1"/>
+          </p:cNvSpPr>
+          <p:nvPr>
+            <p:extLst>
+              <p:ext uri="{386F3935-93C4-4BCD-93E2-E3B085C9AB24}">
+                <p16:designElem xmlns:p16="http://schemas.microsoft.com/office/powerpoint/2015/main" val="1"/>
+              </p:ext>
+            </p:extLst>
+          </p:nvPr>
+        </p:nvSpPr>
+        <p:spPr>
+          <a:xfrm>
+            <a:off x="0" y="0"/>
+            <a:ext cx="12192000" cy="6858000"/>
+          </a:xfrm>
+          <a:prstGeom prst="rect">
+            <a:avLst/>
+          </a:prstGeom>
+          <a:solidFill>
+            <a:schemeClr val="bg1"/>
+          </a:solidFill>
+          <a:ln>
+            <a:noFill/>
+          </a:ln>
+        </p:spPr>
+        <p:style>
+          <a:lnRef idx="2">
+            <a:schemeClr val="accent1">
+              <a:shade val="50000"/>
+            </a:schemeClr>
+          </a:lnRef>
+          <a:fillRef idx="1">
+            <a:schemeClr val="accent1"/>
+          </a:fillRef>
+          <a:effectRef idx="0">
+            <a:schemeClr val="accent1"/>
+          </a:effectRef>
+          <a:fontRef idx="minor">
+            <a:schemeClr val="lt1"/>
+          </a:fontRef>
+        </p:style>
+        <p:txBody>
+          <a:bodyPr rtlCol="0" anchor="ctr"/>
+          <a:lstStyle/>
+          <a:p>
+            <a:pPr algn="ctr"/>
+            <a:endParaRPr lang="en-US"/>
+          </a:p>
+        </p:txBody>
+      </p:sp>
+      <p:sp>
+        <p:nvSpPr>
+          <p:cNvPr id="25" name="Rectangle 24">
+            <a:extLst>
+              <a:ext uri="{FF2B5EF4-FFF2-40B4-BE49-F238E27FC236}">
+                <a16:creationId xmlns:a16="http://schemas.microsoft.com/office/drawing/2014/main" id="{E2ADD2F6-F7FC-464F-8F18-5BDBD27A732F}"/>
+              </a:ext>
+              <a:ext uri="{C183D7F6-B498-43B3-948B-1728B52AA6E4}">
+                <adec:decorative xmlns:adec="http://schemas.microsoft.com/office/drawing/2017/decorative" val="1"/>
+              </a:ext>
+            </a:extLst>
+          </p:cNvPr>
+          <p:cNvSpPr>
+            <a:spLocks noGrp="1" noRot="1" noChangeAspect="1" noMove="1" noResize="1" noEditPoints="1" noAdjustHandles="1" noChangeArrowheads="1" noChangeShapeType="1" noTextEdit="1"/>
+          </p:cNvSpPr>
+          <p:nvPr>
+            <p:extLst>
+              <p:ext uri="{386F3935-93C4-4BCD-93E2-E3B085C9AB24}">
+                <p16:designElem xmlns:p16="http://schemas.microsoft.com/office/powerpoint/2015/main" val="1"/>
+              </p:ext>
+            </p:extLst>
+          </p:nvPr>
+        </p:nvSpPr>
+        <p:spPr>
+          <a:xfrm>
+            <a:off x="0" y="0"/>
+            <a:ext cx="12192000" cy="6858000"/>
+          </a:xfrm>
+          <a:prstGeom prst="rect">
+            <a:avLst/>
+          </a:prstGeom>
+          <a:solidFill>
+            <a:schemeClr val="bg1">
+              <a:lumMod val="75000"/>
+              <a:alpha val="60000"/>
+            </a:schemeClr>
+          </a:solidFill>
+          <a:ln>
+            <a:noFill/>
+          </a:ln>
+        </p:spPr>
+        <p:style>
+          <a:lnRef idx="2">
+            <a:schemeClr val="accent1">
+              <a:shade val="50000"/>
+            </a:schemeClr>
+          </a:lnRef>
+          <a:fillRef idx="1002">
+            <a:schemeClr val="lt2"/>
+          </a:fillRef>
+          <a:effectRef idx="0">
+            <a:schemeClr val="accent1"/>
+          </a:effectRef>
+          <a:fontRef idx="minor">
+            <a:schemeClr val="lt1"/>
+          </a:fontRef>
+        </p:style>
+        <p:txBody>
+          <a:bodyPr rtlCol="0" anchor="ctr"/>
+          <a:lstStyle/>
+          <a:p>
+            <a:pPr algn="ctr"/>
+            <a:endParaRPr lang="en-US"/>
+          </a:p>
+        </p:txBody>
+      </p:sp>
+      <p:sp>
+        <p:nvSpPr>
+          <p:cNvPr id="27" name="Rectangle 26">
+            <a:extLst>
+              <a:ext uri="{FF2B5EF4-FFF2-40B4-BE49-F238E27FC236}">
+                <a16:creationId xmlns:a16="http://schemas.microsoft.com/office/drawing/2014/main" id="{5A3A31F1-FA83-497F-98FF-9A5621DC5560}"/>
+              </a:ext>
+              <a:ext uri="{C183D7F6-B498-43B3-948B-1728B52AA6E4}">
+                <adec:decorative xmlns:adec="http://schemas.microsoft.com/office/drawing/2017/decorative" val="1"/>
+              </a:ext>
+            </a:extLst>
+          </p:cNvPr>
+          <p:cNvSpPr>
+            <a:spLocks noGrp="1" noRot="1" noChangeAspect="1" noMove="1" noResize="1" noEditPoints="1" noAdjustHandles="1" noChangeArrowheads="1" noChangeShapeType="1" noTextEdit="1"/>
+          </p:cNvSpPr>
+          <p:nvPr>
+            <p:extLst>
+              <p:ext uri="{386F3935-93C4-4BCD-93E2-E3B085C9AB24}">
+                <p16:designElem xmlns:p16="http://schemas.microsoft.com/office/powerpoint/2015/main" val="1"/>
+              </p:ext>
+            </p:extLst>
+          </p:nvPr>
+        </p:nvSpPr>
+        <p:spPr>
+          <a:xfrm>
+            <a:off x="-1867" y="0"/>
+            <a:ext cx="8168743" cy="6858000"/>
           </a:xfrm>
           <a:prstGeom prst="rect">
             <a:avLst/>
@@ -35012,12 +36818,44 @@
           </a:p>
         </p:txBody>
       </p:sp>
+      <p:pic>
+        <p:nvPicPr>
+          <p:cNvPr id="5" name="İçerik Yer Tutucusu 4" descr="metin, ekran görüntüsü, yazı tipi, sayı, numara içeren bir resim&#10;&#10;Açıklama otomatik olarak oluşturuldu">
+            <a:extLst>
+              <a:ext uri="{FF2B5EF4-FFF2-40B4-BE49-F238E27FC236}">
+                <a16:creationId xmlns:a16="http://schemas.microsoft.com/office/drawing/2014/main" id="{C41906FC-A02A-0A1A-F631-D5C7C53B418B}"/>
+              </a:ext>
+            </a:extLst>
+          </p:cNvPr>
+          <p:cNvPicPr>
+            <a:picLocks noGrp="1" noChangeAspect="1"/>
+          </p:cNvPicPr>
+          <p:nvPr>
+            <p:ph idx="1"/>
+          </p:nvPr>
+        </p:nvPicPr>
+        <p:blipFill>
+          <a:blip r:embed="rId2"/>
+          <a:stretch>
+            <a:fillRect/>
+          </a:stretch>
+        </p:blipFill>
+        <p:spPr>
+          <a:xfrm>
+            <a:off x="697337" y="645106"/>
+            <a:ext cx="6801096" cy="5559896"/>
+          </a:xfrm>
+          <a:prstGeom prst="rect">
+            <a:avLst/>
+          </a:prstGeom>
+        </p:spPr>
+      </p:pic>
       <p:sp>
         <p:nvSpPr>
-          <p:cNvPr id="18" name="Rectangle 17">
+          <p:cNvPr id="29" name="Rectangle 28">
             <a:extLst>
               <a:ext uri="{FF2B5EF4-FFF2-40B4-BE49-F238E27FC236}">
-                <a16:creationId xmlns:a16="http://schemas.microsoft.com/office/drawing/2014/main" id="{DD39B371-6E4E-4070-AB4E-4D788405A5A6}"/>
+                <a16:creationId xmlns:a16="http://schemas.microsoft.com/office/drawing/2014/main" id="{343FF9E2-8F7E-4BCC-9A50-C41AD8A56DD9}"/>
               </a:ext>
               <a:ext uri="{C183D7F6-B498-43B3-948B-1728B52AA6E4}">
                 <adec:decorative xmlns:adec="http://schemas.microsoft.com/office/drawing/2017/decorative" val="1"/>
@@ -35037,8 +36875,506 @@
         </p:nvSpPr>
         <p:spPr>
           <a:xfrm>
-            <a:off x="234696" y="237744"/>
-            <a:ext cx="11722608" cy="6382512"/>
+            <a:off x="8331468" y="164592"/>
+            <a:ext cx="3708894" cy="6540176"/>
+          </a:xfrm>
+          <a:prstGeom prst="rect">
+            <a:avLst/>
+          </a:prstGeom>
+          <a:noFill/>
+          <a:ln w="6350">
+            <a:solidFill>
+              <a:schemeClr val="tx1">
+                <a:lumMod val="75000"/>
+                <a:lumOff val="25000"/>
+              </a:schemeClr>
+            </a:solidFill>
+          </a:ln>
+        </p:spPr>
+        <p:style>
+          <a:lnRef idx="2">
+            <a:schemeClr val="accent1">
+              <a:shade val="50000"/>
+            </a:schemeClr>
+          </a:lnRef>
+          <a:fillRef idx="1">
+            <a:schemeClr val="accent1"/>
+          </a:fillRef>
+          <a:effectRef idx="0">
+            <a:schemeClr val="accent1"/>
+          </a:effectRef>
+          <a:fontRef idx="minor">
+            <a:schemeClr val="lt1"/>
+          </a:fontRef>
+        </p:style>
+        <p:txBody>
+          <a:bodyPr rtlCol="0" anchor="ctr"/>
+          <a:lstStyle/>
+          <a:p>
+            <a:pPr algn="ctr"/>
+            <a:endParaRPr lang="en-US"/>
+          </a:p>
+        </p:txBody>
+      </p:sp>
+      <p:sp>
+        <p:nvSpPr>
+          <p:cNvPr id="2" name="Başlık 1">
+            <a:extLst>
+              <a:ext uri="{FF2B5EF4-FFF2-40B4-BE49-F238E27FC236}">
+                <a16:creationId xmlns:a16="http://schemas.microsoft.com/office/drawing/2014/main" id="{D10782C1-018E-19DB-82D7-0D73C5C203F5}"/>
+              </a:ext>
+            </a:extLst>
+          </p:cNvPr>
+          <p:cNvSpPr>
+            <a:spLocks noGrp="1"/>
+          </p:cNvSpPr>
+          <p:nvPr>
+            <p:ph type="title"/>
+          </p:nvPr>
+        </p:nvSpPr>
+        <p:spPr>
+          <a:xfrm>
+            <a:off x="8560024" y="1559768"/>
+            <a:ext cx="3238829" cy="3135379"/>
+          </a:xfrm>
+        </p:spPr>
+        <p:txBody>
+          <a:bodyPr vert="horz" lIns="91440" tIns="45720" rIns="91440" bIns="45720" rtlCol="0" anchor="ctr">
+            <a:normAutofit/>
+          </a:bodyPr>
+          <a:lstStyle/>
+          <a:p>
+            <a:pPr algn="ctr">
+              <a:lnSpc>
+                <a:spcPct val="83000"/>
+              </a:lnSpc>
+            </a:pPr>
+            <a:r>
+              <a:rPr lang="en-US" sz="4800" cap="all" spc="-100"/>
+              <a:t>Spring Batch Meta Data Schema </a:t>
+            </a:r>
+          </a:p>
+        </p:txBody>
+      </p:sp>
+      <p:sp>
+        <p:nvSpPr>
+          <p:cNvPr id="31" name="Rectangle 30">
+            <a:extLst>
+              <a:ext uri="{FF2B5EF4-FFF2-40B4-BE49-F238E27FC236}">
+                <a16:creationId xmlns:a16="http://schemas.microsoft.com/office/drawing/2014/main" id="{47751BC8-250F-493B-BDF9-D45BA5991D8A}"/>
+              </a:ext>
+              <a:ext uri="{C183D7F6-B498-43B3-948B-1728B52AA6E4}">
+                <adec:decorative xmlns:adec="http://schemas.microsoft.com/office/drawing/2017/decorative" val="1"/>
+              </a:ext>
+            </a:extLst>
+          </p:cNvPr>
+          <p:cNvSpPr>
+            <a:spLocks noGrp="1" noRot="1" noChangeAspect="1" noMove="1" noResize="1" noEditPoints="1" noAdjustHandles="1" noChangeArrowheads="1" noChangeShapeType="1" noTextEdit="1"/>
+          </p:cNvSpPr>
+          <p:nvPr>
+            <p:extLst>
+              <p:ext uri="{386F3935-93C4-4BCD-93E2-E3B085C9AB24}">
+                <p16:designElem xmlns:p16="http://schemas.microsoft.com/office/powerpoint/2015/main" val="1"/>
+              </p:ext>
+            </p:extLst>
+          </p:nvPr>
+        </p:nvSpPr>
+        <p:spPr>
+          <a:xfrm>
+            <a:off x="9219318" y="0"/>
+            <a:ext cx="1920240" cy="731520"/>
+          </a:xfrm>
+          <a:prstGeom prst="rect">
+            <a:avLst/>
+          </a:prstGeom>
+          <a:solidFill>
+            <a:schemeClr val="accent1"/>
+          </a:solidFill>
+          <a:ln>
+            <a:noFill/>
+          </a:ln>
+        </p:spPr>
+        <p:style>
+          <a:lnRef idx="2">
+            <a:schemeClr val="accent1">
+              <a:shade val="50000"/>
+            </a:schemeClr>
+          </a:lnRef>
+          <a:fillRef idx="1">
+            <a:schemeClr val="accent1"/>
+          </a:fillRef>
+          <a:effectRef idx="0">
+            <a:schemeClr val="accent1"/>
+          </a:effectRef>
+          <a:fontRef idx="minor">
+            <a:schemeClr val="lt1"/>
+          </a:fontRef>
+        </p:style>
+        <p:txBody>
+          <a:bodyPr/>
+          <a:lstStyle/>
+          <a:p>
+            <a:endParaRPr lang="tr-TR"/>
+          </a:p>
+        </p:txBody>
+      </p:sp>
+      <p:cxnSp>
+        <p:nvCxnSpPr>
+          <p:cNvPr id="33" name="Straight Connector 32">
+            <a:extLst>
+              <a:ext uri="{FF2B5EF4-FFF2-40B4-BE49-F238E27FC236}">
+                <a16:creationId xmlns:a16="http://schemas.microsoft.com/office/drawing/2014/main" id="{BF0F044C-8394-47CB-8E3D-FA56B0693961}"/>
+              </a:ext>
+              <a:ext uri="{C183D7F6-B498-43B3-948B-1728B52AA6E4}">
+                <adec:decorative xmlns:adec="http://schemas.microsoft.com/office/drawing/2017/decorative" val="1"/>
+              </a:ext>
+            </a:extLst>
+          </p:cNvPr>
+          <p:cNvCxnSpPr>
+            <a:cxnSpLocks noGrp="1" noRot="1" noChangeAspect="1" noMove="1" noResize="1" noEditPoints="1" noAdjustHandles="1" noChangeArrowheads="1" noChangeShapeType="1"/>
+          </p:cNvCxnSpPr>
+          <p:nvPr>
+            <p:extLst>
+              <p:ext uri="{386F3935-93C4-4BCD-93E2-E3B085C9AB24}">
+                <p16:designElem xmlns:p16="http://schemas.microsoft.com/office/powerpoint/2015/main" val="1"/>
+              </p:ext>
+            </p:extLst>
+          </p:nvPr>
+        </p:nvCxnSpPr>
+        <p:spPr>
+          <a:xfrm>
+            <a:off x="9333618" y="-1172"/>
+            <a:ext cx="0" cy="640080"/>
+          </a:xfrm>
+          <a:prstGeom prst="line">
+            <a:avLst/>
+          </a:prstGeom>
+          <a:solidFill>
+            <a:schemeClr val="tx1">
+              <a:lumMod val="85000"/>
+              <a:lumOff val="15000"/>
+            </a:schemeClr>
+          </a:solidFill>
+          <a:ln>
+            <a:solidFill>
+              <a:srgbClr val="FFFFFF"/>
+            </a:solidFill>
+            <a:miter lim="800000"/>
+          </a:ln>
+        </p:spPr>
+        <p:style>
+          <a:lnRef idx="1">
+            <a:schemeClr val="accent1"/>
+          </a:lnRef>
+          <a:fillRef idx="0">
+            <a:schemeClr val="accent1"/>
+          </a:fillRef>
+          <a:effectRef idx="0">
+            <a:schemeClr val="accent1"/>
+          </a:effectRef>
+          <a:fontRef idx="minor">
+            <a:schemeClr val="tx1"/>
+          </a:fontRef>
+        </p:style>
+      </p:cxnSp>
+      <p:cxnSp>
+        <p:nvCxnSpPr>
+          <p:cNvPr id="35" name="Straight Connector 34">
+            <a:extLst>
+              <a:ext uri="{FF2B5EF4-FFF2-40B4-BE49-F238E27FC236}">
+                <a16:creationId xmlns:a16="http://schemas.microsoft.com/office/drawing/2014/main" id="{6B2DCD75-B707-4C51-8ADC-813834C09A87}"/>
+              </a:ext>
+              <a:ext uri="{C183D7F6-B498-43B3-948B-1728B52AA6E4}">
+                <adec:decorative xmlns:adec="http://schemas.microsoft.com/office/drawing/2017/decorative" val="1"/>
+              </a:ext>
+            </a:extLst>
+          </p:cNvPr>
+          <p:cNvCxnSpPr>
+            <a:cxnSpLocks noGrp="1" noRot="1" noChangeAspect="1" noMove="1" noResize="1" noEditPoints="1" noAdjustHandles="1" noChangeArrowheads="1" noChangeShapeType="1"/>
+          </p:cNvCxnSpPr>
+          <p:nvPr>
+            <p:extLst>
+              <p:ext uri="{386F3935-93C4-4BCD-93E2-E3B085C9AB24}">
+                <p16:designElem xmlns:p16="http://schemas.microsoft.com/office/powerpoint/2015/main" val="1"/>
+              </p:ext>
+            </p:extLst>
+          </p:nvPr>
+        </p:nvCxnSpPr>
+        <p:spPr>
+          <a:xfrm>
+            <a:off x="11025258" y="-1172"/>
+            <a:ext cx="0" cy="640080"/>
+          </a:xfrm>
+          <a:prstGeom prst="line">
+            <a:avLst/>
+          </a:prstGeom>
+          <a:solidFill>
+            <a:schemeClr val="tx1">
+              <a:lumMod val="85000"/>
+              <a:lumOff val="15000"/>
+            </a:schemeClr>
+          </a:solidFill>
+          <a:ln>
+            <a:solidFill>
+              <a:srgbClr val="FFFFFF"/>
+            </a:solidFill>
+            <a:miter lim="800000"/>
+          </a:ln>
+        </p:spPr>
+        <p:style>
+          <a:lnRef idx="1">
+            <a:schemeClr val="accent1"/>
+          </a:lnRef>
+          <a:fillRef idx="0">
+            <a:schemeClr val="accent1"/>
+          </a:fillRef>
+          <a:effectRef idx="0">
+            <a:schemeClr val="accent1"/>
+          </a:effectRef>
+          <a:fontRef idx="minor">
+            <a:schemeClr val="tx1"/>
+          </a:fontRef>
+        </p:style>
+      </p:cxnSp>
+      <p:cxnSp>
+        <p:nvCxnSpPr>
+          <p:cNvPr id="37" name="Straight Connector 36">
+            <a:extLst>
+              <a:ext uri="{FF2B5EF4-FFF2-40B4-BE49-F238E27FC236}">
+                <a16:creationId xmlns:a16="http://schemas.microsoft.com/office/drawing/2014/main" id="{F4851414-8BB1-42EF-912B-608FCE07B247}"/>
+              </a:ext>
+              <a:ext uri="{C183D7F6-B498-43B3-948B-1728B52AA6E4}">
+                <adec:decorative xmlns:adec="http://schemas.microsoft.com/office/drawing/2017/decorative" val="1"/>
+              </a:ext>
+            </a:extLst>
+          </p:cNvPr>
+          <p:cNvCxnSpPr>
+            <a:cxnSpLocks noGrp="1" noRot="1" noChangeAspect="1" noMove="1" noResize="1" noEditPoints="1" noAdjustHandles="1" noChangeArrowheads="1" noChangeShapeType="1"/>
+          </p:cNvCxnSpPr>
+          <p:nvPr>
+            <p:extLst>
+              <p:ext uri="{386F3935-93C4-4BCD-93E2-E3B085C9AB24}">
+                <p16:designElem xmlns:p16="http://schemas.microsoft.com/office/powerpoint/2015/main" val="1"/>
+              </p:ext>
+            </p:extLst>
+          </p:nvPr>
+        </p:nvCxnSpPr>
+        <p:spPr>
+          <a:xfrm>
+            <a:off x="9333618" y="644123"/>
+            <a:ext cx="1691640" cy="0"/>
+          </a:xfrm>
+          <a:prstGeom prst="line">
+            <a:avLst/>
+          </a:prstGeom>
+          <a:solidFill>
+            <a:schemeClr val="tx1">
+              <a:lumMod val="85000"/>
+              <a:lumOff val="15000"/>
+            </a:schemeClr>
+          </a:solidFill>
+          <a:ln>
+            <a:solidFill>
+              <a:srgbClr val="FFFFFF"/>
+            </a:solidFill>
+            <a:miter lim="800000"/>
+          </a:ln>
+        </p:spPr>
+        <p:style>
+          <a:lnRef idx="1">
+            <a:schemeClr val="accent1"/>
+          </a:lnRef>
+          <a:fillRef idx="0">
+            <a:schemeClr val="accent1"/>
+          </a:fillRef>
+          <a:effectRef idx="0">
+            <a:schemeClr val="accent1"/>
+          </a:effectRef>
+          <a:fontRef idx="minor">
+            <a:schemeClr val="tx1"/>
+          </a:fontRef>
+        </p:style>
+      </p:cxnSp>
+    </p:spTree>
+    <p:extLst>
+      <p:ext uri="{BB962C8B-B14F-4D97-AF65-F5344CB8AC3E}">
+        <p14:creationId xmlns:p14="http://schemas.microsoft.com/office/powerpoint/2010/main" val="2790126914"/>
+      </p:ext>
+    </p:extLst>
+  </p:cSld>
+  <p:clrMapOvr>
+    <a:masterClrMapping/>
+  </p:clrMapOvr>
+</p:sld>
+</file>
+
+<file path=ppt/slides/slide2.xml><?xml version="1.0" encoding="utf-8"?>
+<p:sld xmlns:a="http://schemas.openxmlformats.org/drawingml/2006/main" xmlns:r="http://schemas.openxmlformats.org/officeDocument/2006/relationships" xmlns:p="http://schemas.openxmlformats.org/presentationml/2006/main">
+  <p:cSld>
+    <p:bg>
+      <p:bgPr>
+        <a:solidFill>
+          <a:schemeClr val="bg1"/>
+        </a:solidFill>
+        <a:effectLst/>
+      </p:bgPr>
+    </p:bg>
+    <p:spTree>
+      <p:nvGrpSpPr>
+        <p:cNvPr id="1" name=""/>
+        <p:cNvGrpSpPr/>
+        <p:nvPr/>
+      </p:nvGrpSpPr>
+      <p:grpSpPr>
+        <a:xfrm>
+          <a:off x="0" y="0"/>
+          <a:ext cx="0" cy="0"/>
+          <a:chOff x="0" y="0"/>
+          <a:chExt cx="0" cy="0"/>
+        </a:xfrm>
+      </p:grpSpPr>
+      <p:sp useBgFill="1">
+        <p:nvSpPr>
+          <p:cNvPr id="25" name="Rectangle 24">
+            <a:extLst>
+              <a:ext uri="{FF2B5EF4-FFF2-40B4-BE49-F238E27FC236}">
+                <a16:creationId xmlns:a16="http://schemas.microsoft.com/office/drawing/2014/main" id="{94C58ED0-C700-47B2-8D54-31F4BB36BE92}"/>
+              </a:ext>
+              <a:ext uri="{C183D7F6-B498-43B3-948B-1728B52AA6E4}">
+                <adec:decorative xmlns:adec="http://schemas.microsoft.com/office/drawing/2017/decorative" val="1"/>
+              </a:ext>
+            </a:extLst>
+          </p:cNvPr>
+          <p:cNvSpPr>
+            <a:spLocks noGrp="1" noRot="1" noChangeAspect="1" noMove="1" noResize="1" noEditPoints="1" noAdjustHandles="1" noChangeArrowheads="1" noChangeShapeType="1" noTextEdit="1"/>
+          </p:cNvSpPr>
+          <p:nvPr>
+            <p:extLst>
+              <p:ext uri="{386F3935-93C4-4BCD-93E2-E3B085C9AB24}">
+                <p16:designElem xmlns:p16="http://schemas.microsoft.com/office/powerpoint/2015/main" val="1"/>
+              </p:ext>
+            </p:extLst>
+          </p:nvPr>
+        </p:nvSpPr>
+        <p:spPr>
+          <a:xfrm>
+            <a:off x="0" y="0"/>
+            <a:ext cx="12203081" cy="6858000"/>
+          </a:xfrm>
+          <a:prstGeom prst="rect">
+            <a:avLst/>
+          </a:prstGeom>
+          <a:ln>
+            <a:noFill/>
+          </a:ln>
+        </p:spPr>
+        <p:style>
+          <a:lnRef idx="2">
+            <a:schemeClr val="accent1">
+              <a:shade val="50000"/>
+            </a:schemeClr>
+          </a:lnRef>
+          <a:fillRef idx="1002">
+            <a:schemeClr val="lt1"/>
+          </a:fillRef>
+          <a:effectRef idx="0">
+            <a:schemeClr val="accent1"/>
+          </a:effectRef>
+          <a:fontRef idx="minor">
+            <a:schemeClr val="lt1"/>
+          </a:fontRef>
+        </p:style>
+        <p:txBody>
+          <a:bodyPr rtlCol="0" anchor="ctr"/>
+          <a:lstStyle/>
+          <a:p>
+            <a:pPr algn="ctr"/>
+            <a:endParaRPr lang="en-US"/>
+          </a:p>
+        </p:txBody>
+      </p:sp>
+      <p:sp>
+        <p:nvSpPr>
+          <p:cNvPr id="27" name="Rectangle 26">
+            <a:extLst>
+              <a:ext uri="{FF2B5EF4-FFF2-40B4-BE49-F238E27FC236}">
+                <a16:creationId xmlns:a16="http://schemas.microsoft.com/office/drawing/2014/main" id="{B2D40F7A-4BD9-4F50-A33B-8CB290C00C84}"/>
+              </a:ext>
+              <a:ext uri="{C183D7F6-B498-43B3-948B-1728B52AA6E4}">
+                <adec:decorative xmlns:adec="http://schemas.microsoft.com/office/drawing/2017/decorative" val="1"/>
+              </a:ext>
+            </a:extLst>
+          </p:cNvPr>
+          <p:cNvSpPr>
+            <a:spLocks noGrp="1" noRot="1" noChangeAspect="1" noMove="1" noResize="1" noEditPoints="1" noAdjustHandles="1" noChangeArrowheads="1" noChangeShapeType="1" noTextEdit="1"/>
+          </p:cNvSpPr>
+          <p:nvPr>
+            <p:extLst>
+              <p:ext uri="{386F3935-93C4-4BCD-93E2-E3B085C9AB24}">
+                <p16:designElem xmlns:p16="http://schemas.microsoft.com/office/powerpoint/2015/main" val="1"/>
+              </p:ext>
+            </p:extLst>
+          </p:nvPr>
+        </p:nvSpPr>
+        <p:spPr>
+          <a:xfrm>
+            <a:off x="7391973" y="643464"/>
+            <a:ext cx="4143830" cy="5566305"/>
+          </a:xfrm>
+          <a:prstGeom prst="rect">
+            <a:avLst/>
+          </a:prstGeom>
+          <a:solidFill>
+            <a:srgbClr val="FFFFFF"/>
+          </a:solidFill>
+          <a:ln w="6350" cap="flat" cmpd="sng" algn="ctr">
+            <a:noFill/>
+            <a:prstDash val="solid"/>
+          </a:ln>
+          <a:effectLst>
+            <a:outerShdw blurRad="50800" algn="ctr" rotWithShape="0">
+              <a:prstClr val="black">
+                <a:alpha val="66000"/>
+              </a:prstClr>
+            </a:outerShdw>
+            <a:softEdge rad="0"/>
+          </a:effectLst>
+        </p:spPr>
+        <p:txBody>
+          <a:bodyPr/>
+          <a:lstStyle/>
+          <a:p>
+            <a:endParaRPr lang="tr-TR"/>
+          </a:p>
+        </p:txBody>
+      </p:sp>
+      <p:sp>
+        <p:nvSpPr>
+          <p:cNvPr id="29" name="Rectangle 28">
+            <a:extLst>
+              <a:ext uri="{FF2B5EF4-FFF2-40B4-BE49-F238E27FC236}">
+                <a16:creationId xmlns:a16="http://schemas.microsoft.com/office/drawing/2014/main" id="{BD2FDAD1-72F9-4134-9A38-92BDC75F71B7}"/>
+              </a:ext>
+              <a:ext uri="{C183D7F6-B498-43B3-948B-1728B52AA6E4}">
+                <adec:decorative xmlns:adec="http://schemas.microsoft.com/office/drawing/2017/decorative" val="1"/>
+              </a:ext>
+            </a:extLst>
+          </p:cNvPr>
+          <p:cNvSpPr>
+            <a:spLocks noGrp="1" noRot="1" noChangeAspect="1" noMove="1" noResize="1" noEditPoints="1" noAdjustHandles="1" noChangeArrowheads="1" noChangeShapeType="1" noTextEdit="1"/>
+          </p:cNvSpPr>
+          <p:nvPr>
+            <p:extLst>
+              <p:ext uri="{386F3935-93C4-4BCD-93E2-E3B085C9AB24}">
+                <p16:designElem xmlns:p16="http://schemas.microsoft.com/office/powerpoint/2015/main" val="1"/>
+              </p:ext>
+            </p:extLst>
+          </p:nvPr>
+        </p:nvSpPr>
+        <p:spPr>
+          <a:xfrm>
+            <a:off x="7557364" y="806860"/>
+            <a:ext cx="3813048" cy="5239512"/>
           </a:xfrm>
           <a:prstGeom prst="rect">
             <a:avLst/>
@@ -35079,58 +37415,6 @@
       </p:sp>
       <p:sp>
         <p:nvSpPr>
-          <p:cNvPr id="20" name="Rectangle 19">
-            <a:extLst>
-              <a:ext uri="{FF2B5EF4-FFF2-40B4-BE49-F238E27FC236}">
-                <a16:creationId xmlns:a16="http://schemas.microsoft.com/office/drawing/2014/main" id="{B937DAED-8BFE-4563-BB45-B5E554D70A84}"/>
-              </a:ext>
-              <a:ext uri="{C183D7F6-B498-43B3-948B-1728B52AA6E4}">
-                <adec:decorative xmlns:adec="http://schemas.microsoft.com/office/drawing/2017/decorative" val="1"/>
-              </a:ext>
-            </a:extLst>
-          </p:cNvPr>
-          <p:cNvSpPr>
-            <a:spLocks noGrp="1" noRot="1" noChangeAspect="1" noMove="1" noResize="1" noEditPoints="1" noAdjustHandles="1" noChangeArrowheads="1" noChangeShapeType="1" noTextEdit="1"/>
-          </p:cNvSpPr>
-          <p:nvPr>
-            <p:extLst>
-              <p:ext uri="{386F3935-93C4-4BCD-93E2-E3B085C9AB24}">
-                <p16:designElem xmlns:p16="http://schemas.microsoft.com/office/powerpoint/2015/main" val="1"/>
-              </p:ext>
-            </p:extLst>
-          </p:nvPr>
-        </p:nvSpPr>
-        <p:spPr>
-          <a:xfrm>
-            <a:off x="371856" y="374904"/>
-            <a:ext cx="11448288" cy="6108192"/>
-          </a:xfrm>
-          <a:prstGeom prst="rect">
-            <a:avLst/>
-          </a:prstGeom>
-          <a:noFill/>
-          <a:ln w="6350" cap="sq" cmpd="sng" algn="ctr">
-            <a:solidFill>
-              <a:schemeClr val="tx1">
-                <a:lumMod val="85000"/>
-                <a:lumOff val="15000"/>
-              </a:schemeClr>
-            </a:solidFill>
-            <a:prstDash val="solid"/>
-            <a:miter lim="800000"/>
-          </a:ln>
-          <a:effectLst/>
-        </p:spPr>
-        <p:txBody>
-          <a:bodyPr/>
-          <a:lstStyle/>
-          <a:p>
-            <a:endParaRPr lang="tr-TR"/>
-          </a:p>
-        </p:txBody>
-      </p:sp>
-      <p:sp>
-        <p:nvSpPr>
           <p:cNvPr id="2" name="Başlık 1">
             <a:extLst>
               <a:ext uri="{FF2B5EF4-FFF2-40B4-BE49-F238E27FC236}">
@@ -35147,8 +37431,8 @@
         </p:nvSpPr>
         <p:spPr>
           <a:xfrm>
-            <a:off x="1066800" y="642594"/>
-            <a:ext cx="10058400" cy="1371600"/>
+            <a:off x="7747000" y="965200"/>
+            <a:ext cx="3454400" cy="4936067"/>
           </a:xfrm>
         </p:spPr>
         <p:txBody>
@@ -35190,14 +37474,14 @@
             <p:ph idx="1"/>
             <p:extLst>
               <p:ext uri="{D42A27DB-BD31-4B8C-83A1-F6EECF244321}">
-                <p14:modId xmlns:p14="http://schemas.microsoft.com/office/powerpoint/2010/main" val="3714816348"/>
+                <p14:modId xmlns:p14="http://schemas.microsoft.com/office/powerpoint/2010/main" val="3149343598"/>
               </p:ext>
             </p:extLst>
           </p:nvPr>
         </p:nvGraphicFramePr>
         <p:xfrm>
-          <a:off x="1066800" y="2310063"/>
-          <a:ext cx="10058400" cy="3725612"/>
+          <a:off x="793590" y="800946"/>
+          <a:ext cx="6036579" cy="5252381"/>
         </p:xfrm>
         <a:graphic>
           <a:graphicData uri="http://schemas.openxmlformats.org/drawingml/2006/diagram">
@@ -35243,12 +37527,12 @@
           <a:chExt cx="0" cy="0"/>
         </a:xfrm>
       </p:grpSpPr>
-      <p:sp>
+      <p:sp useBgFill="1">
         <p:nvSpPr>
-          <p:cNvPr id="16" name="Rectangle 15">
+          <p:cNvPr id="25" name="Rectangle 24">
             <a:extLst>
               <a:ext uri="{FF2B5EF4-FFF2-40B4-BE49-F238E27FC236}">
-                <a16:creationId xmlns:a16="http://schemas.microsoft.com/office/drawing/2014/main" id="{0EB72A9B-FD82-4F09-BF1E-D39311D3A0E3}"/>
+                <a16:creationId xmlns:a16="http://schemas.microsoft.com/office/drawing/2014/main" id="{A2AD6B69-E0A0-476D-9EE1-6B69F04C59F8}"/>
               </a:ext>
               <a:ext uri="{C183D7F6-B498-43B3-948B-1728B52AA6E4}">
                 <adec:decorative xmlns:adec="http://schemas.microsoft.com/office/drawing/2017/decorative" val="1"/>
@@ -35274,9 +37558,6 @@
           <a:prstGeom prst="rect">
             <a:avLst/>
           </a:prstGeom>
-          <a:solidFill>
-            <a:srgbClr val="FFFFFF"/>
-          </a:solidFill>
           <a:ln>
             <a:noFill/>
           </a:ln>
@@ -35308,10 +37589,10 @@
       </p:sp>
       <p:sp>
         <p:nvSpPr>
-          <p:cNvPr id="18" name="Rectangle 17">
+          <p:cNvPr id="27" name="Rectangle 26">
             <a:extLst>
               <a:ext uri="{FF2B5EF4-FFF2-40B4-BE49-F238E27FC236}">
-                <a16:creationId xmlns:a16="http://schemas.microsoft.com/office/drawing/2014/main" id="{DD39B371-6E4E-4070-AB4E-4D788405A5A6}"/>
+                <a16:creationId xmlns:a16="http://schemas.microsoft.com/office/drawing/2014/main" id="{16BE10A1-AD5F-4AB3-8A94-41D62B494ADB}"/>
               </a:ext>
               <a:ext uri="{C183D7F6-B498-43B3-948B-1728B52AA6E4}">
                 <adec:decorative xmlns:adec="http://schemas.microsoft.com/office/drawing/2017/decorative" val="1"/>
@@ -35332,7 +37613,7 @@
         <p:spPr>
           <a:xfrm>
             <a:off x="234696" y="237744"/>
-            <a:ext cx="11722608" cy="6382512"/>
+            <a:ext cx="4419599" cy="6382512"/>
           </a:xfrm>
           <a:prstGeom prst="rect">
             <a:avLst/>
@@ -35343,77 +37624,13 @@
               <a:alpha val="60000"/>
             </a:schemeClr>
           </a:solidFill>
-          <a:ln>
+          <a:ln w="6350" cap="flat" cmpd="sng" algn="ctr">
             <a:noFill/>
+            <a:prstDash val="solid"/>
           </a:ln>
-        </p:spPr>
-        <p:style>
-          <a:lnRef idx="2">
-            <a:schemeClr val="accent1">
-              <a:shade val="50000"/>
-            </a:schemeClr>
-          </a:lnRef>
-          <a:fillRef idx="1">
-            <a:schemeClr val="accent1"/>
-          </a:fillRef>
-          <a:effectRef idx="0">
-            <a:schemeClr val="accent1"/>
-          </a:effectRef>
-          <a:fontRef idx="minor">
-            <a:schemeClr val="lt1"/>
-          </a:fontRef>
-        </p:style>
-        <p:txBody>
-          <a:bodyPr/>
-          <a:lstStyle/>
-          <a:p>
-            <a:endParaRPr lang="tr-TR"/>
-          </a:p>
-        </p:txBody>
-      </p:sp>
-      <p:sp>
-        <p:nvSpPr>
-          <p:cNvPr id="20" name="Rectangle 19">
-            <a:extLst>
-              <a:ext uri="{FF2B5EF4-FFF2-40B4-BE49-F238E27FC236}">
-                <a16:creationId xmlns:a16="http://schemas.microsoft.com/office/drawing/2014/main" id="{B937DAED-8BFE-4563-BB45-B5E554D70A84}"/>
-              </a:ext>
-              <a:ext uri="{C183D7F6-B498-43B3-948B-1728B52AA6E4}">
-                <adec:decorative xmlns:adec="http://schemas.microsoft.com/office/drawing/2017/decorative" val="1"/>
-              </a:ext>
-            </a:extLst>
-          </p:cNvPr>
-          <p:cNvSpPr>
-            <a:spLocks noGrp="1" noRot="1" noChangeAspect="1" noMove="1" noResize="1" noEditPoints="1" noAdjustHandles="1" noChangeArrowheads="1" noChangeShapeType="1" noTextEdit="1"/>
-          </p:cNvSpPr>
-          <p:nvPr>
-            <p:extLst>
-              <p:ext uri="{386F3935-93C4-4BCD-93E2-E3B085C9AB24}">
-                <p16:designElem xmlns:p16="http://schemas.microsoft.com/office/powerpoint/2015/main" val="1"/>
-              </p:ext>
-            </p:extLst>
-          </p:nvPr>
-        </p:nvSpPr>
-        <p:spPr>
-          <a:xfrm>
-            <a:off x="371856" y="374904"/>
-            <a:ext cx="11448288" cy="6108192"/>
-          </a:xfrm>
-          <a:prstGeom prst="rect">
-            <a:avLst/>
-          </a:prstGeom>
-          <a:noFill/>
-          <a:ln w="6350" cap="sq" cmpd="sng" algn="ctr">
-            <a:solidFill>
-              <a:schemeClr val="tx1">
-                <a:lumMod val="85000"/>
-                <a:lumOff val="15000"/>
-              </a:schemeClr>
-            </a:solidFill>
-            <a:prstDash val="solid"/>
-            <a:miter lim="800000"/>
-          </a:ln>
-          <a:effectLst/>
+          <a:effectLst>
+            <a:softEdge rad="0"/>
+          </a:effectLst>
         </p:spPr>
         <p:txBody>
           <a:bodyPr/>
@@ -35441,8 +37658,8 @@
         </p:nvSpPr>
         <p:spPr>
           <a:xfrm>
-            <a:off x="1066800" y="642594"/>
-            <a:ext cx="10058400" cy="1371600"/>
+            <a:off x="573409" y="559477"/>
+            <a:ext cx="3765200" cy="5709931"/>
           </a:xfrm>
         </p:spPr>
         <p:txBody>
@@ -35456,6 +37673,58 @@
               <a:rPr lang="tr-TR"/>
               <a:t>🤷Neden Spring Batch Kullanmalıyız 🤷‍♀️</a:t>
             </a:r>
+          </a:p>
+        </p:txBody>
+      </p:sp>
+      <p:sp>
+        <p:nvSpPr>
+          <p:cNvPr id="29" name="Rectangle 28">
+            <a:extLst>
+              <a:ext uri="{FF2B5EF4-FFF2-40B4-BE49-F238E27FC236}">
+                <a16:creationId xmlns:a16="http://schemas.microsoft.com/office/drawing/2014/main" id="{5684BFFE-6A90-4311-ACD5-B34177D46462}"/>
+              </a:ext>
+              <a:ext uri="{C183D7F6-B498-43B3-948B-1728B52AA6E4}">
+                <adec:decorative xmlns:adec="http://schemas.microsoft.com/office/drawing/2017/decorative" val="1"/>
+              </a:ext>
+            </a:extLst>
+          </p:cNvPr>
+          <p:cNvSpPr>
+            <a:spLocks noGrp="1" noRot="1" noChangeAspect="1" noMove="1" noResize="1" noEditPoints="1" noAdjustHandles="1" noChangeArrowheads="1" noChangeShapeType="1" noTextEdit="1"/>
+          </p:cNvSpPr>
+          <p:nvPr>
+            <p:extLst>
+              <p:ext uri="{386F3935-93C4-4BCD-93E2-E3B085C9AB24}">
+                <p16:designElem xmlns:p16="http://schemas.microsoft.com/office/powerpoint/2015/main" val="1"/>
+              </p:ext>
+            </p:extLst>
+          </p:nvPr>
+        </p:nvSpPr>
+        <p:spPr>
+          <a:xfrm>
+            <a:off x="371856" y="374904"/>
+            <a:ext cx="4122323" cy="6108192"/>
+          </a:xfrm>
+          <a:prstGeom prst="rect">
+            <a:avLst/>
+          </a:prstGeom>
+          <a:noFill/>
+          <a:ln w="6350" cap="sq" cmpd="sng" algn="ctr">
+            <a:solidFill>
+              <a:schemeClr val="tx1">
+                <a:lumMod val="75000"/>
+                <a:lumOff val="25000"/>
+              </a:schemeClr>
+            </a:solidFill>
+            <a:prstDash val="solid"/>
+            <a:miter lim="800000"/>
+          </a:ln>
+          <a:effectLst/>
+        </p:spPr>
+        <p:txBody>
+          <a:bodyPr/>
+          <a:lstStyle/>
+          <a:p>
+            <a:endParaRPr lang="tr-TR"/>
           </a:p>
         </p:txBody>
       </p:sp>
@@ -35475,14 +37744,14 @@
             <p:ph idx="1"/>
             <p:extLst>
               <p:ext uri="{D42A27DB-BD31-4B8C-83A1-F6EECF244321}">
-                <p14:modId xmlns:p14="http://schemas.microsoft.com/office/powerpoint/2010/main" val="668101596"/>
+                <p14:modId xmlns:p14="http://schemas.microsoft.com/office/powerpoint/2010/main" val="1257820436"/>
               </p:ext>
             </p:extLst>
           </p:nvPr>
         </p:nvGraphicFramePr>
         <p:xfrm>
-          <a:off x="1066800" y="2310063"/>
-          <a:ext cx="10058400" cy="3725612"/>
+          <a:off x="5478124" y="800947"/>
+          <a:ext cx="5906181" cy="5230718"/>
         </p:xfrm>
         <a:graphic>
           <a:graphicData uri="http://schemas.openxmlformats.org/drawingml/2006/diagram">
@@ -35800,7 +38069,7 @@
       </p:grpSpPr>
       <p:sp useBgFill="1">
         <p:nvSpPr>
-          <p:cNvPr id="10" name="Rectangle 9">
+          <p:cNvPr id="29" name="Rectangle 18">
             <a:extLst>
               <a:ext uri="{FF2B5EF4-FFF2-40B4-BE49-F238E27FC236}">
                 <a16:creationId xmlns:a16="http://schemas.microsoft.com/office/drawing/2014/main" id="{1E94681D-2A4C-4A8D-B9B5-31D440D0328D}"/>
@@ -35860,7 +38129,7 @@
       </p:sp>
       <p:sp>
         <p:nvSpPr>
-          <p:cNvPr id="12" name="Rectangle 11">
+          <p:cNvPr id="30" name="Rectangle 20">
             <a:extLst>
               <a:ext uri="{FF2B5EF4-FFF2-40B4-BE49-F238E27FC236}">
                 <a16:creationId xmlns:a16="http://schemas.microsoft.com/office/drawing/2014/main" id="{4EC7E010-C712-408D-9787-0842AFC9F4BB}"/>
@@ -35913,7 +38182,7 @@
       </p:sp>
       <p:sp>
         <p:nvSpPr>
-          <p:cNvPr id="14" name="Rectangle 13">
+          <p:cNvPr id="31" name="Rectangle 22">
             <a:extLst>
               <a:ext uri="{FF2B5EF4-FFF2-40B4-BE49-F238E27FC236}">
                 <a16:creationId xmlns:a16="http://schemas.microsoft.com/office/drawing/2014/main" id="{0503FCEF-A9BA-4991-9220-E36615FB8B53}"/>
@@ -35965,10 +38234,10 @@
       </p:sp>
       <p:pic>
         <p:nvPicPr>
-          <p:cNvPr id="5" name="İçerik Yer Tutucusu 4" descr="metin, ekran görüntüsü, diyagram, çizgi içeren bir resim&#10;&#10;Açıklama otomatik olarak oluşturuldu">
+          <p:cNvPr id="6" name="İçerik Yer Tutucusu 5" descr="ekran görüntüsü, çizgi, diyagram, metin içeren bir resim&#10;&#10;Açıklama otomatik olarak oluşturuldu">
             <a:extLst>
               <a:ext uri="{FF2B5EF4-FFF2-40B4-BE49-F238E27FC236}">
-                <a16:creationId xmlns:a16="http://schemas.microsoft.com/office/drawing/2014/main" id="{34969ADF-7C03-2ACE-4653-9DA3051218CD}"/>
+                <a16:creationId xmlns:a16="http://schemas.microsoft.com/office/drawing/2014/main" id="{D826B0C0-0642-DD40-D877-5A517D464240}"/>
               </a:ext>
             </a:extLst>
           </p:cNvPr>
@@ -35987,8 +38256,8 @@
         </p:blipFill>
         <p:spPr>
           <a:xfrm>
-            <a:off x="643467" y="1070781"/>
-            <a:ext cx="10905066" cy="4716438"/>
+            <a:off x="643467" y="1261618"/>
+            <a:ext cx="10905066" cy="4334763"/>
           </a:xfrm>
           <a:prstGeom prst="rect">
             <a:avLst/>
@@ -36033,12 +38302,12 @@
           <a:chExt cx="0" cy="0"/>
         </a:xfrm>
       </p:grpSpPr>
-      <p:sp>
+      <p:sp useBgFill="1">
         <p:nvSpPr>
-          <p:cNvPr id="9" name="Rectangle 8">
+          <p:cNvPr id="18" name="Rectangle 17">
             <a:extLst>
               <a:ext uri="{FF2B5EF4-FFF2-40B4-BE49-F238E27FC236}">
-                <a16:creationId xmlns:a16="http://schemas.microsoft.com/office/drawing/2014/main" id="{0EB72A9B-FD82-4F09-BF1E-D39311D3A0E3}"/>
+                <a16:creationId xmlns:a16="http://schemas.microsoft.com/office/drawing/2014/main" id="{A2AD6B69-E0A0-476D-9EE1-6B69F04C59F8}"/>
               </a:ext>
               <a:ext uri="{C183D7F6-B498-43B3-948B-1728B52AA6E4}">
                 <adec:decorative xmlns:adec="http://schemas.microsoft.com/office/drawing/2017/decorative" val="1"/>
@@ -36064,9 +38333,6 @@
           <a:prstGeom prst="rect">
             <a:avLst/>
           </a:prstGeom>
-          <a:solidFill>
-            <a:srgbClr val="FFFFFF"/>
-          </a:solidFill>
           <a:ln>
             <a:noFill/>
           </a:ln>
@@ -36098,10 +38364,10 @@
       </p:sp>
       <p:sp>
         <p:nvSpPr>
-          <p:cNvPr id="11" name="Rectangle 10">
+          <p:cNvPr id="20" name="Rectangle 19">
             <a:extLst>
               <a:ext uri="{FF2B5EF4-FFF2-40B4-BE49-F238E27FC236}">
-                <a16:creationId xmlns:a16="http://schemas.microsoft.com/office/drawing/2014/main" id="{DD39B371-6E4E-4070-AB4E-4D788405A5A6}"/>
+                <a16:creationId xmlns:a16="http://schemas.microsoft.com/office/drawing/2014/main" id="{16BE10A1-AD5F-4AB3-8A94-41D62B494ADB}"/>
               </a:ext>
               <a:ext uri="{C183D7F6-B498-43B3-948B-1728B52AA6E4}">
                 <adec:decorative xmlns:adec="http://schemas.microsoft.com/office/drawing/2017/decorative" val="1"/>
@@ -36122,7 +38388,7 @@
         <p:spPr>
           <a:xfrm>
             <a:off x="234696" y="237744"/>
-            <a:ext cx="11722608" cy="6382512"/>
+            <a:ext cx="4419599" cy="6382512"/>
           </a:xfrm>
           <a:prstGeom prst="rect">
             <a:avLst/>
@@ -36133,77 +38399,13 @@
               <a:alpha val="60000"/>
             </a:schemeClr>
           </a:solidFill>
-          <a:ln>
+          <a:ln w="6350" cap="flat" cmpd="sng" algn="ctr">
             <a:noFill/>
+            <a:prstDash val="solid"/>
           </a:ln>
-        </p:spPr>
-        <p:style>
-          <a:lnRef idx="2">
-            <a:schemeClr val="accent1">
-              <a:shade val="50000"/>
-            </a:schemeClr>
-          </a:lnRef>
-          <a:fillRef idx="1">
-            <a:schemeClr val="accent1"/>
-          </a:fillRef>
-          <a:effectRef idx="0">
-            <a:schemeClr val="accent1"/>
-          </a:effectRef>
-          <a:fontRef idx="minor">
-            <a:schemeClr val="lt1"/>
-          </a:fontRef>
-        </p:style>
-        <p:txBody>
-          <a:bodyPr/>
-          <a:lstStyle/>
-          <a:p>
-            <a:endParaRPr lang="tr-TR"/>
-          </a:p>
-        </p:txBody>
-      </p:sp>
-      <p:sp>
-        <p:nvSpPr>
-          <p:cNvPr id="13" name="Rectangle 12">
-            <a:extLst>
-              <a:ext uri="{FF2B5EF4-FFF2-40B4-BE49-F238E27FC236}">
-                <a16:creationId xmlns:a16="http://schemas.microsoft.com/office/drawing/2014/main" id="{B937DAED-8BFE-4563-BB45-B5E554D70A84}"/>
-              </a:ext>
-              <a:ext uri="{C183D7F6-B498-43B3-948B-1728B52AA6E4}">
-                <adec:decorative xmlns:adec="http://schemas.microsoft.com/office/drawing/2017/decorative" val="1"/>
-              </a:ext>
-            </a:extLst>
-          </p:cNvPr>
-          <p:cNvSpPr>
-            <a:spLocks noGrp="1" noRot="1" noChangeAspect="1" noMove="1" noResize="1" noEditPoints="1" noAdjustHandles="1" noChangeArrowheads="1" noChangeShapeType="1" noTextEdit="1"/>
-          </p:cNvSpPr>
-          <p:nvPr>
-            <p:extLst>
-              <p:ext uri="{386F3935-93C4-4BCD-93E2-E3B085C9AB24}">
-                <p16:designElem xmlns:p16="http://schemas.microsoft.com/office/powerpoint/2015/main" val="1"/>
-              </p:ext>
-            </p:extLst>
-          </p:nvPr>
-        </p:nvSpPr>
-        <p:spPr>
-          <a:xfrm>
-            <a:off x="371856" y="374904"/>
-            <a:ext cx="11448288" cy="6108192"/>
-          </a:xfrm>
-          <a:prstGeom prst="rect">
-            <a:avLst/>
-          </a:prstGeom>
-          <a:noFill/>
-          <a:ln w="6350" cap="sq" cmpd="sng" algn="ctr">
-            <a:solidFill>
-              <a:schemeClr val="tx1">
-                <a:lumMod val="85000"/>
-                <a:lumOff val="15000"/>
-              </a:schemeClr>
-            </a:solidFill>
-            <a:prstDash val="solid"/>
-            <a:miter lim="800000"/>
-          </a:ln>
-          <a:effectLst/>
+          <a:effectLst>
+            <a:softEdge rad="0"/>
+          </a:effectLst>
         </p:spPr>
         <p:txBody>
           <a:bodyPr/>
@@ -36231,8 +38433,8 @@
         </p:nvSpPr>
         <p:spPr>
           <a:xfrm>
-            <a:off x="1066800" y="642594"/>
-            <a:ext cx="10058400" cy="1371600"/>
+            <a:off x="573409" y="559477"/>
+            <a:ext cx="3765200" cy="5709931"/>
           </a:xfrm>
         </p:spPr>
         <p:txBody>
@@ -36254,6 +38456,58 @@
           </a:p>
         </p:txBody>
       </p:sp>
+      <p:sp>
+        <p:nvSpPr>
+          <p:cNvPr id="22" name="Rectangle 21">
+            <a:extLst>
+              <a:ext uri="{FF2B5EF4-FFF2-40B4-BE49-F238E27FC236}">
+                <a16:creationId xmlns:a16="http://schemas.microsoft.com/office/drawing/2014/main" id="{5684BFFE-6A90-4311-ACD5-B34177D46462}"/>
+              </a:ext>
+              <a:ext uri="{C183D7F6-B498-43B3-948B-1728B52AA6E4}">
+                <adec:decorative xmlns:adec="http://schemas.microsoft.com/office/drawing/2017/decorative" val="1"/>
+              </a:ext>
+            </a:extLst>
+          </p:cNvPr>
+          <p:cNvSpPr>
+            <a:spLocks noGrp="1" noRot="1" noChangeAspect="1" noMove="1" noResize="1" noEditPoints="1" noAdjustHandles="1" noChangeArrowheads="1" noChangeShapeType="1" noTextEdit="1"/>
+          </p:cNvSpPr>
+          <p:nvPr>
+            <p:extLst>
+              <p:ext uri="{386F3935-93C4-4BCD-93E2-E3B085C9AB24}">
+                <p16:designElem xmlns:p16="http://schemas.microsoft.com/office/powerpoint/2015/main" val="1"/>
+              </p:ext>
+            </p:extLst>
+          </p:nvPr>
+        </p:nvSpPr>
+        <p:spPr>
+          <a:xfrm>
+            <a:off x="371856" y="374904"/>
+            <a:ext cx="4122323" cy="6108192"/>
+          </a:xfrm>
+          <a:prstGeom prst="rect">
+            <a:avLst/>
+          </a:prstGeom>
+          <a:noFill/>
+          <a:ln w="6350" cap="sq" cmpd="sng" algn="ctr">
+            <a:solidFill>
+              <a:schemeClr val="tx1">
+                <a:lumMod val="75000"/>
+                <a:lumOff val="25000"/>
+              </a:schemeClr>
+            </a:solidFill>
+            <a:prstDash val="solid"/>
+            <a:miter lim="800000"/>
+          </a:ln>
+          <a:effectLst/>
+        </p:spPr>
+        <p:txBody>
+          <a:bodyPr/>
+          <a:lstStyle/>
+          <a:p>
+            <a:endParaRPr lang="tr-TR"/>
+          </a:p>
+        </p:txBody>
+      </p:sp>
       <p:graphicFrame>
         <p:nvGraphicFramePr>
           <p:cNvPr id="5" name="İçerik Yer Tutucusu 2">
@@ -36270,14 +38524,14 @@
             <p:ph idx="1"/>
             <p:extLst>
               <p:ext uri="{D42A27DB-BD31-4B8C-83A1-F6EECF244321}">
-                <p14:modId xmlns:p14="http://schemas.microsoft.com/office/powerpoint/2010/main" val="1602112834"/>
+                <p14:modId xmlns:p14="http://schemas.microsoft.com/office/powerpoint/2010/main" val="86662455"/>
               </p:ext>
             </p:extLst>
           </p:nvPr>
         </p:nvGraphicFramePr>
         <p:xfrm>
-          <a:off x="1066800" y="2310063"/>
-          <a:ext cx="10058400" cy="3725612"/>
+          <a:off x="5478124" y="800947"/>
+          <a:ext cx="5906181" cy="5230718"/>
         </p:xfrm>
         <a:graphic>
           <a:graphicData uri="http://schemas.openxmlformats.org/drawingml/2006/diagram">
@@ -36534,21 +38788,12 @@
             <a:pPr algn="ctr"/>
             <a:r>
               <a:rPr lang="tr-TR" dirty="0" err="1"/>
-              <a:t>Job</a:t>
-            </a:r>
-            <a:r>
-              <a:rPr lang="tr-TR" dirty="0"/>
-              <a:t> </a:t>
-            </a:r>
-            <a:r>
-              <a:rPr lang="tr-TR" dirty="0" err="1"/>
-              <a:t>Instance</a:t>
+              <a:t>JobInstance</a:t>
             </a:r>
             <a:r>
               <a:rPr lang="tr-TR" dirty="0"/>
               <a:t> Nedir ??</a:t>
             </a:r>
-            <a:endParaRPr lang="tr-TR"/>
           </a:p>
         </p:txBody>
       </p:sp>
@@ -36996,6 +39241,77 @@
               <a:t>();</a:t>
             </a:r>
           </a:p>
+          <a:p>
+            <a:pPr marL="0" indent="0">
+              <a:buNone/>
+            </a:pPr>
+            <a:endParaRPr lang="tr-TR" dirty="0"/>
+          </a:p>
+          <a:p>
+            <a:pPr marL="0" indent="0">
+              <a:buNone/>
+            </a:pPr>
+            <a:r>
+              <a:rPr lang="tr-TR" dirty="0"/>
+              <a:t> {'</a:t>
+            </a:r>
+            <a:r>
+              <a:rPr lang="tr-TR" dirty="0" err="1"/>
+              <a:t>startAt</a:t>
+            </a:r>
+            <a:r>
+              <a:rPr lang="tr-TR" dirty="0"/>
+              <a:t>':'{</a:t>
+            </a:r>
+            <a:r>
+              <a:rPr lang="tr-TR" dirty="0" err="1"/>
+              <a:t>value</a:t>
+            </a:r>
+            <a:r>
+              <a:rPr lang="tr-TR" dirty="0"/>
+              <a:t>=1699384528036, </a:t>
+            </a:r>
+            <a:r>
+              <a:rPr lang="tr-TR" dirty="0" err="1"/>
+              <a:t>type</a:t>
+            </a:r>
+            <a:r>
+              <a:rPr lang="tr-TR" dirty="0"/>
+              <a:t>=</a:t>
+            </a:r>
+            <a:r>
+              <a:rPr lang="tr-TR" dirty="0" err="1"/>
+              <a:t>class</a:t>
+            </a:r>
+            <a:r>
+              <a:rPr lang="tr-TR" dirty="0"/>
+              <a:t> </a:t>
+            </a:r>
+            <a:r>
+              <a:rPr lang="tr-TR" dirty="0" err="1"/>
+              <a:t>java.lang.Long</a:t>
+            </a:r>
+            <a:r>
+              <a:rPr lang="tr-TR" dirty="0"/>
+              <a:t>, </a:t>
+            </a:r>
+            <a:r>
+              <a:rPr lang="tr-TR" dirty="0" err="1"/>
+              <a:t>identifying</a:t>
+            </a:r>
+            <a:r>
+              <a:rPr lang="tr-TR" dirty="0"/>
+              <a:t>=</a:t>
+            </a:r>
+            <a:r>
+              <a:rPr lang="tr-TR" dirty="0" err="1"/>
+              <a:t>true</a:t>
+            </a:r>
+            <a:r>
+              <a:rPr lang="tr-TR" dirty="0"/>
+              <a:t>}'}</a:t>
+            </a:r>
+          </a:p>
         </p:txBody>
       </p:sp>
     </p:spTree>
@@ -37014,6 +39330,14 @@
 <file path=ppt/slides/slide9.xml><?xml version="1.0" encoding="utf-8"?>
 <p:sld xmlns:a="http://schemas.openxmlformats.org/drawingml/2006/main" xmlns:r="http://schemas.openxmlformats.org/officeDocument/2006/relationships" xmlns:p="http://schemas.openxmlformats.org/presentationml/2006/main">
   <p:cSld>
+    <p:bg>
+      <p:bgPr>
+        <a:solidFill>
+          <a:schemeClr val="bg1"/>
+        </a:solidFill>
+        <a:effectLst/>
+      </p:bgPr>
+    </p:bg>
     <p:spTree>
       <p:nvGrpSpPr>
         <p:cNvPr id="1" name=""/>
@@ -37030,6 +39354,215 @@
       </p:grpSpPr>
       <p:sp>
         <p:nvSpPr>
+          <p:cNvPr id="8" name="Rectangle 7">
+            <a:extLst>
+              <a:ext uri="{FF2B5EF4-FFF2-40B4-BE49-F238E27FC236}">
+                <a16:creationId xmlns:a16="http://schemas.microsoft.com/office/drawing/2014/main" id="{70120F84-A866-4D9F-8B1C-9120A013D654}"/>
+              </a:ext>
+              <a:ext uri="{C183D7F6-B498-43B3-948B-1728B52AA6E4}">
+                <adec:decorative xmlns:adec="http://schemas.microsoft.com/office/drawing/2017/decorative" val="1"/>
+              </a:ext>
+            </a:extLst>
+          </p:cNvPr>
+          <p:cNvSpPr>
+            <a:spLocks noGrp="1" noRot="1" noChangeAspect="1" noMove="1" noResize="1" noEditPoints="1" noAdjustHandles="1" noChangeArrowheads="1" noChangeShapeType="1" noTextEdit="1"/>
+          </p:cNvSpPr>
+          <p:nvPr>
+            <p:extLst>
+              <p:ext uri="{386F3935-93C4-4BCD-93E2-E3B085C9AB24}">
+                <p16:designElem xmlns:p16="http://schemas.microsoft.com/office/powerpoint/2015/main" val="1"/>
+              </p:ext>
+            </p:extLst>
+          </p:nvPr>
+        </p:nvSpPr>
+        <p:spPr>
+          <a:xfrm>
+            <a:off x="0" y="0"/>
+            <a:ext cx="12192001" cy="6858000"/>
+          </a:xfrm>
+          <a:prstGeom prst="rect">
+            <a:avLst/>
+          </a:prstGeom>
+          <a:solidFill>
+            <a:schemeClr val="accent1"/>
+          </a:solidFill>
+          <a:ln>
+            <a:noFill/>
+          </a:ln>
+        </p:spPr>
+        <p:style>
+          <a:lnRef idx="2">
+            <a:schemeClr val="accent1">
+              <a:shade val="50000"/>
+            </a:schemeClr>
+          </a:lnRef>
+          <a:fillRef idx="1">
+            <a:schemeClr val="accent1"/>
+          </a:fillRef>
+          <a:effectRef idx="0">
+            <a:schemeClr val="accent1"/>
+          </a:effectRef>
+          <a:fontRef idx="minor">
+            <a:schemeClr val="lt1"/>
+          </a:fontRef>
+        </p:style>
+        <p:txBody>
+          <a:bodyPr rot="0" spcFirstLastPara="0" vert="horz" wrap="square" lIns="91440" tIns="45720" rIns="91440" bIns="45720" numCol="1" spcCol="0" rtlCol="0" fromWordArt="0" anchor="ctr" anchorCtr="0" forceAA="0" compatLnSpc="1">
+            <a:prstTxWarp prst="textNoShape">
+              <a:avLst/>
+            </a:prstTxWarp>
+            <a:noAutofit/>
+          </a:bodyPr>
+          <a:lstStyle>
+            <a:defPPr>
+              <a:defRPr lang="en-US"/>
+            </a:defPPr>
+            <a:lvl1pPr marL="0" algn="l" defTabSz="914400" rtl="0" eaLnBrk="1" latinLnBrk="0" hangingPunct="1">
+              <a:defRPr sz="1800" kern="1200">
+                <a:solidFill>
+                  <a:schemeClr val="lt1"/>
+                </a:solidFill>
+                <a:latin typeface="+mn-lt"/>
+                <a:ea typeface="+mn-ea"/>
+                <a:cs typeface="+mn-cs"/>
+              </a:defRPr>
+            </a:lvl1pPr>
+            <a:lvl2pPr marL="457200" algn="l" defTabSz="914400" rtl="0" eaLnBrk="1" latinLnBrk="0" hangingPunct="1">
+              <a:defRPr sz="1800" kern="1200">
+                <a:solidFill>
+                  <a:schemeClr val="lt1"/>
+                </a:solidFill>
+                <a:latin typeface="+mn-lt"/>
+                <a:ea typeface="+mn-ea"/>
+                <a:cs typeface="+mn-cs"/>
+              </a:defRPr>
+            </a:lvl2pPr>
+            <a:lvl3pPr marL="914400" algn="l" defTabSz="914400" rtl="0" eaLnBrk="1" latinLnBrk="0" hangingPunct="1">
+              <a:defRPr sz="1800" kern="1200">
+                <a:solidFill>
+                  <a:schemeClr val="lt1"/>
+                </a:solidFill>
+                <a:latin typeface="+mn-lt"/>
+                <a:ea typeface="+mn-ea"/>
+                <a:cs typeface="+mn-cs"/>
+              </a:defRPr>
+            </a:lvl3pPr>
+            <a:lvl4pPr marL="1371600" algn="l" defTabSz="914400" rtl="0" eaLnBrk="1" latinLnBrk="0" hangingPunct="1">
+              <a:defRPr sz="1800" kern="1200">
+                <a:solidFill>
+                  <a:schemeClr val="lt1"/>
+                </a:solidFill>
+                <a:latin typeface="+mn-lt"/>
+                <a:ea typeface="+mn-ea"/>
+                <a:cs typeface="+mn-cs"/>
+              </a:defRPr>
+            </a:lvl4pPr>
+            <a:lvl5pPr marL="1828800" algn="l" defTabSz="914400" rtl="0" eaLnBrk="1" latinLnBrk="0" hangingPunct="1">
+              <a:defRPr sz="1800" kern="1200">
+                <a:solidFill>
+                  <a:schemeClr val="lt1"/>
+                </a:solidFill>
+                <a:latin typeface="+mn-lt"/>
+                <a:ea typeface="+mn-ea"/>
+                <a:cs typeface="+mn-cs"/>
+              </a:defRPr>
+            </a:lvl5pPr>
+            <a:lvl6pPr marL="2286000" algn="l" defTabSz="914400" rtl="0" eaLnBrk="1" latinLnBrk="0" hangingPunct="1">
+              <a:defRPr sz="1800" kern="1200">
+                <a:solidFill>
+                  <a:schemeClr val="lt1"/>
+                </a:solidFill>
+                <a:latin typeface="+mn-lt"/>
+                <a:ea typeface="+mn-ea"/>
+                <a:cs typeface="+mn-cs"/>
+              </a:defRPr>
+            </a:lvl6pPr>
+            <a:lvl7pPr marL="2743200" algn="l" defTabSz="914400" rtl="0" eaLnBrk="1" latinLnBrk="0" hangingPunct="1">
+              <a:defRPr sz="1800" kern="1200">
+                <a:solidFill>
+                  <a:schemeClr val="lt1"/>
+                </a:solidFill>
+                <a:latin typeface="+mn-lt"/>
+                <a:ea typeface="+mn-ea"/>
+                <a:cs typeface="+mn-cs"/>
+              </a:defRPr>
+            </a:lvl7pPr>
+            <a:lvl8pPr marL="3200400" algn="l" defTabSz="914400" rtl="0" eaLnBrk="1" latinLnBrk="0" hangingPunct="1">
+              <a:defRPr sz="1800" kern="1200">
+                <a:solidFill>
+                  <a:schemeClr val="lt1"/>
+                </a:solidFill>
+                <a:latin typeface="+mn-lt"/>
+                <a:ea typeface="+mn-ea"/>
+                <a:cs typeface="+mn-cs"/>
+              </a:defRPr>
+            </a:lvl8pPr>
+            <a:lvl9pPr marL="3657600" algn="l" defTabSz="914400" rtl="0" eaLnBrk="1" latinLnBrk="0" hangingPunct="1">
+              <a:defRPr sz="1800" kern="1200">
+                <a:solidFill>
+                  <a:schemeClr val="lt1"/>
+                </a:solidFill>
+                <a:latin typeface="+mn-lt"/>
+                <a:ea typeface="+mn-ea"/>
+                <a:cs typeface="+mn-cs"/>
+              </a:defRPr>
+            </a:lvl9pPr>
+          </a:lstStyle>
+          <a:p>
+            <a:pPr algn="ctr"/>
+            <a:endParaRPr lang="en-US"/>
+          </a:p>
+        </p:txBody>
+      </p:sp>
+      <p:sp useBgFill="1">
+        <p:nvSpPr>
+          <p:cNvPr id="10" name="Rectangle 9">
+            <a:extLst>
+              <a:ext uri="{FF2B5EF4-FFF2-40B4-BE49-F238E27FC236}">
+                <a16:creationId xmlns:a16="http://schemas.microsoft.com/office/drawing/2014/main" id="{252FEFEF-6AC0-46B6-AC09-11FC56196FA4}"/>
+              </a:ext>
+              <a:ext uri="{C183D7F6-B498-43B3-948B-1728B52AA6E4}">
+                <adec:decorative xmlns:adec="http://schemas.microsoft.com/office/drawing/2017/decorative" val="1"/>
+              </a:ext>
+            </a:extLst>
+          </p:cNvPr>
+          <p:cNvSpPr>
+            <a:spLocks noGrp="1" noRot="1" noChangeAspect="1" noMove="1" noResize="1" noEditPoints="1" noAdjustHandles="1" noChangeArrowheads="1" noChangeShapeType="1" noTextEdit="1"/>
+          </p:cNvSpPr>
+          <p:nvPr>
+            <p:extLst>
+              <p:ext uri="{386F3935-93C4-4BCD-93E2-E3B085C9AB24}">
+                <p16:designElem xmlns:p16="http://schemas.microsoft.com/office/powerpoint/2015/main" val="1"/>
+              </p:ext>
+            </p:extLst>
+          </p:nvPr>
+        </p:nvSpPr>
+        <p:spPr>
+          <a:xfrm>
+            <a:off x="210312" y="226665"/>
+            <a:ext cx="11722608" cy="6382512"/>
+          </a:xfrm>
+          <a:prstGeom prst="rect">
+            <a:avLst/>
+          </a:prstGeom>
+          <a:ln w="6350" cap="flat" cmpd="sng" algn="ctr">
+            <a:noFill/>
+            <a:prstDash val="solid"/>
+          </a:ln>
+          <a:effectLst>
+            <a:softEdge rad="0"/>
+          </a:effectLst>
+        </p:spPr>
+        <p:txBody>
+          <a:bodyPr/>
+          <a:lstStyle/>
+          <a:p>
+            <a:endParaRPr lang="tr-TR"/>
+          </a:p>
+        </p:txBody>
+      </p:sp>
+      <p:sp>
+        <p:nvSpPr>
           <p:cNvPr id="2" name="Başlık 1">
             <a:extLst>
               <a:ext uri="{FF2B5EF4-FFF2-40B4-BE49-F238E27FC236}">
@@ -37044,26 +39577,25 @@
             <p:ph type="title"/>
           </p:nvPr>
         </p:nvSpPr>
-        <p:spPr/>
+        <p:spPr>
+          <a:xfrm>
+            <a:off x="1175512" y="870132"/>
+            <a:ext cx="9792208" cy="1527078"/>
+          </a:xfrm>
+        </p:spPr>
         <p:txBody>
-          <a:bodyPr/>
+          <a:bodyPr>
+            <a:normAutofit/>
+          </a:bodyPr>
           <a:lstStyle/>
           <a:p>
             <a:r>
               <a:rPr lang="tr-TR" dirty="0" err="1"/>
-              <a:t>Job</a:t>
+              <a:t>JobExecution</a:t>
             </a:r>
             <a:r>
               <a:rPr lang="tr-TR" dirty="0"/>
-              <a:t> </a:t>
-            </a:r>
-            <a:r>
-              <a:rPr lang="tr-TR" dirty="0" err="1"/>
-              <a:t>Execution</a:t>
-            </a:r>
-            <a:r>
-              <a:rPr lang="tr-TR" dirty="0"/>
-              <a:t> Nedir ??</a:t>
+              <a:t> Nedir ?</a:t>
             </a:r>
           </a:p>
         </p:txBody>
@@ -37084,12 +39616,42 @@
             <p:ph idx="1"/>
           </p:nvPr>
         </p:nvSpPr>
-        <p:spPr/>
+        <p:spPr>
+          <a:xfrm>
+            <a:off x="1175512" y="2557849"/>
+            <a:ext cx="9792208" cy="3407862"/>
+          </a:xfrm>
+        </p:spPr>
         <p:txBody>
-          <a:bodyPr/>
+          <a:bodyPr>
+            <a:normAutofit/>
+          </a:bodyPr>
           <a:lstStyle/>
           <a:p>
-            <a:endParaRPr lang="tr-TR" dirty="0"/>
+            <a:r>
+              <a:rPr lang="tr-TR" dirty="0" err="1"/>
+              <a:t>JobExecution</a:t>
+            </a:r>
+            <a:r>
+              <a:rPr lang="tr-TR" dirty="0"/>
+              <a:t> bir </a:t>
+            </a:r>
+            <a:r>
+              <a:rPr lang="tr-TR" dirty="0" err="1"/>
+              <a:t>job’un</a:t>
+            </a:r>
+            <a:r>
+              <a:rPr lang="tr-TR" dirty="0"/>
+              <a:t> yürütümünün temsilidir. </a:t>
+            </a:r>
+            <a:r>
+              <a:rPr lang="tr-TR" dirty="0" err="1"/>
+              <a:t>Job</a:t>
+            </a:r>
+            <a:r>
+              <a:rPr lang="tr-TR" dirty="0"/>
+              <a:t> başlangıç zamanı ve bitiş zamanı gibi yürütüm bilgilerini içerirler.</a:t>
+            </a:r>
           </a:p>
         </p:txBody>
       </p:sp>
@@ -37356,7 +39918,7 @@
           </a:path>
         </a:gradFill>
         <a:blipFill rotWithShape="1">
-          <a:blip xmlns:r="http://schemas.openxmlformats.org/officeDocument/2006/relationships" r:embed="rId1">
+          <a:blip xmlns:r="http://schemas.openxmlformats.org/officeDocument/2006/relationships">
             <a:duotone>
               <a:schemeClr val="phClr">
                 <a:tint val="95000"/>

--- a/SpringBatch.pptx
+++ b/SpringBatch.pptx
@@ -5,7 +5,7 @@
     <p:sldMasterId id="2147483660" r:id="rId1"/>
   </p:sldMasterIdLst>
   <p:notesMasterIdLst>
-    <p:notesMasterId r:id="rId22"/>
+    <p:notesMasterId r:id="rId24"/>
   </p:notesMasterIdLst>
   <p:sldIdLst>
     <p:sldId id="256" r:id="rId2"/>
@@ -22,12 +22,14 @@
     <p:sldId id="269" r:id="rId13"/>
     <p:sldId id="268" r:id="rId14"/>
     <p:sldId id="265" r:id="rId15"/>
-    <p:sldId id="266" r:id="rId16"/>
-    <p:sldId id="267" r:id="rId17"/>
-    <p:sldId id="270" r:id="rId18"/>
-    <p:sldId id="272" r:id="rId19"/>
-    <p:sldId id="273" r:id="rId20"/>
-    <p:sldId id="274" r:id="rId21"/>
+    <p:sldId id="277" r:id="rId16"/>
+    <p:sldId id="278" r:id="rId17"/>
+    <p:sldId id="266" r:id="rId18"/>
+    <p:sldId id="267" r:id="rId19"/>
+    <p:sldId id="270" r:id="rId20"/>
+    <p:sldId id="272" r:id="rId21"/>
+    <p:sldId id="273" r:id="rId22"/>
+    <p:sldId id="274" r:id="rId23"/>
   </p:sldIdLst>
   <p:sldSz cx="12192000" cy="6858000"/>
   <p:notesSz cx="6858000" cy="9144000"/>
@@ -881,6 +883,753 @@
 </dgm:colorsDef>
 </file>
 
+<file path=ppt/diagrams/colors10.xml><?xml version="1.0" encoding="utf-8"?>
+<dgm:colorsDef xmlns:dgm="http://schemas.openxmlformats.org/drawingml/2006/diagram" xmlns:a="http://schemas.openxmlformats.org/drawingml/2006/main" uniqueId="urn:microsoft.com/office/officeart/2005/8/colors/accent1_2">
+  <dgm:title val=""/>
+  <dgm:desc val=""/>
+  <dgm:catLst>
+    <dgm:cat type="accent1" pri="11200"/>
+  </dgm:catLst>
+  <dgm:styleLbl name="node0">
+    <dgm:fillClrLst meth="repeat">
+      <a:schemeClr val="accent1"/>
+    </dgm:fillClrLst>
+    <dgm:linClrLst meth="repeat">
+      <a:schemeClr val="lt1"/>
+    </dgm:linClrLst>
+    <dgm:effectClrLst/>
+    <dgm:txLinClrLst/>
+    <dgm:txFillClrLst/>
+    <dgm:txEffectClrLst/>
+  </dgm:styleLbl>
+  <dgm:styleLbl name="alignNode1">
+    <dgm:fillClrLst meth="repeat">
+      <a:schemeClr val="accent1"/>
+    </dgm:fillClrLst>
+    <dgm:linClrLst meth="repeat">
+      <a:schemeClr val="accent1"/>
+    </dgm:linClrLst>
+    <dgm:effectClrLst/>
+    <dgm:txLinClrLst/>
+    <dgm:txFillClrLst/>
+    <dgm:txEffectClrLst/>
+  </dgm:styleLbl>
+  <dgm:styleLbl name="node1">
+    <dgm:fillClrLst meth="repeat">
+      <a:schemeClr val="accent1"/>
+    </dgm:fillClrLst>
+    <dgm:linClrLst meth="repeat">
+      <a:schemeClr val="lt1"/>
+    </dgm:linClrLst>
+    <dgm:effectClrLst/>
+    <dgm:txLinClrLst/>
+    <dgm:txFillClrLst/>
+    <dgm:txEffectClrLst/>
+  </dgm:styleLbl>
+  <dgm:styleLbl name="lnNode1">
+    <dgm:fillClrLst meth="repeat">
+      <a:schemeClr val="accent1"/>
+    </dgm:fillClrLst>
+    <dgm:linClrLst meth="repeat">
+      <a:schemeClr val="lt1"/>
+    </dgm:linClrLst>
+    <dgm:effectClrLst/>
+    <dgm:txLinClrLst/>
+    <dgm:txFillClrLst/>
+    <dgm:txEffectClrLst/>
+  </dgm:styleLbl>
+  <dgm:styleLbl name="vennNode1">
+    <dgm:fillClrLst meth="repeat">
+      <a:schemeClr val="accent1">
+        <a:alpha val="50000"/>
+      </a:schemeClr>
+    </dgm:fillClrLst>
+    <dgm:linClrLst meth="repeat">
+      <a:schemeClr val="lt1"/>
+    </dgm:linClrLst>
+    <dgm:effectClrLst/>
+    <dgm:txLinClrLst/>
+    <dgm:txFillClrLst/>
+    <dgm:txEffectClrLst/>
+  </dgm:styleLbl>
+  <dgm:styleLbl name="node2">
+    <dgm:fillClrLst meth="repeat">
+      <a:schemeClr val="accent1"/>
+    </dgm:fillClrLst>
+    <dgm:linClrLst meth="repeat">
+      <a:schemeClr val="lt1"/>
+    </dgm:linClrLst>
+    <dgm:effectClrLst/>
+    <dgm:txLinClrLst/>
+    <dgm:txFillClrLst/>
+    <dgm:txEffectClrLst/>
+  </dgm:styleLbl>
+  <dgm:styleLbl name="node3">
+    <dgm:fillClrLst meth="repeat">
+      <a:schemeClr val="accent1"/>
+    </dgm:fillClrLst>
+    <dgm:linClrLst meth="repeat">
+      <a:schemeClr val="lt1"/>
+    </dgm:linClrLst>
+    <dgm:effectClrLst/>
+    <dgm:txLinClrLst/>
+    <dgm:txFillClrLst/>
+    <dgm:txEffectClrLst/>
+  </dgm:styleLbl>
+  <dgm:styleLbl name="node4">
+    <dgm:fillClrLst meth="repeat">
+      <a:schemeClr val="accent1"/>
+    </dgm:fillClrLst>
+    <dgm:linClrLst meth="repeat">
+      <a:schemeClr val="lt1"/>
+    </dgm:linClrLst>
+    <dgm:effectClrLst/>
+    <dgm:txLinClrLst/>
+    <dgm:txFillClrLst/>
+    <dgm:txEffectClrLst/>
+  </dgm:styleLbl>
+  <dgm:styleLbl name="fgImgPlace1">
+    <dgm:fillClrLst meth="repeat">
+      <a:schemeClr val="accent1">
+        <a:tint val="50000"/>
+      </a:schemeClr>
+    </dgm:fillClrLst>
+    <dgm:linClrLst meth="repeat">
+      <a:schemeClr val="lt1"/>
+    </dgm:linClrLst>
+    <dgm:effectClrLst/>
+    <dgm:txLinClrLst/>
+    <dgm:txFillClrLst meth="repeat">
+      <a:schemeClr val="lt1"/>
+    </dgm:txFillClrLst>
+    <dgm:txEffectClrLst/>
+  </dgm:styleLbl>
+  <dgm:styleLbl name="alignImgPlace1">
+    <dgm:fillClrLst meth="repeat">
+      <a:schemeClr val="accent1">
+        <a:tint val="50000"/>
+      </a:schemeClr>
+    </dgm:fillClrLst>
+    <dgm:linClrLst meth="repeat">
+      <a:schemeClr val="lt1"/>
+    </dgm:linClrLst>
+    <dgm:effectClrLst/>
+    <dgm:txLinClrLst/>
+    <dgm:txFillClrLst meth="repeat">
+      <a:schemeClr val="lt1"/>
+    </dgm:txFillClrLst>
+    <dgm:txEffectClrLst/>
+  </dgm:styleLbl>
+  <dgm:styleLbl name="bgImgPlace1">
+    <dgm:fillClrLst meth="repeat">
+      <a:schemeClr val="accent1">
+        <a:tint val="50000"/>
+      </a:schemeClr>
+    </dgm:fillClrLst>
+    <dgm:linClrLst meth="repeat">
+      <a:schemeClr val="lt1"/>
+    </dgm:linClrLst>
+    <dgm:effectClrLst/>
+    <dgm:txLinClrLst/>
+    <dgm:txFillClrLst meth="repeat">
+      <a:schemeClr val="lt1"/>
+    </dgm:txFillClrLst>
+    <dgm:txEffectClrLst/>
+  </dgm:styleLbl>
+  <dgm:styleLbl name="sibTrans2D1">
+    <dgm:fillClrLst meth="repeat">
+      <a:schemeClr val="accent1">
+        <a:tint val="60000"/>
+      </a:schemeClr>
+    </dgm:fillClrLst>
+    <dgm:linClrLst meth="repeat">
+      <a:schemeClr val="accent1">
+        <a:tint val="60000"/>
+      </a:schemeClr>
+    </dgm:linClrLst>
+    <dgm:effectClrLst/>
+    <dgm:txLinClrLst/>
+    <dgm:txFillClrLst/>
+    <dgm:txEffectClrLst/>
+  </dgm:styleLbl>
+  <dgm:styleLbl name="fgSibTrans2D1">
+    <dgm:fillClrLst meth="repeat">
+      <a:schemeClr val="accent1">
+        <a:tint val="60000"/>
+      </a:schemeClr>
+    </dgm:fillClrLst>
+    <dgm:linClrLst meth="repeat">
+      <a:schemeClr val="accent1">
+        <a:tint val="60000"/>
+      </a:schemeClr>
+    </dgm:linClrLst>
+    <dgm:effectClrLst/>
+    <dgm:txLinClrLst/>
+    <dgm:txFillClrLst/>
+    <dgm:txEffectClrLst/>
+  </dgm:styleLbl>
+  <dgm:styleLbl name="bgSibTrans2D1">
+    <dgm:fillClrLst meth="repeat">
+      <a:schemeClr val="accent1">
+        <a:tint val="60000"/>
+      </a:schemeClr>
+    </dgm:fillClrLst>
+    <dgm:linClrLst meth="repeat">
+      <a:schemeClr val="accent1">
+        <a:tint val="60000"/>
+      </a:schemeClr>
+    </dgm:linClrLst>
+    <dgm:effectClrLst/>
+    <dgm:txLinClrLst/>
+    <dgm:txFillClrLst/>
+    <dgm:txEffectClrLst/>
+  </dgm:styleLbl>
+  <dgm:styleLbl name="sibTrans1D1">
+    <dgm:fillClrLst meth="repeat">
+      <a:schemeClr val="accent1"/>
+    </dgm:fillClrLst>
+    <dgm:linClrLst meth="repeat">
+      <a:schemeClr val="accent1"/>
+    </dgm:linClrLst>
+    <dgm:effectClrLst/>
+    <dgm:txLinClrLst/>
+    <dgm:txFillClrLst meth="repeat">
+      <a:schemeClr val="tx1"/>
+    </dgm:txFillClrLst>
+    <dgm:txEffectClrLst/>
+  </dgm:styleLbl>
+  <dgm:styleLbl name="callout">
+    <dgm:fillClrLst meth="repeat">
+      <a:schemeClr val="accent1"/>
+    </dgm:fillClrLst>
+    <dgm:linClrLst meth="repeat">
+      <a:schemeClr val="accent1">
+        <a:tint val="50000"/>
+      </a:schemeClr>
+    </dgm:linClrLst>
+    <dgm:effectClrLst/>
+    <dgm:txLinClrLst/>
+    <dgm:txFillClrLst meth="repeat">
+      <a:schemeClr val="tx1"/>
+    </dgm:txFillClrLst>
+    <dgm:txEffectClrLst/>
+  </dgm:styleLbl>
+  <dgm:styleLbl name="asst0">
+    <dgm:fillClrLst meth="repeat">
+      <a:schemeClr val="accent1"/>
+    </dgm:fillClrLst>
+    <dgm:linClrLst meth="repeat">
+      <a:schemeClr val="lt1"/>
+    </dgm:linClrLst>
+    <dgm:effectClrLst/>
+    <dgm:txLinClrLst/>
+    <dgm:txFillClrLst/>
+    <dgm:txEffectClrLst/>
+  </dgm:styleLbl>
+  <dgm:styleLbl name="asst1">
+    <dgm:fillClrLst meth="repeat">
+      <a:schemeClr val="accent1"/>
+    </dgm:fillClrLst>
+    <dgm:linClrLst meth="repeat">
+      <a:schemeClr val="lt1"/>
+    </dgm:linClrLst>
+    <dgm:effectClrLst/>
+    <dgm:txLinClrLst/>
+    <dgm:txFillClrLst/>
+    <dgm:txEffectClrLst/>
+  </dgm:styleLbl>
+  <dgm:styleLbl name="asst2">
+    <dgm:fillClrLst meth="repeat">
+      <a:schemeClr val="accent1"/>
+    </dgm:fillClrLst>
+    <dgm:linClrLst meth="repeat">
+      <a:schemeClr val="lt1"/>
+    </dgm:linClrLst>
+    <dgm:effectClrLst/>
+    <dgm:txLinClrLst/>
+    <dgm:txFillClrLst/>
+    <dgm:txEffectClrLst/>
+  </dgm:styleLbl>
+  <dgm:styleLbl name="asst3">
+    <dgm:fillClrLst meth="repeat">
+      <a:schemeClr val="accent1"/>
+    </dgm:fillClrLst>
+    <dgm:linClrLst meth="repeat">
+      <a:schemeClr val="lt1"/>
+    </dgm:linClrLst>
+    <dgm:effectClrLst/>
+    <dgm:txLinClrLst/>
+    <dgm:txFillClrLst/>
+    <dgm:txEffectClrLst/>
+  </dgm:styleLbl>
+  <dgm:styleLbl name="asst4">
+    <dgm:fillClrLst meth="repeat">
+      <a:schemeClr val="accent1"/>
+    </dgm:fillClrLst>
+    <dgm:linClrLst meth="repeat">
+      <a:schemeClr val="lt1"/>
+    </dgm:linClrLst>
+    <dgm:effectClrLst/>
+    <dgm:txLinClrLst/>
+    <dgm:txFillClrLst/>
+    <dgm:txEffectClrLst/>
+  </dgm:styleLbl>
+  <dgm:styleLbl name="parChTrans2D1">
+    <dgm:fillClrLst meth="repeat">
+      <a:schemeClr val="accent1">
+        <a:tint val="60000"/>
+      </a:schemeClr>
+    </dgm:fillClrLst>
+    <dgm:linClrLst meth="repeat">
+      <a:schemeClr val="accent1">
+        <a:tint val="60000"/>
+      </a:schemeClr>
+    </dgm:linClrLst>
+    <dgm:effectClrLst/>
+    <dgm:txLinClrLst/>
+    <dgm:txFillClrLst meth="repeat">
+      <a:schemeClr val="lt1"/>
+    </dgm:txFillClrLst>
+    <dgm:txEffectClrLst/>
+  </dgm:styleLbl>
+  <dgm:styleLbl name="parChTrans2D2">
+    <dgm:fillClrLst meth="repeat">
+      <a:schemeClr val="accent1"/>
+    </dgm:fillClrLst>
+    <dgm:linClrLst meth="repeat">
+      <a:schemeClr val="accent1"/>
+    </dgm:linClrLst>
+    <dgm:effectClrLst/>
+    <dgm:txLinClrLst/>
+    <dgm:txFillClrLst meth="repeat">
+      <a:schemeClr val="lt1"/>
+    </dgm:txFillClrLst>
+    <dgm:txEffectClrLst/>
+  </dgm:styleLbl>
+  <dgm:styleLbl name="parChTrans2D3">
+    <dgm:fillClrLst meth="repeat">
+      <a:schemeClr val="accent1"/>
+    </dgm:fillClrLst>
+    <dgm:linClrLst meth="repeat">
+      <a:schemeClr val="accent1"/>
+    </dgm:linClrLst>
+    <dgm:effectClrLst/>
+    <dgm:txLinClrLst/>
+    <dgm:txFillClrLst meth="repeat">
+      <a:schemeClr val="lt1"/>
+    </dgm:txFillClrLst>
+    <dgm:txEffectClrLst/>
+  </dgm:styleLbl>
+  <dgm:styleLbl name="parChTrans2D4">
+    <dgm:fillClrLst meth="repeat">
+      <a:schemeClr val="accent1"/>
+    </dgm:fillClrLst>
+    <dgm:linClrLst meth="repeat">
+      <a:schemeClr val="accent1"/>
+    </dgm:linClrLst>
+    <dgm:effectClrLst/>
+    <dgm:txLinClrLst/>
+    <dgm:txFillClrLst meth="repeat">
+      <a:schemeClr val="lt1"/>
+    </dgm:txFillClrLst>
+    <dgm:txEffectClrLst/>
+  </dgm:styleLbl>
+  <dgm:styleLbl name="parChTrans1D1">
+    <dgm:fillClrLst meth="repeat">
+      <a:schemeClr val="accent1"/>
+    </dgm:fillClrLst>
+    <dgm:linClrLst meth="repeat">
+      <a:schemeClr val="accent1">
+        <a:shade val="60000"/>
+      </a:schemeClr>
+    </dgm:linClrLst>
+    <dgm:effectClrLst/>
+    <dgm:txLinClrLst/>
+    <dgm:txFillClrLst meth="repeat">
+      <a:schemeClr val="tx1"/>
+    </dgm:txFillClrLst>
+    <dgm:txEffectClrLst/>
+  </dgm:styleLbl>
+  <dgm:styleLbl name="parChTrans1D2">
+    <dgm:fillClrLst meth="repeat">
+      <a:schemeClr val="accent1"/>
+    </dgm:fillClrLst>
+    <dgm:linClrLst meth="repeat">
+      <a:schemeClr val="accent1">
+        <a:shade val="60000"/>
+      </a:schemeClr>
+    </dgm:linClrLst>
+    <dgm:effectClrLst/>
+    <dgm:txLinClrLst/>
+    <dgm:txFillClrLst meth="repeat">
+      <a:schemeClr val="tx1"/>
+    </dgm:txFillClrLst>
+    <dgm:txEffectClrLst/>
+  </dgm:styleLbl>
+  <dgm:styleLbl name="parChTrans1D3">
+    <dgm:fillClrLst meth="repeat">
+      <a:schemeClr val="accent1"/>
+    </dgm:fillClrLst>
+    <dgm:linClrLst meth="repeat">
+      <a:schemeClr val="accent1">
+        <a:shade val="80000"/>
+      </a:schemeClr>
+    </dgm:linClrLst>
+    <dgm:effectClrLst/>
+    <dgm:txLinClrLst/>
+    <dgm:txFillClrLst meth="repeat">
+      <a:schemeClr val="tx1"/>
+    </dgm:txFillClrLst>
+    <dgm:txEffectClrLst/>
+  </dgm:styleLbl>
+  <dgm:styleLbl name="parChTrans1D4">
+    <dgm:fillClrLst meth="repeat">
+      <a:schemeClr val="accent1"/>
+    </dgm:fillClrLst>
+    <dgm:linClrLst meth="repeat">
+      <a:schemeClr val="accent1">
+        <a:shade val="80000"/>
+      </a:schemeClr>
+    </dgm:linClrLst>
+    <dgm:effectClrLst/>
+    <dgm:txLinClrLst/>
+    <dgm:txFillClrLst meth="repeat">
+      <a:schemeClr val="tx1"/>
+    </dgm:txFillClrLst>
+    <dgm:txEffectClrLst/>
+  </dgm:styleLbl>
+  <dgm:styleLbl name="fgAcc1">
+    <dgm:fillClrLst meth="repeat">
+      <a:schemeClr val="lt1">
+        <a:alpha val="90000"/>
+      </a:schemeClr>
+    </dgm:fillClrLst>
+    <dgm:linClrLst meth="repeat">
+      <a:schemeClr val="accent1"/>
+    </dgm:linClrLst>
+    <dgm:effectClrLst/>
+    <dgm:txLinClrLst/>
+    <dgm:txFillClrLst meth="repeat">
+      <a:schemeClr val="dk1"/>
+    </dgm:txFillClrLst>
+    <dgm:txEffectClrLst/>
+  </dgm:styleLbl>
+  <dgm:styleLbl name="conFgAcc1">
+    <dgm:fillClrLst meth="repeat">
+      <a:schemeClr val="lt1">
+        <a:alpha val="90000"/>
+      </a:schemeClr>
+    </dgm:fillClrLst>
+    <dgm:linClrLst meth="repeat">
+      <a:schemeClr val="accent1"/>
+    </dgm:linClrLst>
+    <dgm:effectClrLst/>
+    <dgm:txLinClrLst/>
+    <dgm:txFillClrLst meth="repeat">
+      <a:schemeClr val="dk1"/>
+    </dgm:txFillClrLst>
+    <dgm:txEffectClrLst/>
+  </dgm:styleLbl>
+  <dgm:styleLbl name="alignAcc1">
+    <dgm:fillClrLst meth="repeat">
+      <a:schemeClr val="lt1">
+        <a:alpha val="90000"/>
+      </a:schemeClr>
+    </dgm:fillClrLst>
+    <dgm:linClrLst meth="repeat">
+      <a:schemeClr val="accent1"/>
+    </dgm:linClrLst>
+    <dgm:effectClrLst/>
+    <dgm:txLinClrLst/>
+    <dgm:txFillClrLst meth="repeat">
+      <a:schemeClr val="dk1"/>
+    </dgm:txFillClrLst>
+    <dgm:txEffectClrLst/>
+  </dgm:styleLbl>
+  <dgm:styleLbl name="trAlignAcc1">
+    <dgm:fillClrLst meth="repeat">
+      <a:schemeClr val="lt1">
+        <a:alpha val="40000"/>
+      </a:schemeClr>
+    </dgm:fillClrLst>
+    <dgm:linClrLst meth="repeat">
+      <a:schemeClr val="accent1"/>
+    </dgm:linClrLst>
+    <dgm:effectClrLst/>
+    <dgm:txLinClrLst/>
+    <dgm:txFillClrLst meth="repeat">
+      <a:schemeClr val="dk1"/>
+    </dgm:txFillClrLst>
+    <dgm:txEffectClrLst/>
+  </dgm:styleLbl>
+  <dgm:styleLbl name="bgAcc1">
+    <dgm:fillClrLst meth="repeat">
+      <a:schemeClr val="lt1">
+        <a:alpha val="90000"/>
+      </a:schemeClr>
+    </dgm:fillClrLst>
+    <dgm:linClrLst meth="repeat">
+      <a:schemeClr val="accent1"/>
+    </dgm:linClrLst>
+    <dgm:effectClrLst/>
+    <dgm:txLinClrLst/>
+    <dgm:txFillClrLst meth="repeat">
+      <a:schemeClr val="dk1"/>
+    </dgm:txFillClrLst>
+    <dgm:txEffectClrLst/>
+  </dgm:styleLbl>
+  <dgm:styleLbl name="solidFgAcc1">
+    <dgm:fillClrLst meth="repeat">
+      <a:schemeClr val="lt1"/>
+    </dgm:fillClrLst>
+    <dgm:linClrLst meth="repeat">
+      <a:schemeClr val="accent1"/>
+    </dgm:linClrLst>
+    <dgm:effectClrLst/>
+    <dgm:txLinClrLst/>
+    <dgm:txFillClrLst meth="repeat">
+      <a:schemeClr val="dk1"/>
+    </dgm:txFillClrLst>
+    <dgm:txEffectClrLst/>
+  </dgm:styleLbl>
+  <dgm:styleLbl name="solidAlignAcc1">
+    <dgm:fillClrLst meth="repeat">
+      <a:schemeClr val="lt1"/>
+    </dgm:fillClrLst>
+    <dgm:linClrLst meth="repeat">
+      <a:schemeClr val="accent1"/>
+    </dgm:linClrLst>
+    <dgm:effectClrLst/>
+    <dgm:txLinClrLst/>
+    <dgm:txFillClrLst meth="repeat">
+      <a:schemeClr val="dk1"/>
+    </dgm:txFillClrLst>
+    <dgm:txEffectClrLst/>
+  </dgm:styleLbl>
+  <dgm:styleLbl name="solidBgAcc1">
+    <dgm:fillClrLst meth="repeat">
+      <a:schemeClr val="lt1"/>
+    </dgm:fillClrLst>
+    <dgm:linClrLst meth="repeat">
+      <a:schemeClr val="accent1"/>
+    </dgm:linClrLst>
+    <dgm:effectClrLst/>
+    <dgm:txLinClrLst/>
+    <dgm:txFillClrLst meth="repeat">
+      <a:schemeClr val="dk1"/>
+    </dgm:txFillClrLst>
+    <dgm:txEffectClrLst/>
+  </dgm:styleLbl>
+  <dgm:styleLbl name="fgAccFollowNode1">
+    <dgm:fillClrLst meth="repeat">
+      <a:schemeClr val="accent1">
+        <a:alpha val="90000"/>
+        <a:tint val="40000"/>
+      </a:schemeClr>
+    </dgm:fillClrLst>
+    <dgm:linClrLst meth="repeat">
+      <a:schemeClr val="accent1">
+        <a:alpha val="90000"/>
+        <a:tint val="40000"/>
+      </a:schemeClr>
+    </dgm:linClrLst>
+    <dgm:effectClrLst/>
+    <dgm:txLinClrLst/>
+    <dgm:txFillClrLst meth="repeat">
+      <a:schemeClr val="dk1"/>
+    </dgm:txFillClrLst>
+    <dgm:txEffectClrLst/>
+  </dgm:styleLbl>
+  <dgm:styleLbl name="alignAccFollowNode1">
+    <dgm:fillClrLst meth="repeat">
+      <a:schemeClr val="accent1">
+        <a:alpha val="90000"/>
+        <a:tint val="40000"/>
+      </a:schemeClr>
+    </dgm:fillClrLst>
+    <dgm:linClrLst meth="repeat">
+      <a:schemeClr val="accent1">
+        <a:alpha val="90000"/>
+        <a:tint val="40000"/>
+      </a:schemeClr>
+    </dgm:linClrLst>
+    <dgm:effectClrLst/>
+    <dgm:txLinClrLst/>
+    <dgm:txFillClrLst meth="repeat">
+      <a:schemeClr val="dk1"/>
+    </dgm:txFillClrLst>
+    <dgm:txEffectClrLst/>
+  </dgm:styleLbl>
+  <dgm:styleLbl name="bgAccFollowNode1">
+    <dgm:fillClrLst meth="repeat">
+      <a:schemeClr val="accent1">
+        <a:alpha val="90000"/>
+        <a:tint val="40000"/>
+      </a:schemeClr>
+    </dgm:fillClrLst>
+    <dgm:linClrLst meth="repeat">
+      <a:schemeClr val="accent1">
+        <a:alpha val="90000"/>
+        <a:tint val="40000"/>
+      </a:schemeClr>
+    </dgm:linClrLst>
+    <dgm:effectClrLst/>
+    <dgm:txLinClrLst/>
+    <dgm:txFillClrLst meth="repeat">
+      <a:schemeClr val="dk1"/>
+    </dgm:txFillClrLst>
+    <dgm:txEffectClrLst/>
+  </dgm:styleLbl>
+  <dgm:styleLbl name="fgAcc0">
+    <dgm:fillClrLst meth="repeat">
+      <a:schemeClr val="lt1">
+        <a:alpha val="90000"/>
+      </a:schemeClr>
+    </dgm:fillClrLst>
+    <dgm:linClrLst meth="repeat">
+      <a:schemeClr val="accent1"/>
+    </dgm:linClrLst>
+    <dgm:effectClrLst/>
+    <dgm:txLinClrLst/>
+    <dgm:txFillClrLst meth="repeat">
+      <a:schemeClr val="dk1"/>
+    </dgm:txFillClrLst>
+    <dgm:txEffectClrLst/>
+  </dgm:styleLbl>
+  <dgm:styleLbl name="fgAcc2">
+    <dgm:fillClrLst meth="repeat">
+      <a:schemeClr val="lt1">
+        <a:alpha val="90000"/>
+      </a:schemeClr>
+    </dgm:fillClrLst>
+    <dgm:linClrLst meth="repeat">
+      <a:schemeClr val="accent1"/>
+    </dgm:linClrLst>
+    <dgm:effectClrLst/>
+    <dgm:txLinClrLst/>
+    <dgm:txFillClrLst meth="repeat">
+      <a:schemeClr val="dk1"/>
+    </dgm:txFillClrLst>
+    <dgm:txEffectClrLst/>
+  </dgm:styleLbl>
+  <dgm:styleLbl name="fgAcc3">
+    <dgm:fillClrLst meth="repeat">
+      <a:schemeClr val="lt1">
+        <a:alpha val="90000"/>
+      </a:schemeClr>
+    </dgm:fillClrLst>
+    <dgm:linClrLst meth="repeat">
+      <a:schemeClr val="accent1"/>
+    </dgm:linClrLst>
+    <dgm:effectClrLst/>
+    <dgm:txLinClrLst/>
+    <dgm:txFillClrLst meth="repeat">
+      <a:schemeClr val="dk1"/>
+    </dgm:txFillClrLst>
+    <dgm:txEffectClrLst/>
+  </dgm:styleLbl>
+  <dgm:styleLbl name="fgAcc4">
+    <dgm:fillClrLst meth="repeat">
+      <a:schemeClr val="lt1">
+        <a:alpha val="90000"/>
+      </a:schemeClr>
+    </dgm:fillClrLst>
+    <dgm:linClrLst meth="repeat">
+      <a:schemeClr val="accent1"/>
+    </dgm:linClrLst>
+    <dgm:effectClrLst/>
+    <dgm:txLinClrLst/>
+    <dgm:txFillClrLst meth="repeat">
+      <a:schemeClr val="dk1"/>
+    </dgm:txFillClrLst>
+    <dgm:txEffectClrLst/>
+  </dgm:styleLbl>
+  <dgm:styleLbl name="bgShp">
+    <dgm:fillClrLst meth="repeat">
+      <a:schemeClr val="accent1">
+        <a:tint val="40000"/>
+      </a:schemeClr>
+    </dgm:fillClrLst>
+    <dgm:linClrLst meth="repeat">
+      <a:schemeClr val="accent1"/>
+    </dgm:linClrLst>
+    <dgm:effectClrLst/>
+    <dgm:txLinClrLst/>
+    <dgm:txFillClrLst meth="repeat">
+      <a:schemeClr val="dk1"/>
+    </dgm:txFillClrLst>
+    <dgm:txEffectClrLst/>
+  </dgm:styleLbl>
+  <dgm:styleLbl name="dkBgShp">
+    <dgm:fillClrLst meth="repeat">
+      <a:schemeClr val="accent1">
+        <a:shade val="80000"/>
+      </a:schemeClr>
+    </dgm:fillClrLst>
+    <dgm:linClrLst meth="repeat">
+      <a:schemeClr val="accent1"/>
+    </dgm:linClrLst>
+    <dgm:effectClrLst/>
+    <dgm:txLinClrLst/>
+    <dgm:txFillClrLst meth="repeat">
+      <a:schemeClr val="lt1"/>
+    </dgm:txFillClrLst>
+    <dgm:txEffectClrLst/>
+  </dgm:styleLbl>
+  <dgm:styleLbl name="trBgShp">
+    <dgm:fillClrLst meth="repeat">
+      <a:schemeClr val="accent1">
+        <a:tint val="50000"/>
+        <a:alpha val="40000"/>
+      </a:schemeClr>
+    </dgm:fillClrLst>
+    <dgm:linClrLst meth="repeat">
+      <a:schemeClr val="accent1"/>
+    </dgm:linClrLst>
+    <dgm:effectClrLst/>
+    <dgm:txLinClrLst/>
+    <dgm:txFillClrLst meth="repeat">
+      <a:schemeClr val="lt1"/>
+    </dgm:txFillClrLst>
+    <dgm:txEffectClrLst/>
+  </dgm:styleLbl>
+  <dgm:styleLbl name="fgShp">
+    <dgm:fillClrLst meth="repeat">
+      <a:schemeClr val="accent1">
+        <a:tint val="60000"/>
+      </a:schemeClr>
+    </dgm:fillClrLst>
+    <dgm:linClrLst meth="repeat">
+      <a:schemeClr val="lt1"/>
+    </dgm:linClrLst>
+    <dgm:effectClrLst/>
+    <dgm:txLinClrLst/>
+    <dgm:txFillClrLst meth="repeat">
+      <a:schemeClr val="dk1"/>
+    </dgm:txFillClrLst>
+    <dgm:txEffectClrLst/>
+  </dgm:styleLbl>
+  <dgm:styleLbl name="revTx">
+    <dgm:fillClrLst meth="repeat">
+      <a:schemeClr val="lt1">
+        <a:alpha val="0"/>
+      </a:schemeClr>
+    </dgm:fillClrLst>
+    <dgm:linClrLst meth="repeat">
+      <a:schemeClr val="dk1">
+        <a:alpha val="0"/>
+      </a:schemeClr>
+    </dgm:linClrLst>
+    <dgm:effectClrLst/>
+    <dgm:txLinClrLst/>
+    <dgm:txFillClrLst meth="repeat">
+      <a:schemeClr val="tx1"/>
+    </dgm:txFillClrLst>
+    <dgm:txEffectClrLst/>
+  </dgm:styleLbl>
+</dgm:colorsDef>
+</file>
+
 <file path=ppt/diagrams/colors2.xml><?xml version="1.0" encoding="utf-8"?>
 <dgm:colorsDef xmlns:dgm="http://schemas.openxmlformats.org/drawingml/2006/diagram" xmlns:a="http://schemas.openxmlformats.org/drawingml/2006/main" uniqueId="urn:microsoft.com/office/officeart/2018/5/colors/Iconchunking_neutralbg_colorful1">
   <dgm:title val=""/>
@@ -6769,11 +7518,11 @@
 </file>
 
 <file path=ppt/diagrams/colors9.xml><?xml version="1.0" encoding="utf-8"?>
-<dgm:colorsDef xmlns:dgm="http://schemas.openxmlformats.org/drawingml/2006/diagram" xmlns:a="http://schemas.openxmlformats.org/drawingml/2006/main" uniqueId="urn:microsoft.com/office/officeart/2005/8/colors/accent1_2">
+<dgm:colorsDef xmlns:dgm="http://schemas.openxmlformats.org/drawingml/2006/diagram" xmlns:a="http://schemas.openxmlformats.org/drawingml/2006/main" uniqueId="urn:microsoft.com/office/officeart/2018/5/colors/Iconchunking_neutralicontext_colorful1">
   <dgm:title val=""/>
   <dgm:desc val=""/>
   <dgm:catLst>
-    <dgm:cat type="accent1" pri="11200"/>
+    <dgm:cat type="colorful" pri="10100"/>
   </dgm:catLst>
   <dgm:styleLbl name="node0">
     <dgm:fillClrLst meth="repeat">
@@ -6787,21 +7536,49 @@
     <dgm:txFillClrLst/>
     <dgm:txEffectClrLst/>
   </dgm:styleLbl>
+  <dgm:styleLbl name="node1">
+    <dgm:fillClrLst meth="repeat">
+      <a:schemeClr val="bg1"/>
+    </dgm:fillClrLst>
+    <dgm:linClrLst meth="repeat">
+      <a:schemeClr val="lt1">
+        <a:alpha val="0"/>
+      </a:schemeClr>
+    </dgm:linClrLst>
+    <dgm:effectClrLst/>
+    <dgm:txLinClrLst/>
+    <dgm:txFillClrLst meth="repeat">
+      <a:schemeClr val="dk1"/>
+    </dgm:txFillClrLst>
+    <dgm:txEffectClrLst/>
+  </dgm:styleLbl>
   <dgm:styleLbl name="alignNode1">
     <dgm:fillClrLst meth="repeat">
-      <a:schemeClr val="accent1"/>
+      <a:schemeClr val="accent2"/>
+      <a:schemeClr val="accent3"/>
+      <a:schemeClr val="accent4"/>
+      <a:schemeClr val="accent5"/>
+      <a:schemeClr val="accent6"/>
     </dgm:fillClrLst>
     <dgm:linClrLst meth="repeat">
-      <a:schemeClr val="accent1"/>
+      <a:schemeClr val="accent2"/>
+      <a:schemeClr val="accent3"/>
+      <a:schemeClr val="accent4"/>
+      <a:schemeClr val="accent5"/>
+      <a:schemeClr val="accent6"/>
     </dgm:linClrLst>
     <dgm:effectClrLst/>
     <dgm:txLinClrLst/>
     <dgm:txFillClrLst/>
     <dgm:txEffectClrLst/>
   </dgm:styleLbl>
-  <dgm:styleLbl name="node1">
+  <dgm:styleLbl name="lnNode1">
     <dgm:fillClrLst meth="repeat">
-      <a:schemeClr val="accent1"/>
+      <a:schemeClr val="accent2"/>
+      <a:schemeClr val="accent3"/>
+      <a:schemeClr val="accent4"/>
+      <a:schemeClr val="accent5"/>
+      <a:schemeClr val="accent6"/>
     </dgm:fillClrLst>
     <dgm:linClrLst meth="repeat">
       <a:schemeClr val="lt1"/>
@@ -6811,9 +7588,23 @@
     <dgm:txFillClrLst/>
     <dgm:txEffectClrLst/>
   </dgm:styleLbl>
-  <dgm:styleLbl name="lnNode1">
+  <dgm:styleLbl name="vennNode1">
     <dgm:fillClrLst meth="repeat">
-      <a:schemeClr val="accent1"/>
+      <a:schemeClr val="accent2">
+        <a:alpha val="50000"/>
+      </a:schemeClr>
+      <a:schemeClr val="accent3">
+        <a:alpha val="50000"/>
+      </a:schemeClr>
+      <a:schemeClr val="accent4">
+        <a:alpha val="50000"/>
+      </a:schemeClr>
+      <a:schemeClr val="accent5">
+        <a:alpha val="50000"/>
+      </a:schemeClr>
+      <a:schemeClr val="accent6">
+        <a:alpha val="50000"/>
+      </a:schemeClr>
     </dgm:fillClrLst>
     <dgm:linClrLst meth="repeat">
       <a:schemeClr val="lt1"/>
@@ -6823,11 +7614,9 @@
     <dgm:txFillClrLst/>
     <dgm:txEffectClrLst/>
   </dgm:styleLbl>
-  <dgm:styleLbl name="vennNode1">
-    <dgm:fillClrLst meth="repeat">
-      <a:schemeClr val="accent1">
-        <a:alpha val="50000"/>
-      </a:schemeClr>
+  <dgm:styleLbl name="node2">
+    <dgm:fillClrLst>
+      <a:schemeClr val="accent2"/>
     </dgm:fillClrLst>
     <dgm:linClrLst meth="repeat">
       <a:schemeClr val="lt1"/>
@@ -6837,9 +7626,9 @@
     <dgm:txFillClrLst/>
     <dgm:txEffectClrLst/>
   </dgm:styleLbl>
-  <dgm:styleLbl name="node2">
-    <dgm:fillClrLst meth="repeat">
-      <a:schemeClr val="accent1"/>
+  <dgm:styleLbl name="node3">
+    <dgm:fillClrLst>
+      <a:schemeClr val="accent3"/>
     </dgm:fillClrLst>
     <dgm:linClrLst meth="repeat">
       <a:schemeClr val="lt1"/>
@@ -6849,9 +7638,9 @@
     <dgm:txFillClrLst/>
     <dgm:txEffectClrLst/>
   </dgm:styleLbl>
-  <dgm:styleLbl name="node3">
-    <dgm:fillClrLst meth="repeat">
-      <a:schemeClr val="accent1"/>
+  <dgm:styleLbl name="node4">
+    <dgm:fillClrLst>
+      <a:schemeClr val="accent4"/>
     </dgm:fillClrLst>
     <dgm:linClrLst meth="repeat">
       <a:schemeClr val="lt1"/>
@@ -6861,21 +7650,21 @@
     <dgm:txFillClrLst/>
     <dgm:txEffectClrLst/>
   </dgm:styleLbl>
-  <dgm:styleLbl name="node4">
-    <dgm:fillClrLst meth="repeat">
-      <a:schemeClr val="accent1"/>
-    </dgm:fillClrLst>
-    <dgm:linClrLst meth="repeat">
-      <a:schemeClr val="lt1"/>
-    </dgm:linClrLst>
-    <dgm:effectClrLst/>
-    <dgm:txLinClrLst/>
-    <dgm:txFillClrLst/>
-    <dgm:txEffectClrLst/>
-  </dgm:styleLbl>
   <dgm:styleLbl name="fgImgPlace1">
     <dgm:fillClrLst meth="repeat">
-      <a:schemeClr val="accent1">
+      <a:schemeClr val="accent2">
+        <a:tint val="50000"/>
+      </a:schemeClr>
+      <a:schemeClr val="accent3">
+        <a:tint val="50000"/>
+      </a:schemeClr>
+      <a:schemeClr val="accent4">
+        <a:tint val="50000"/>
+      </a:schemeClr>
+      <a:schemeClr val="accent5">
+        <a:tint val="50000"/>
+      </a:schemeClr>
+      <a:schemeClr val="accent6">
         <a:tint val="50000"/>
       </a:schemeClr>
     </dgm:fillClrLst>
@@ -6890,9 +7679,12 @@
     <dgm:txEffectClrLst/>
   </dgm:styleLbl>
   <dgm:styleLbl name="alignImgPlace1">
-    <dgm:fillClrLst meth="repeat">
+    <dgm:fillClrLst>
       <a:schemeClr val="accent1">
         <a:tint val="50000"/>
+      </a:schemeClr>
+      <a:schemeClr val="accent2">
+        <a:tint val="20000"/>
       </a:schemeClr>
     </dgm:fillClrLst>
     <dgm:linClrLst meth="repeat">
@@ -6906,9 +7698,12 @@
     <dgm:txEffectClrLst/>
   </dgm:styleLbl>
   <dgm:styleLbl name="bgImgPlace1">
-    <dgm:fillClrLst meth="repeat">
+    <dgm:fillClrLst>
       <a:schemeClr val="accent1">
         <a:tint val="50000"/>
+      </a:schemeClr>
+      <a:schemeClr val="accent2">
+        <a:tint val="20000"/>
       </a:schemeClr>
     </dgm:fillClrLst>
     <dgm:linClrLst meth="repeat">
@@ -6923,14 +7718,14 @@
   </dgm:styleLbl>
   <dgm:styleLbl name="sibTrans2D1">
     <dgm:fillClrLst meth="repeat">
-      <a:schemeClr val="accent1">
-        <a:tint val="60000"/>
-      </a:schemeClr>
-    </dgm:fillClrLst>
-    <dgm:linClrLst meth="repeat">
-      <a:schemeClr val="accent1">
-        <a:tint val="60000"/>
-      </a:schemeClr>
+      <a:schemeClr val="accent2"/>
+      <a:schemeClr val="accent3"/>
+      <a:schemeClr val="accent4"/>
+      <a:schemeClr val="accent5"/>
+      <a:schemeClr val="accent6"/>
+    </dgm:fillClrLst>
+    <dgm:linClrLst meth="cycle">
+      <a:schemeClr val="lt1"/>
     </dgm:linClrLst>
     <dgm:effectClrLst/>
     <dgm:txLinClrLst/>
@@ -6939,42 +7734,54 @@
   </dgm:styleLbl>
   <dgm:styleLbl name="fgSibTrans2D1">
     <dgm:fillClrLst meth="repeat">
-      <a:schemeClr val="accent1">
-        <a:tint val="60000"/>
-      </a:schemeClr>
-    </dgm:fillClrLst>
-    <dgm:linClrLst meth="repeat">
-      <a:schemeClr val="accent1">
-        <a:tint val="60000"/>
-      </a:schemeClr>
-    </dgm:linClrLst>
-    <dgm:effectClrLst/>
-    <dgm:txLinClrLst/>
-    <dgm:txFillClrLst/>
+      <a:schemeClr val="accent2"/>
+      <a:schemeClr val="accent3"/>
+      <a:schemeClr val="accent4"/>
+      <a:schemeClr val="accent5"/>
+      <a:schemeClr val="accent6"/>
+    </dgm:fillClrLst>
+    <dgm:linClrLst meth="cycle">
+      <a:schemeClr val="lt1"/>
+    </dgm:linClrLst>
+    <dgm:effectClrLst/>
+    <dgm:txLinClrLst/>
+    <dgm:txFillClrLst meth="repeat">
+      <a:schemeClr val="lt1"/>
+    </dgm:txFillClrLst>
     <dgm:txEffectClrLst/>
   </dgm:styleLbl>
   <dgm:styleLbl name="bgSibTrans2D1">
     <dgm:fillClrLst meth="repeat">
-      <a:schemeClr val="accent1">
-        <a:tint val="60000"/>
-      </a:schemeClr>
-    </dgm:fillClrLst>
-    <dgm:linClrLst meth="repeat">
-      <a:schemeClr val="accent1">
-        <a:tint val="60000"/>
-      </a:schemeClr>
-    </dgm:linClrLst>
-    <dgm:effectClrLst/>
-    <dgm:txLinClrLst/>
-    <dgm:txFillClrLst/>
+      <a:schemeClr val="accent2"/>
+      <a:schemeClr val="accent3"/>
+      <a:schemeClr val="accent4"/>
+      <a:schemeClr val="accent5"/>
+      <a:schemeClr val="accent6"/>
+    </dgm:fillClrLst>
+    <dgm:linClrLst meth="cycle">
+      <a:schemeClr val="lt1"/>
+    </dgm:linClrLst>
+    <dgm:effectClrLst/>
+    <dgm:txLinClrLst/>
+    <dgm:txFillClrLst meth="repeat">
+      <a:schemeClr val="lt1"/>
+    </dgm:txFillClrLst>
     <dgm:txEffectClrLst/>
   </dgm:styleLbl>
   <dgm:styleLbl name="sibTrans1D1">
     <dgm:fillClrLst meth="repeat">
-      <a:schemeClr val="accent1"/>
+      <a:schemeClr val="accent2"/>
+      <a:schemeClr val="accent3"/>
+      <a:schemeClr val="accent4"/>
+      <a:schemeClr val="accent5"/>
+      <a:schemeClr val="accent6"/>
     </dgm:fillClrLst>
     <dgm:linClrLst meth="repeat">
-      <a:schemeClr val="accent1"/>
+      <a:schemeClr val="accent2"/>
+      <a:schemeClr val="accent3"/>
+      <a:schemeClr val="accent4"/>
+      <a:schemeClr val="accent5"/>
+      <a:schemeClr val="accent6"/>
     </dgm:linClrLst>
     <dgm:effectClrLst/>
     <dgm:txLinClrLst/>
@@ -6985,10 +7792,10 @@
   </dgm:styleLbl>
   <dgm:styleLbl name="callout">
     <dgm:fillClrLst meth="repeat">
-      <a:schemeClr val="accent1"/>
+      <a:schemeClr val="accent2"/>
     </dgm:fillClrLst>
     <dgm:linClrLst meth="repeat">
-      <a:schemeClr val="accent1">
+      <a:schemeClr val="accent2">
         <a:tint val="50000"/>
       </a:schemeClr>
     </dgm:linClrLst>
@@ -7013,7 +7820,7 @@
   </dgm:styleLbl>
   <dgm:styleLbl name="asst1">
     <dgm:fillClrLst meth="repeat">
-      <a:schemeClr val="accent1"/>
+      <a:schemeClr val="accent2"/>
     </dgm:fillClrLst>
     <dgm:linClrLst meth="repeat">
       <a:schemeClr val="lt1"/>
@@ -7024,8 +7831,8 @@
     <dgm:txEffectClrLst/>
   </dgm:styleLbl>
   <dgm:styleLbl name="asst2">
-    <dgm:fillClrLst meth="repeat">
-      <a:schemeClr val="accent1"/>
+    <dgm:fillClrLst>
+      <a:schemeClr val="accent3"/>
     </dgm:fillClrLst>
     <dgm:linClrLst meth="repeat">
       <a:schemeClr val="lt1"/>
@@ -7036,8 +7843,8 @@
     <dgm:txEffectClrLst/>
   </dgm:styleLbl>
   <dgm:styleLbl name="asst3">
-    <dgm:fillClrLst meth="repeat">
-      <a:schemeClr val="accent1"/>
+    <dgm:fillClrLst>
+      <a:schemeClr val="accent4"/>
     </dgm:fillClrLst>
     <dgm:linClrLst meth="repeat">
       <a:schemeClr val="lt1"/>
@@ -7048,8 +7855,8 @@
     <dgm:txEffectClrLst/>
   </dgm:styleLbl>
   <dgm:styleLbl name="asst4">
-    <dgm:fillClrLst meth="repeat">
-      <a:schemeClr val="accent1"/>
+    <dgm:fillClrLst>
+      <a:schemeClr val="accent5"/>
     </dgm:fillClrLst>
     <dgm:linClrLst meth="repeat">
       <a:schemeClr val="lt1"/>
@@ -7061,14 +7868,10 @@
   </dgm:styleLbl>
   <dgm:styleLbl name="parChTrans2D1">
     <dgm:fillClrLst meth="repeat">
-      <a:schemeClr val="accent1">
-        <a:tint val="60000"/>
-      </a:schemeClr>
+      <a:schemeClr val="accent2"/>
     </dgm:fillClrLst>
     <dgm:linClrLst meth="repeat">
-      <a:schemeClr val="accent1">
-        <a:tint val="60000"/>
-      </a:schemeClr>
+      <a:schemeClr val="lt1"/>
     </dgm:linClrLst>
     <dgm:effectClrLst/>
     <dgm:txLinClrLst/>
@@ -7079,10 +7882,34 @@
   </dgm:styleLbl>
   <dgm:styleLbl name="parChTrans2D2">
     <dgm:fillClrLst meth="repeat">
-      <a:schemeClr val="accent1"/>
+      <a:schemeClr val="accent3"/>
     </dgm:fillClrLst>
     <dgm:linClrLst meth="repeat">
-      <a:schemeClr val="accent1"/>
+      <a:schemeClr val="lt1"/>
+    </dgm:linClrLst>
+    <dgm:effectClrLst/>
+    <dgm:txLinClrLst/>
+    <dgm:txFillClrLst/>
+    <dgm:txEffectClrLst/>
+  </dgm:styleLbl>
+  <dgm:styleLbl name="parChTrans2D3">
+    <dgm:fillClrLst meth="repeat">
+      <a:schemeClr val="accent4"/>
+    </dgm:fillClrLst>
+    <dgm:linClrLst meth="repeat">
+      <a:schemeClr val="lt1"/>
+    </dgm:linClrLst>
+    <dgm:effectClrLst/>
+    <dgm:txLinClrLst/>
+    <dgm:txFillClrLst/>
+    <dgm:txEffectClrLst/>
+  </dgm:styleLbl>
+  <dgm:styleLbl name="parChTrans2D4">
+    <dgm:fillClrLst meth="repeat">
+      <a:schemeClr val="accent5"/>
+    </dgm:fillClrLst>
+    <dgm:linClrLst meth="repeat">
+      <a:schemeClr val="lt1"/>
     </dgm:linClrLst>
     <dgm:effectClrLst/>
     <dgm:txLinClrLst/>
@@ -7091,42 +7918,12 @@
     </dgm:txFillClrLst>
     <dgm:txEffectClrLst/>
   </dgm:styleLbl>
-  <dgm:styleLbl name="parChTrans2D3">
+  <dgm:styleLbl name="parChTrans1D1">
     <dgm:fillClrLst meth="repeat">
-      <a:schemeClr val="accent1"/>
+      <a:schemeClr val="accent2"/>
     </dgm:fillClrLst>
     <dgm:linClrLst meth="repeat">
       <a:schemeClr val="accent1"/>
-    </dgm:linClrLst>
-    <dgm:effectClrLst/>
-    <dgm:txLinClrLst/>
-    <dgm:txFillClrLst meth="repeat">
-      <a:schemeClr val="lt1"/>
-    </dgm:txFillClrLst>
-    <dgm:txEffectClrLst/>
-  </dgm:styleLbl>
-  <dgm:styleLbl name="parChTrans2D4">
-    <dgm:fillClrLst meth="repeat">
-      <a:schemeClr val="accent1"/>
-    </dgm:fillClrLst>
-    <dgm:linClrLst meth="repeat">
-      <a:schemeClr val="accent1"/>
-    </dgm:linClrLst>
-    <dgm:effectClrLst/>
-    <dgm:txLinClrLst/>
-    <dgm:txFillClrLst meth="repeat">
-      <a:schemeClr val="lt1"/>
-    </dgm:txFillClrLst>
-    <dgm:txEffectClrLst/>
-  </dgm:styleLbl>
-  <dgm:styleLbl name="parChTrans1D1">
-    <dgm:fillClrLst meth="repeat">
-      <a:schemeClr val="accent1"/>
-    </dgm:fillClrLst>
-    <dgm:linClrLst meth="repeat">
-      <a:schemeClr val="accent1">
-        <a:shade val="60000"/>
-      </a:schemeClr>
     </dgm:linClrLst>
     <dgm:effectClrLst/>
     <dgm:txLinClrLst/>
@@ -7137,12 +7934,12 @@
   </dgm:styleLbl>
   <dgm:styleLbl name="parChTrans1D2">
     <dgm:fillClrLst meth="repeat">
-      <a:schemeClr val="accent1"/>
+      <a:schemeClr val="accent3">
+        <a:tint val="90000"/>
+      </a:schemeClr>
     </dgm:fillClrLst>
     <dgm:linClrLst meth="repeat">
-      <a:schemeClr val="accent1">
-        <a:shade val="60000"/>
-      </a:schemeClr>
+      <a:schemeClr val="accent2"/>
     </dgm:linClrLst>
     <dgm:effectClrLst/>
     <dgm:txLinClrLst/>
@@ -7153,12 +7950,12 @@
   </dgm:styleLbl>
   <dgm:styleLbl name="parChTrans1D3">
     <dgm:fillClrLst meth="repeat">
-      <a:schemeClr val="accent1"/>
+      <a:schemeClr val="accent4">
+        <a:tint val="70000"/>
+      </a:schemeClr>
     </dgm:fillClrLst>
     <dgm:linClrLst meth="repeat">
-      <a:schemeClr val="accent1">
-        <a:shade val="80000"/>
-      </a:schemeClr>
+      <a:schemeClr val="accent3"/>
     </dgm:linClrLst>
     <dgm:effectClrLst/>
     <dgm:txLinClrLst/>
@@ -7169,12 +7966,12 @@
   </dgm:styleLbl>
   <dgm:styleLbl name="parChTrans1D4">
     <dgm:fillClrLst meth="repeat">
-      <a:schemeClr val="accent1"/>
+      <a:schemeClr val="accent5">
+        <a:tint val="50000"/>
+      </a:schemeClr>
     </dgm:fillClrLst>
     <dgm:linClrLst meth="repeat">
-      <a:schemeClr val="accent1">
-        <a:shade val="80000"/>
-      </a:schemeClr>
+      <a:schemeClr val="accent4"/>
     </dgm:linClrLst>
     <dgm:effectClrLst/>
     <dgm:txLinClrLst/>
@@ -7190,7 +7987,11 @@
       </a:schemeClr>
     </dgm:fillClrLst>
     <dgm:linClrLst meth="repeat">
-      <a:schemeClr val="accent1"/>
+      <a:schemeClr val="accent2"/>
+      <a:schemeClr val="accent3"/>
+      <a:schemeClr val="accent4"/>
+      <a:schemeClr val="accent5"/>
+      <a:schemeClr val="accent6"/>
     </dgm:linClrLst>
     <dgm:effectClrLst/>
     <dgm:txLinClrLst/>
@@ -7206,7 +8007,11 @@
       </a:schemeClr>
     </dgm:fillClrLst>
     <dgm:linClrLst meth="repeat">
-      <a:schemeClr val="accent1"/>
+      <a:schemeClr val="accent2"/>
+      <a:schemeClr val="accent3"/>
+      <a:schemeClr val="accent4"/>
+      <a:schemeClr val="accent5"/>
+      <a:schemeClr val="accent6"/>
     </dgm:linClrLst>
     <dgm:effectClrLst/>
     <dgm:txLinClrLst/>
@@ -7222,7 +8027,11 @@
       </a:schemeClr>
     </dgm:fillClrLst>
     <dgm:linClrLst meth="repeat">
-      <a:schemeClr val="accent1"/>
+      <a:schemeClr val="accent2"/>
+      <a:schemeClr val="accent3"/>
+      <a:schemeClr val="accent4"/>
+      <a:schemeClr val="accent5"/>
+      <a:schemeClr val="accent6"/>
     </dgm:linClrLst>
     <dgm:effectClrLst/>
     <dgm:txLinClrLst/>
@@ -7254,7 +8063,11 @@
       </a:schemeClr>
     </dgm:fillClrLst>
     <dgm:linClrLst meth="repeat">
-      <a:schemeClr val="accent1"/>
+      <a:schemeClr val="accent2"/>
+      <a:schemeClr val="accent3"/>
+      <a:schemeClr val="accent4"/>
+      <a:schemeClr val="accent5"/>
+      <a:schemeClr val="accent6"/>
     </dgm:linClrLst>
     <dgm:effectClrLst/>
     <dgm:txLinClrLst/>
@@ -7268,7 +8081,11 @@
       <a:schemeClr val="lt1"/>
     </dgm:fillClrLst>
     <dgm:linClrLst meth="repeat">
-      <a:schemeClr val="accent1"/>
+      <a:schemeClr val="accent2"/>
+      <a:schemeClr val="accent3"/>
+      <a:schemeClr val="accent4"/>
+      <a:schemeClr val="accent5"/>
+      <a:schemeClr val="accent6"/>
     </dgm:linClrLst>
     <dgm:effectClrLst/>
     <dgm:txLinClrLst/>
@@ -7282,7 +8099,11 @@
       <a:schemeClr val="lt1"/>
     </dgm:fillClrLst>
     <dgm:linClrLst meth="repeat">
-      <a:schemeClr val="accent1"/>
+      <a:schemeClr val="accent2"/>
+      <a:schemeClr val="accent3"/>
+      <a:schemeClr val="accent4"/>
+      <a:schemeClr val="accent5"/>
+      <a:schemeClr val="accent6"/>
     </dgm:linClrLst>
     <dgm:effectClrLst/>
     <dgm:txLinClrLst/>
@@ -7296,7 +8117,11 @@
       <a:schemeClr val="lt1"/>
     </dgm:fillClrLst>
     <dgm:linClrLst meth="repeat">
-      <a:schemeClr val="accent1"/>
+      <a:schemeClr val="accent2"/>
+      <a:schemeClr val="accent3"/>
+      <a:schemeClr val="accent4"/>
+      <a:schemeClr val="accent5"/>
+      <a:schemeClr val="accent6"/>
     </dgm:linClrLst>
     <dgm:effectClrLst/>
     <dgm:txLinClrLst/>
@@ -7307,15 +8132,47 @@
   </dgm:styleLbl>
   <dgm:styleLbl name="fgAccFollowNode1">
     <dgm:fillClrLst meth="repeat">
-      <a:schemeClr val="accent1">
+      <a:schemeClr val="accent2">
+        <a:tint val="40000"/>
         <a:alpha val="90000"/>
+      </a:schemeClr>
+      <a:schemeClr val="accent3">
         <a:tint val="40000"/>
+        <a:alpha val="90000"/>
+      </a:schemeClr>
+      <a:schemeClr val="accent4">
+        <a:tint val="40000"/>
+        <a:alpha val="90000"/>
+      </a:schemeClr>
+      <a:schemeClr val="accent5">
+        <a:tint val="40000"/>
+        <a:alpha val="90000"/>
+      </a:schemeClr>
+      <a:schemeClr val="accent6">
+        <a:tint val="40000"/>
+        <a:alpha val="90000"/>
       </a:schemeClr>
     </dgm:fillClrLst>
     <dgm:linClrLst meth="repeat">
-      <a:schemeClr val="accent1">
+      <a:schemeClr val="accent2">
+        <a:tint val="40000"/>
         <a:alpha val="90000"/>
+      </a:schemeClr>
+      <a:schemeClr val="accent3">
         <a:tint val="40000"/>
+        <a:alpha val="90000"/>
+      </a:schemeClr>
+      <a:schemeClr val="accent4">
+        <a:tint val="40000"/>
+        <a:alpha val="90000"/>
+      </a:schemeClr>
+      <a:schemeClr val="accent5">
+        <a:tint val="40000"/>
+        <a:alpha val="90000"/>
+      </a:schemeClr>
+      <a:schemeClr val="accent6">
+        <a:tint val="40000"/>
+        <a:alpha val="90000"/>
       </a:schemeClr>
     </dgm:linClrLst>
     <dgm:effectClrLst/>
@@ -7327,15 +8184,47 @@
   </dgm:styleLbl>
   <dgm:styleLbl name="alignAccFollowNode1">
     <dgm:fillClrLst meth="repeat">
-      <a:schemeClr val="accent1">
+      <a:schemeClr val="accent2">
+        <a:tint val="40000"/>
         <a:alpha val="90000"/>
+      </a:schemeClr>
+      <a:schemeClr val="accent3">
         <a:tint val="40000"/>
+        <a:alpha val="90000"/>
+      </a:schemeClr>
+      <a:schemeClr val="accent4">
+        <a:tint val="40000"/>
+        <a:alpha val="90000"/>
+      </a:schemeClr>
+      <a:schemeClr val="accent5">
+        <a:tint val="40000"/>
+        <a:alpha val="90000"/>
+      </a:schemeClr>
+      <a:schemeClr val="accent6">
+        <a:tint val="40000"/>
+        <a:alpha val="90000"/>
       </a:schemeClr>
     </dgm:fillClrLst>
     <dgm:linClrLst meth="repeat">
-      <a:schemeClr val="accent1">
+      <a:schemeClr val="accent2">
+        <a:tint val="40000"/>
         <a:alpha val="90000"/>
+      </a:schemeClr>
+      <a:schemeClr val="accent3">
         <a:tint val="40000"/>
+        <a:alpha val="90000"/>
+      </a:schemeClr>
+      <a:schemeClr val="accent4">
+        <a:tint val="40000"/>
+        <a:alpha val="90000"/>
+      </a:schemeClr>
+      <a:schemeClr val="accent5">
+        <a:tint val="40000"/>
+        <a:alpha val="90000"/>
+      </a:schemeClr>
+      <a:schemeClr val="accent6">
+        <a:tint val="40000"/>
+        <a:alpha val="90000"/>
       </a:schemeClr>
     </dgm:linClrLst>
     <dgm:effectClrLst/>
@@ -7347,15 +8236,47 @@
   </dgm:styleLbl>
   <dgm:styleLbl name="bgAccFollowNode1">
     <dgm:fillClrLst meth="repeat">
-      <a:schemeClr val="accent1">
+      <a:schemeClr val="accent2">
+        <a:tint val="40000"/>
         <a:alpha val="90000"/>
+      </a:schemeClr>
+      <a:schemeClr val="accent3">
         <a:tint val="40000"/>
+        <a:alpha val="90000"/>
+      </a:schemeClr>
+      <a:schemeClr val="accent4">
+        <a:tint val="40000"/>
+        <a:alpha val="90000"/>
+      </a:schemeClr>
+      <a:schemeClr val="accent5">
+        <a:tint val="40000"/>
+        <a:alpha val="90000"/>
+      </a:schemeClr>
+      <a:schemeClr val="accent6">
+        <a:tint val="40000"/>
+        <a:alpha val="90000"/>
       </a:schemeClr>
     </dgm:fillClrLst>
     <dgm:linClrLst meth="repeat">
-      <a:schemeClr val="accent1">
+      <a:schemeClr val="accent2">
+        <a:tint val="40000"/>
         <a:alpha val="90000"/>
+      </a:schemeClr>
+      <a:schemeClr val="accent3">
         <a:tint val="40000"/>
+        <a:alpha val="90000"/>
+      </a:schemeClr>
+      <a:schemeClr val="accent4">
+        <a:tint val="40000"/>
+        <a:alpha val="90000"/>
+      </a:schemeClr>
+      <a:schemeClr val="accent5">
+        <a:tint val="40000"/>
+        <a:alpha val="90000"/>
+      </a:schemeClr>
+      <a:schemeClr val="accent6">
+        <a:tint val="40000"/>
+        <a:alpha val="90000"/>
       </a:schemeClr>
     </dgm:linClrLst>
     <dgm:effectClrLst/>
@@ -7371,7 +8292,7 @@
         <a:alpha val="90000"/>
       </a:schemeClr>
     </dgm:fillClrLst>
-    <dgm:linClrLst meth="repeat">
+    <dgm:linClrLst>
       <a:schemeClr val="accent1"/>
     </dgm:linClrLst>
     <dgm:effectClrLst/>
@@ -7387,8 +8308,8 @@
         <a:alpha val="90000"/>
       </a:schemeClr>
     </dgm:fillClrLst>
-    <dgm:linClrLst meth="repeat">
-      <a:schemeClr val="accent1"/>
+    <dgm:linClrLst>
+      <a:schemeClr val="accent2"/>
     </dgm:linClrLst>
     <dgm:effectClrLst/>
     <dgm:txLinClrLst/>
@@ -7403,8 +8324,8 @@
         <a:alpha val="90000"/>
       </a:schemeClr>
     </dgm:fillClrLst>
-    <dgm:linClrLst meth="repeat">
-      <a:schemeClr val="accent1"/>
+    <dgm:linClrLst>
+      <a:schemeClr val="accent3"/>
     </dgm:linClrLst>
     <dgm:effectClrLst/>
     <dgm:txLinClrLst/>
@@ -7419,8 +8340,8 @@
         <a:alpha val="90000"/>
       </a:schemeClr>
     </dgm:fillClrLst>
-    <dgm:linClrLst meth="repeat">
-      <a:schemeClr val="accent1"/>
+    <dgm:linClrLst>
+      <a:schemeClr val="accent4"/>
     </dgm:linClrLst>
     <dgm:effectClrLst/>
     <dgm:txLinClrLst/>
@@ -7431,28 +8352,30 @@
   </dgm:styleLbl>
   <dgm:styleLbl name="bgShp">
     <dgm:fillClrLst meth="repeat">
-      <a:schemeClr val="accent1">
-        <a:tint val="40000"/>
-      </a:schemeClr>
+      <a:schemeClr val="accent2"/>
+      <a:schemeClr val="accent3"/>
+      <a:schemeClr val="accent4"/>
+      <a:schemeClr val="accent5"/>
+      <a:schemeClr val="accent6"/>
     </dgm:fillClrLst>
     <dgm:linClrLst meth="repeat">
-      <a:schemeClr val="accent1"/>
-    </dgm:linClrLst>
-    <dgm:effectClrLst/>
-    <dgm:txLinClrLst/>
-    <dgm:txFillClrLst meth="repeat">
-      <a:schemeClr val="dk1"/>
-    </dgm:txFillClrLst>
+      <a:schemeClr val="lt1">
+        <a:alpha val="0"/>
+      </a:schemeClr>
+    </dgm:linClrLst>
+    <dgm:effectClrLst/>
+    <dgm:txLinClrLst/>
+    <dgm:txFillClrLst/>
     <dgm:txEffectClrLst/>
   </dgm:styleLbl>
   <dgm:styleLbl name="dkBgShp">
     <dgm:fillClrLst meth="repeat">
-      <a:schemeClr val="accent1">
-        <a:shade val="80000"/>
+      <a:schemeClr val="accent2">
+        <a:shade val="90000"/>
       </a:schemeClr>
     </dgm:fillClrLst>
     <dgm:linClrLst meth="repeat">
-      <a:schemeClr val="accent1"/>
+      <a:schemeClr val="dk1"/>
     </dgm:linClrLst>
     <dgm:effectClrLst/>
     <dgm:txLinClrLst/>
@@ -7469,7 +8392,7 @@
       </a:schemeClr>
     </dgm:fillClrLst>
     <dgm:linClrLst meth="repeat">
-      <a:schemeClr val="accent1"/>
+      <a:schemeClr val="accent2"/>
     </dgm:linClrLst>
     <dgm:effectClrLst/>
     <dgm:txLinClrLst/>
@@ -7480,8 +8403,8 @@
   </dgm:styleLbl>
   <dgm:styleLbl name="fgShp">
     <dgm:fillClrLst meth="repeat">
-      <a:schemeClr val="accent1">
-        <a:tint val="60000"/>
+      <a:schemeClr val="accent2">
+        <a:tint val="40000"/>
       </a:schemeClr>
     </dgm:fillClrLst>
     <dgm:linClrLst meth="repeat">
@@ -7508,7 +8431,7 @@
     <dgm:effectClrLst/>
     <dgm:txLinClrLst/>
     <dgm:txFillClrLst meth="repeat">
-      <a:schemeClr val="tx1"/>
+      <a:schemeClr val="bg1"/>
     </dgm:txFillClrLst>
     <dgm:txEffectClrLst/>
   </dgm:styleLbl>
@@ -7720,6 +8643,243 @@
     <dgm:cxn modelId="{81461155-229F-F34D-9569-70BE6C6D467E}" type="presParOf" srcId="{A89B0E20-96C1-3E41-BF8C-9A3281345FEA}" destId="{9608D0B5-DBA1-824B-A22B-EEC3727B394C}" srcOrd="0" destOrd="0" presId="urn:microsoft.com/office/officeart/2005/8/layout/hierarchy1"/>
     <dgm:cxn modelId="{71FB5E18-6EF8-714F-9B5A-3CBCABA337C7}" type="presParOf" srcId="{A89B0E20-96C1-3E41-BF8C-9A3281345FEA}" destId="{25A11C61-5872-1C43-B582-838998421EE2}" srcOrd="1" destOrd="0" presId="urn:microsoft.com/office/officeart/2005/8/layout/hierarchy1"/>
     <dgm:cxn modelId="{705E3DD7-49B2-2346-A011-148C14773C18}" type="presParOf" srcId="{94174CB5-CD89-AB47-AD7E-D464009787CC}" destId="{7BA03E6F-4727-2140-9289-DE638C9AB712}" srcOrd="1" destOrd="0" presId="urn:microsoft.com/office/officeart/2005/8/layout/hierarchy1"/>
+  </dgm:cxnLst>
+  <dgm:bg/>
+  <dgm:whole/>
+  <dgm:extLst>
+    <a:ext uri="http://schemas.microsoft.com/office/drawing/2008/diagram">
+      <dsp:dataModelExt xmlns:dsp="http://schemas.microsoft.com/office/drawing/2008/diagram" relId="rId6" minVer="http://schemas.openxmlformats.org/drawingml/2006/diagram"/>
+    </a:ext>
+  </dgm:extLst>
+</dgm:dataModel>
+</file>
+
+<file path=ppt/diagrams/data10.xml><?xml version="1.0" encoding="utf-8"?>
+<dgm:dataModel xmlns:dgm="http://schemas.openxmlformats.org/drawingml/2006/diagram" xmlns:a="http://schemas.openxmlformats.org/drawingml/2006/main">
+  <dgm:ptLst>
+    <dgm:pt modelId="{FEF875A7-9EF3-424B-9420-44E76A877F76}" type="doc">
+      <dgm:prSet loTypeId="urn:microsoft.com/office/officeart/2005/8/layout/process1" loCatId="process" qsTypeId="urn:microsoft.com/office/officeart/2005/8/quickstyle/simple1" qsCatId="simple" csTypeId="urn:microsoft.com/office/officeart/2005/8/colors/accent1_2" csCatId="accent1" phldr="1"/>
+      <dgm:spPr/>
+      <dgm:t>
+        <a:bodyPr/>
+        <a:lstStyle/>
+        <a:p>
+          <a:endParaRPr lang="en-US"/>
+        </a:p>
+      </dgm:t>
+    </dgm:pt>
+    <dgm:pt modelId="{9C9D56B3-81FA-4483-8F38-338F77019A4D}">
+      <dgm:prSet/>
+      <dgm:spPr/>
+      <dgm:t>
+        <a:bodyPr/>
+        <a:lstStyle/>
+        <a:p>
+          <a:r>
+            <a:rPr lang="tr-TR" dirty="0"/>
+            <a:t>Bir </a:t>
+          </a:r>
+          <a:r>
+            <a:rPr lang="tr-TR" dirty="0" err="1"/>
+            <a:t>StepExecution</a:t>
+          </a:r>
+          <a:r>
+            <a:rPr lang="tr-TR" dirty="0"/>
+            <a:t>, bir Step’i çalıştırmak için yapılan tek bir denemeyi temsil eder. Bir Step çalıştırıldığında, </a:t>
+          </a:r>
+          <a:r>
+            <a:rPr lang="tr-TR" dirty="0" err="1"/>
+            <a:t>JobExecution</a:t>
+          </a:r>
+          <a:r>
+            <a:rPr lang="tr-TR" dirty="0"/>
+            <a:t> gibi her seferinde yeni bir </a:t>
+          </a:r>
+          <a:r>
+            <a:rPr lang="tr-TR" dirty="0" err="1"/>
+            <a:t>StepExecution</a:t>
+          </a:r>
+          <a:r>
+            <a:rPr lang="tr-TR" dirty="0"/>
+            <a:t> oluşturulur. Ancak, bir Step’in bir önceki adımın başarısızlığı nedeniyle çalıştırılamazsa, bu adım için hiçbir yürütme saklanmaz. Bir </a:t>
+          </a:r>
+          <a:r>
+            <a:rPr lang="tr-TR" dirty="0" err="1"/>
+            <a:t>StepExecution</a:t>
+          </a:r>
+          <a:r>
+            <a:rPr lang="tr-TR" dirty="0"/>
+            <a:t> yalnızca ilgili Step gerçekten başlatıldığında oluşturulur.</a:t>
+          </a:r>
+          <a:endParaRPr lang="en-US" dirty="0"/>
+        </a:p>
+      </dgm:t>
+    </dgm:pt>
+    <dgm:pt modelId="{BB59BCBE-4EA5-4F7B-9EF7-EBD46E38A0FD}" type="parTrans" cxnId="{07068F28-2DB3-4D6D-BCB3-C42434DFDF9B}">
+      <dgm:prSet/>
+      <dgm:spPr/>
+      <dgm:t>
+        <a:bodyPr/>
+        <a:lstStyle/>
+        <a:p>
+          <a:endParaRPr lang="en-US"/>
+        </a:p>
+      </dgm:t>
+    </dgm:pt>
+    <dgm:pt modelId="{473F547A-B758-46F1-8E07-F82BD7EBD2A5}" type="sibTrans" cxnId="{07068F28-2DB3-4D6D-BCB3-C42434DFDF9B}">
+      <dgm:prSet/>
+      <dgm:spPr/>
+      <dgm:t>
+        <a:bodyPr/>
+        <a:lstStyle/>
+        <a:p>
+          <a:endParaRPr lang="en-US"/>
+        </a:p>
+      </dgm:t>
+    </dgm:pt>
+    <dgm:pt modelId="{9CCBB462-0C26-45E4-8F36-C809CD99DF03}">
+      <dgm:prSet/>
+      <dgm:spPr/>
+      <dgm:t>
+        <a:bodyPr/>
+        <a:lstStyle/>
+        <a:p>
+          <a:r>
+            <a:rPr lang="tr-TR"/>
+            <a:t>Step yürütmeleri, StepExecution sınıfının nesneleri tarafından temsil edilir. Her yürütme, ilgili step’e ve JobExecution'a başvurur ve işlemle ilgili verileri, işlem sayıları ve başlama ve bitiş zamanları gibi işlemle ilgili verileri içerir. Ayrıca, her step yürütmesi, bir geliştiricinin toplu işlem çalıştırmaları arasında saklanmasını gereken verileri içeren bir ExecutionContext içerir. Bu veriler, yeniden başlatma işlemi veya istatistikler gibi işlem çalıştırmaları arasında devam etmesi gereken verileri içerebilir. </a:t>
+          </a:r>
+          <a:endParaRPr lang="en-US"/>
+        </a:p>
+      </dgm:t>
+    </dgm:pt>
+    <dgm:pt modelId="{5C0A3CBD-8B41-4B76-BEE5-AA995B5536E2}" type="parTrans" cxnId="{84C22F39-900B-4F26-9F7F-DC0FB3D86BBF}">
+      <dgm:prSet/>
+      <dgm:spPr/>
+      <dgm:t>
+        <a:bodyPr/>
+        <a:lstStyle/>
+        <a:p>
+          <a:endParaRPr lang="en-US"/>
+        </a:p>
+      </dgm:t>
+    </dgm:pt>
+    <dgm:pt modelId="{2BC6D1C7-8C98-4D44-A8FF-C0DC103D764A}" type="sibTrans" cxnId="{84C22F39-900B-4F26-9F7F-DC0FB3D86BBF}">
+      <dgm:prSet/>
+      <dgm:spPr/>
+      <dgm:t>
+        <a:bodyPr/>
+        <a:lstStyle/>
+        <a:p>
+          <a:endParaRPr lang="en-US"/>
+        </a:p>
+      </dgm:t>
+    </dgm:pt>
+    <dgm:pt modelId="{7FE6F67F-445D-43B9-8CD2-0E54660E58D0}">
+      <dgm:prSet/>
+      <dgm:spPr/>
+      <dgm:t>
+        <a:bodyPr/>
+        <a:lstStyle/>
+        <a:p>
+          <a:r>
+            <a:rPr lang="tr-TR"/>
+            <a:t>Bu özellikler, bir stepin yürütmesinin ayrıntılarını ve sonuçlarını saklamak ve izlemek için kullanılır. StepExecution, bir toplu işlem aşamasının başarı veya başarısızlık durumunu, işlem sayılarını ve diğer önemli bilgileri takip etmek için önemlidir.</a:t>
+          </a:r>
+          <a:endParaRPr lang="en-US"/>
+        </a:p>
+      </dgm:t>
+    </dgm:pt>
+    <dgm:pt modelId="{E0F4C2BD-6542-4A1A-AF28-B7B7E9187A8C}" type="parTrans" cxnId="{57A1AC66-BBA1-4BAD-B4F6-14324C8DF753}">
+      <dgm:prSet/>
+      <dgm:spPr/>
+      <dgm:t>
+        <a:bodyPr/>
+        <a:lstStyle/>
+        <a:p>
+          <a:endParaRPr lang="en-US"/>
+        </a:p>
+      </dgm:t>
+    </dgm:pt>
+    <dgm:pt modelId="{C35BB3ED-B804-45CC-ADBC-2F9DA882C270}" type="sibTrans" cxnId="{57A1AC66-BBA1-4BAD-B4F6-14324C8DF753}">
+      <dgm:prSet/>
+      <dgm:spPr/>
+      <dgm:t>
+        <a:bodyPr/>
+        <a:lstStyle/>
+        <a:p>
+          <a:endParaRPr lang="en-US"/>
+        </a:p>
+      </dgm:t>
+    </dgm:pt>
+    <dgm:pt modelId="{A88C5790-4BC7-3C4D-ABA3-6830127738D5}" type="pres">
+      <dgm:prSet presAssocID="{FEF875A7-9EF3-424B-9420-44E76A877F76}" presName="Name0" presStyleCnt="0">
+        <dgm:presLayoutVars>
+          <dgm:dir/>
+          <dgm:resizeHandles val="exact"/>
+        </dgm:presLayoutVars>
+      </dgm:prSet>
+      <dgm:spPr/>
+    </dgm:pt>
+    <dgm:pt modelId="{02743746-C663-A04F-A96F-B1D066EB2E14}" type="pres">
+      <dgm:prSet presAssocID="{9C9D56B3-81FA-4483-8F38-338F77019A4D}" presName="node" presStyleLbl="node1" presStyleIdx="0" presStyleCnt="3">
+        <dgm:presLayoutVars>
+          <dgm:bulletEnabled val="1"/>
+        </dgm:presLayoutVars>
+      </dgm:prSet>
+      <dgm:spPr/>
+    </dgm:pt>
+    <dgm:pt modelId="{F7920782-49DF-C745-BEE3-1A2E722751AC}" type="pres">
+      <dgm:prSet presAssocID="{473F547A-B758-46F1-8E07-F82BD7EBD2A5}" presName="sibTrans" presStyleLbl="sibTrans2D1" presStyleIdx="0" presStyleCnt="2"/>
+      <dgm:spPr/>
+    </dgm:pt>
+    <dgm:pt modelId="{757A24A3-4DE0-7F47-94B4-0A6A9AF0B413}" type="pres">
+      <dgm:prSet presAssocID="{473F547A-B758-46F1-8E07-F82BD7EBD2A5}" presName="connectorText" presStyleLbl="sibTrans2D1" presStyleIdx="0" presStyleCnt="2"/>
+      <dgm:spPr/>
+    </dgm:pt>
+    <dgm:pt modelId="{F2F9A1A1-56DB-8F44-A482-27E7168A5610}" type="pres">
+      <dgm:prSet presAssocID="{9CCBB462-0C26-45E4-8F36-C809CD99DF03}" presName="node" presStyleLbl="node1" presStyleIdx="1" presStyleCnt="3">
+        <dgm:presLayoutVars>
+          <dgm:bulletEnabled val="1"/>
+        </dgm:presLayoutVars>
+      </dgm:prSet>
+      <dgm:spPr/>
+    </dgm:pt>
+    <dgm:pt modelId="{C8891094-7CBA-6B4B-BE69-F6E1636E987B}" type="pres">
+      <dgm:prSet presAssocID="{2BC6D1C7-8C98-4D44-A8FF-C0DC103D764A}" presName="sibTrans" presStyleLbl="sibTrans2D1" presStyleIdx="1" presStyleCnt="2"/>
+      <dgm:spPr/>
+    </dgm:pt>
+    <dgm:pt modelId="{727E05E7-38D2-A24C-8712-A98509A62A8F}" type="pres">
+      <dgm:prSet presAssocID="{2BC6D1C7-8C98-4D44-A8FF-C0DC103D764A}" presName="connectorText" presStyleLbl="sibTrans2D1" presStyleIdx="1" presStyleCnt="2"/>
+      <dgm:spPr/>
+    </dgm:pt>
+    <dgm:pt modelId="{AAA5DFB2-2760-AF4F-AB0D-585542E85B8D}" type="pres">
+      <dgm:prSet presAssocID="{7FE6F67F-445D-43B9-8CD2-0E54660E58D0}" presName="node" presStyleLbl="node1" presStyleIdx="2" presStyleCnt="3">
+        <dgm:presLayoutVars>
+          <dgm:bulletEnabled val="1"/>
+        </dgm:presLayoutVars>
+      </dgm:prSet>
+      <dgm:spPr/>
+    </dgm:pt>
+  </dgm:ptLst>
+  <dgm:cxnLst>
+    <dgm:cxn modelId="{02126A03-4D33-AC4A-A2CB-86C4DFBF98C2}" type="presOf" srcId="{9C9D56B3-81FA-4483-8F38-338F77019A4D}" destId="{02743746-C663-A04F-A96F-B1D066EB2E14}" srcOrd="0" destOrd="0" presId="urn:microsoft.com/office/officeart/2005/8/layout/process1"/>
+    <dgm:cxn modelId="{BA563E1F-19DD-6A42-803B-B04920778A51}" type="presOf" srcId="{2BC6D1C7-8C98-4D44-A8FF-C0DC103D764A}" destId="{C8891094-7CBA-6B4B-BE69-F6E1636E987B}" srcOrd="0" destOrd="0" presId="urn:microsoft.com/office/officeart/2005/8/layout/process1"/>
+    <dgm:cxn modelId="{07068F28-2DB3-4D6D-BCB3-C42434DFDF9B}" srcId="{FEF875A7-9EF3-424B-9420-44E76A877F76}" destId="{9C9D56B3-81FA-4483-8F38-338F77019A4D}" srcOrd="0" destOrd="0" parTransId="{BB59BCBE-4EA5-4F7B-9EF7-EBD46E38A0FD}" sibTransId="{473F547A-B758-46F1-8E07-F82BD7EBD2A5}"/>
+    <dgm:cxn modelId="{C50C3C2C-C28C-FD4F-A941-13319D116061}" type="presOf" srcId="{2BC6D1C7-8C98-4D44-A8FF-C0DC103D764A}" destId="{727E05E7-38D2-A24C-8712-A98509A62A8F}" srcOrd="1" destOrd="0" presId="urn:microsoft.com/office/officeart/2005/8/layout/process1"/>
+    <dgm:cxn modelId="{DA4A6432-0E97-B445-A1FA-812B71E9CA29}" type="presOf" srcId="{7FE6F67F-445D-43B9-8CD2-0E54660E58D0}" destId="{AAA5DFB2-2760-AF4F-AB0D-585542E85B8D}" srcOrd="0" destOrd="0" presId="urn:microsoft.com/office/officeart/2005/8/layout/process1"/>
+    <dgm:cxn modelId="{84C22F39-900B-4F26-9F7F-DC0FB3D86BBF}" srcId="{FEF875A7-9EF3-424B-9420-44E76A877F76}" destId="{9CCBB462-0C26-45E4-8F36-C809CD99DF03}" srcOrd="1" destOrd="0" parTransId="{5C0A3CBD-8B41-4B76-BEE5-AA995B5536E2}" sibTransId="{2BC6D1C7-8C98-4D44-A8FF-C0DC103D764A}"/>
+    <dgm:cxn modelId="{22329559-5EDE-A042-BB37-A952131BF24A}" type="presOf" srcId="{473F547A-B758-46F1-8E07-F82BD7EBD2A5}" destId="{F7920782-49DF-C745-BEE3-1A2E722751AC}" srcOrd="0" destOrd="0" presId="urn:microsoft.com/office/officeart/2005/8/layout/process1"/>
+    <dgm:cxn modelId="{57A1AC66-BBA1-4BAD-B4F6-14324C8DF753}" srcId="{FEF875A7-9EF3-424B-9420-44E76A877F76}" destId="{7FE6F67F-445D-43B9-8CD2-0E54660E58D0}" srcOrd="2" destOrd="0" parTransId="{E0F4C2BD-6542-4A1A-AF28-B7B7E9187A8C}" sibTransId="{C35BB3ED-B804-45CC-ADBC-2F9DA882C270}"/>
+    <dgm:cxn modelId="{91D8D085-053A-5942-95B9-93559A73AE21}" type="presOf" srcId="{473F547A-B758-46F1-8E07-F82BD7EBD2A5}" destId="{757A24A3-4DE0-7F47-94B4-0A6A9AF0B413}" srcOrd="1" destOrd="0" presId="urn:microsoft.com/office/officeart/2005/8/layout/process1"/>
+    <dgm:cxn modelId="{611CE491-743E-E648-A6B5-45AD053BF95C}" type="presOf" srcId="{9CCBB462-0C26-45E4-8F36-C809CD99DF03}" destId="{F2F9A1A1-56DB-8F44-A482-27E7168A5610}" srcOrd="0" destOrd="0" presId="urn:microsoft.com/office/officeart/2005/8/layout/process1"/>
+    <dgm:cxn modelId="{4C5E49C9-08C0-9448-A262-0A89E75F8435}" type="presOf" srcId="{FEF875A7-9EF3-424B-9420-44E76A877F76}" destId="{A88C5790-4BC7-3C4D-ABA3-6830127738D5}" srcOrd="0" destOrd="0" presId="urn:microsoft.com/office/officeart/2005/8/layout/process1"/>
+    <dgm:cxn modelId="{F87068CA-6FE0-C74E-A1E1-6EC079247E8F}" type="presParOf" srcId="{A88C5790-4BC7-3C4D-ABA3-6830127738D5}" destId="{02743746-C663-A04F-A96F-B1D066EB2E14}" srcOrd="0" destOrd="0" presId="urn:microsoft.com/office/officeart/2005/8/layout/process1"/>
+    <dgm:cxn modelId="{E72BB6E2-07D1-FB42-B547-DFAC06EE88AF}" type="presParOf" srcId="{A88C5790-4BC7-3C4D-ABA3-6830127738D5}" destId="{F7920782-49DF-C745-BEE3-1A2E722751AC}" srcOrd="1" destOrd="0" presId="urn:microsoft.com/office/officeart/2005/8/layout/process1"/>
+    <dgm:cxn modelId="{D3E5C2D8-21AC-E84C-9237-36A5AE753AC1}" type="presParOf" srcId="{F7920782-49DF-C745-BEE3-1A2E722751AC}" destId="{757A24A3-4DE0-7F47-94B4-0A6A9AF0B413}" srcOrd="0" destOrd="0" presId="urn:microsoft.com/office/officeart/2005/8/layout/process1"/>
+    <dgm:cxn modelId="{9A1A85C4-4E3F-4943-A009-05683F989F2B}" type="presParOf" srcId="{A88C5790-4BC7-3C4D-ABA3-6830127738D5}" destId="{F2F9A1A1-56DB-8F44-A482-27E7168A5610}" srcOrd="2" destOrd="0" presId="urn:microsoft.com/office/officeart/2005/8/layout/process1"/>
+    <dgm:cxn modelId="{91D4FFD7-4960-3042-ADD9-D1E0C1897FE3}" type="presParOf" srcId="{A88C5790-4BC7-3C4D-ABA3-6830127738D5}" destId="{C8891094-7CBA-6B4B-BE69-F6E1636E987B}" srcOrd="3" destOrd="0" presId="urn:microsoft.com/office/officeart/2005/8/layout/process1"/>
+    <dgm:cxn modelId="{800BEF15-0830-B847-AF1D-47D96D4554B3}" type="presParOf" srcId="{C8891094-7CBA-6B4B-BE69-F6E1636E987B}" destId="{727E05E7-38D2-A24C-8712-A98509A62A8F}" srcOrd="0" destOrd="0" presId="urn:microsoft.com/office/officeart/2005/8/layout/process1"/>
+    <dgm:cxn modelId="{0D4D28E0-F5D8-0142-BD7D-DA87A5FDD455}" type="presParOf" srcId="{A88C5790-4BC7-3C4D-ABA3-6830127738D5}" destId="{AAA5DFB2-2760-AF4F-AB0D-585542E85B8D}" srcOrd="4" destOrd="0" presId="urn:microsoft.com/office/officeart/2005/8/layout/process1"/>
   </dgm:cxnLst>
   <dgm:bg/>
   <dgm:whole/>
@@ -10069,8 +11229,8 @@
 <file path=ppt/diagrams/data9.xml><?xml version="1.0" encoding="utf-8"?>
 <dgm:dataModel xmlns:dgm="http://schemas.openxmlformats.org/drawingml/2006/diagram" xmlns:a="http://schemas.openxmlformats.org/drawingml/2006/main">
   <dgm:ptLst>
-    <dgm:pt modelId="{FEF875A7-9EF3-424B-9420-44E76A877F76}" type="doc">
-      <dgm:prSet loTypeId="urn:microsoft.com/office/officeart/2005/8/layout/process1" loCatId="process" qsTypeId="urn:microsoft.com/office/officeart/2005/8/quickstyle/simple1" qsCatId="simple" csTypeId="urn:microsoft.com/office/officeart/2005/8/colors/accent1_2" csCatId="accent1" phldr="1"/>
+    <dgm:pt modelId="{A362F6FC-8F2C-4045-BFC0-B0DD679C96CD}" type="doc">
+      <dgm:prSet loTypeId="urn:microsoft.com/office/officeart/2018/2/layout/IconVerticalSolidList" loCatId="icon" qsTypeId="urn:microsoft.com/office/officeart/2005/8/quickstyle/simple1" qsCatId="simple" csTypeId="urn:microsoft.com/office/officeart/2018/5/colors/Iconchunking_neutralicontext_colorful1" csCatId="colorful" phldr="1"/>
       <dgm:spPr/>
       <dgm:t>
         <a:bodyPr/>
@@ -10080,7 +11240,7 @@
         </a:p>
       </dgm:t>
     </dgm:pt>
-    <dgm:pt modelId="{9C9D56B3-81FA-4483-8F38-338F77019A4D}">
+    <dgm:pt modelId="{9F3226DB-E83C-4EBD-908D-A72F26F60799}">
       <dgm:prSet/>
       <dgm:spPr/>
       <dgm:t>
@@ -10088,46 +11248,14 @@
         <a:lstStyle/>
         <a:p>
           <a:r>
-            <a:rPr lang="tr-TR" dirty="0"/>
-            <a:t>Bir </a:t>
+            <a:rPr lang="tr-TR"/>
+            <a:t>Tasklet Step = Basit görevler (dosya kopyalama veya arşiv oluşturma gibi) veya öğe odaklı görevler (dosya veya veritabanı tablosu okuma gibi) için tasarlanmıştır.</a:t>
           </a:r>
-          <a:r>
-            <a:rPr lang="tr-TR" dirty="0" err="1"/>
-            <a:t>StepExecution</a:t>
-          </a:r>
-          <a:r>
-            <a:rPr lang="tr-TR" dirty="0"/>
-            <a:t>, bir Step’i çalıştırmak için yapılan tek bir denemeyi temsil eder. Bir Step çalıştırıldığında, </a:t>
-          </a:r>
-          <a:r>
-            <a:rPr lang="tr-TR" dirty="0" err="1"/>
-            <a:t>JobExecution</a:t>
-          </a:r>
-          <a:r>
-            <a:rPr lang="tr-TR" dirty="0"/>
-            <a:t> gibi her seferinde yeni bir </a:t>
-          </a:r>
-          <a:r>
-            <a:rPr lang="tr-TR" dirty="0" err="1"/>
-            <a:t>StepExecution</a:t>
-          </a:r>
-          <a:r>
-            <a:rPr lang="tr-TR" dirty="0"/>
-            <a:t> oluşturulur. Ancak, bir Step’in bir önceki adımın başarısızlığı nedeniyle çalıştırılamazsa, bu adım için hiçbir yürütme saklanmaz. Bir </a:t>
-          </a:r>
-          <a:r>
-            <a:rPr lang="tr-TR" dirty="0" err="1"/>
-            <a:t>StepExecution</a:t>
-          </a:r>
-          <a:r>
-            <a:rPr lang="tr-TR" dirty="0"/>
-            <a:t> yalnızca ilgili Step gerçekten başlatıldığında oluşturulur.</a:t>
-          </a:r>
-          <a:endParaRPr lang="en-US" dirty="0"/>
+          <a:endParaRPr lang="en-US"/>
         </a:p>
       </dgm:t>
     </dgm:pt>
-    <dgm:pt modelId="{BB59BCBE-4EA5-4F7B-9EF7-EBD46E38A0FD}" type="parTrans" cxnId="{07068F28-2DB3-4D6D-BCB3-C42434DFDF9B}">
+    <dgm:pt modelId="{5E32F414-5546-4B97-8EC5-82F80C8947EF}" type="parTrans" cxnId="{E9320F34-4F31-44A1-A9F1-BDD047D9C956}">
       <dgm:prSet/>
       <dgm:spPr/>
       <dgm:t>
@@ -10138,7 +11266,7 @@
         </a:p>
       </dgm:t>
     </dgm:pt>
-    <dgm:pt modelId="{473F547A-B758-46F1-8E07-F82BD7EBD2A5}" type="sibTrans" cxnId="{07068F28-2DB3-4D6D-BCB3-C42434DFDF9B}">
+    <dgm:pt modelId="{70069F53-3A5E-40CB-B89C-D2DFF498958C}" type="sibTrans" cxnId="{E9320F34-4F31-44A1-A9F1-BDD047D9C956}">
       <dgm:prSet/>
       <dgm:spPr/>
       <dgm:t>
@@ -10149,7 +11277,7 @@
         </a:p>
       </dgm:t>
     </dgm:pt>
-    <dgm:pt modelId="{9CCBB462-0C26-45E4-8F36-C809CD99DF03}">
+    <dgm:pt modelId="{794E2CBE-2BEE-4B26-AE8C-9CA3C2E07991}">
       <dgm:prSet/>
       <dgm:spPr/>
       <dgm:t>
@@ -10158,13 +11286,13 @@
         <a:p>
           <a:r>
             <a:rPr lang="tr-TR"/>
-            <a:t>Step yürütmeleri, StepExecution sınıfının nesneleri tarafından temsil edilir. Her yürütme, ilgili step’e ve JobExecution'a başvurur ve işlemle ilgili verileri, işlem sayıları ve başlama ve bitiş zamanları gibi işlemle ilgili verileri içerir. Ayrıca, her step yürütmesi, bir geliştiricinin toplu işlem çalıştırmaları arasında saklanmasını gereken verileri içeren bir ExecutionContext içerir. Bu veriler, yeniden başlatma işlemi veya istatistikler gibi işlem çalıştırmaları arasında devam etmesi gereken verileri içerebilir. </a:t>
+            <a:t>Partitioned Step = Giriş veri setini bölümler halinde işlemek için tasarlanmıştır.</a:t>
           </a:r>
           <a:endParaRPr lang="en-US"/>
         </a:p>
       </dgm:t>
     </dgm:pt>
-    <dgm:pt modelId="{5C0A3CBD-8B41-4B76-BEE5-AA995B5536E2}" type="parTrans" cxnId="{84C22F39-900B-4F26-9F7F-DC0FB3D86BBF}">
+    <dgm:pt modelId="{FFD2F654-793D-4036-934E-197A27661B4F}" type="parTrans" cxnId="{5E27BC2F-E115-4437-B0F2-35A8B49DD2FF}">
       <dgm:prSet/>
       <dgm:spPr/>
       <dgm:t>
@@ -10175,7 +11303,7 @@
         </a:p>
       </dgm:t>
     </dgm:pt>
-    <dgm:pt modelId="{2BC6D1C7-8C98-4D44-A8FF-C0DC103D764A}" type="sibTrans" cxnId="{84C22F39-900B-4F26-9F7F-DC0FB3D86BBF}">
+    <dgm:pt modelId="{148258A4-C6EC-4318-9239-966F3155E036}" type="sibTrans" cxnId="{5E27BC2F-E115-4437-B0F2-35A8B49DD2FF}">
       <dgm:prSet/>
       <dgm:spPr/>
       <dgm:t>
@@ -10186,7 +11314,7 @@
         </a:p>
       </dgm:t>
     </dgm:pt>
-    <dgm:pt modelId="{7FE6F67F-445D-43B9-8CD2-0E54660E58D0}">
+    <dgm:pt modelId="{AC212509-E28C-4C21-8E8B-494E5A9BF696}">
       <dgm:prSet/>
       <dgm:spPr/>
       <dgm:t>
@@ -10195,13 +11323,13 @@
         <a:p>
           <a:r>
             <a:rPr lang="tr-TR"/>
-            <a:t>Bu özellikler, bir stepin yürütmesinin ayrıntılarını ve sonuçlarını saklamak ve izlemek için kullanılır. StepExecution, bir toplu işlem aşamasının başarı veya başarısızlık durumunu, işlem sayılarını ve diğer önemli bilgileri takip etmek için önemlidir.</a:t>
+            <a:t>FlowStep = Adımları akışlar halinde mantıksal olarak gruplamak için kullanışlıdır.</a:t>
           </a:r>
           <a:endParaRPr lang="en-US"/>
         </a:p>
       </dgm:t>
     </dgm:pt>
-    <dgm:pt modelId="{E0F4C2BD-6542-4A1A-AF28-B7B7E9187A8C}" type="parTrans" cxnId="{57A1AC66-BBA1-4BAD-B4F6-14324C8DF753}">
+    <dgm:pt modelId="{47445AF8-13A3-4F24-953C-8439AF57A73C}" type="parTrans" cxnId="{2E458C30-8739-4622-AF32-6ED98F6FE48A}">
       <dgm:prSet/>
       <dgm:spPr/>
       <dgm:t>
@@ -10212,7 +11340,7 @@
         </a:p>
       </dgm:t>
     </dgm:pt>
-    <dgm:pt modelId="{C35BB3ED-B804-45CC-ADBC-2F9DA882C270}" type="sibTrans" cxnId="{57A1AC66-BBA1-4BAD-B4F6-14324C8DF753}">
+    <dgm:pt modelId="{0FD3C866-A7D3-4F0F-98F2-4142F64BAFBF}" type="sibTrans" cxnId="{2E458C30-8739-4622-AF32-6ED98F6FE48A}">
       <dgm:prSet/>
       <dgm:spPr/>
       <dgm:t>
@@ -10223,8 +11351,45 @@
         </a:p>
       </dgm:t>
     </dgm:pt>
-    <dgm:pt modelId="{A88C5790-4BC7-3C4D-ABA3-6830127738D5}" type="pres">
-      <dgm:prSet presAssocID="{FEF875A7-9EF3-424B-9420-44E76A877F76}" presName="Name0" presStyleCnt="0">
+    <dgm:pt modelId="{673C3841-FD6C-4400-9488-CA48A3613968}">
+      <dgm:prSet/>
+      <dgm:spPr/>
+      <dgm:t>
+        <a:bodyPr/>
+        <a:lstStyle/>
+        <a:p>
+          <a:r>
+            <a:rPr lang="tr-TR"/>
+            <a:t>JobStep = FlowStep'e benzer, ancak aslında belirtilen akıştaki adımlar için ayrı bir iş yürütmesi oluşturur ve başlatır. Bu, karmaşık bir job ve sub-jobs akışı oluşturmak için kullanışlıdır.</a:t>
+          </a:r>
+          <a:endParaRPr lang="en-US"/>
+        </a:p>
+      </dgm:t>
+    </dgm:pt>
+    <dgm:pt modelId="{CAD8E3D7-AB58-4B28-8823-D6D7897A960F}" type="parTrans" cxnId="{0D9BD79B-9426-4883-9006-DD6CB846B40D}">
+      <dgm:prSet/>
+      <dgm:spPr/>
+      <dgm:t>
+        <a:bodyPr/>
+        <a:lstStyle/>
+        <a:p>
+          <a:endParaRPr lang="en-US"/>
+        </a:p>
+      </dgm:t>
+    </dgm:pt>
+    <dgm:pt modelId="{AEC016A5-0118-42CB-8962-39B7210FE2C1}" type="sibTrans" cxnId="{0D9BD79B-9426-4883-9006-DD6CB846B40D}">
+      <dgm:prSet/>
+      <dgm:spPr/>
+      <dgm:t>
+        <a:bodyPr/>
+        <a:lstStyle/>
+        <a:p>
+          <a:endParaRPr lang="en-US"/>
+        </a:p>
+      </dgm:t>
+    </dgm:pt>
+    <dgm:pt modelId="{719E3FDC-6380-40B0-BC20-A03302EEC901}" type="pres">
+      <dgm:prSet presAssocID="{A362F6FC-8F2C-4045-BFC0-B0DD679C96CD}" presName="root" presStyleCnt="0">
         <dgm:presLayoutVars>
           <dgm:dir/>
           <dgm:resizeHandles val="exact"/>
@@ -10232,66 +11397,248 @@
       </dgm:prSet>
       <dgm:spPr/>
     </dgm:pt>
-    <dgm:pt modelId="{02743746-C663-A04F-A96F-B1D066EB2E14}" type="pres">
-      <dgm:prSet presAssocID="{9C9D56B3-81FA-4483-8F38-338F77019A4D}" presName="node" presStyleLbl="node1" presStyleIdx="0" presStyleCnt="3">
+    <dgm:pt modelId="{553F3432-DDC9-46A5-9D60-3BB2940676D4}" type="pres">
+      <dgm:prSet presAssocID="{9F3226DB-E83C-4EBD-908D-A72F26F60799}" presName="compNode" presStyleCnt="0"/>
+      <dgm:spPr/>
+    </dgm:pt>
+    <dgm:pt modelId="{5B9E262C-20F3-4C8B-BAA5-47599E098DCE}" type="pres">
+      <dgm:prSet presAssocID="{9F3226DB-E83C-4EBD-908D-A72F26F60799}" presName="bgRect" presStyleLbl="bgShp" presStyleIdx="0" presStyleCnt="4"/>
+      <dgm:spPr/>
+    </dgm:pt>
+    <dgm:pt modelId="{EFA620CC-D613-473A-A66A-95877347AA9D}" type="pres">
+      <dgm:prSet presAssocID="{9F3226DB-E83C-4EBD-908D-A72F26F60799}" presName="iconRect" presStyleLbl="node1" presStyleIdx="0" presStyleCnt="4"/>
+      <dgm:spPr>
+        <a:blipFill>
+          <a:blip xmlns:r="http://schemas.openxmlformats.org/officeDocument/2006/relationships" r:embed="rId1">
+            <a:extLst>
+              <a:ext uri="{28A0092B-C50C-407E-A947-70E740481C1C}">
+                <a14:useLocalDpi xmlns:a14="http://schemas.microsoft.com/office/drawing/2010/main" val="0"/>
+              </a:ext>
+              <a:ext uri="{96DAC541-7B7A-43D3-8B79-37D633B846F1}">
+                <asvg:svgBlip xmlns:asvg="http://schemas.microsoft.com/office/drawing/2016/SVG/main" r:embed="rId2"/>
+              </a:ext>
+            </a:extLst>
+          </a:blip>
+          <a:stretch>
+            <a:fillRect/>
+          </a:stretch>
+        </a:blipFill>
+        <a:ln>
+          <a:noFill/>
+        </a:ln>
+      </dgm:spPr>
+      <dgm:extLst>
+        <a:ext uri="{E40237B7-FDA0-4F09-8148-C483321AD2D9}">
+          <dgm14:cNvPr xmlns:dgm14="http://schemas.microsoft.com/office/drawing/2010/diagram" id="0" name="" descr="Open Folder"/>
+        </a:ext>
+      </dgm:extLst>
+    </dgm:pt>
+    <dgm:pt modelId="{760E7375-56E7-4FE5-B91A-25BF86F76723}" type="pres">
+      <dgm:prSet presAssocID="{9F3226DB-E83C-4EBD-908D-A72F26F60799}" presName="spaceRect" presStyleCnt="0"/>
+      <dgm:spPr/>
+    </dgm:pt>
+    <dgm:pt modelId="{102F309D-039B-4B50-8FF4-0C8F4465B1B0}" type="pres">
+      <dgm:prSet presAssocID="{9F3226DB-E83C-4EBD-908D-A72F26F60799}" presName="parTx" presStyleLbl="revTx" presStyleIdx="0" presStyleCnt="4">
         <dgm:presLayoutVars>
-          <dgm:bulletEnabled val="1"/>
+          <dgm:chMax val="0"/>
+          <dgm:chPref val="0"/>
         </dgm:presLayoutVars>
       </dgm:prSet>
       <dgm:spPr/>
     </dgm:pt>
-    <dgm:pt modelId="{F7920782-49DF-C745-BEE3-1A2E722751AC}" type="pres">
-      <dgm:prSet presAssocID="{473F547A-B758-46F1-8E07-F82BD7EBD2A5}" presName="sibTrans" presStyleLbl="sibTrans2D1" presStyleIdx="0" presStyleCnt="2"/>
+    <dgm:pt modelId="{FE0F4477-3330-4CCA-A63C-25375E076D8A}" type="pres">
+      <dgm:prSet presAssocID="{70069F53-3A5E-40CB-B89C-D2DFF498958C}" presName="sibTrans" presStyleCnt="0"/>
       <dgm:spPr/>
     </dgm:pt>
-    <dgm:pt modelId="{757A24A3-4DE0-7F47-94B4-0A6A9AF0B413}" type="pres">
-      <dgm:prSet presAssocID="{473F547A-B758-46F1-8E07-F82BD7EBD2A5}" presName="connectorText" presStyleLbl="sibTrans2D1" presStyleIdx="0" presStyleCnt="2"/>
+    <dgm:pt modelId="{3B6CC4AF-B8CA-4C37-AD9D-3E70BB6EA0C7}" type="pres">
+      <dgm:prSet presAssocID="{794E2CBE-2BEE-4B26-AE8C-9CA3C2E07991}" presName="compNode" presStyleCnt="0"/>
       <dgm:spPr/>
     </dgm:pt>
-    <dgm:pt modelId="{F2F9A1A1-56DB-8F44-A482-27E7168A5610}" type="pres">
-      <dgm:prSet presAssocID="{9CCBB462-0C26-45E4-8F36-C809CD99DF03}" presName="node" presStyleLbl="node1" presStyleIdx="1" presStyleCnt="3">
+    <dgm:pt modelId="{4F2797B0-3C3B-4670-AD7E-1B200C47D48F}" type="pres">
+      <dgm:prSet presAssocID="{794E2CBE-2BEE-4B26-AE8C-9CA3C2E07991}" presName="bgRect" presStyleLbl="bgShp" presStyleIdx="1" presStyleCnt="4"/>
+      <dgm:spPr/>
+    </dgm:pt>
+    <dgm:pt modelId="{A7B7BCE9-AE02-4DC0-8346-42E3133E0CEF}" type="pres">
+      <dgm:prSet presAssocID="{794E2CBE-2BEE-4B26-AE8C-9CA3C2E07991}" presName="iconRect" presStyleLbl="node1" presStyleIdx="1" presStyleCnt="4"/>
+      <dgm:spPr>
+        <a:blipFill>
+          <a:blip xmlns:r="http://schemas.openxmlformats.org/officeDocument/2006/relationships" r:embed="rId3">
+            <a:extLst>
+              <a:ext uri="{28A0092B-C50C-407E-A947-70E740481C1C}">
+                <a14:useLocalDpi xmlns:a14="http://schemas.microsoft.com/office/drawing/2010/main" val="0"/>
+              </a:ext>
+              <a:ext uri="{96DAC541-7B7A-43D3-8B79-37D633B846F1}">
+                <asvg:svgBlip xmlns:asvg="http://schemas.microsoft.com/office/drawing/2016/SVG/main" r:embed="rId4"/>
+              </a:ext>
+            </a:extLst>
+          </a:blip>
+          <a:stretch>
+            <a:fillRect/>
+          </a:stretch>
+        </a:blipFill>
+        <a:ln>
+          <a:noFill/>
+        </a:ln>
+      </dgm:spPr>
+      <dgm:extLst>
+        <a:ext uri="{E40237B7-FDA0-4F09-8148-C483321AD2D9}">
+          <dgm14:cNvPr xmlns:dgm14="http://schemas.microsoft.com/office/drawing/2010/diagram" id="0" name="" descr="Akış Çizelgesi"/>
+        </a:ext>
+      </dgm:extLst>
+    </dgm:pt>
+    <dgm:pt modelId="{EED07C50-6CBA-4B44-B4B7-666105EAED28}" type="pres">
+      <dgm:prSet presAssocID="{794E2CBE-2BEE-4B26-AE8C-9CA3C2E07991}" presName="spaceRect" presStyleCnt="0"/>
+      <dgm:spPr/>
+    </dgm:pt>
+    <dgm:pt modelId="{A7149D45-C180-4B5A-B9A9-532F86F5CAF9}" type="pres">
+      <dgm:prSet presAssocID="{794E2CBE-2BEE-4B26-AE8C-9CA3C2E07991}" presName="parTx" presStyleLbl="revTx" presStyleIdx="1" presStyleCnt="4">
         <dgm:presLayoutVars>
-          <dgm:bulletEnabled val="1"/>
+          <dgm:chMax val="0"/>
+          <dgm:chPref val="0"/>
         </dgm:presLayoutVars>
       </dgm:prSet>
       <dgm:spPr/>
     </dgm:pt>
-    <dgm:pt modelId="{C8891094-7CBA-6B4B-BE69-F6E1636E987B}" type="pres">
-      <dgm:prSet presAssocID="{2BC6D1C7-8C98-4D44-A8FF-C0DC103D764A}" presName="sibTrans" presStyleLbl="sibTrans2D1" presStyleIdx="1" presStyleCnt="2"/>
+    <dgm:pt modelId="{2F0A1011-C03E-45E3-9AA6-76480EB9DCBE}" type="pres">
+      <dgm:prSet presAssocID="{148258A4-C6EC-4318-9239-966F3155E036}" presName="sibTrans" presStyleCnt="0"/>
       <dgm:spPr/>
     </dgm:pt>
-    <dgm:pt modelId="{727E05E7-38D2-A24C-8712-A98509A62A8F}" type="pres">
-      <dgm:prSet presAssocID="{2BC6D1C7-8C98-4D44-A8FF-C0DC103D764A}" presName="connectorText" presStyleLbl="sibTrans2D1" presStyleIdx="1" presStyleCnt="2"/>
+    <dgm:pt modelId="{F9B1CA3C-9622-47B7-BCCF-CA9D7091B197}" type="pres">
+      <dgm:prSet presAssocID="{AC212509-E28C-4C21-8E8B-494E5A9BF696}" presName="compNode" presStyleCnt="0"/>
       <dgm:spPr/>
     </dgm:pt>
-    <dgm:pt modelId="{AAA5DFB2-2760-AF4F-AB0D-585542E85B8D}" type="pres">
-      <dgm:prSet presAssocID="{7FE6F67F-445D-43B9-8CD2-0E54660E58D0}" presName="node" presStyleLbl="node1" presStyleIdx="2" presStyleCnt="3">
+    <dgm:pt modelId="{53384998-F27F-410C-9F5F-19790F0F5EE2}" type="pres">
+      <dgm:prSet presAssocID="{AC212509-E28C-4C21-8E8B-494E5A9BF696}" presName="bgRect" presStyleLbl="bgShp" presStyleIdx="2" presStyleCnt="4"/>
+      <dgm:spPr/>
+    </dgm:pt>
+    <dgm:pt modelId="{45DE9F3E-5A0D-46B1-AFF9-EE8B7E90A87F}" type="pres">
+      <dgm:prSet presAssocID="{AC212509-E28C-4C21-8E8B-494E5A9BF696}" presName="iconRect" presStyleLbl="node1" presStyleIdx="2" presStyleCnt="4"/>
+      <dgm:spPr>
+        <a:blipFill>
+          <a:blip xmlns:r="http://schemas.openxmlformats.org/officeDocument/2006/relationships" r:embed="rId5">
+            <a:extLst>
+              <a:ext uri="{28A0092B-C50C-407E-A947-70E740481C1C}">
+                <a14:useLocalDpi xmlns:a14="http://schemas.microsoft.com/office/drawing/2010/main" val="0"/>
+              </a:ext>
+              <a:ext uri="{96DAC541-7B7A-43D3-8B79-37D633B846F1}">
+                <asvg:svgBlip xmlns:asvg="http://schemas.microsoft.com/office/drawing/2016/SVG/main" r:embed="rId6"/>
+              </a:ext>
+            </a:extLst>
+          </a:blip>
+          <a:stretch>
+            <a:fillRect/>
+          </a:stretch>
+        </a:blipFill>
+        <a:ln>
+          <a:noFill/>
+        </a:ln>
+      </dgm:spPr>
+      <dgm:extLst>
+        <a:ext uri="{E40237B7-FDA0-4F09-8148-C483321AD2D9}">
+          <dgm14:cNvPr xmlns:dgm14="http://schemas.microsoft.com/office/drawing/2010/diagram" id="0" name="" descr="Head with Gears"/>
+        </a:ext>
+      </dgm:extLst>
+    </dgm:pt>
+    <dgm:pt modelId="{D7068142-8908-4E19-A1DD-73649969BA65}" type="pres">
+      <dgm:prSet presAssocID="{AC212509-E28C-4C21-8E8B-494E5A9BF696}" presName="spaceRect" presStyleCnt="0"/>
+      <dgm:spPr/>
+    </dgm:pt>
+    <dgm:pt modelId="{EC8090D7-8DD3-496F-AFE1-B214F8D4262A}" type="pres">
+      <dgm:prSet presAssocID="{AC212509-E28C-4C21-8E8B-494E5A9BF696}" presName="parTx" presStyleLbl="revTx" presStyleIdx="2" presStyleCnt="4">
         <dgm:presLayoutVars>
-          <dgm:bulletEnabled val="1"/>
+          <dgm:chMax val="0"/>
+          <dgm:chPref val="0"/>
+        </dgm:presLayoutVars>
+      </dgm:prSet>
+      <dgm:spPr/>
+    </dgm:pt>
+    <dgm:pt modelId="{BE11F2B8-E746-4BD8-B671-D419DE3FEA09}" type="pres">
+      <dgm:prSet presAssocID="{0FD3C866-A7D3-4F0F-98F2-4142F64BAFBF}" presName="sibTrans" presStyleCnt="0"/>
+      <dgm:spPr/>
+    </dgm:pt>
+    <dgm:pt modelId="{09A3C61F-6BDF-41A2-A4FB-6ABE3F4A4E73}" type="pres">
+      <dgm:prSet presAssocID="{673C3841-FD6C-4400-9488-CA48A3613968}" presName="compNode" presStyleCnt="0"/>
+      <dgm:spPr/>
+    </dgm:pt>
+    <dgm:pt modelId="{D87851B2-BC54-45C4-B773-B020C6127DED}" type="pres">
+      <dgm:prSet presAssocID="{673C3841-FD6C-4400-9488-CA48A3613968}" presName="bgRect" presStyleLbl="bgShp" presStyleIdx="3" presStyleCnt="4"/>
+      <dgm:spPr/>
+    </dgm:pt>
+    <dgm:pt modelId="{9A72781E-D66F-497F-97ED-10840477C5D5}" type="pres">
+      <dgm:prSet presAssocID="{673C3841-FD6C-4400-9488-CA48A3613968}" presName="iconRect" presStyleLbl="node1" presStyleIdx="3" presStyleCnt="4"/>
+      <dgm:spPr>
+        <a:blipFill>
+          <a:blip xmlns:r="http://schemas.openxmlformats.org/officeDocument/2006/relationships" r:embed="rId7">
+            <a:extLst>
+              <a:ext uri="{28A0092B-C50C-407E-A947-70E740481C1C}">
+                <a14:useLocalDpi xmlns:a14="http://schemas.microsoft.com/office/drawing/2010/main" val="0"/>
+              </a:ext>
+              <a:ext uri="{96DAC541-7B7A-43D3-8B79-37D633B846F1}">
+                <asvg:svgBlip xmlns:asvg="http://schemas.microsoft.com/office/drawing/2016/SVG/main" r:embed="rId8"/>
+              </a:ext>
+            </a:extLst>
+          </a:blip>
+          <a:stretch>
+            <a:fillRect/>
+          </a:stretch>
+        </a:blipFill>
+        <a:ln>
+          <a:noFill/>
+        </a:ln>
+      </dgm:spPr>
+      <dgm:extLst>
+        <a:ext uri="{E40237B7-FDA0-4F09-8148-C483321AD2D9}">
+          <dgm14:cNvPr xmlns:dgm14="http://schemas.microsoft.com/office/drawing/2010/diagram" id="0" name="" descr="Branching Diagram"/>
+        </a:ext>
+      </dgm:extLst>
+    </dgm:pt>
+    <dgm:pt modelId="{C1DB4824-1A96-44E4-A74A-EC6D09CEE854}" type="pres">
+      <dgm:prSet presAssocID="{673C3841-FD6C-4400-9488-CA48A3613968}" presName="spaceRect" presStyleCnt="0"/>
+      <dgm:spPr/>
+    </dgm:pt>
+    <dgm:pt modelId="{BBE80368-14FE-4A00-BD31-DBE6889C1998}" type="pres">
+      <dgm:prSet presAssocID="{673C3841-FD6C-4400-9488-CA48A3613968}" presName="parTx" presStyleLbl="revTx" presStyleIdx="3" presStyleCnt="4">
+        <dgm:presLayoutVars>
+          <dgm:chMax val="0"/>
+          <dgm:chPref val="0"/>
         </dgm:presLayoutVars>
       </dgm:prSet>
       <dgm:spPr/>
     </dgm:pt>
   </dgm:ptLst>
   <dgm:cxnLst>
-    <dgm:cxn modelId="{02126A03-4D33-AC4A-A2CB-86C4DFBF98C2}" type="presOf" srcId="{9C9D56B3-81FA-4483-8F38-338F77019A4D}" destId="{02743746-C663-A04F-A96F-B1D066EB2E14}" srcOrd="0" destOrd="0" presId="urn:microsoft.com/office/officeart/2005/8/layout/process1"/>
-    <dgm:cxn modelId="{BA563E1F-19DD-6A42-803B-B04920778A51}" type="presOf" srcId="{2BC6D1C7-8C98-4D44-A8FF-C0DC103D764A}" destId="{C8891094-7CBA-6B4B-BE69-F6E1636E987B}" srcOrd="0" destOrd="0" presId="urn:microsoft.com/office/officeart/2005/8/layout/process1"/>
-    <dgm:cxn modelId="{07068F28-2DB3-4D6D-BCB3-C42434DFDF9B}" srcId="{FEF875A7-9EF3-424B-9420-44E76A877F76}" destId="{9C9D56B3-81FA-4483-8F38-338F77019A4D}" srcOrd="0" destOrd="0" parTransId="{BB59BCBE-4EA5-4F7B-9EF7-EBD46E38A0FD}" sibTransId="{473F547A-B758-46F1-8E07-F82BD7EBD2A5}"/>
-    <dgm:cxn modelId="{C50C3C2C-C28C-FD4F-A941-13319D116061}" type="presOf" srcId="{2BC6D1C7-8C98-4D44-A8FF-C0DC103D764A}" destId="{727E05E7-38D2-A24C-8712-A98509A62A8F}" srcOrd="1" destOrd="0" presId="urn:microsoft.com/office/officeart/2005/8/layout/process1"/>
-    <dgm:cxn modelId="{DA4A6432-0E97-B445-A1FA-812B71E9CA29}" type="presOf" srcId="{7FE6F67F-445D-43B9-8CD2-0E54660E58D0}" destId="{AAA5DFB2-2760-AF4F-AB0D-585542E85B8D}" srcOrd="0" destOrd="0" presId="urn:microsoft.com/office/officeart/2005/8/layout/process1"/>
-    <dgm:cxn modelId="{84C22F39-900B-4F26-9F7F-DC0FB3D86BBF}" srcId="{FEF875A7-9EF3-424B-9420-44E76A877F76}" destId="{9CCBB462-0C26-45E4-8F36-C809CD99DF03}" srcOrd="1" destOrd="0" parTransId="{5C0A3CBD-8B41-4B76-BEE5-AA995B5536E2}" sibTransId="{2BC6D1C7-8C98-4D44-A8FF-C0DC103D764A}"/>
-    <dgm:cxn modelId="{22329559-5EDE-A042-BB37-A952131BF24A}" type="presOf" srcId="{473F547A-B758-46F1-8E07-F82BD7EBD2A5}" destId="{F7920782-49DF-C745-BEE3-1A2E722751AC}" srcOrd="0" destOrd="0" presId="urn:microsoft.com/office/officeart/2005/8/layout/process1"/>
-    <dgm:cxn modelId="{57A1AC66-BBA1-4BAD-B4F6-14324C8DF753}" srcId="{FEF875A7-9EF3-424B-9420-44E76A877F76}" destId="{7FE6F67F-445D-43B9-8CD2-0E54660E58D0}" srcOrd="2" destOrd="0" parTransId="{E0F4C2BD-6542-4A1A-AF28-B7B7E9187A8C}" sibTransId="{C35BB3ED-B804-45CC-ADBC-2F9DA882C270}"/>
-    <dgm:cxn modelId="{91D8D085-053A-5942-95B9-93559A73AE21}" type="presOf" srcId="{473F547A-B758-46F1-8E07-F82BD7EBD2A5}" destId="{757A24A3-4DE0-7F47-94B4-0A6A9AF0B413}" srcOrd="1" destOrd="0" presId="urn:microsoft.com/office/officeart/2005/8/layout/process1"/>
-    <dgm:cxn modelId="{611CE491-743E-E648-A6B5-45AD053BF95C}" type="presOf" srcId="{9CCBB462-0C26-45E4-8F36-C809CD99DF03}" destId="{F2F9A1A1-56DB-8F44-A482-27E7168A5610}" srcOrd="0" destOrd="0" presId="urn:microsoft.com/office/officeart/2005/8/layout/process1"/>
-    <dgm:cxn modelId="{4C5E49C9-08C0-9448-A262-0A89E75F8435}" type="presOf" srcId="{FEF875A7-9EF3-424B-9420-44E76A877F76}" destId="{A88C5790-4BC7-3C4D-ABA3-6830127738D5}" srcOrd="0" destOrd="0" presId="urn:microsoft.com/office/officeart/2005/8/layout/process1"/>
-    <dgm:cxn modelId="{F87068CA-6FE0-C74E-A1E1-6EC079247E8F}" type="presParOf" srcId="{A88C5790-4BC7-3C4D-ABA3-6830127738D5}" destId="{02743746-C663-A04F-A96F-B1D066EB2E14}" srcOrd="0" destOrd="0" presId="urn:microsoft.com/office/officeart/2005/8/layout/process1"/>
-    <dgm:cxn modelId="{E72BB6E2-07D1-FB42-B547-DFAC06EE88AF}" type="presParOf" srcId="{A88C5790-4BC7-3C4D-ABA3-6830127738D5}" destId="{F7920782-49DF-C745-BEE3-1A2E722751AC}" srcOrd="1" destOrd="0" presId="urn:microsoft.com/office/officeart/2005/8/layout/process1"/>
-    <dgm:cxn modelId="{D3E5C2D8-21AC-E84C-9237-36A5AE753AC1}" type="presParOf" srcId="{F7920782-49DF-C745-BEE3-1A2E722751AC}" destId="{757A24A3-4DE0-7F47-94B4-0A6A9AF0B413}" srcOrd="0" destOrd="0" presId="urn:microsoft.com/office/officeart/2005/8/layout/process1"/>
-    <dgm:cxn modelId="{9A1A85C4-4E3F-4943-A009-05683F989F2B}" type="presParOf" srcId="{A88C5790-4BC7-3C4D-ABA3-6830127738D5}" destId="{F2F9A1A1-56DB-8F44-A482-27E7168A5610}" srcOrd="2" destOrd="0" presId="urn:microsoft.com/office/officeart/2005/8/layout/process1"/>
-    <dgm:cxn modelId="{91D4FFD7-4960-3042-ADD9-D1E0C1897FE3}" type="presParOf" srcId="{A88C5790-4BC7-3C4D-ABA3-6830127738D5}" destId="{C8891094-7CBA-6B4B-BE69-F6E1636E987B}" srcOrd="3" destOrd="0" presId="urn:microsoft.com/office/officeart/2005/8/layout/process1"/>
-    <dgm:cxn modelId="{800BEF15-0830-B847-AF1D-47D96D4554B3}" type="presParOf" srcId="{C8891094-7CBA-6B4B-BE69-F6E1636E987B}" destId="{727E05E7-38D2-A24C-8712-A98509A62A8F}" srcOrd="0" destOrd="0" presId="urn:microsoft.com/office/officeart/2005/8/layout/process1"/>
-    <dgm:cxn modelId="{0D4D28E0-F5D8-0142-BD7D-DA87A5FDD455}" type="presParOf" srcId="{A88C5790-4BC7-3C4D-ABA3-6830127738D5}" destId="{AAA5DFB2-2760-AF4F-AB0D-585542E85B8D}" srcOrd="4" destOrd="0" presId="urn:microsoft.com/office/officeart/2005/8/layout/process1"/>
+    <dgm:cxn modelId="{5E27BC2F-E115-4437-B0F2-35A8B49DD2FF}" srcId="{A362F6FC-8F2C-4045-BFC0-B0DD679C96CD}" destId="{794E2CBE-2BEE-4B26-AE8C-9CA3C2E07991}" srcOrd="1" destOrd="0" parTransId="{FFD2F654-793D-4036-934E-197A27661B4F}" sibTransId="{148258A4-C6EC-4318-9239-966F3155E036}"/>
+    <dgm:cxn modelId="{2E458C30-8739-4622-AF32-6ED98F6FE48A}" srcId="{A362F6FC-8F2C-4045-BFC0-B0DD679C96CD}" destId="{AC212509-E28C-4C21-8E8B-494E5A9BF696}" srcOrd="2" destOrd="0" parTransId="{47445AF8-13A3-4F24-953C-8439AF57A73C}" sibTransId="{0FD3C866-A7D3-4F0F-98F2-4142F64BAFBF}"/>
+    <dgm:cxn modelId="{E9320F34-4F31-44A1-A9F1-BDD047D9C956}" srcId="{A362F6FC-8F2C-4045-BFC0-B0DD679C96CD}" destId="{9F3226DB-E83C-4EBD-908D-A72F26F60799}" srcOrd="0" destOrd="0" parTransId="{5E32F414-5546-4B97-8EC5-82F80C8947EF}" sibTransId="{70069F53-3A5E-40CB-B89C-D2DFF498958C}"/>
+    <dgm:cxn modelId="{3585C44F-9530-454A-A0CC-FDE52CB18954}" type="presOf" srcId="{A362F6FC-8F2C-4045-BFC0-B0DD679C96CD}" destId="{719E3FDC-6380-40B0-BC20-A03302EEC901}" srcOrd="0" destOrd="0" presId="urn:microsoft.com/office/officeart/2018/2/layout/IconVerticalSolidList"/>
+    <dgm:cxn modelId="{13A6B360-8567-4CD5-8AF1-DF50FC8389F1}" type="presOf" srcId="{673C3841-FD6C-4400-9488-CA48A3613968}" destId="{BBE80368-14FE-4A00-BD31-DBE6889C1998}" srcOrd="0" destOrd="0" presId="urn:microsoft.com/office/officeart/2018/2/layout/IconVerticalSolidList"/>
+    <dgm:cxn modelId="{36E8E786-E52F-40F0-9FC0-26B1B0DA0FB2}" type="presOf" srcId="{AC212509-E28C-4C21-8E8B-494E5A9BF696}" destId="{EC8090D7-8DD3-496F-AFE1-B214F8D4262A}" srcOrd="0" destOrd="0" presId="urn:microsoft.com/office/officeart/2018/2/layout/IconVerticalSolidList"/>
+    <dgm:cxn modelId="{0D9BD79B-9426-4883-9006-DD6CB846B40D}" srcId="{A362F6FC-8F2C-4045-BFC0-B0DD679C96CD}" destId="{673C3841-FD6C-4400-9488-CA48A3613968}" srcOrd="3" destOrd="0" parTransId="{CAD8E3D7-AB58-4B28-8823-D6D7897A960F}" sibTransId="{AEC016A5-0118-42CB-8962-39B7210FE2C1}"/>
+    <dgm:cxn modelId="{DC4439BA-FBB7-4E71-802E-FE8D96C42B81}" type="presOf" srcId="{794E2CBE-2BEE-4B26-AE8C-9CA3C2E07991}" destId="{A7149D45-C180-4B5A-B9A9-532F86F5CAF9}" srcOrd="0" destOrd="0" presId="urn:microsoft.com/office/officeart/2018/2/layout/IconVerticalSolidList"/>
+    <dgm:cxn modelId="{3BD1ADFF-6D41-471E-9A27-95F9D3B09A89}" type="presOf" srcId="{9F3226DB-E83C-4EBD-908D-A72F26F60799}" destId="{102F309D-039B-4B50-8FF4-0C8F4465B1B0}" srcOrd="0" destOrd="0" presId="urn:microsoft.com/office/officeart/2018/2/layout/IconVerticalSolidList"/>
+    <dgm:cxn modelId="{289C7026-C2CD-48BF-83B0-37F10A3F4569}" type="presParOf" srcId="{719E3FDC-6380-40B0-BC20-A03302EEC901}" destId="{553F3432-DDC9-46A5-9D60-3BB2940676D4}" srcOrd="0" destOrd="0" presId="urn:microsoft.com/office/officeart/2018/2/layout/IconVerticalSolidList"/>
+    <dgm:cxn modelId="{AB706A6A-140B-4B65-9E91-6F8BC4E24244}" type="presParOf" srcId="{553F3432-DDC9-46A5-9D60-3BB2940676D4}" destId="{5B9E262C-20F3-4C8B-BAA5-47599E098DCE}" srcOrd="0" destOrd="0" presId="urn:microsoft.com/office/officeart/2018/2/layout/IconVerticalSolidList"/>
+    <dgm:cxn modelId="{968C0896-0716-42C0-84E1-4A766126B83D}" type="presParOf" srcId="{553F3432-DDC9-46A5-9D60-3BB2940676D4}" destId="{EFA620CC-D613-473A-A66A-95877347AA9D}" srcOrd="1" destOrd="0" presId="urn:microsoft.com/office/officeart/2018/2/layout/IconVerticalSolidList"/>
+    <dgm:cxn modelId="{448C9C2B-F2C1-496C-931C-EE454F4847E7}" type="presParOf" srcId="{553F3432-DDC9-46A5-9D60-3BB2940676D4}" destId="{760E7375-56E7-4FE5-B91A-25BF86F76723}" srcOrd="2" destOrd="0" presId="urn:microsoft.com/office/officeart/2018/2/layout/IconVerticalSolidList"/>
+    <dgm:cxn modelId="{13578542-C3F4-425F-A33D-79EEF9D6EFF9}" type="presParOf" srcId="{553F3432-DDC9-46A5-9D60-3BB2940676D4}" destId="{102F309D-039B-4B50-8FF4-0C8F4465B1B0}" srcOrd="3" destOrd="0" presId="urn:microsoft.com/office/officeart/2018/2/layout/IconVerticalSolidList"/>
+    <dgm:cxn modelId="{CCF96DBC-6765-4EB1-B984-7890830DB517}" type="presParOf" srcId="{719E3FDC-6380-40B0-BC20-A03302EEC901}" destId="{FE0F4477-3330-4CCA-A63C-25375E076D8A}" srcOrd="1" destOrd="0" presId="urn:microsoft.com/office/officeart/2018/2/layout/IconVerticalSolidList"/>
+    <dgm:cxn modelId="{9287F64E-80FD-4F7D-82C8-135CCDD243EB}" type="presParOf" srcId="{719E3FDC-6380-40B0-BC20-A03302EEC901}" destId="{3B6CC4AF-B8CA-4C37-AD9D-3E70BB6EA0C7}" srcOrd="2" destOrd="0" presId="urn:microsoft.com/office/officeart/2018/2/layout/IconVerticalSolidList"/>
+    <dgm:cxn modelId="{5C477862-2AAE-4B77-AE43-9D5CCFA197F1}" type="presParOf" srcId="{3B6CC4AF-B8CA-4C37-AD9D-3E70BB6EA0C7}" destId="{4F2797B0-3C3B-4670-AD7E-1B200C47D48F}" srcOrd="0" destOrd="0" presId="urn:microsoft.com/office/officeart/2018/2/layout/IconVerticalSolidList"/>
+    <dgm:cxn modelId="{64328E2F-793B-4027-ACF9-775F55B352FE}" type="presParOf" srcId="{3B6CC4AF-B8CA-4C37-AD9D-3E70BB6EA0C7}" destId="{A7B7BCE9-AE02-4DC0-8346-42E3133E0CEF}" srcOrd="1" destOrd="0" presId="urn:microsoft.com/office/officeart/2018/2/layout/IconVerticalSolidList"/>
+    <dgm:cxn modelId="{28D3D28B-1708-4947-B957-C7D338C01EF9}" type="presParOf" srcId="{3B6CC4AF-B8CA-4C37-AD9D-3E70BB6EA0C7}" destId="{EED07C50-6CBA-4B44-B4B7-666105EAED28}" srcOrd="2" destOrd="0" presId="urn:microsoft.com/office/officeart/2018/2/layout/IconVerticalSolidList"/>
+    <dgm:cxn modelId="{A3A33F27-13CA-4346-A0BC-626021CF160A}" type="presParOf" srcId="{3B6CC4AF-B8CA-4C37-AD9D-3E70BB6EA0C7}" destId="{A7149D45-C180-4B5A-B9A9-532F86F5CAF9}" srcOrd="3" destOrd="0" presId="urn:microsoft.com/office/officeart/2018/2/layout/IconVerticalSolidList"/>
+    <dgm:cxn modelId="{2BB092E5-4457-47FC-95C4-A0E7AD46ADC2}" type="presParOf" srcId="{719E3FDC-6380-40B0-BC20-A03302EEC901}" destId="{2F0A1011-C03E-45E3-9AA6-76480EB9DCBE}" srcOrd="3" destOrd="0" presId="urn:microsoft.com/office/officeart/2018/2/layout/IconVerticalSolidList"/>
+    <dgm:cxn modelId="{4ACC80E4-52C0-4E6E-B46C-C74D9639FDDE}" type="presParOf" srcId="{719E3FDC-6380-40B0-BC20-A03302EEC901}" destId="{F9B1CA3C-9622-47B7-BCCF-CA9D7091B197}" srcOrd="4" destOrd="0" presId="urn:microsoft.com/office/officeart/2018/2/layout/IconVerticalSolidList"/>
+    <dgm:cxn modelId="{43B2E5FB-6EFD-49E0-8F97-99BFBC4709E0}" type="presParOf" srcId="{F9B1CA3C-9622-47B7-BCCF-CA9D7091B197}" destId="{53384998-F27F-410C-9F5F-19790F0F5EE2}" srcOrd="0" destOrd="0" presId="urn:microsoft.com/office/officeart/2018/2/layout/IconVerticalSolidList"/>
+    <dgm:cxn modelId="{9C74EC5D-423C-4F2D-8DFD-1A1A7F7F9CC3}" type="presParOf" srcId="{F9B1CA3C-9622-47B7-BCCF-CA9D7091B197}" destId="{45DE9F3E-5A0D-46B1-AFF9-EE8B7E90A87F}" srcOrd="1" destOrd="0" presId="urn:microsoft.com/office/officeart/2018/2/layout/IconVerticalSolidList"/>
+    <dgm:cxn modelId="{5A5FBB2F-FCFC-4C1B-9667-C222932B710A}" type="presParOf" srcId="{F9B1CA3C-9622-47B7-BCCF-CA9D7091B197}" destId="{D7068142-8908-4E19-A1DD-73649969BA65}" srcOrd="2" destOrd="0" presId="urn:microsoft.com/office/officeart/2018/2/layout/IconVerticalSolidList"/>
+    <dgm:cxn modelId="{A11A30F5-9D4D-4B1E-8585-23FFA18046F7}" type="presParOf" srcId="{F9B1CA3C-9622-47B7-BCCF-CA9D7091B197}" destId="{EC8090D7-8DD3-496F-AFE1-B214F8D4262A}" srcOrd="3" destOrd="0" presId="urn:microsoft.com/office/officeart/2018/2/layout/IconVerticalSolidList"/>
+    <dgm:cxn modelId="{65675E32-3F22-48DF-BDEC-12499EEA4056}" type="presParOf" srcId="{719E3FDC-6380-40B0-BC20-A03302EEC901}" destId="{BE11F2B8-E746-4BD8-B671-D419DE3FEA09}" srcOrd="5" destOrd="0" presId="urn:microsoft.com/office/officeart/2018/2/layout/IconVerticalSolidList"/>
+    <dgm:cxn modelId="{9F327CE0-E328-4B73-A6F0-A8B5D72C7693}" type="presParOf" srcId="{719E3FDC-6380-40B0-BC20-A03302EEC901}" destId="{09A3C61F-6BDF-41A2-A4FB-6ABE3F4A4E73}" srcOrd="6" destOrd="0" presId="urn:microsoft.com/office/officeart/2018/2/layout/IconVerticalSolidList"/>
+    <dgm:cxn modelId="{1E414578-FF4B-4C43-9176-DCFC46E92DCE}" type="presParOf" srcId="{09A3C61F-6BDF-41A2-A4FB-6ABE3F4A4E73}" destId="{D87851B2-BC54-45C4-B773-B020C6127DED}" srcOrd="0" destOrd="0" presId="urn:microsoft.com/office/officeart/2018/2/layout/IconVerticalSolidList"/>
+    <dgm:cxn modelId="{F5D0E259-40A3-4F0E-8CBA-CE0A9A634AAA}" type="presParOf" srcId="{09A3C61F-6BDF-41A2-A4FB-6ABE3F4A4E73}" destId="{9A72781E-D66F-497F-97ED-10840477C5D5}" srcOrd="1" destOrd="0" presId="urn:microsoft.com/office/officeart/2018/2/layout/IconVerticalSolidList"/>
+    <dgm:cxn modelId="{1344FADC-1E04-48ED-9E25-32ED94FCA6E0}" type="presParOf" srcId="{09A3C61F-6BDF-41A2-A4FB-6ABE3F4A4E73}" destId="{C1DB4824-1A96-44E4-A74A-EC6D09CEE854}" srcOrd="2" destOrd="0" presId="urn:microsoft.com/office/officeart/2018/2/layout/IconVerticalSolidList"/>
+    <dgm:cxn modelId="{A26E5997-882D-4081-AE85-04FF753F5D22}" type="presParOf" srcId="{09A3C61F-6BDF-41A2-A4FB-6ABE3F4A4E73}" destId="{BBE80368-14FE-4A00-BD31-DBE6889C1998}" srcOrd="3" destOrd="0" presId="urn:microsoft.com/office/officeart/2018/2/layout/IconVerticalSolidList"/>
   </dgm:cxnLst>
   <dgm:bg/>
   <dgm:whole/>
@@ -10609,6 +11956,430 @@
       <dsp:txXfrm>
         <a:off x="3497473" y="1989598"/>
         <a:ext cx="2490263" cy="1546200"/>
+      </dsp:txXfrm>
+    </dsp:sp>
+  </dsp:spTree>
+</dsp:drawing>
+</file>
+
+<file path=ppt/diagrams/drawing10.xml><?xml version="1.0" encoding="utf-8"?>
+<dsp:drawing xmlns:dgm="http://schemas.openxmlformats.org/drawingml/2006/diagram" xmlns:dsp="http://schemas.microsoft.com/office/drawing/2008/diagram" xmlns:a="http://schemas.openxmlformats.org/drawingml/2006/main">
+  <dsp:spTree>
+    <dsp:nvGrpSpPr>
+      <dsp:cNvPr id="0" name=""/>
+      <dsp:cNvGrpSpPr/>
+    </dsp:nvGrpSpPr>
+    <dsp:grpSpPr/>
+    <dsp:sp modelId="{02743746-C663-A04F-A96F-B1D066EB2E14}">
+      <dsp:nvSpPr>
+        <dsp:cNvPr id="0" name=""/>
+        <dsp:cNvSpPr/>
+      </dsp:nvSpPr>
+      <dsp:spPr>
+        <a:xfrm>
+          <a:off x="8840" y="68496"/>
+          <a:ext cx="2642294" cy="3712630"/>
+        </a:xfrm>
+        <a:prstGeom prst="roundRect">
+          <a:avLst>
+            <a:gd name="adj" fmla="val 10000"/>
+          </a:avLst>
+        </a:prstGeom>
+        <a:solidFill>
+          <a:schemeClr val="accent1">
+            <a:hueOff val="0"/>
+            <a:satOff val="0"/>
+            <a:lumOff val="0"/>
+            <a:alphaOff val="0"/>
+          </a:schemeClr>
+        </a:solidFill>
+        <a:ln w="12700" cap="flat" cmpd="sng" algn="ctr">
+          <a:solidFill>
+            <a:schemeClr val="lt1">
+              <a:hueOff val="0"/>
+              <a:satOff val="0"/>
+              <a:lumOff val="0"/>
+              <a:alphaOff val="0"/>
+            </a:schemeClr>
+          </a:solidFill>
+          <a:prstDash val="solid"/>
+        </a:ln>
+        <a:effectLst/>
+      </dsp:spPr>
+      <dsp:style>
+        <a:lnRef idx="2">
+          <a:scrgbClr r="0" g="0" b="0"/>
+        </a:lnRef>
+        <a:fillRef idx="1">
+          <a:scrgbClr r="0" g="0" b="0"/>
+        </a:fillRef>
+        <a:effectRef idx="0">
+          <a:scrgbClr r="0" g="0" b="0"/>
+        </a:effectRef>
+        <a:fontRef idx="minor">
+          <a:schemeClr val="lt1"/>
+        </a:fontRef>
+      </dsp:style>
+      <dsp:txBody>
+        <a:bodyPr spcFirstLastPara="0" vert="horz" wrap="square" lIns="49530" tIns="49530" rIns="49530" bIns="49530" numCol="1" spcCol="1270" anchor="ctr" anchorCtr="0">
+          <a:noAutofit/>
+        </a:bodyPr>
+        <a:lstStyle/>
+        <a:p>
+          <a:pPr marL="0" lvl="0" indent="0" algn="ctr" defTabSz="577850">
+            <a:lnSpc>
+              <a:spcPct val="90000"/>
+            </a:lnSpc>
+            <a:spcBef>
+              <a:spcPct val="0"/>
+            </a:spcBef>
+            <a:spcAft>
+              <a:spcPct val="35000"/>
+            </a:spcAft>
+            <a:buNone/>
+          </a:pPr>
+          <a:r>
+            <a:rPr lang="tr-TR" sz="1300" kern="1200" dirty="0"/>
+            <a:t>Bir </a:t>
+          </a:r>
+          <a:r>
+            <a:rPr lang="tr-TR" sz="1300" kern="1200" dirty="0" err="1"/>
+            <a:t>StepExecution</a:t>
+          </a:r>
+          <a:r>
+            <a:rPr lang="tr-TR" sz="1300" kern="1200" dirty="0"/>
+            <a:t>, bir Step’i çalıştırmak için yapılan tek bir denemeyi temsil eder. Bir Step çalıştırıldığında, </a:t>
+          </a:r>
+          <a:r>
+            <a:rPr lang="tr-TR" sz="1300" kern="1200" dirty="0" err="1"/>
+            <a:t>JobExecution</a:t>
+          </a:r>
+          <a:r>
+            <a:rPr lang="tr-TR" sz="1300" kern="1200" dirty="0"/>
+            <a:t> gibi her seferinde yeni bir </a:t>
+          </a:r>
+          <a:r>
+            <a:rPr lang="tr-TR" sz="1300" kern="1200" dirty="0" err="1"/>
+            <a:t>StepExecution</a:t>
+          </a:r>
+          <a:r>
+            <a:rPr lang="tr-TR" sz="1300" kern="1200" dirty="0"/>
+            <a:t> oluşturulur. Ancak, bir Step’in bir önceki adımın başarısızlığı nedeniyle çalıştırılamazsa, bu adım için hiçbir yürütme saklanmaz. Bir </a:t>
+          </a:r>
+          <a:r>
+            <a:rPr lang="tr-TR" sz="1300" kern="1200" dirty="0" err="1"/>
+            <a:t>StepExecution</a:t>
+          </a:r>
+          <a:r>
+            <a:rPr lang="tr-TR" sz="1300" kern="1200" dirty="0"/>
+            <a:t> yalnızca ilgili Step gerçekten başlatıldığında oluşturulur.</a:t>
+          </a:r>
+          <a:endParaRPr lang="en-US" sz="1300" kern="1200" dirty="0"/>
+        </a:p>
+      </dsp:txBody>
+      <dsp:txXfrm>
+        <a:off x="86230" y="145886"/>
+        <a:ext cx="2487514" cy="3557850"/>
+      </dsp:txXfrm>
+    </dsp:sp>
+    <dsp:sp modelId="{F7920782-49DF-C745-BEE3-1A2E722751AC}">
+      <dsp:nvSpPr>
+        <dsp:cNvPr id="0" name=""/>
+        <dsp:cNvSpPr/>
+      </dsp:nvSpPr>
+      <dsp:spPr>
+        <a:xfrm>
+          <a:off x="2915364" y="1597167"/>
+          <a:ext cx="560166" cy="655289"/>
+        </a:xfrm>
+        <a:prstGeom prst="rightArrow">
+          <a:avLst>
+            <a:gd name="adj1" fmla="val 60000"/>
+            <a:gd name="adj2" fmla="val 50000"/>
+          </a:avLst>
+        </a:prstGeom>
+        <a:solidFill>
+          <a:schemeClr val="accent1">
+            <a:tint val="60000"/>
+            <a:hueOff val="0"/>
+            <a:satOff val="0"/>
+            <a:lumOff val="0"/>
+            <a:alphaOff val="0"/>
+          </a:schemeClr>
+        </a:solidFill>
+        <a:ln>
+          <a:noFill/>
+        </a:ln>
+        <a:effectLst/>
+      </dsp:spPr>
+      <dsp:style>
+        <a:lnRef idx="0">
+          <a:scrgbClr r="0" g="0" b="0"/>
+        </a:lnRef>
+        <a:fillRef idx="1">
+          <a:scrgbClr r="0" g="0" b="0"/>
+        </a:fillRef>
+        <a:effectRef idx="0">
+          <a:scrgbClr r="0" g="0" b="0"/>
+        </a:effectRef>
+        <a:fontRef idx="minor">
+          <a:schemeClr val="lt1"/>
+        </a:fontRef>
+      </dsp:style>
+      <dsp:txBody>
+        <a:bodyPr spcFirstLastPara="0" vert="horz" wrap="square" lIns="0" tIns="0" rIns="0" bIns="0" numCol="1" spcCol="1270" anchor="ctr" anchorCtr="0">
+          <a:noAutofit/>
+        </a:bodyPr>
+        <a:lstStyle/>
+        <a:p>
+          <a:pPr marL="0" lvl="0" indent="0" algn="ctr" defTabSz="444500">
+            <a:lnSpc>
+              <a:spcPct val="90000"/>
+            </a:lnSpc>
+            <a:spcBef>
+              <a:spcPct val="0"/>
+            </a:spcBef>
+            <a:spcAft>
+              <a:spcPct val="35000"/>
+            </a:spcAft>
+            <a:buNone/>
+          </a:pPr>
+          <a:endParaRPr lang="en-US" sz="1000" kern="1200"/>
+        </a:p>
+      </dsp:txBody>
+      <dsp:txXfrm>
+        <a:off x="2915364" y="1728225"/>
+        <a:ext cx="392116" cy="393173"/>
+      </dsp:txXfrm>
+    </dsp:sp>
+    <dsp:sp modelId="{F2F9A1A1-56DB-8F44-A482-27E7168A5610}">
+      <dsp:nvSpPr>
+        <dsp:cNvPr id="0" name=""/>
+        <dsp:cNvSpPr/>
+      </dsp:nvSpPr>
+      <dsp:spPr>
+        <a:xfrm>
+          <a:off x="3708052" y="68496"/>
+          <a:ext cx="2642294" cy="3712630"/>
+        </a:xfrm>
+        <a:prstGeom prst="roundRect">
+          <a:avLst>
+            <a:gd name="adj" fmla="val 10000"/>
+          </a:avLst>
+        </a:prstGeom>
+        <a:solidFill>
+          <a:schemeClr val="accent1">
+            <a:hueOff val="0"/>
+            <a:satOff val="0"/>
+            <a:lumOff val="0"/>
+            <a:alphaOff val="0"/>
+          </a:schemeClr>
+        </a:solidFill>
+        <a:ln w="12700" cap="flat" cmpd="sng" algn="ctr">
+          <a:solidFill>
+            <a:schemeClr val="lt1">
+              <a:hueOff val="0"/>
+              <a:satOff val="0"/>
+              <a:lumOff val="0"/>
+              <a:alphaOff val="0"/>
+            </a:schemeClr>
+          </a:solidFill>
+          <a:prstDash val="solid"/>
+        </a:ln>
+        <a:effectLst/>
+      </dsp:spPr>
+      <dsp:style>
+        <a:lnRef idx="2">
+          <a:scrgbClr r="0" g="0" b="0"/>
+        </a:lnRef>
+        <a:fillRef idx="1">
+          <a:scrgbClr r="0" g="0" b="0"/>
+        </a:fillRef>
+        <a:effectRef idx="0">
+          <a:scrgbClr r="0" g="0" b="0"/>
+        </a:effectRef>
+        <a:fontRef idx="minor">
+          <a:schemeClr val="lt1"/>
+        </a:fontRef>
+      </dsp:style>
+      <dsp:txBody>
+        <a:bodyPr spcFirstLastPara="0" vert="horz" wrap="square" lIns="49530" tIns="49530" rIns="49530" bIns="49530" numCol="1" spcCol="1270" anchor="ctr" anchorCtr="0">
+          <a:noAutofit/>
+        </a:bodyPr>
+        <a:lstStyle/>
+        <a:p>
+          <a:pPr marL="0" lvl="0" indent="0" algn="ctr" defTabSz="577850">
+            <a:lnSpc>
+              <a:spcPct val="90000"/>
+            </a:lnSpc>
+            <a:spcBef>
+              <a:spcPct val="0"/>
+            </a:spcBef>
+            <a:spcAft>
+              <a:spcPct val="35000"/>
+            </a:spcAft>
+            <a:buNone/>
+          </a:pPr>
+          <a:r>
+            <a:rPr lang="tr-TR" sz="1300" kern="1200"/>
+            <a:t>Step yürütmeleri, StepExecution sınıfının nesneleri tarafından temsil edilir. Her yürütme, ilgili step’e ve JobExecution'a başvurur ve işlemle ilgili verileri, işlem sayıları ve başlama ve bitiş zamanları gibi işlemle ilgili verileri içerir. Ayrıca, her step yürütmesi, bir geliştiricinin toplu işlem çalıştırmaları arasında saklanmasını gereken verileri içeren bir ExecutionContext içerir. Bu veriler, yeniden başlatma işlemi veya istatistikler gibi işlem çalıştırmaları arasında devam etmesi gereken verileri içerebilir. </a:t>
+          </a:r>
+          <a:endParaRPr lang="en-US" sz="1300" kern="1200"/>
+        </a:p>
+      </dsp:txBody>
+      <dsp:txXfrm>
+        <a:off x="3785442" y="145886"/>
+        <a:ext cx="2487514" cy="3557850"/>
+      </dsp:txXfrm>
+    </dsp:sp>
+    <dsp:sp modelId="{C8891094-7CBA-6B4B-BE69-F6E1636E987B}">
+      <dsp:nvSpPr>
+        <dsp:cNvPr id="0" name=""/>
+        <dsp:cNvSpPr/>
+      </dsp:nvSpPr>
+      <dsp:spPr>
+        <a:xfrm>
+          <a:off x="6614576" y="1597167"/>
+          <a:ext cx="560166" cy="655289"/>
+        </a:xfrm>
+        <a:prstGeom prst="rightArrow">
+          <a:avLst>
+            <a:gd name="adj1" fmla="val 60000"/>
+            <a:gd name="adj2" fmla="val 50000"/>
+          </a:avLst>
+        </a:prstGeom>
+        <a:solidFill>
+          <a:schemeClr val="accent1">
+            <a:tint val="60000"/>
+            <a:hueOff val="0"/>
+            <a:satOff val="0"/>
+            <a:lumOff val="0"/>
+            <a:alphaOff val="0"/>
+          </a:schemeClr>
+        </a:solidFill>
+        <a:ln>
+          <a:noFill/>
+        </a:ln>
+        <a:effectLst/>
+      </dsp:spPr>
+      <dsp:style>
+        <a:lnRef idx="0">
+          <a:scrgbClr r="0" g="0" b="0"/>
+        </a:lnRef>
+        <a:fillRef idx="1">
+          <a:scrgbClr r="0" g="0" b="0"/>
+        </a:fillRef>
+        <a:effectRef idx="0">
+          <a:scrgbClr r="0" g="0" b="0"/>
+        </a:effectRef>
+        <a:fontRef idx="minor">
+          <a:schemeClr val="lt1"/>
+        </a:fontRef>
+      </dsp:style>
+      <dsp:txBody>
+        <a:bodyPr spcFirstLastPara="0" vert="horz" wrap="square" lIns="0" tIns="0" rIns="0" bIns="0" numCol="1" spcCol="1270" anchor="ctr" anchorCtr="0">
+          <a:noAutofit/>
+        </a:bodyPr>
+        <a:lstStyle/>
+        <a:p>
+          <a:pPr marL="0" lvl="0" indent="0" algn="ctr" defTabSz="444500">
+            <a:lnSpc>
+              <a:spcPct val="90000"/>
+            </a:lnSpc>
+            <a:spcBef>
+              <a:spcPct val="0"/>
+            </a:spcBef>
+            <a:spcAft>
+              <a:spcPct val="35000"/>
+            </a:spcAft>
+            <a:buNone/>
+          </a:pPr>
+          <a:endParaRPr lang="en-US" sz="1000" kern="1200"/>
+        </a:p>
+      </dsp:txBody>
+      <dsp:txXfrm>
+        <a:off x="6614576" y="1728225"/>
+        <a:ext cx="392116" cy="393173"/>
+      </dsp:txXfrm>
+    </dsp:sp>
+    <dsp:sp modelId="{AAA5DFB2-2760-AF4F-AB0D-585542E85B8D}">
+      <dsp:nvSpPr>
+        <dsp:cNvPr id="0" name=""/>
+        <dsp:cNvSpPr/>
+      </dsp:nvSpPr>
+      <dsp:spPr>
+        <a:xfrm>
+          <a:off x="7407265" y="68496"/>
+          <a:ext cx="2642294" cy="3712630"/>
+        </a:xfrm>
+        <a:prstGeom prst="roundRect">
+          <a:avLst>
+            <a:gd name="adj" fmla="val 10000"/>
+          </a:avLst>
+        </a:prstGeom>
+        <a:solidFill>
+          <a:schemeClr val="accent1">
+            <a:hueOff val="0"/>
+            <a:satOff val="0"/>
+            <a:lumOff val="0"/>
+            <a:alphaOff val="0"/>
+          </a:schemeClr>
+        </a:solidFill>
+        <a:ln w="12700" cap="flat" cmpd="sng" algn="ctr">
+          <a:solidFill>
+            <a:schemeClr val="lt1">
+              <a:hueOff val="0"/>
+              <a:satOff val="0"/>
+              <a:lumOff val="0"/>
+              <a:alphaOff val="0"/>
+            </a:schemeClr>
+          </a:solidFill>
+          <a:prstDash val="solid"/>
+        </a:ln>
+        <a:effectLst/>
+      </dsp:spPr>
+      <dsp:style>
+        <a:lnRef idx="2">
+          <a:scrgbClr r="0" g="0" b="0"/>
+        </a:lnRef>
+        <a:fillRef idx="1">
+          <a:scrgbClr r="0" g="0" b="0"/>
+        </a:fillRef>
+        <a:effectRef idx="0">
+          <a:scrgbClr r="0" g="0" b="0"/>
+        </a:effectRef>
+        <a:fontRef idx="minor">
+          <a:schemeClr val="lt1"/>
+        </a:fontRef>
+      </dsp:style>
+      <dsp:txBody>
+        <a:bodyPr spcFirstLastPara="0" vert="horz" wrap="square" lIns="49530" tIns="49530" rIns="49530" bIns="49530" numCol="1" spcCol="1270" anchor="ctr" anchorCtr="0">
+          <a:noAutofit/>
+        </a:bodyPr>
+        <a:lstStyle/>
+        <a:p>
+          <a:pPr marL="0" lvl="0" indent="0" algn="ctr" defTabSz="577850">
+            <a:lnSpc>
+              <a:spcPct val="90000"/>
+            </a:lnSpc>
+            <a:spcBef>
+              <a:spcPct val="0"/>
+            </a:spcBef>
+            <a:spcAft>
+              <a:spcPct val="35000"/>
+            </a:spcAft>
+            <a:buNone/>
+          </a:pPr>
+          <a:r>
+            <a:rPr lang="tr-TR" sz="1300" kern="1200"/>
+            <a:t>Bu özellikler, bir stepin yürütmesinin ayrıntılarını ve sonuçlarını saklamak ve izlemek için kullanılır. StepExecution, bir toplu işlem aşamasının başarı veya başarısızlık durumunu, işlem sayılarını ve diğer önemli bilgileri takip etmek için önemlidir.</a:t>
+          </a:r>
+          <a:endParaRPr lang="en-US" sz="1300" kern="1200"/>
+        </a:p>
+      </dsp:txBody>
+      <dsp:txXfrm>
+        <a:off x="7484655" y="145886"/>
+        <a:ext cx="2487514" cy="3557850"/>
       </dsp:txXfrm>
     </dsp:sp>
   </dsp:spTree>
@@ -13795,15 +15566,15 @@
       <dsp:cNvGrpSpPr/>
     </dsp:nvGrpSpPr>
     <dsp:grpSpPr/>
-    <dsp:sp modelId="{02743746-C663-A04F-A96F-B1D066EB2E14}">
+    <dsp:sp modelId="{5B9E262C-20F3-4C8B-BAA5-47599E098DCE}">
       <dsp:nvSpPr>
         <dsp:cNvPr id="0" name=""/>
         <dsp:cNvSpPr/>
       </dsp:nvSpPr>
       <dsp:spPr>
         <a:xfrm>
-          <a:off x="8840" y="68496"/>
-          <a:ext cx="2642294" cy="3712630"/>
+          <a:off x="0" y="2179"/>
+          <a:ext cx="6036579" cy="1104846"/>
         </a:xfrm>
         <a:prstGeom prst="roundRect">
           <a:avLst>
@@ -13811,121 +15582,7 @@
           </a:avLst>
         </a:prstGeom>
         <a:solidFill>
-          <a:schemeClr val="accent1">
-            <a:hueOff val="0"/>
-            <a:satOff val="0"/>
-            <a:lumOff val="0"/>
-            <a:alphaOff val="0"/>
-          </a:schemeClr>
-        </a:solidFill>
-        <a:ln w="12700" cap="flat" cmpd="sng" algn="ctr">
-          <a:solidFill>
-            <a:schemeClr val="lt1">
-              <a:hueOff val="0"/>
-              <a:satOff val="0"/>
-              <a:lumOff val="0"/>
-              <a:alphaOff val="0"/>
-            </a:schemeClr>
-          </a:solidFill>
-          <a:prstDash val="solid"/>
-        </a:ln>
-        <a:effectLst/>
-      </dsp:spPr>
-      <dsp:style>
-        <a:lnRef idx="2">
-          <a:scrgbClr r="0" g="0" b="0"/>
-        </a:lnRef>
-        <a:fillRef idx="1">
-          <a:scrgbClr r="0" g="0" b="0"/>
-        </a:fillRef>
-        <a:effectRef idx="0">
-          <a:scrgbClr r="0" g="0" b="0"/>
-        </a:effectRef>
-        <a:fontRef idx="minor">
-          <a:schemeClr val="lt1"/>
-        </a:fontRef>
-      </dsp:style>
-      <dsp:txBody>
-        <a:bodyPr spcFirstLastPara="0" vert="horz" wrap="square" lIns="49530" tIns="49530" rIns="49530" bIns="49530" numCol="1" spcCol="1270" anchor="ctr" anchorCtr="0">
-          <a:noAutofit/>
-        </a:bodyPr>
-        <a:lstStyle/>
-        <a:p>
-          <a:pPr marL="0" lvl="0" indent="0" algn="ctr" defTabSz="577850">
-            <a:lnSpc>
-              <a:spcPct val="90000"/>
-            </a:lnSpc>
-            <a:spcBef>
-              <a:spcPct val="0"/>
-            </a:spcBef>
-            <a:spcAft>
-              <a:spcPct val="35000"/>
-            </a:spcAft>
-            <a:buNone/>
-          </a:pPr>
-          <a:r>
-            <a:rPr lang="tr-TR" sz="1300" kern="1200" dirty="0"/>
-            <a:t>Bir </a:t>
-          </a:r>
-          <a:r>
-            <a:rPr lang="tr-TR" sz="1300" kern="1200" dirty="0" err="1"/>
-            <a:t>StepExecution</a:t>
-          </a:r>
-          <a:r>
-            <a:rPr lang="tr-TR" sz="1300" kern="1200" dirty="0"/>
-            <a:t>, bir Step’i çalıştırmak için yapılan tek bir denemeyi temsil eder. Bir Step çalıştırıldığında, </a:t>
-          </a:r>
-          <a:r>
-            <a:rPr lang="tr-TR" sz="1300" kern="1200" dirty="0" err="1"/>
-            <a:t>JobExecution</a:t>
-          </a:r>
-          <a:r>
-            <a:rPr lang="tr-TR" sz="1300" kern="1200" dirty="0"/>
-            <a:t> gibi her seferinde yeni bir </a:t>
-          </a:r>
-          <a:r>
-            <a:rPr lang="tr-TR" sz="1300" kern="1200" dirty="0" err="1"/>
-            <a:t>StepExecution</a:t>
-          </a:r>
-          <a:r>
-            <a:rPr lang="tr-TR" sz="1300" kern="1200" dirty="0"/>
-            <a:t> oluşturulur. Ancak, bir Step’in bir önceki adımın başarısızlığı nedeniyle çalıştırılamazsa, bu adım için hiçbir yürütme saklanmaz. Bir </a:t>
-          </a:r>
-          <a:r>
-            <a:rPr lang="tr-TR" sz="1300" kern="1200" dirty="0" err="1"/>
-            <a:t>StepExecution</a:t>
-          </a:r>
-          <a:r>
-            <a:rPr lang="tr-TR" sz="1300" kern="1200" dirty="0"/>
-            <a:t> yalnızca ilgili Step gerçekten başlatıldığında oluşturulur.</a:t>
-          </a:r>
-          <a:endParaRPr lang="en-US" sz="1300" kern="1200" dirty="0"/>
-        </a:p>
-      </dsp:txBody>
-      <dsp:txXfrm>
-        <a:off x="86230" y="145886"/>
-        <a:ext cx="2487514" cy="3557850"/>
-      </dsp:txXfrm>
-    </dsp:sp>
-    <dsp:sp modelId="{F7920782-49DF-C745-BEE3-1A2E722751AC}">
-      <dsp:nvSpPr>
-        <dsp:cNvPr id="0" name=""/>
-        <dsp:cNvSpPr/>
-      </dsp:nvSpPr>
-      <dsp:spPr>
-        <a:xfrm>
-          <a:off x="2915364" y="1597167"/>
-          <a:ext cx="560166" cy="655289"/>
-        </a:xfrm>
-        <a:prstGeom prst="rightArrow">
-          <a:avLst>
-            <a:gd name="adj1" fmla="val 60000"/>
-            <a:gd name="adj2" fmla="val 50000"/>
-          </a:avLst>
-        </a:prstGeom>
-        <a:solidFill>
-          <a:schemeClr val="accent1">
-            <a:tint val="60000"/>
+          <a:schemeClr val="accent2">
             <a:hueOff val="0"/>
             <a:satOff val="0"/>
             <a:lumOff val="0"/>
@@ -13947,68 +15604,39 @@
         <a:effectRef idx="0">
           <a:scrgbClr r="0" g="0" b="0"/>
         </a:effectRef>
-        <a:fontRef idx="minor">
-          <a:schemeClr val="lt1"/>
-        </a:fontRef>
+        <a:fontRef idx="minor"/>
       </dsp:style>
-      <dsp:txBody>
-        <a:bodyPr spcFirstLastPara="0" vert="horz" wrap="square" lIns="0" tIns="0" rIns="0" bIns="0" numCol="1" spcCol="1270" anchor="ctr" anchorCtr="0">
-          <a:noAutofit/>
-        </a:bodyPr>
-        <a:lstStyle/>
-        <a:p>
-          <a:pPr marL="0" lvl="0" indent="0" algn="ctr" defTabSz="444500">
-            <a:lnSpc>
-              <a:spcPct val="90000"/>
-            </a:lnSpc>
-            <a:spcBef>
-              <a:spcPct val="0"/>
-            </a:spcBef>
-            <a:spcAft>
-              <a:spcPct val="35000"/>
-            </a:spcAft>
-            <a:buNone/>
-          </a:pPr>
-          <a:endParaRPr lang="en-US" sz="1000" kern="1200"/>
-        </a:p>
-      </dsp:txBody>
-      <dsp:txXfrm>
-        <a:off x="2915364" y="1728225"/>
-        <a:ext cx="392116" cy="393173"/>
-      </dsp:txXfrm>
     </dsp:sp>
-    <dsp:sp modelId="{F2F9A1A1-56DB-8F44-A482-27E7168A5610}">
+    <dsp:sp modelId="{EFA620CC-D613-473A-A66A-95877347AA9D}">
       <dsp:nvSpPr>
         <dsp:cNvPr id="0" name=""/>
         <dsp:cNvSpPr/>
       </dsp:nvSpPr>
       <dsp:spPr>
         <a:xfrm>
-          <a:off x="3708052" y="68496"/>
-          <a:ext cx="2642294" cy="3712630"/>
+          <a:off x="334216" y="250770"/>
+          <a:ext cx="607665" cy="607665"/>
         </a:xfrm>
-        <a:prstGeom prst="roundRect">
-          <a:avLst>
-            <a:gd name="adj" fmla="val 10000"/>
-          </a:avLst>
+        <a:prstGeom prst="rect">
+          <a:avLst/>
         </a:prstGeom>
-        <a:solidFill>
-          <a:schemeClr val="accent1">
-            <a:hueOff val="0"/>
-            <a:satOff val="0"/>
-            <a:lumOff val="0"/>
-            <a:alphaOff val="0"/>
-          </a:schemeClr>
-        </a:solidFill>
+        <a:blipFill>
+          <a:blip xmlns:r="http://schemas.openxmlformats.org/officeDocument/2006/relationships" r:embed="rId1">
+            <a:extLst>
+              <a:ext uri="{28A0092B-C50C-407E-A947-70E740481C1C}">
+                <a14:useLocalDpi xmlns:a14="http://schemas.microsoft.com/office/drawing/2010/main" val="0"/>
+              </a:ext>
+              <a:ext uri="{96DAC541-7B7A-43D3-8B79-37D633B846F1}">
+                <asvg:svgBlip xmlns:asvg="http://schemas.microsoft.com/office/drawing/2016/SVG/main" r:embed="rId2"/>
+              </a:ext>
+            </a:extLst>
+          </a:blip>
+          <a:stretch>
+            <a:fillRect/>
+          </a:stretch>
+        </a:blipFill>
         <a:ln w="12700" cap="flat" cmpd="sng" algn="ctr">
-          <a:solidFill>
-            <a:schemeClr val="lt1">
-              <a:hueOff val="0"/>
-              <a:satOff val="0"/>
-              <a:lumOff val="0"/>
-              <a:alphaOff val="0"/>
-            </a:schemeClr>
-          </a:solidFill>
+          <a:noFill/>
           <a:prstDash val="solid"/>
         </a:ln>
         <a:effectLst/>
@@ -14027,13 +15655,45 @@
           <a:schemeClr val="lt1"/>
         </a:fontRef>
       </dsp:style>
+    </dsp:sp>
+    <dsp:sp modelId="{102F309D-039B-4B50-8FF4-0C8F4465B1B0}">
+      <dsp:nvSpPr>
+        <dsp:cNvPr id="0" name=""/>
+        <dsp:cNvSpPr/>
+      </dsp:nvSpPr>
+      <dsp:spPr>
+        <a:xfrm>
+          <a:off x="1276097" y="2179"/>
+          <a:ext cx="4760481" cy="1104846"/>
+        </a:xfrm>
+        <a:prstGeom prst="rect">
+          <a:avLst/>
+        </a:prstGeom>
+        <a:noFill/>
+        <a:ln>
+          <a:noFill/>
+        </a:ln>
+        <a:effectLst/>
+      </dsp:spPr>
+      <dsp:style>
+        <a:lnRef idx="0">
+          <a:scrgbClr r="0" g="0" b="0"/>
+        </a:lnRef>
+        <a:fillRef idx="0">
+          <a:scrgbClr r="0" g="0" b="0"/>
+        </a:fillRef>
+        <a:effectRef idx="0">
+          <a:scrgbClr r="0" g="0" b="0"/>
+        </a:effectRef>
+        <a:fontRef idx="minor"/>
+      </dsp:style>
       <dsp:txBody>
-        <a:bodyPr spcFirstLastPara="0" vert="horz" wrap="square" lIns="49530" tIns="49530" rIns="49530" bIns="49530" numCol="1" spcCol="1270" anchor="ctr" anchorCtr="0">
+        <a:bodyPr spcFirstLastPara="0" vert="horz" wrap="square" lIns="116930" tIns="116930" rIns="116930" bIns="116930" numCol="1" spcCol="1270" anchor="ctr" anchorCtr="0">
           <a:noAutofit/>
         </a:bodyPr>
         <a:lstStyle/>
         <a:p>
-          <a:pPr marL="0" lvl="0" indent="0" algn="ctr" defTabSz="577850">
+          <a:pPr marL="0" lvl="0" indent="0" algn="l" defTabSz="666750">
             <a:lnSpc>
               <a:spcPct val="90000"/>
             </a:lnSpc>
@@ -14046,36 +15706,34 @@
             <a:buNone/>
           </a:pPr>
           <a:r>
-            <a:rPr lang="tr-TR" sz="1300" kern="1200"/>
-            <a:t>Step yürütmeleri, StepExecution sınıfının nesneleri tarafından temsil edilir. Her yürütme, ilgili step’e ve JobExecution'a başvurur ve işlemle ilgili verileri, işlem sayıları ve başlama ve bitiş zamanları gibi işlemle ilgili verileri içerir. Ayrıca, her step yürütmesi, bir geliştiricinin toplu işlem çalıştırmaları arasında saklanmasını gereken verileri içeren bir ExecutionContext içerir. Bu veriler, yeniden başlatma işlemi veya istatistikler gibi işlem çalıştırmaları arasında devam etmesi gereken verileri içerebilir. </a:t>
+            <a:rPr lang="tr-TR" sz="1500" kern="1200"/>
+            <a:t>Tasklet Step = Basit görevler (dosya kopyalama veya arşiv oluşturma gibi) veya öğe odaklı görevler (dosya veya veritabanı tablosu okuma gibi) için tasarlanmıştır.</a:t>
           </a:r>
-          <a:endParaRPr lang="en-US" sz="1300" kern="1200"/>
+          <a:endParaRPr lang="en-US" sz="1500" kern="1200"/>
         </a:p>
       </dsp:txBody>
       <dsp:txXfrm>
-        <a:off x="3785442" y="145886"/>
-        <a:ext cx="2487514" cy="3557850"/>
+        <a:off x="1276097" y="2179"/>
+        <a:ext cx="4760481" cy="1104846"/>
       </dsp:txXfrm>
     </dsp:sp>
-    <dsp:sp modelId="{C8891094-7CBA-6B4B-BE69-F6E1636E987B}">
+    <dsp:sp modelId="{4F2797B0-3C3B-4670-AD7E-1B200C47D48F}">
       <dsp:nvSpPr>
         <dsp:cNvPr id="0" name=""/>
         <dsp:cNvSpPr/>
       </dsp:nvSpPr>
       <dsp:spPr>
         <a:xfrm>
-          <a:off x="6614576" y="1597167"/>
-          <a:ext cx="560166" cy="655289"/>
+          <a:off x="0" y="1383238"/>
+          <a:ext cx="6036579" cy="1104846"/>
         </a:xfrm>
-        <a:prstGeom prst="rightArrow">
+        <a:prstGeom prst="roundRect">
           <a:avLst>
-            <a:gd name="adj1" fmla="val 60000"/>
-            <a:gd name="adj2" fmla="val 50000"/>
+            <a:gd name="adj" fmla="val 10000"/>
           </a:avLst>
         </a:prstGeom>
         <a:solidFill>
-          <a:schemeClr val="accent1">
-            <a:tint val="60000"/>
+          <a:schemeClr val="accent3">
             <a:hueOff val="0"/>
             <a:satOff val="0"/>
             <a:lumOff val="0"/>
@@ -14097,68 +15755,39 @@
         <a:effectRef idx="0">
           <a:scrgbClr r="0" g="0" b="0"/>
         </a:effectRef>
-        <a:fontRef idx="minor">
-          <a:schemeClr val="lt1"/>
-        </a:fontRef>
+        <a:fontRef idx="minor"/>
       </dsp:style>
-      <dsp:txBody>
-        <a:bodyPr spcFirstLastPara="0" vert="horz" wrap="square" lIns="0" tIns="0" rIns="0" bIns="0" numCol="1" spcCol="1270" anchor="ctr" anchorCtr="0">
-          <a:noAutofit/>
-        </a:bodyPr>
-        <a:lstStyle/>
-        <a:p>
-          <a:pPr marL="0" lvl="0" indent="0" algn="ctr" defTabSz="444500">
-            <a:lnSpc>
-              <a:spcPct val="90000"/>
-            </a:lnSpc>
-            <a:spcBef>
-              <a:spcPct val="0"/>
-            </a:spcBef>
-            <a:spcAft>
-              <a:spcPct val="35000"/>
-            </a:spcAft>
-            <a:buNone/>
-          </a:pPr>
-          <a:endParaRPr lang="en-US" sz="1000" kern="1200"/>
-        </a:p>
-      </dsp:txBody>
-      <dsp:txXfrm>
-        <a:off x="6614576" y="1728225"/>
-        <a:ext cx="392116" cy="393173"/>
-      </dsp:txXfrm>
     </dsp:sp>
-    <dsp:sp modelId="{AAA5DFB2-2760-AF4F-AB0D-585542E85B8D}">
+    <dsp:sp modelId="{A7B7BCE9-AE02-4DC0-8346-42E3133E0CEF}">
       <dsp:nvSpPr>
         <dsp:cNvPr id="0" name=""/>
         <dsp:cNvSpPr/>
       </dsp:nvSpPr>
       <dsp:spPr>
         <a:xfrm>
-          <a:off x="7407265" y="68496"/>
-          <a:ext cx="2642294" cy="3712630"/>
+          <a:off x="334216" y="1631828"/>
+          <a:ext cx="607665" cy="607665"/>
         </a:xfrm>
-        <a:prstGeom prst="roundRect">
-          <a:avLst>
-            <a:gd name="adj" fmla="val 10000"/>
-          </a:avLst>
+        <a:prstGeom prst="rect">
+          <a:avLst/>
         </a:prstGeom>
-        <a:solidFill>
-          <a:schemeClr val="accent1">
-            <a:hueOff val="0"/>
-            <a:satOff val="0"/>
-            <a:lumOff val="0"/>
-            <a:alphaOff val="0"/>
-          </a:schemeClr>
-        </a:solidFill>
+        <a:blipFill>
+          <a:blip xmlns:r="http://schemas.openxmlformats.org/officeDocument/2006/relationships" r:embed="rId3">
+            <a:extLst>
+              <a:ext uri="{28A0092B-C50C-407E-A947-70E740481C1C}">
+                <a14:useLocalDpi xmlns:a14="http://schemas.microsoft.com/office/drawing/2010/main" val="0"/>
+              </a:ext>
+              <a:ext uri="{96DAC541-7B7A-43D3-8B79-37D633B846F1}">
+                <asvg:svgBlip xmlns:asvg="http://schemas.microsoft.com/office/drawing/2016/SVG/main" r:embed="rId4"/>
+              </a:ext>
+            </a:extLst>
+          </a:blip>
+          <a:stretch>
+            <a:fillRect/>
+          </a:stretch>
+        </a:blipFill>
         <a:ln w="12700" cap="flat" cmpd="sng" algn="ctr">
-          <a:solidFill>
-            <a:schemeClr val="lt1">
-              <a:hueOff val="0"/>
-              <a:satOff val="0"/>
-              <a:lumOff val="0"/>
-              <a:alphaOff val="0"/>
-            </a:schemeClr>
-          </a:solidFill>
+          <a:noFill/>
           <a:prstDash val="solid"/>
         </a:ln>
         <a:effectLst/>
@@ -14177,13 +15806,45 @@
           <a:schemeClr val="lt1"/>
         </a:fontRef>
       </dsp:style>
+    </dsp:sp>
+    <dsp:sp modelId="{A7149D45-C180-4B5A-B9A9-532F86F5CAF9}">
+      <dsp:nvSpPr>
+        <dsp:cNvPr id="0" name=""/>
+        <dsp:cNvSpPr/>
+      </dsp:nvSpPr>
+      <dsp:spPr>
+        <a:xfrm>
+          <a:off x="1276097" y="1383238"/>
+          <a:ext cx="4760481" cy="1104846"/>
+        </a:xfrm>
+        <a:prstGeom prst="rect">
+          <a:avLst/>
+        </a:prstGeom>
+        <a:noFill/>
+        <a:ln>
+          <a:noFill/>
+        </a:ln>
+        <a:effectLst/>
+      </dsp:spPr>
+      <dsp:style>
+        <a:lnRef idx="0">
+          <a:scrgbClr r="0" g="0" b="0"/>
+        </a:lnRef>
+        <a:fillRef idx="0">
+          <a:scrgbClr r="0" g="0" b="0"/>
+        </a:fillRef>
+        <a:effectRef idx="0">
+          <a:scrgbClr r="0" g="0" b="0"/>
+        </a:effectRef>
+        <a:fontRef idx="minor"/>
+      </dsp:style>
       <dsp:txBody>
-        <a:bodyPr spcFirstLastPara="0" vert="horz" wrap="square" lIns="49530" tIns="49530" rIns="49530" bIns="49530" numCol="1" spcCol="1270" anchor="ctr" anchorCtr="0">
+        <a:bodyPr spcFirstLastPara="0" vert="horz" wrap="square" lIns="116930" tIns="116930" rIns="116930" bIns="116930" numCol="1" spcCol="1270" anchor="ctr" anchorCtr="0">
           <a:noAutofit/>
         </a:bodyPr>
         <a:lstStyle/>
         <a:p>
-          <a:pPr marL="0" lvl="0" indent="0" algn="ctr" defTabSz="577850">
+          <a:pPr marL="0" lvl="0" indent="0" algn="l" defTabSz="666750">
             <a:lnSpc>
               <a:spcPct val="90000"/>
             </a:lnSpc>
@@ -14196,15 +15857,317 @@
             <a:buNone/>
           </a:pPr>
           <a:r>
-            <a:rPr lang="tr-TR" sz="1300" kern="1200"/>
-            <a:t>Bu özellikler, bir stepin yürütmesinin ayrıntılarını ve sonuçlarını saklamak ve izlemek için kullanılır. StepExecution, bir toplu işlem aşamasının başarı veya başarısızlık durumunu, işlem sayılarını ve diğer önemli bilgileri takip etmek için önemlidir.</a:t>
+            <a:rPr lang="tr-TR" sz="1500" kern="1200"/>
+            <a:t>Partitioned Step = Giriş veri setini bölümler halinde işlemek için tasarlanmıştır.</a:t>
           </a:r>
-          <a:endParaRPr lang="en-US" sz="1300" kern="1200"/>
+          <a:endParaRPr lang="en-US" sz="1500" kern="1200"/>
         </a:p>
       </dsp:txBody>
       <dsp:txXfrm>
-        <a:off x="7484655" y="145886"/>
-        <a:ext cx="2487514" cy="3557850"/>
+        <a:off x="1276097" y="1383238"/>
+        <a:ext cx="4760481" cy="1104846"/>
+      </dsp:txXfrm>
+    </dsp:sp>
+    <dsp:sp modelId="{53384998-F27F-410C-9F5F-19790F0F5EE2}">
+      <dsp:nvSpPr>
+        <dsp:cNvPr id="0" name=""/>
+        <dsp:cNvSpPr/>
+      </dsp:nvSpPr>
+      <dsp:spPr>
+        <a:xfrm>
+          <a:off x="0" y="2764296"/>
+          <a:ext cx="6036579" cy="1104846"/>
+        </a:xfrm>
+        <a:prstGeom prst="roundRect">
+          <a:avLst>
+            <a:gd name="adj" fmla="val 10000"/>
+          </a:avLst>
+        </a:prstGeom>
+        <a:solidFill>
+          <a:schemeClr val="accent4">
+            <a:hueOff val="0"/>
+            <a:satOff val="0"/>
+            <a:lumOff val="0"/>
+            <a:alphaOff val="0"/>
+          </a:schemeClr>
+        </a:solidFill>
+        <a:ln>
+          <a:noFill/>
+        </a:ln>
+        <a:effectLst/>
+      </dsp:spPr>
+      <dsp:style>
+        <a:lnRef idx="0">
+          <a:scrgbClr r="0" g="0" b="0"/>
+        </a:lnRef>
+        <a:fillRef idx="1">
+          <a:scrgbClr r="0" g="0" b="0"/>
+        </a:fillRef>
+        <a:effectRef idx="0">
+          <a:scrgbClr r="0" g="0" b="0"/>
+        </a:effectRef>
+        <a:fontRef idx="minor"/>
+      </dsp:style>
+    </dsp:sp>
+    <dsp:sp modelId="{45DE9F3E-5A0D-46B1-AFF9-EE8B7E90A87F}">
+      <dsp:nvSpPr>
+        <dsp:cNvPr id="0" name=""/>
+        <dsp:cNvSpPr/>
+      </dsp:nvSpPr>
+      <dsp:spPr>
+        <a:xfrm>
+          <a:off x="334216" y="3012886"/>
+          <a:ext cx="607665" cy="607665"/>
+        </a:xfrm>
+        <a:prstGeom prst="rect">
+          <a:avLst/>
+        </a:prstGeom>
+        <a:blipFill>
+          <a:blip xmlns:r="http://schemas.openxmlformats.org/officeDocument/2006/relationships" r:embed="rId5">
+            <a:extLst>
+              <a:ext uri="{28A0092B-C50C-407E-A947-70E740481C1C}">
+                <a14:useLocalDpi xmlns:a14="http://schemas.microsoft.com/office/drawing/2010/main" val="0"/>
+              </a:ext>
+              <a:ext uri="{96DAC541-7B7A-43D3-8B79-37D633B846F1}">
+                <asvg:svgBlip xmlns:asvg="http://schemas.microsoft.com/office/drawing/2016/SVG/main" r:embed="rId6"/>
+              </a:ext>
+            </a:extLst>
+          </a:blip>
+          <a:stretch>
+            <a:fillRect/>
+          </a:stretch>
+        </a:blipFill>
+        <a:ln w="12700" cap="flat" cmpd="sng" algn="ctr">
+          <a:noFill/>
+          <a:prstDash val="solid"/>
+        </a:ln>
+        <a:effectLst/>
+      </dsp:spPr>
+      <dsp:style>
+        <a:lnRef idx="2">
+          <a:scrgbClr r="0" g="0" b="0"/>
+        </a:lnRef>
+        <a:fillRef idx="1">
+          <a:scrgbClr r="0" g="0" b="0"/>
+        </a:fillRef>
+        <a:effectRef idx="0">
+          <a:scrgbClr r="0" g="0" b="0"/>
+        </a:effectRef>
+        <a:fontRef idx="minor">
+          <a:schemeClr val="lt1"/>
+        </a:fontRef>
+      </dsp:style>
+    </dsp:sp>
+    <dsp:sp modelId="{EC8090D7-8DD3-496F-AFE1-B214F8D4262A}">
+      <dsp:nvSpPr>
+        <dsp:cNvPr id="0" name=""/>
+        <dsp:cNvSpPr/>
+      </dsp:nvSpPr>
+      <dsp:spPr>
+        <a:xfrm>
+          <a:off x="1276097" y="2764296"/>
+          <a:ext cx="4760481" cy="1104846"/>
+        </a:xfrm>
+        <a:prstGeom prst="rect">
+          <a:avLst/>
+        </a:prstGeom>
+        <a:noFill/>
+        <a:ln>
+          <a:noFill/>
+        </a:ln>
+        <a:effectLst/>
+      </dsp:spPr>
+      <dsp:style>
+        <a:lnRef idx="0">
+          <a:scrgbClr r="0" g="0" b="0"/>
+        </a:lnRef>
+        <a:fillRef idx="0">
+          <a:scrgbClr r="0" g="0" b="0"/>
+        </a:fillRef>
+        <a:effectRef idx="0">
+          <a:scrgbClr r="0" g="0" b="0"/>
+        </a:effectRef>
+        <a:fontRef idx="minor"/>
+      </dsp:style>
+      <dsp:txBody>
+        <a:bodyPr spcFirstLastPara="0" vert="horz" wrap="square" lIns="116930" tIns="116930" rIns="116930" bIns="116930" numCol="1" spcCol="1270" anchor="ctr" anchorCtr="0">
+          <a:noAutofit/>
+        </a:bodyPr>
+        <a:lstStyle/>
+        <a:p>
+          <a:pPr marL="0" lvl="0" indent="0" algn="l" defTabSz="666750">
+            <a:lnSpc>
+              <a:spcPct val="90000"/>
+            </a:lnSpc>
+            <a:spcBef>
+              <a:spcPct val="0"/>
+            </a:spcBef>
+            <a:spcAft>
+              <a:spcPct val="35000"/>
+            </a:spcAft>
+            <a:buNone/>
+          </a:pPr>
+          <a:r>
+            <a:rPr lang="tr-TR" sz="1500" kern="1200"/>
+            <a:t>FlowStep = Adımları akışlar halinde mantıksal olarak gruplamak için kullanışlıdır.</a:t>
+          </a:r>
+          <a:endParaRPr lang="en-US" sz="1500" kern="1200"/>
+        </a:p>
+      </dsp:txBody>
+      <dsp:txXfrm>
+        <a:off x="1276097" y="2764296"/>
+        <a:ext cx="4760481" cy="1104846"/>
+      </dsp:txXfrm>
+    </dsp:sp>
+    <dsp:sp modelId="{D87851B2-BC54-45C4-B773-B020C6127DED}">
+      <dsp:nvSpPr>
+        <dsp:cNvPr id="0" name=""/>
+        <dsp:cNvSpPr/>
+      </dsp:nvSpPr>
+      <dsp:spPr>
+        <a:xfrm>
+          <a:off x="0" y="4145354"/>
+          <a:ext cx="6036579" cy="1104846"/>
+        </a:xfrm>
+        <a:prstGeom prst="roundRect">
+          <a:avLst>
+            <a:gd name="adj" fmla="val 10000"/>
+          </a:avLst>
+        </a:prstGeom>
+        <a:solidFill>
+          <a:schemeClr val="accent5">
+            <a:hueOff val="0"/>
+            <a:satOff val="0"/>
+            <a:lumOff val="0"/>
+            <a:alphaOff val="0"/>
+          </a:schemeClr>
+        </a:solidFill>
+        <a:ln>
+          <a:noFill/>
+        </a:ln>
+        <a:effectLst/>
+      </dsp:spPr>
+      <dsp:style>
+        <a:lnRef idx="0">
+          <a:scrgbClr r="0" g="0" b="0"/>
+        </a:lnRef>
+        <a:fillRef idx="1">
+          <a:scrgbClr r="0" g="0" b="0"/>
+        </a:fillRef>
+        <a:effectRef idx="0">
+          <a:scrgbClr r="0" g="0" b="0"/>
+        </a:effectRef>
+        <a:fontRef idx="minor"/>
+      </dsp:style>
+    </dsp:sp>
+    <dsp:sp modelId="{9A72781E-D66F-497F-97ED-10840477C5D5}">
+      <dsp:nvSpPr>
+        <dsp:cNvPr id="0" name=""/>
+        <dsp:cNvSpPr/>
+      </dsp:nvSpPr>
+      <dsp:spPr>
+        <a:xfrm>
+          <a:off x="334216" y="4393944"/>
+          <a:ext cx="607665" cy="607665"/>
+        </a:xfrm>
+        <a:prstGeom prst="rect">
+          <a:avLst/>
+        </a:prstGeom>
+        <a:blipFill>
+          <a:blip xmlns:r="http://schemas.openxmlformats.org/officeDocument/2006/relationships" r:embed="rId7">
+            <a:extLst>
+              <a:ext uri="{28A0092B-C50C-407E-A947-70E740481C1C}">
+                <a14:useLocalDpi xmlns:a14="http://schemas.microsoft.com/office/drawing/2010/main" val="0"/>
+              </a:ext>
+              <a:ext uri="{96DAC541-7B7A-43D3-8B79-37D633B846F1}">
+                <asvg:svgBlip xmlns:asvg="http://schemas.microsoft.com/office/drawing/2016/SVG/main" r:embed="rId8"/>
+              </a:ext>
+            </a:extLst>
+          </a:blip>
+          <a:stretch>
+            <a:fillRect/>
+          </a:stretch>
+        </a:blipFill>
+        <a:ln w="12700" cap="flat" cmpd="sng" algn="ctr">
+          <a:noFill/>
+          <a:prstDash val="solid"/>
+        </a:ln>
+        <a:effectLst/>
+      </dsp:spPr>
+      <dsp:style>
+        <a:lnRef idx="2">
+          <a:scrgbClr r="0" g="0" b="0"/>
+        </a:lnRef>
+        <a:fillRef idx="1">
+          <a:scrgbClr r="0" g="0" b="0"/>
+        </a:fillRef>
+        <a:effectRef idx="0">
+          <a:scrgbClr r="0" g="0" b="0"/>
+        </a:effectRef>
+        <a:fontRef idx="minor">
+          <a:schemeClr val="lt1"/>
+        </a:fontRef>
+      </dsp:style>
+    </dsp:sp>
+    <dsp:sp modelId="{BBE80368-14FE-4A00-BD31-DBE6889C1998}">
+      <dsp:nvSpPr>
+        <dsp:cNvPr id="0" name=""/>
+        <dsp:cNvSpPr/>
+      </dsp:nvSpPr>
+      <dsp:spPr>
+        <a:xfrm>
+          <a:off x="1276097" y="4145354"/>
+          <a:ext cx="4760481" cy="1104846"/>
+        </a:xfrm>
+        <a:prstGeom prst="rect">
+          <a:avLst/>
+        </a:prstGeom>
+        <a:noFill/>
+        <a:ln>
+          <a:noFill/>
+        </a:ln>
+        <a:effectLst/>
+      </dsp:spPr>
+      <dsp:style>
+        <a:lnRef idx="0">
+          <a:scrgbClr r="0" g="0" b="0"/>
+        </a:lnRef>
+        <a:fillRef idx="0">
+          <a:scrgbClr r="0" g="0" b="0"/>
+        </a:fillRef>
+        <a:effectRef idx="0">
+          <a:scrgbClr r="0" g="0" b="0"/>
+        </a:effectRef>
+        <a:fontRef idx="minor"/>
+      </dsp:style>
+      <dsp:txBody>
+        <a:bodyPr spcFirstLastPara="0" vert="horz" wrap="square" lIns="116930" tIns="116930" rIns="116930" bIns="116930" numCol="1" spcCol="1270" anchor="ctr" anchorCtr="0">
+          <a:noAutofit/>
+        </a:bodyPr>
+        <a:lstStyle/>
+        <a:p>
+          <a:pPr marL="0" lvl="0" indent="0" algn="l" defTabSz="666750">
+            <a:lnSpc>
+              <a:spcPct val="90000"/>
+            </a:lnSpc>
+            <a:spcBef>
+              <a:spcPct val="0"/>
+            </a:spcBef>
+            <a:spcAft>
+              <a:spcPct val="35000"/>
+            </a:spcAft>
+            <a:buNone/>
+          </a:pPr>
+          <a:r>
+            <a:rPr lang="tr-TR" sz="1500" kern="1200"/>
+            <a:t>JobStep = FlowStep'e benzer, ancak aslında belirtilen akıştaki adımlar için ayrı bir iş yürütmesi oluşturur ve başlatır. Bu, karmaşık bir job ve sub-jobs akışı oluşturmak için kullanışlıdır.</a:t>
+          </a:r>
+          <a:endParaRPr lang="en-US" sz="1500" kern="1200"/>
+        </a:p>
+      </dsp:txBody>
+      <dsp:txXfrm>
+        <a:off x="1276097" y="4145354"/>
+        <a:ext cx="4760481" cy="1104846"/>
       </dsp:txXfrm>
     </dsp:sp>
   </dsp:spTree>
@@ -14766,6 +16729,152 @@
                 </dgm:layoutNode>
               </dgm:forEach>
             </dgm:forEach>
+          </dgm:layoutNode>
+        </dgm:layoutNode>
+      </dgm:forEach>
+    </dgm:forEach>
+  </dgm:layoutNode>
+</dgm:layoutDef>
+</file>
+
+<file path=ppt/diagrams/layout10.xml><?xml version="1.0" encoding="utf-8"?>
+<dgm:layoutDef xmlns:dgm="http://schemas.openxmlformats.org/drawingml/2006/diagram" xmlns:a="http://schemas.openxmlformats.org/drawingml/2006/main" uniqueId="urn:microsoft.com/office/officeart/2005/8/layout/process1">
+  <dgm:title val=""/>
+  <dgm:desc val=""/>
+  <dgm:catLst>
+    <dgm:cat type="process" pri="1000"/>
+    <dgm:cat type="convert" pri="15000"/>
+  </dgm:catLst>
+  <dgm:sampData useDef="1">
+    <dgm:dataModel>
+      <dgm:ptLst/>
+      <dgm:bg/>
+      <dgm:whole/>
+    </dgm:dataModel>
+  </dgm:sampData>
+  <dgm:styleData>
+    <dgm:dataModel>
+      <dgm:ptLst>
+        <dgm:pt modelId="0" type="doc"/>
+        <dgm:pt modelId="1"/>
+        <dgm:pt modelId="2"/>
+      </dgm:ptLst>
+      <dgm:cxnLst>
+        <dgm:cxn modelId="3" srcId="0" destId="1" srcOrd="0" destOrd="0"/>
+        <dgm:cxn modelId="4" srcId="0" destId="2" srcOrd="1" destOrd="0"/>
+      </dgm:cxnLst>
+      <dgm:bg/>
+      <dgm:whole/>
+    </dgm:dataModel>
+  </dgm:styleData>
+  <dgm:clrData>
+    <dgm:dataModel>
+      <dgm:ptLst>
+        <dgm:pt modelId="0" type="doc"/>
+        <dgm:pt modelId="1"/>
+        <dgm:pt modelId="2"/>
+        <dgm:pt modelId="3"/>
+        <dgm:pt modelId="4"/>
+      </dgm:ptLst>
+      <dgm:cxnLst>
+        <dgm:cxn modelId="5" srcId="0" destId="1" srcOrd="0" destOrd="0"/>
+        <dgm:cxn modelId="6" srcId="0" destId="2" srcOrd="1" destOrd="0"/>
+        <dgm:cxn modelId="7" srcId="0" destId="3" srcOrd="2" destOrd="0"/>
+        <dgm:cxn modelId="8" srcId="0" destId="4" srcOrd="3" destOrd="0"/>
+      </dgm:cxnLst>
+      <dgm:bg/>
+      <dgm:whole/>
+    </dgm:dataModel>
+  </dgm:clrData>
+  <dgm:layoutNode name="Name0">
+    <dgm:varLst>
+      <dgm:dir/>
+      <dgm:resizeHandles val="exact"/>
+    </dgm:varLst>
+    <dgm:choose name="Name1">
+      <dgm:if name="Name2" func="var" arg="dir" op="equ" val="norm">
+        <dgm:alg type="lin"/>
+      </dgm:if>
+      <dgm:else name="Name3">
+        <dgm:alg type="lin">
+          <dgm:param type="linDir" val="fromR"/>
+        </dgm:alg>
+      </dgm:else>
+    </dgm:choose>
+    <dgm:shape xmlns:r="http://schemas.openxmlformats.org/officeDocument/2006/relationships" r:blip="">
+      <dgm:adjLst/>
+    </dgm:shape>
+    <dgm:presOf/>
+    <dgm:constrLst>
+      <dgm:constr type="w" for="ch" ptType="node" refType="w"/>
+      <dgm:constr type="h" for="ch" ptType="node" op="equ"/>
+      <dgm:constr type="primFontSz" for="ch" ptType="node" op="equ" val="65"/>
+      <dgm:constr type="w" for="ch" ptType="sibTrans" refType="w" refFor="ch" refPtType="node" op="equ" fact="0.4"/>
+      <dgm:constr type="h" for="ch" ptType="sibTrans" op="equ"/>
+      <dgm:constr type="primFontSz" for="des" forName="connectorText" op="equ" val="55"/>
+      <dgm:constr type="primFontSz" for="des" forName="connectorText" refType="primFontSz" refFor="ch" refPtType="node" op="lte" fact="0.8"/>
+    </dgm:constrLst>
+    <dgm:ruleLst/>
+    <dgm:forEach name="nodesForEach" axis="ch" ptType="node">
+      <dgm:layoutNode name="node">
+        <dgm:varLst>
+          <dgm:bulletEnabled val="1"/>
+        </dgm:varLst>
+        <dgm:alg type="tx"/>
+        <dgm:shape xmlns:r="http://schemas.openxmlformats.org/officeDocument/2006/relationships" type="roundRect" r:blip="">
+          <dgm:adjLst>
+            <dgm:adj idx="1" val="0.1"/>
+          </dgm:adjLst>
+        </dgm:shape>
+        <dgm:presOf axis="desOrSelf" ptType="node"/>
+        <dgm:constrLst>
+          <dgm:constr type="h" refType="w" fact="0.6"/>
+          <dgm:constr type="tMarg" refType="primFontSz" fact="0.3"/>
+          <dgm:constr type="bMarg" refType="primFontSz" fact="0.3"/>
+          <dgm:constr type="lMarg" refType="primFontSz" fact="0.3"/>
+          <dgm:constr type="rMarg" refType="primFontSz" fact="0.3"/>
+        </dgm:constrLst>
+        <dgm:ruleLst>
+          <dgm:rule type="primFontSz" val="18" fact="NaN" max="NaN"/>
+          <dgm:rule type="h" val="NaN" fact="1.5" max="NaN"/>
+          <dgm:rule type="primFontSz" val="5" fact="NaN" max="NaN"/>
+          <dgm:rule type="h" val="INF" fact="NaN" max="NaN"/>
+        </dgm:ruleLst>
+      </dgm:layoutNode>
+      <dgm:forEach name="sibTransForEach" axis="followSib" ptType="sibTrans" cnt="1">
+        <dgm:layoutNode name="sibTrans">
+          <dgm:alg type="conn">
+            <dgm:param type="begPts" val="auto"/>
+            <dgm:param type="endPts" val="auto"/>
+          </dgm:alg>
+          <dgm:shape xmlns:r="http://schemas.openxmlformats.org/officeDocument/2006/relationships" type="conn" r:blip="">
+            <dgm:adjLst/>
+          </dgm:shape>
+          <dgm:presOf axis="self"/>
+          <dgm:constrLst>
+            <dgm:constr type="h" refType="w" fact="0.62"/>
+            <dgm:constr type="connDist"/>
+            <dgm:constr type="begPad" refType="connDist" fact="0.25"/>
+            <dgm:constr type="endPad" refType="connDist" fact="0.22"/>
+          </dgm:constrLst>
+          <dgm:ruleLst/>
+          <dgm:layoutNode name="connectorText">
+            <dgm:alg type="tx">
+              <dgm:param type="autoTxRot" val="grav"/>
+            </dgm:alg>
+            <dgm:shape xmlns:r="http://schemas.openxmlformats.org/officeDocument/2006/relationships" type="conn" r:blip="" hideGeom="1">
+              <dgm:adjLst/>
+            </dgm:shape>
+            <dgm:presOf axis="self"/>
+            <dgm:constrLst>
+              <dgm:constr type="lMarg"/>
+              <dgm:constr type="rMarg"/>
+              <dgm:constr type="tMarg"/>
+              <dgm:constr type="bMarg"/>
+            </dgm:constrLst>
+            <dgm:ruleLst>
+              <dgm:rule type="primFontSz" val="5" fact="NaN" max="NaN"/>
+            </dgm:ruleLst>
           </dgm:layoutNode>
         </dgm:layoutNode>
       </dgm:forEach>
@@ -17584,12 +19693,11 @@
 </file>
 
 <file path=ppt/diagrams/layout9.xml><?xml version="1.0" encoding="utf-8"?>
-<dgm:layoutDef xmlns:dgm="http://schemas.openxmlformats.org/drawingml/2006/diagram" xmlns:a="http://schemas.openxmlformats.org/drawingml/2006/main" uniqueId="urn:microsoft.com/office/officeart/2005/8/layout/process1">
-  <dgm:title val=""/>
-  <dgm:desc val=""/>
+<dgm:layoutDef xmlns:dgm="http://schemas.openxmlformats.org/drawingml/2006/diagram" xmlns:a="http://schemas.openxmlformats.org/drawingml/2006/main" uniqueId="urn:microsoft.com/office/officeart/2018/2/layout/IconVerticalSolidList">
+  <dgm:title val="Icon Vertical Solid List"/>
+  <dgm:desc val="Use to show a series of visuals from top to bottom with Level 1 or Level 1 and Level 2 text grouped in a shape. Works best with icons or small pictures with lengthier descriptions."/>
   <dgm:catLst>
-    <dgm:cat type="process" pri="1000"/>
-    <dgm:cat type="convert" pri="15000"/>
+    <dgm:cat type="icon" pri="500"/>
   </dgm:catLst>
   <dgm:sampData useDef="1">
     <dgm:dataModel>
@@ -17598,52 +19706,36 @@
       <dgm:whole/>
     </dgm:dataModel>
   </dgm:sampData>
-  <dgm:styleData>
+  <dgm:styleData useDef="1">
     <dgm:dataModel>
-      <dgm:ptLst>
-        <dgm:pt modelId="0" type="doc"/>
-        <dgm:pt modelId="1"/>
-        <dgm:pt modelId="2"/>
-      </dgm:ptLst>
-      <dgm:cxnLst>
-        <dgm:cxn modelId="3" srcId="0" destId="1" srcOrd="0" destOrd="0"/>
-        <dgm:cxn modelId="4" srcId="0" destId="2" srcOrd="1" destOrd="0"/>
-      </dgm:cxnLst>
+      <dgm:ptLst/>
       <dgm:bg/>
       <dgm:whole/>
     </dgm:dataModel>
   </dgm:styleData>
-  <dgm:clrData>
+  <dgm:clrData useDef="1">
     <dgm:dataModel>
-      <dgm:ptLst>
-        <dgm:pt modelId="0" type="doc"/>
-        <dgm:pt modelId="1"/>
-        <dgm:pt modelId="2"/>
-        <dgm:pt modelId="3"/>
-        <dgm:pt modelId="4"/>
-      </dgm:ptLst>
-      <dgm:cxnLst>
-        <dgm:cxn modelId="5" srcId="0" destId="1" srcOrd="0" destOrd="0"/>
-        <dgm:cxn modelId="6" srcId="0" destId="2" srcOrd="1" destOrd="0"/>
-        <dgm:cxn modelId="7" srcId="0" destId="3" srcOrd="2" destOrd="0"/>
-        <dgm:cxn modelId="8" srcId="0" destId="4" srcOrd="3" destOrd="0"/>
-      </dgm:cxnLst>
+      <dgm:ptLst/>
       <dgm:bg/>
       <dgm:whole/>
     </dgm:dataModel>
   </dgm:clrData>
-  <dgm:layoutNode name="Name0">
+  <dgm:layoutNode name="root">
     <dgm:varLst>
       <dgm:dir/>
       <dgm:resizeHandles val="exact"/>
     </dgm:varLst>
-    <dgm:choose name="Name1">
-      <dgm:if name="Name2" func="var" arg="dir" op="equ" val="norm">
-        <dgm:alg type="lin"/>
+    <dgm:choose name="Name0">
+      <dgm:if name="Name1" axis="self" func="var" arg="dir" op="equ" val="norm">
+        <dgm:alg type="lin">
+          <dgm:param type="linDir" val="fromT"/>
+          <dgm:param type="nodeHorzAlign" val="l"/>
+        </dgm:alg>
       </dgm:if>
-      <dgm:else name="Name3">
+      <dgm:else name="Name2">
         <dgm:alg type="lin">
-          <dgm:param type="linDir" val="fromR"/>
+          <dgm:param type="linDir" val="fromT"/>
+          <dgm:param type="nodeHorzAlign" val="r"/>
         </dgm:alg>
       </dgm:else>
     </dgm:choose>
@@ -17651,85 +19743,1284 @@
       <dgm:adjLst/>
     </dgm:shape>
     <dgm:presOf/>
-    <dgm:constrLst>
-      <dgm:constr type="w" for="ch" ptType="node" refType="w"/>
-      <dgm:constr type="h" for="ch" ptType="node" op="equ"/>
-      <dgm:constr type="primFontSz" for="ch" ptType="node" op="equ" val="65"/>
-      <dgm:constr type="w" for="ch" ptType="sibTrans" refType="w" refFor="ch" refPtType="node" op="equ" fact="0.4"/>
-      <dgm:constr type="h" for="ch" ptType="sibTrans" op="equ"/>
-      <dgm:constr type="primFontSz" for="des" forName="connectorText" op="equ" val="55"/>
-      <dgm:constr type="primFontSz" for="des" forName="connectorText" refType="primFontSz" refFor="ch" refPtType="node" op="lte" fact="0.8"/>
-    </dgm:constrLst>
-    <dgm:ruleLst/>
-    <dgm:forEach name="nodesForEach" axis="ch" ptType="node">
-      <dgm:layoutNode name="node">
-        <dgm:varLst>
-          <dgm:bulletEnabled val="1"/>
-        </dgm:varLst>
-        <dgm:alg type="tx"/>
-        <dgm:shape xmlns:r="http://schemas.openxmlformats.org/officeDocument/2006/relationships" type="roundRect" r:blip="">
-          <dgm:adjLst>
-            <dgm:adj idx="1" val="0.1"/>
-          </dgm:adjLst>
+    <dgm:choose name="Name3">
+      <dgm:if name="Name4" axis="ch" ptType="node" func="cnt" op="lte" val="3">
+        <dgm:constrLst>
+          <dgm:constr type="h" for="ch" forName="compNode" refType="h" fact="0.3"/>
+          <dgm:constr type="w" for="ch" forName="compNode" refType="w"/>
+          <dgm:constr type="h" for="ch" forName="sibTrans" refType="h" refFor="ch" refForName="compNode" fact="0.25"/>
+          <dgm:constr type="primFontSz" for="des" forName="parTx" val="25"/>
+          <dgm:constr type="primFontSz" for="des" forName="desTx" refType="primFontSz" refFor="des" refForName="parTx" op="lte" fact="0.75"/>
+          <dgm:constr type="h" for="des" forName="compNode" op="equ"/>
+          <dgm:constr type="h" for="des" forName="bgRect" op="equ"/>
+          <dgm:constr type="h" for="des" forName="iconRect" op="equ"/>
+          <dgm:constr type="w" for="des" forName="iconRect" op="equ"/>
+          <dgm:constr type="h" for="des" forName="spaceRect" op="equ"/>
+          <dgm:constr type="h" for="des" forName="parTx" op="equ"/>
+          <dgm:constr type="h" for="des" forName="desTx" op="equ"/>
+        </dgm:constrLst>
+      </dgm:if>
+      <dgm:if name="Name5" axis="ch" ptType="node" func="cnt" op="lte" val="4">
+        <dgm:constrLst>
+          <dgm:constr type="h" for="ch" forName="compNode" refType="h" fact="0.3"/>
+          <dgm:constr type="w" for="ch" forName="compNode" refType="w"/>
+          <dgm:constr type="h" for="ch" forName="sibTrans" refType="h" refFor="ch" refForName="compNode" fact="0.25"/>
+          <dgm:constr type="primFontSz" for="des" forName="parTx" val="22"/>
+          <dgm:constr type="primFontSz" for="des" forName="desTx" refType="primFontSz" refFor="des" refForName="parTx" op="lte" fact="0.75"/>
+          <dgm:constr type="h" for="des" forName="compNode" op="equ"/>
+          <dgm:constr type="h" for="des" forName="bgRect" op="equ"/>
+          <dgm:constr type="h" for="des" forName="iconRect" op="equ"/>
+          <dgm:constr type="w" for="des" forName="iconRect" op="equ"/>
+          <dgm:constr type="h" for="des" forName="spaceRect" op="equ"/>
+          <dgm:constr type="h" for="des" forName="parTx" op="equ"/>
+          <dgm:constr type="h" for="des" forName="desTx" op="equ"/>
+        </dgm:constrLst>
+      </dgm:if>
+      <dgm:if name="Name6" axis="ch" ptType="node" func="cnt" op="lte" val="6">
+        <dgm:constrLst>
+          <dgm:constr type="h" for="ch" forName="compNode" refType="h" fact="0.3"/>
+          <dgm:constr type="w" for="ch" forName="compNode" refType="w"/>
+          <dgm:constr type="h" for="ch" forName="sibTrans" refType="h" refFor="ch" refForName="compNode" fact="0.25"/>
+          <dgm:constr type="primFontSz" for="des" forName="parTx" val="19"/>
+          <dgm:constr type="primFontSz" for="des" forName="desTx" refType="primFontSz" refFor="des" refForName="parTx" op="lte" fact="0.75"/>
+          <dgm:constr type="h" for="des" forName="compNode" op="equ"/>
+          <dgm:constr type="h" for="des" forName="bgRect" op="equ"/>
+          <dgm:constr type="h" for="des" forName="iconRect" op="equ"/>
+          <dgm:constr type="w" for="des" forName="iconRect" op="equ"/>
+          <dgm:constr type="h" for="des" forName="spaceRect" op="equ"/>
+          <dgm:constr type="h" for="des" forName="parTx" op="equ"/>
+          <dgm:constr type="h" for="des" forName="desTx" op="equ"/>
+        </dgm:constrLst>
+      </dgm:if>
+      <dgm:else name="Name7">
+        <dgm:constrLst>
+          <dgm:constr type="h" for="ch" forName="compNode" refType="h" fact="0.3"/>
+          <dgm:constr type="w" for="ch" forName="compNode" refType="w"/>
+          <dgm:constr type="h" for="ch" forName="sibTrans" refType="h" refFor="ch" refForName="compNode" fact="0.25"/>
+          <dgm:constr type="primFontSz" for="des" forName="parTx" val="16"/>
+          <dgm:constr type="primFontSz" for="des" forName="desTx" refType="primFontSz" refFor="des" refForName="parTx" op="lte" fact="0.75"/>
+          <dgm:constr type="h" for="des" forName="compNode" op="equ"/>
+          <dgm:constr type="h" for="des" forName="bgRect" op="equ"/>
+          <dgm:constr type="h" for="des" forName="iconRect" op="equ"/>
+          <dgm:constr type="w" for="des" forName="iconRect" op="equ"/>
+          <dgm:constr type="h" for="des" forName="spaceRect" op="equ"/>
+          <dgm:constr type="h" for="des" forName="parTx" op="equ"/>
+          <dgm:constr type="h" for="des" forName="desTx" op="equ"/>
+        </dgm:constrLst>
+      </dgm:else>
+    </dgm:choose>
+    <dgm:ruleLst>
+      <dgm:rule type="h" for="ch" forName="compNode" val="0" fact="NaN" max="NaN"/>
+    </dgm:ruleLst>
+    <dgm:forEach name="Name8" axis="ch" ptType="node">
+      <dgm:layoutNode name="compNode">
+        <dgm:alg type="composite"/>
+        <dgm:shape xmlns:r="http://schemas.openxmlformats.org/officeDocument/2006/relationships" r:blip="">
+          <dgm:adjLst/>
         </dgm:shape>
-        <dgm:presOf axis="desOrSelf" ptType="node"/>
-        <dgm:constrLst>
-          <dgm:constr type="h" refType="w" fact="0.6"/>
-          <dgm:constr type="tMarg" refType="primFontSz" fact="0.3"/>
-          <dgm:constr type="bMarg" refType="primFontSz" fact="0.3"/>
-          <dgm:constr type="lMarg" refType="primFontSz" fact="0.3"/>
-          <dgm:constr type="rMarg" refType="primFontSz" fact="0.3"/>
-        </dgm:constrLst>
+        <dgm:presOf axis="self"/>
+        <dgm:choose name="Name9">
+          <dgm:if name="Name10" axis="ch" ptType="node" func="cnt" op="gte" val="1">
+            <dgm:constrLst>
+              <dgm:constr type="w" for="ch" forName="bgRect" refType="w"/>
+              <dgm:constr type="h" for="ch" forName="bgRect" refType="h"/>
+              <dgm:constr type="l" for="ch" forName="bgRect"/>
+              <dgm:constr type="t" for="ch" forName="bgRect"/>
+              <dgm:constr type="h" for="ch" forName="iconRect" refType="h" fact="0.55"/>
+              <dgm:constr type="w" for="ch" forName="iconRect" refType="h" refFor="ch" refForName="iconRect"/>
+              <dgm:constr type="l" for="ch" forName="iconRect" refType="h" refFor="ch" refForName="iconRect" fact="0.55"/>
+              <dgm:constr type="ctrY" for="ch" forName="iconRect" refType="ctrY" refFor="ch" refForName="bgRect"/>
+              <dgm:constr type="w" for="ch" forName="spaceRect" refType="l" refFor="ch" refForName="iconRect"/>
+              <dgm:constr type="h" for="ch" forName="spaceRect" refType="h"/>
+              <dgm:constr type="l" for="ch" forName="spaceRect" refType="r" refFor="ch" refForName="iconRect"/>
+              <dgm:constr type="t" for="ch" forName="spaceRect"/>
+              <dgm:constr type="w" for="ch" forName="parTx" refType="w" fact="0.45"/>
+              <dgm:constr type="h" for="ch" forName="parTx" refType="h"/>
+              <dgm:constr type="l" for="ch" forName="parTx" refType="r" refFor="ch" refForName="spaceRect"/>
+              <dgm:constr type="t" for="ch" forName="parTx"/>
+              <dgm:constr type="h" for="ch" forName="desTx" refType="h"/>
+              <dgm:constr type="l" for="ch" forName="desTx" refType="r" refFor="ch" refForName="parTx"/>
+              <dgm:constr type="t" for="ch" forName="desTx"/>
+            </dgm:constrLst>
+          </dgm:if>
+          <dgm:else name="Name11">
+            <dgm:constrLst>
+              <dgm:constr type="w" for="ch" forName="bgRect" refType="w"/>
+              <dgm:constr type="h" for="ch" forName="bgRect" refType="h"/>
+              <dgm:constr type="l" for="ch" forName="bgRect"/>
+              <dgm:constr type="t" for="ch" forName="bgRect"/>
+              <dgm:constr type="h" for="ch" forName="iconRect" refType="h" fact="0.55"/>
+              <dgm:constr type="w" for="ch" forName="iconRect" refType="h" refFor="ch" refForName="iconRect"/>
+              <dgm:constr type="l" for="ch" forName="iconRect" refType="h" refFor="ch" refForName="iconRect" fact="0.55"/>
+              <dgm:constr type="ctrY" for="ch" forName="iconRect" refType="ctrY" refFor="ch" refForName="bgRect"/>
+              <dgm:constr type="w" for="ch" forName="spaceRect" refType="l" refFor="ch" refForName="iconRect"/>
+              <dgm:constr type="h" for="ch" forName="spaceRect" refType="h"/>
+              <dgm:constr type="l" for="ch" forName="spaceRect" refType="r" refFor="ch" refForName="iconRect"/>
+              <dgm:constr type="t" for="ch" forName="spaceRect"/>
+              <dgm:constr type="h" for="ch" forName="parTx" refType="h"/>
+              <dgm:constr type="l" for="ch" forName="parTx" refType="r" refFor="ch" refForName="spaceRect"/>
+              <dgm:constr type="t" for="ch" forName="parTx"/>
+            </dgm:constrLst>
+          </dgm:else>
+        </dgm:choose>
         <dgm:ruleLst>
-          <dgm:rule type="primFontSz" val="18" fact="NaN" max="NaN"/>
-          <dgm:rule type="h" val="NaN" fact="1.5" max="NaN"/>
-          <dgm:rule type="primFontSz" val="5" fact="NaN" max="NaN"/>
           <dgm:rule type="h" val="INF" fact="NaN" max="NaN"/>
         </dgm:ruleLst>
+        <dgm:layoutNode name="bgRect" styleLbl="bgShp">
+          <dgm:alg type="sp"/>
+          <dgm:shape xmlns:r="http://schemas.openxmlformats.org/officeDocument/2006/relationships" type="roundRect" r:blip="">
+            <dgm:adjLst>
+              <dgm:adj idx="1" val="0.1"/>
+            </dgm:adjLst>
+          </dgm:shape>
+          <dgm:presOf/>
+          <dgm:constrLst/>
+          <dgm:ruleLst/>
+        </dgm:layoutNode>
+        <dgm:layoutNode name="iconRect" styleLbl="node1">
+          <dgm:alg type="sp"/>
+          <dgm:shape xmlns:r="http://schemas.openxmlformats.org/officeDocument/2006/relationships" type="rect" r:blip="" blipPhldr="1">
+            <dgm:adjLst/>
+          </dgm:shape>
+          <dgm:presOf/>
+          <dgm:constrLst/>
+          <dgm:ruleLst/>
+        </dgm:layoutNode>
+        <dgm:layoutNode name="spaceRect">
+          <dgm:alg type="sp"/>
+          <dgm:shape xmlns:r="http://schemas.openxmlformats.org/officeDocument/2006/relationships" r:blip="">
+            <dgm:adjLst/>
+          </dgm:shape>
+          <dgm:presOf/>
+          <dgm:constrLst/>
+          <dgm:ruleLst/>
+        </dgm:layoutNode>
+        <dgm:layoutNode name="parTx" styleLbl="revTx">
+          <dgm:varLst>
+            <dgm:chMax val="0"/>
+            <dgm:chPref val="0"/>
+          </dgm:varLst>
+          <dgm:alg type="tx">
+            <dgm:param type="txAnchorVert" val="mid"/>
+            <dgm:param type="parTxLTRAlign" val="l"/>
+            <dgm:param type="shpTxLTRAlignCh" val="l"/>
+            <dgm:param type="parTxRTLAlign" val="r"/>
+            <dgm:param type="shpTxRTLAlignCh" val="r"/>
+          </dgm:alg>
+          <dgm:shape xmlns:r="http://schemas.openxmlformats.org/officeDocument/2006/relationships" type="rect" r:blip="">
+            <dgm:adjLst/>
+          </dgm:shape>
+          <dgm:presOf axis="self" ptType="node"/>
+          <dgm:constrLst>
+            <dgm:constr type="lMarg" refType="h" fact="0.3"/>
+            <dgm:constr type="rMarg" refType="h" fact="0.3"/>
+            <dgm:constr type="tMarg" refType="h" fact="0.3"/>
+            <dgm:constr type="bMarg" refType="h" fact="0.3"/>
+          </dgm:constrLst>
+          <dgm:ruleLst>
+            <dgm:rule type="primFontSz" val="14" fact="NaN" max="NaN"/>
+            <dgm:rule type="h" val="INF" fact="NaN" max="NaN"/>
+          </dgm:ruleLst>
+        </dgm:layoutNode>
+        <dgm:choose name="Name12">
+          <dgm:if name="Name13" axis="ch" ptType="node" func="cnt" op="gte" val="1">
+            <dgm:layoutNode name="desTx" styleLbl="revTx">
+              <dgm:varLst/>
+              <dgm:alg type="tx">
+                <dgm:param type="txAnchorVertCh" val="mid"/>
+                <dgm:param type="parTxLTRAlign" val="l"/>
+                <dgm:param type="shpTxLTRAlignCh" val="l"/>
+                <dgm:param type="parTxRTLAlign" val="r"/>
+                <dgm:param type="shpTxRTLAlignCh" val="r"/>
+                <dgm:param type="stBulletLvl" val="0"/>
+              </dgm:alg>
+              <dgm:shape xmlns:r="http://schemas.openxmlformats.org/officeDocument/2006/relationships" type="rect" r:blip="">
+                <dgm:adjLst/>
+              </dgm:shape>
+              <dgm:presOf axis="des" ptType="node"/>
+              <dgm:constrLst>
+                <dgm:constr type="primFontSz" val="18"/>
+                <dgm:constr type="secFontSz" refType="primFontSz"/>
+                <dgm:constr type="lMarg" refType="h" fact="0.3"/>
+                <dgm:constr type="rMarg" refType="h" fact="0.3"/>
+                <dgm:constr type="tMarg" refType="h" fact="0.3"/>
+                <dgm:constr type="bMarg" refType="h" fact="0.3"/>
+              </dgm:constrLst>
+              <dgm:ruleLst>
+                <dgm:rule type="primFontSz" val="11" fact="NaN" max="NaN"/>
+              </dgm:ruleLst>
+            </dgm:layoutNode>
+          </dgm:if>
+          <dgm:else name="Name14"/>
+        </dgm:choose>
       </dgm:layoutNode>
-      <dgm:forEach name="sibTransForEach" axis="followSib" ptType="sibTrans" cnt="1">
+      <dgm:forEach name="Name15" axis="followSib" ptType="sibTrans" cnt="1">
         <dgm:layoutNode name="sibTrans">
-          <dgm:alg type="conn">
-            <dgm:param type="begPts" val="auto"/>
-            <dgm:param type="endPts" val="auto"/>
-          </dgm:alg>
-          <dgm:shape xmlns:r="http://schemas.openxmlformats.org/officeDocument/2006/relationships" type="conn" r:blip="">
+          <dgm:alg type="sp"/>
+          <dgm:shape xmlns:r="http://schemas.openxmlformats.org/officeDocument/2006/relationships" r:blip="">
             <dgm:adjLst/>
           </dgm:shape>
           <dgm:presOf axis="self"/>
-          <dgm:constrLst>
-            <dgm:constr type="h" refType="w" fact="0.62"/>
-            <dgm:constr type="connDist"/>
-            <dgm:constr type="begPad" refType="connDist" fact="0.25"/>
-            <dgm:constr type="endPad" refType="connDist" fact="0.22"/>
-          </dgm:constrLst>
+          <dgm:constrLst/>
           <dgm:ruleLst/>
-          <dgm:layoutNode name="connectorText">
-            <dgm:alg type="tx">
-              <dgm:param type="autoTxRot" val="grav"/>
-            </dgm:alg>
-            <dgm:shape xmlns:r="http://schemas.openxmlformats.org/officeDocument/2006/relationships" type="conn" r:blip="" hideGeom="1">
-              <dgm:adjLst/>
-            </dgm:shape>
-            <dgm:presOf axis="self"/>
-            <dgm:constrLst>
-              <dgm:constr type="lMarg"/>
-              <dgm:constr type="rMarg"/>
-              <dgm:constr type="tMarg"/>
-              <dgm:constr type="bMarg"/>
-            </dgm:constrLst>
-            <dgm:ruleLst>
-              <dgm:rule type="primFontSz" val="5" fact="NaN" max="NaN"/>
-            </dgm:ruleLst>
-          </dgm:layoutNode>
         </dgm:layoutNode>
       </dgm:forEach>
     </dgm:forEach>
   </dgm:layoutNode>
+  <dgm:extLst>
+    <a:ext uri="{68A01E43-0DF5-4B5B-8FA6-DAF915123BFB}">
+      <dgm1612:lstStyle xmlns:dgm1612="http://schemas.microsoft.com/office/drawing/2016/12/diagram">
+        <a:lvl1pPr>
+          <a:lnSpc>
+            <a:spcPct val="100000"/>
+          </a:lnSpc>
+        </a:lvl1pPr>
+        <a:lvl2pPr>
+          <a:lnSpc>
+            <a:spcPct val="100000"/>
+          </a:lnSpc>
+        </a:lvl2pPr>
+      </dgm1612:lstStyle>
+    </a:ext>
+  </dgm:extLst>
 </dgm:layoutDef>
 </file>
 
 <file path=ppt/diagrams/quickStyle1.xml><?xml version="1.0" encoding="utf-8"?>
+<dgm:styleDef xmlns:dgm="http://schemas.openxmlformats.org/drawingml/2006/diagram" xmlns:a="http://schemas.openxmlformats.org/drawingml/2006/main" uniqueId="urn:microsoft.com/office/officeart/2005/8/quickstyle/simple1">
+  <dgm:title val=""/>
+  <dgm:desc val=""/>
+  <dgm:catLst>
+    <dgm:cat type="simple" pri="10100"/>
+  </dgm:catLst>
+  <dgm:scene3d>
+    <a:camera prst="orthographicFront"/>
+    <a:lightRig rig="threePt" dir="t"/>
+  </dgm:scene3d>
+  <dgm:styleLbl name="node0">
+    <dgm:scene3d>
+      <a:camera prst="orthographicFront"/>
+      <a:lightRig rig="threePt" dir="t"/>
+    </dgm:scene3d>
+    <dgm:sp3d/>
+    <dgm:txPr/>
+    <dgm:style>
+      <a:lnRef idx="2">
+        <a:scrgbClr r="0" g="0" b="0"/>
+      </a:lnRef>
+      <a:fillRef idx="1">
+        <a:scrgbClr r="0" g="0" b="0"/>
+      </a:fillRef>
+      <a:effectRef idx="0">
+        <a:scrgbClr r="0" g="0" b="0"/>
+      </a:effectRef>
+      <a:fontRef idx="minor">
+        <a:schemeClr val="lt1"/>
+      </a:fontRef>
+    </dgm:style>
+  </dgm:styleLbl>
+  <dgm:styleLbl name="lnNode1">
+    <dgm:scene3d>
+      <a:camera prst="orthographicFront"/>
+      <a:lightRig rig="threePt" dir="t"/>
+    </dgm:scene3d>
+    <dgm:sp3d/>
+    <dgm:txPr/>
+    <dgm:style>
+      <a:lnRef idx="2">
+        <a:scrgbClr r="0" g="0" b="0"/>
+      </a:lnRef>
+      <a:fillRef idx="1">
+        <a:scrgbClr r="0" g="0" b="0"/>
+      </a:fillRef>
+      <a:effectRef idx="0">
+        <a:scrgbClr r="0" g="0" b="0"/>
+      </a:effectRef>
+      <a:fontRef idx="minor">
+        <a:schemeClr val="lt1"/>
+      </a:fontRef>
+    </dgm:style>
+  </dgm:styleLbl>
+  <dgm:styleLbl name="vennNode1">
+    <dgm:scene3d>
+      <a:camera prst="orthographicFront"/>
+      <a:lightRig rig="threePt" dir="t"/>
+    </dgm:scene3d>
+    <dgm:sp3d/>
+    <dgm:txPr/>
+    <dgm:style>
+      <a:lnRef idx="2">
+        <a:scrgbClr r="0" g="0" b="0"/>
+      </a:lnRef>
+      <a:fillRef idx="1">
+        <a:scrgbClr r="0" g="0" b="0"/>
+      </a:fillRef>
+      <a:effectRef idx="0">
+        <a:scrgbClr r="0" g="0" b="0"/>
+      </a:effectRef>
+      <a:fontRef idx="minor">
+        <a:schemeClr val="tx1"/>
+      </a:fontRef>
+    </dgm:style>
+  </dgm:styleLbl>
+  <dgm:styleLbl name="alignNode1">
+    <dgm:scene3d>
+      <a:camera prst="orthographicFront"/>
+      <a:lightRig rig="threePt" dir="t"/>
+    </dgm:scene3d>
+    <dgm:sp3d/>
+    <dgm:txPr/>
+    <dgm:style>
+      <a:lnRef idx="2">
+        <a:scrgbClr r="0" g="0" b="0"/>
+      </a:lnRef>
+      <a:fillRef idx="1">
+        <a:scrgbClr r="0" g="0" b="0"/>
+      </a:fillRef>
+      <a:effectRef idx="0">
+        <a:scrgbClr r="0" g="0" b="0"/>
+      </a:effectRef>
+      <a:fontRef idx="minor">
+        <a:schemeClr val="lt1"/>
+      </a:fontRef>
+    </dgm:style>
+  </dgm:styleLbl>
+  <dgm:styleLbl name="node1">
+    <dgm:scene3d>
+      <a:camera prst="orthographicFront"/>
+      <a:lightRig rig="threePt" dir="t"/>
+    </dgm:scene3d>
+    <dgm:sp3d/>
+    <dgm:txPr/>
+    <dgm:style>
+      <a:lnRef idx="2">
+        <a:scrgbClr r="0" g="0" b="0"/>
+      </a:lnRef>
+      <a:fillRef idx="1">
+        <a:scrgbClr r="0" g="0" b="0"/>
+      </a:fillRef>
+      <a:effectRef idx="0">
+        <a:scrgbClr r="0" g="0" b="0"/>
+      </a:effectRef>
+      <a:fontRef idx="minor">
+        <a:schemeClr val="lt1"/>
+      </a:fontRef>
+    </dgm:style>
+  </dgm:styleLbl>
+  <dgm:styleLbl name="node2">
+    <dgm:scene3d>
+      <a:camera prst="orthographicFront"/>
+      <a:lightRig rig="threePt" dir="t"/>
+    </dgm:scene3d>
+    <dgm:sp3d/>
+    <dgm:txPr/>
+    <dgm:style>
+      <a:lnRef idx="2">
+        <a:scrgbClr r="0" g="0" b="0"/>
+      </a:lnRef>
+      <a:fillRef idx="1">
+        <a:scrgbClr r="0" g="0" b="0"/>
+      </a:fillRef>
+      <a:effectRef idx="0">
+        <a:scrgbClr r="0" g="0" b="0"/>
+      </a:effectRef>
+      <a:fontRef idx="minor">
+        <a:schemeClr val="lt1"/>
+      </a:fontRef>
+    </dgm:style>
+  </dgm:styleLbl>
+  <dgm:styleLbl name="node3">
+    <dgm:scene3d>
+      <a:camera prst="orthographicFront"/>
+      <a:lightRig rig="threePt" dir="t"/>
+    </dgm:scene3d>
+    <dgm:sp3d/>
+    <dgm:txPr/>
+    <dgm:style>
+      <a:lnRef idx="2">
+        <a:scrgbClr r="0" g="0" b="0"/>
+      </a:lnRef>
+      <a:fillRef idx="1">
+        <a:scrgbClr r="0" g="0" b="0"/>
+      </a:fillRef>
+      <a:effectRef idx="0">
+        <a:scrgbClr r="0" g="0" b="0"/>
+      </a:effectRef>
+      <a:fontRef idx="minor">
+        <a:schemeClr val="lt1"/>
+      </a:fontRef>
+    </dgm:style>
+  </dgm:styleLbl>
+  <dgm:styleLbl name="node4">
+    <dgm:scene3d>
+      <a:camera prst="orthographicFront"/>
+      <a:lightRig rig="threePt" dir="t"/>
+    </dgm:scene3d>
+    <dgm:sp3d/>
+    <dgm:txPr/>
+    <dgm:style>
+      <a:lnRef idx="2">
+        <a:scrgbClr r="0" g="0" b="0"/>
+      </a:lnRef>
+      <a:fillRef idx="1">
+        <a:scrgbClr r="0" g="0" b="0"/>
+      </a:fillRef>
+      <a:effectRef idx="0">
+        <a:scrgbClr r="0" g="0" b="0"/>
+      </a:effectRef>
+      <a:fontRef idx="minor">
+        <a:schemeClr val="lt1"/>
+      </a:fontRef>
+    </dgm:style>
+  </dgm:styleLbl>
+  <dgm:styleLbl name="fgImgPlace1">
+    <dgm:scene3d>
+      <a:camera prst="orthographicFront"/>
+      <a:lightRig rig="threePt" dir="t"/>
+    </dgm:scene3d>
+    <dgm:sp3d/>
+    <dgm:txPr/>
+    <dgm:style>
+      <a:lnRef idx="2">
+        <a:scrgbClr r="0" g="0" b="0"/>
+      </a:lnRef>
+      <a:fillRef idx="1">
+        <a:scrgbClr r="0" g="0" b="0"/>
+      </a:fillRef>
+      <a:effectRef idx="0">
+        <a:scrgbClr r="0" g="0" b="0"/>
+      </a:effectRef>
+      <a:fontRef idx="minor"/>
+    </dgm:style>
+  </dgm:styleLbl>
+  <dgm:styleLbl name="alignImgPlace1">
+    <dgm:scene3d>
+      <a:camera prst="orthographicFront"/>
+      <a:lightRig rig="threePt" dir="t"/>
+    </dgm:scene3d>
+    <dgm:sp3d/>
+    <dgm:txPr/>
+    <dgm:style>
+      <a:lnRef idx="2">
+        <a:scrgbClr r="0" g="0" b="0"/>
+      </a:lnRef>
+      <a:fillRef idx="1">
+        <a:scrgbClr r="0" g="0" b="0"/>
+      </a:fillRef>
+      <a:effectRef idx="0">
+        <a:scrgbClr r="0" g="0" b="0"/>
+      </a:effectRef>
+      <a:fontRef idx="minor"/>
+    </dgm:style>
+  </dgm:styleLbl>
+  <dgm:styleLbl name="bgImgPlace1">
+    <dgm:scene3d>
+      <a:camera prst="orthographicFront"/>
+      <a:lightRig rig="threePt" dir="t"/>
+    </dgm:scene3d>
+    <dgm:sp3d/>
+    <dgm:txPr/>
+    <dgm:style>
+      <a:lnRef idx="2">
+        <a:scrgbClr r="0" g="0" b="0"/>
+      </a:lnRef>
+      <a:fillRef idx="1">
+        <a:scrgbClr r="0" g="0" b="0"/>
+      </a:fillRef>
+      <a:effectRef idx="0">
+        <a:scrgbClr r="0" g="0" b="0"/>
+      </a:effectRef>
+      <a:fontRef idx="minor"/>
+    </dgm:style>
+  </dgm:styleLbl>
+  <dgm:styleLbl name="sibTrans2D1">
+    <dgm:scene3d>
+      <a:camera prst="orthographicFront"/>
+      <a:lightRig rig="threePt" dir="t"/>
+    </dgm:scene3d>
+    <dgm:sp3d/>
+    <dgm:txPr/>
+    <dgm:style>
+      <a:lnRef idx="0">
+        <a:scrgbClr r="0" g="0" b="0"/>
+      </a:lnRef>
+      <a:fillRef idx="1">
+        <a:scrgbClr r="0" g="0" b="0"/>
+      </a:fillRef>
+      <a:effectRef idx="0">
+        <a:scrgbClr r="0" g="0" b="0"/>
+      </a:effectRef>
+      <a:fontRef idx="minor">
+        <a:schemeClr val="lt1"/>
+      </a:fontRef>
+    </dgm:style>
+  </dgm:styleLbl>
+  <dgm:styleLbl name="fgSibTrans2D1">
+    <dgm:scene3d>
+      <a:camera prst="orthographicFront"/>
+      <a:lightRig rig="threePt" dir="t"/>
+    </dgm:scene3d>
+    <dgm:sp3d/>
+    <dgm:txPr/>
+    <dgm:style>
+      <a:lnRef idx="0">
+        <a:scrgbClr r="0" g="0" b="0"/>
+      </a:lnRef>
+      <a:fillRef idx="1">
+        <a:scrgbClr r="0" g="0" b="0"/>
+      </a:fillRef>
+      <a:effectRef idx="0">
+        <a:scrgbClr r="0" g="0" b="0"/>
+      </a:effectRef>
+      <a:fontRef idx="minor">
+        <a:schemeClr val="lt1"/>
+      </a:fontRef>
+    </dgm:style>
+  </dgm:styleLbl>
+  <dgm:styleLbl name="bgSibTrans2D1">
+    <dgm:scene3d>
+      <a:camera prst="orthographicFront"/>
+      <a:lightRig rig="threePt" dir="t"/>
+    </dgm:scene3d>
+    <dgm:sp3d/>
+    <dgm:txPr/>
+    <dgm:style>
+      <a:lnRef idx="0">
+        <a:scrgbClr r="0" g="0" b="0"/>
+      </a:lnRef>
+      <a:fillRef idx="1">
+        <a:scrgbClr r="0" g="0" b="0"/>
+      </a:fillRef>
+      <a:effectRef idx="0">
+        <a:scrgbClr r="0" g="0" b="0"/>
+      </a:effectRef>
+      <a:fontRef idx="minor">
+        <a:schemeClr val="lt1"/>
+      </a:fontRef>
+    </dgm:style>
+  </dgm:styleLbl>
+  <dgm:styleLbl name="sibTrans1D1">
+    <dgm:scene3d>
+      <a:camera prst="orthographicFront"/>
+      <a:lightRig rig="threePt" dir="t"/>
+    </dgm:scene3d>
+    <dgm:sp3d/>
+    <dgm:txPr/>
+    <dgm:style>
+      <a:lnRef idx="1">
+        <a:scrgbClr r="0" g="0" b="0"/>
+      </a:lnRef>
+      <a:fillRef idx="0">
+        <a:scrgbClr r="0" g="0" b="0"/>
+      </a:fillRef>
+      <a:effectRef idx="0">
+        <a:scrgbClr r="0" g="0" b="0"/>
+      </a:effectRef>
+      <a:fontRef idx="minor"/>
+    </dgm:style>
+  </dgm:styleLbl>
+  <dgm:styleLbl name="callout">
+    <dgm:scene3d>
+      <a:camera prst="orthographicFront"/>
+      <a:lightRig rig="threePt" dir="t"/>
+    </dgm:scene3d>
+    <dgm:sp3d/>
+    <dgm:txPr/>
+    <dgm:style>
+      <a:lnRef idx="2">
+        <a:scrgbClr r="0" g="0" b="0"/>
+      </a:lnRef>
+      <a:fillRef idx="1">
+        <a:scrgbClr r="0" g="0" b="0"/>
+      </a:fillRef>
+      <a:effectRef idx="0">
+        <a:scrgbClr r="0" g="0" b="0"/>
+      </a:effectRef>
+      <a:fontRef idx="minor"/>
+    </dgm:style>
+  </dgm:styleLbl>
+  <dgm:styleLbl name="asst0">
+    <dgm:scene3d>
+      <a:camera prst="orthographicFront"/>
+      <a:lightRig rig="threePt" dir="t"/>
+    </dgm:scene3d>
+    <dgm:sp3d/>
+    <dgm:txPr/>
+    <dgm:style>
+      <a:lnRef idx="2">
+        <a:scrgbClr r="0" g="0" b="0"/>
+      </a:lnRef>
+      <a:fillRef idx="1">
+        <a:scrgbClr r="0" g="0" b="0"/>
+      </a:fillRef>
+      <a:effectRef idx="0">
+        <a:scrgbClr r="0" g="0" b="0"/>
+      </a:effectRef>
+      <a:fontRef idx="minor">
+        <a:schemeClr val="lt1"/>
+      </a:fontRef>
+    </dgm:style>
+  </dgm:styleLbl>
+  <dgm:styleLbl name="asst1">
+    <dgm:scene3d>
+      <a:camera prst="orthographicFront"/>
+      <a:lightRig rig="threePt" dir="t"/>
+    </dgm:scene3d>
+    <dgm:sp3d/>
+    <dgm:txPr/>
+    <dgm:style>
+      <a:lnRef idx="2">
+        <a:scrgbClr r="0" g="0" b="0"/>
+      </a:lnRef>
+      <a:fillRef idx="1">
+        <a:scrgbClr r="0" g="0" b="0"/>
+      </a:fillRef>
+      <a:effectRef idx="0">
+        <a:scrgbClr r="0" g="0" b="0"/>
+      </a:effectRef>
+      <a:fontRef idx="minor">
+        <a:schemeClr val="lt1"/>
+      </a:fontRef>
+    </dgm:style>
+  </dgm:styleLbl>
+  <dgm:styleLbl name="asst2">
+    <dgm:scene3d>
+      <a:camera prst="orthographicFront"/>
+      <a:lightRig rig="threePt" dir="t"/>
+    </dgm:scene3d>
+    <dgm:sp3d/>
+    <dgm:txPr/>
+    <dgm:style>
+      <a:lnRef idx="2">
+        <a:scrgbClr r="0" g="0" b="0"/>
+      </a:lnRef>
+      <a:fillRef idx="1">
+        <a:scrgbClr r="0" g="0" b="0"/>
+      </a:fillRef>
+      <a:effectRef idx="0">
+        <a:scrgbClr r="0" g="0" b="0"/>
+      </a:effectRef>
+      <a:fontRef idx="minor">
+        <a:schemeClr val="lt1"/>
+      </a:fontRef>
+    </dgm:style>
+  </dgm:styleLbl>
+  <dgm:styleLbl name="asst3">
+    <dgm:scene3d>
+      <a:camera prst="orthographicFront"/>
+      <a:lightRig rig="threePt" dir="t"/>
+    </dgm:scene3d>
+    <dgm:sp3d/>
+    <dgm:txPr/>
+    <dgm:style>
+      <a:lnRef idx="2">
+        <a:scrgbClr r="0" g="0" b="0"/>
+      </a:lnRef>
+      <a:fillRef idx="1">
+        <a:scrgbClr r="0" g="0" b="0"/>
+      </a:fillRef>
+      <a:effectRef idx="0">
+        <a:scrgbClr r="0" g="0" b="0"/>
+      </a:effectRef>
+      <a:fontRef idx="minor">
+        <a:schemeClr val="lt1"/>
+      </a:fontRef>
+    </dgm:style>
+  </dgm:styleLbl>
+  <dgm:styleLbl name="asst4">
+    <dgm:scene3d>
+      <a:camera prst="orthographicFront"/>
+      <a:lightRig rig="threePt" dir="t"/>
+    </dgm:scene3d>
+    <dgm:sp3d/>
+    <dgm:txPr/>
+    <dgm:style>
+      <a:lnRef idx="2">
+        <a:scrgbClr r="0" g="0" b="0"/>
+      </a:lnRef>
+      <a:fillRef idx="1">
+        <a:scrgbClr r="0" g="0" b="0"/>
+      </a:fillRef>
+      <a:effectRef idx="0">
+        <a:scrgbClr r="0" g="0" b="0"/>
+      </a:effectRef>
+      <a:fontRef idx="minor">
+        <a:schemeClr val="lt1"/>
+      </a:fontRef>
+    </dgm:style>
+  </dgm:styleLbl>
+  <dgm:styleLbl name="parChTrans2D1">
+    <dgm:scene3d>
+      <a:camera prst="orthographicFront"/>
+      <a:lightRig rig="threePt" dir="t"/>
+    </dgm:scene3d>
+    <dgm:sp3d/>
+    <dgm:txPr/>
+    <dgm:style>
+      <a:lnRef idx="2">
+        <a:scrgbClr r="0" g="0" b="0"/>
+      </a:lnRef>
+      <a:fillRef idx="1">
+        <a:scrgbClr r="0" g="0" b="0"/>
+      </a:fillRef>
+      <a:effectRef idx="0">
+        <a:scrgbClr r="0" g="0" b="0"/>
+      </a:effectRef>
+      <a:fontRef idx="minor">
+        <a:schemeClr val="lt1"/>
+      </a:fontRef>
+    </dgm:style>
+  </dgm:styleLbl>
+  <dgm:styleLbl name="parChTrans2D2">
+    <dgm:scene3d>
+      <a:camera prst="orthographicFront"/>
+      <a:lightRig rig="threePt" dir="t"/>
+    </dgm:scene3d>
+    <dgm:sp3d/>
+    <dgm:txPr/>
+    <dgm:style>
+      <a:lnRef idx="2">
+        <a:scrgbClr r="0" g="0" b="0"/>
+      </a:lnRef>
+      <a:fillRef idx="1">
+        <a:scrgbClr r="0" g="0" b="0"/>
+      </a:fillRef>
+      <a:effectRef idx="0">
+        <a:scrgbClr r="0" g="0" b="0"/>
+      </a:effectRef>
+      <a:fontRef idx="minor">
+        <a:schemeClr val="lt1"/>
+      </a:fontRef>
+    </dgm:style>
+  </dgm:styleLbl>
+  <dgm:styleLbl name="parChTrans2D3">
+    <dgm:scene3d>
+      <a:camera prst="orthographicFront"/>
+      <a:lightRig rig="threePt" dir="t"/>
+    </dgm:scene3d>
+    <dgm:sp3d/>
+    <dgm:txPr/>
+    <dgm:style>
+      <a:lnRef idx="2">
+        <a:scrgbClr r="0" g="0" b="0"/>
+      </a:lnRef>
+      <a:fillRef idx="1">
+        <a:scrgbClr r="0" g="0" b="0"/>
+      </a:fillRef>
+      <a:effectRef idx="0">
+        <a:scrgbClr r="0" g="0" b="0"/>
+      </a:effectRef>
+      <a:fontRef idx="minor">
+        <a:schemeClr val="lt1"/>
+      </a:fontRef>
+    </dgm:style>
+  </dgm:styleLbl>
+  <dgm:styleLbl name="parChTrans2D4">
+    <dgm:scene3d>
+      <a:camera prst="orthographicFront"/>
+      <a:lightRig rig="threePt" dir="t"/>
+    </dgm:scene3d>
+    <dgm:sp3d/>
+    <dgm:txPr/>
+    <dgm:style>
+      <a:lnRef idx="2">
+        <a:scrgbClr r="0" g="0" b="0"/>
+      </a:lnRef>
+      <a:fillRef idx="1">
+        <a:scrgbClr r="0" g="0" b="0"/>
+      </a:fillRef>
+      <a:effectRef idx="0">
+        <a:scrgbClr r="0" g="0" b="0"/>
+      </a:effectRef>
+      <a:fontRef idx="minor">
+        <a:schemeClr val="lt1"/>
+      </a:fontRef>
+    </dgm:style>
+  </dgm:styleLbl>
+  <dgm:styleLbl name="parChTrans1D1">
+    <dgm:scene3d>
+      <a:camera prst="orthographicFront"/>
+      <a:lightRig rig="threePt" dir="t"/>
+    </dgm:scene3d>
+    <dgm:sp3d/>
+    <dgm:txPr/>
+    <dgm:style>
+      <a:lnRef idx="2">
+        <a:scrgbClr r="0" g="0" b="0"/>
+      </a:lnRef>
+      <a:fillRef idx="0">
+        <a:scrgbClr r="0" g="0" b="0"/>
+      </a:fillRef>
+      <a:effectRef idx="0">
+        <a:scrgbClr r="0" g="0" b="0"/>
+      </a:effectRef>
+      <a:fontRef idx="minor"/>
+    </dgm:style>
+  </dgm:styleLbl>
+  <dgm:styleLbl name="parChTrans1D2">
+    <dgm:scene3d>
+      <a:camera prst="orthographicFront"/>
+      <a:lightRig rig="threePt" dir="t"/>
+    </dgm:scene3d>
+    <dgm:sp3d/>
+    <dgm:txPr/>
+    <dgm:style>
+      <a:lnRef idx="2">
+        <a:scrgbClr r="0" g="0" b="0"/>
+      </a:lnRef>
+      <a:fillRef idx="0">
+        <a:scrgbClr r="0" g="0" b="0"/>
+      </a:fillRef>
+      <a:effectRef idx="0">
+        <a:scrgbClr r="0" g="0" b="0"/>
+      </a:effectRef>
+      <a:fontRef idx="minor"/>
+    </dgm:style>
+  </dgm:styleLbl>
+  <dgm:styleLbl name="parChTrans1D3">
+    <dgm:scene3d>
+      <a:camera prst="orthographicFront"/>
+      <a:lightRig rig="threePt" dir="t"/>
+    </dgm:scene3d>
+    <dgm:sp3d/>
+    <dgm:txPr/>
+    <dgm:style>
+      <a:lnRef idx="2">
+        <a:scrgbClr r="0" g="0" b="0"/>
+      </a:lnRef>
+      <a:fillRef idx="0">
+        <a:scrgbClr r="0" g="0" b="0"/>
+      </a:fillRef>
+      <a:effectRef idx="0">
+        <a:scrgbClr r="0" g="0" b="0"/>
+      </a:effectRef>
+      <a:fontRef idx="minor"/>
+    </dgm:style>
+  </dgm:styleLbl>
+  <dgm:styleLbl name="parChTrans1D4">
+    <dgm:scene3d>
+      <a:camera prst="orthographicFront"/>
+      <a:lightRig rig="threePt" dir="t"/>
+    </dgm:scene3d>
+    <dgm:sp3d/>
+    <dgm:txPr/>
+    <dgm:style>
+      <a:lnRef idx="2">
+        <a:scrgbClr r="0" g="0" b="0"/>
+      </a:lnRef>
+      <a:fillRef idx="0">
+        <a:scrgbClr r="0" g="0" b="0"/>
+      </a:fillRef>
+      <a:effectRef idx="0">
+        <a:scrgbClr r="0" g="0" b="0"/>
+      </a:effectRef>
+      <a:fontRef idx="minor"/>
+    </dgm:style>
+  </dgm:styleLbl>
+  <dgm:styleLbl name="fgAcc1">
+    <dgm:scene3d>
+      <a:camera prst="orthographicFront"/>
+      <a:lightRig rig="threePt" dir="t"/>
+    </dgm:scene3d>
+    <dgm:sp3d/>
+    <dgm:txPr/>
+    <dgm:style>
+      <a:lnRef idx="2">
+        <a:scrgbClr r="0" g="0" b="0"/>
+      </a:lnRef>
+      <a:fillRef idx="1">
+        <a:scrgbClr r="0" g="0" b="0"/>
+      </a:fillRef>
+      <a:effectRef idx="0">
+        <a:scrgbClr r="0" g="0" b="0"/>
+      </a:effectRef>
+      <a:fontRef idx="minor"/>
+    </dgm:style>
+  </dgm:styleLbl>
+  <dgm:styleLbl name="conFgAcc1">
+    <dgm:scene3d>
+      <a:camera prst="orthographicFront"/>
+      <a:lightRig rig="threePt" dir="t"/>
+    </dgm:scene3d>
+    <dgm:sp3d/>
+    <dgm:txPr/>
+    <dgm:style>
+      <a:lnRef idx="2">
+        <a:scrgbClr r="0" g="0" b="0"/>
+      </a:lnRef>
+      <a:fillRef idx="1">
+        <a:scrgbClr r="0" g="0" b="0"/>
+      </a:fillRef>
+      <a:effectRef idx="0">
+        <a:scrgbClr r="0" g="0" b="0"/>
+      </a:effectRef>
+      <a:fontRef idx="minor"/>
+    </dgm:style>
+  </dgm:styleLbl>
+  <dgm:styleLbl name="alignAcc1">
+    <dgm:scene3d>
+      <a:camera prst="orthographicFront"/>
+      <a:lightRig rig="threePt" dir="t"/>
+    </dgm:scene3d>
+    <dgm:sp3d/>
+    <dgm:txPr/>
+    <dgm:style>
+      <a:lnRef idx="2">
+        <a:scrgbClr r="0" g="0" b="0"/>
+      </a:lnRef>
+      <a:fillRef idx="1">
+        <a:scrgbClr r="0" g="0" b="0"/>
+      </a:fillRef>
+      <a:effectRef idx="0">
+        <a:scrgbClr r="0" g="0" b="0"/>
+      </a:effectRef>
+      <a:fontRef idx="minor"/>
+    </dgm:style>
+  </dgm:styleLbl>
+  <dgm:styleLbl name="trAlignAcc1">
+    <dgm:scene3d>
+      <a:camera prst="orthographicFront"/>
+      <a:lightRig rig="threePt" dir="t"/>
+    </dgm:scene3d>
+    <dgm:sp3d/>
+    <dgm:txPr/>
+    <dgm:style>
+      <a:lnRef idx="1">
+        <a:scrgbClr r="0" g="0" b="0"/>
+      </a:lnRef>
+      <a:fillRef idx="1">
+        <a:scrgbClr r="0" g="0" b="0"/>
+      </a:fillRef>
+      <a:effectRef idx="0">
+        <a:scrgbClr r="0" g="0" b="0"/>
+      </a:effectRef>
+      <a:fontRef idx="minor"/>
+    </dgm:style>
+  </dgm:styleLbl>
+  <dgm:styleLbl name="bgAcc1">
+    <dgm:scene3d>
+      <a:camera prst="orthographicFront"/>
+      <a:lightRig rig="threePt" dir="t"/>
+    </dgm:scene3d>
+    <dgm:sp3d/>
+    <dgm:txPr/>
+    <dgm:style>
+      <a:lnRef idx="2">
+        <a:scrgbClr r="0" g="0" b="0"/>
+      </a:lnRef>
+      <a:fillRef idx="1">
+        <a:scrgbClr r="0" g="0" b="0"/>
+      </a:fillRef>
+      <a:effectRef idx="0">
+        <a:scrgbClr r="0" g="0" b="0"/>
+      </a:effectRef>
+      <a:fontRef idx="minor"/>
+    </dgm:style>
+  </dgm:styleLbl>
+  <dgm:styleLbl name="solidFgAcc1">
+    <dgm:scene3d>
+      <a:camera prst="orthographicFront"/>
+      <a:lightRig rig="threePt" dir="t"/>
+    </dgm:scene3d>
+    <dgm:sp3d/>
+    <dgm:txPr/>
+    <dgm:style>
+      <a:lnRef idx="2">
+        <a:scrgbClr r="0" g="0" b="0"/>
+      </a:lnRef>
+      <a:fillRef idx="1">
+        <a:scrgbClr r="0" g="0" b="0"/>
+      </a:fillRef>
+      <a:effectRef idx="0">
+        <a:scrgbClr r="0" g="0" b="0"/>
+      </a:effectRef>
+      <a:fontRef idx="minor"/>
+    </dgm:style>
+  </dgm:styleLbl>
+  <dgm:styleLbl name="solidAlignAcc1">
+    <dgm:scene3d>
+      <a:camera prst="orthographicFront"/>
+      <a:lightRig rig="threePt" dir="t"/>
+    </dgm:scene3d>
+    <dgm:sp3d/>
+    <dgm:txPr/>
+    <dgm:style>
+      <a:lnRef idx="2">
+        <a:scrgbClr r="0" g="0" b="0"/>
+      </a:lnRef>
+      <a:fillRef idx="1">
+        <a:scrgbClr r="0" g="0" b="0"/>
+      </a:fillRef>
+      <a:effectRef idx="0">
+        <a:scrgbClr r="0" g="0" b="0"/>
+      </a:effectRef>
+      <a:fontRef idx="minor"/>
+    </dgm:style>
+  </dgm:styleLbl>
+  <dgm:styleLbl name="solidBgAcc1">
+    <dgm:scene3d>
+      <a:camera prst="orthographicFront"/>
+      <a:lightRig rig="threePt" dir="t"/>
+    </dgm:scene3d>
+    <dgm:sp3d/>
+    <dgm:txPr/>
+    <dgm:style>
+      <a:lnRef idx="2">
+        <a:scrgbClr r="0" g="0" b="0"/>
+      </a:lnRef>
+      <a:fillRef idx="1">
+        <a:scrgbClr r="0" g="0" b="0"/>
+      </a:fillRef>
+      <a:effectRef idx="0">
+        <a:scrgbClr r="0" g="0" b="0"/>
+      </a:effectRef>
+      <a:fontRef idx="minor"/>
+    </dgm:style>
+  </dgm:styleLbl>
+  <dgm:styleLbl name="fgAccFollowNode1">
+    <dgm:scene3d>
+      <a:camera prst="orthographicFront"/>
+      <a:lightRig rig="threePt" dir="t"/>
+    </dgm:scene3d>
+    <dgm:sp3d/>
+    <dgm:txPr/>
+    <dgm:style>
+      <a:lnRef idx="2">
+        <a:scrgbClr r="0" g="0" b="0"/>
+      </a:lnRef>
+      <a:fillRef idx="1">
+        <a:scrgbClr r="0" g="0" b="0"/>
+      </a:fillRef>
+      <a:effectRef idx="0">
+        <a:scrgbClr r="0" g="0" b="0"/>
+      </a:effectRef>
+      <a:fontRef idx="minor"/>
+    </dgm:style>
+  </dgm:styleLbl>
+  <dgm:styleLbl name="alignAccFollowNode1">
+    <dgm:scene3d>
+      <a:camera prst="orthographicFront"/>
+      <a:lightRig rig="threePt" dir="t"/>
+    </dgm:scene3d>
+    <dgm:sp3d/>
+    <dgm:txPr/>
+    <dgm:style>
+      <a:lnRef idx="2">
+        <a:scrgbClr r="0" g="0" b="0"/>
+      </a:lnRef>
+      <a:fillRef idx="1">
+        <a:scrgbClr r="0" g="0" b="0"/>
+      </a:fillRef>
+      <a:effectRef idx="0">
+        <a:scrgbClr r="0" g="0" b="0"/>
+      </a:effectRef>
+      <a:fontRef idx="minor"/>
+    </dgm:style>
+  </dgm:styleLbl>
+  <dgm:styleLbl name="bgAccFollowNode1">
+    <dgm:scene3d>
+      <a:camera prst="orthographicFront"/>
+      <a:lightRig rig="threePt" dir="t"/>
+    </dgm:scene3d>
+    <dgm:sp3d/>
+    <dgm:txPr/>
+    <dgm:style>
+      <a:lnRef idx="2">
+        <a:scrgbClr r="0" g="0" b="0"/>
+      </a:lnRef>
+      <a:fillRef idx="1">
+        <a:scrgbClr r="0" g="0" b="0"/>
+      </a:fillRef>
+      <a:effectRef idx="0">
+        <a:scrgbClr r="0" g="0" b="0"/>
+      </a:effectRef>
+      <a:fontRef idx="minor"/>
+    </dgm:style>
+  </dgm:styleLbl>
+  <dgm:styleLbl name="fgAcc0">
+    <dgm:scene3d>
+      <a:camera prst="orthographicFront"/>
+      <a:lightRig rig="threePt" dir="t"/>
+    </dgm:scene3d>
+    <dgm:sp3d/>
+    <dgm:txPr/>
+    <dgm:style>
+      <a:lnRef idx="2">
+        <a:scrgbClr r="0" g="0" b="0"/>
+      </a:lnRef>
+      <a:fillRef idx="1">
+        <a:scrgbClr r="0" g="0" b="0"/>
+      </a:fillRef>
+      <a:effectRef idx="0">
+        <a:scrgbClr r="0" g="0" b="0"/>
+      </a:effectRef>
+      <a:fontRef idx="minor"/>
+    </dgm:style>
+  </dgm:styleLbl>
+  <dgm:styleLbl name="fgAcc2">
+    <dgm:scene3d>
+      <a:camera prst="orthographicFront"/>
+      <a:lightRig rig="threePt" dir="t"/>
+    </dgm:scene3d>
+    <dgm:sp3d/>
+    <dgm:txPr/>
+    <dgm:style>
+      <a:lnRef idx="2">
+        <a:scrgbClr r="0" g="0" b="0"/>
+      </a:lnRef>
+      <a:fillRef idx="1">
+        <a:scrgbClr r="0" g="0" b="0"/>
+      </a:fillRef>
+      <a:effectRef idx="0">
+        <a:scrgbClr r="0" g="0" b="0"/>
+      </a:effectRef>
+      <a:fontRef idx="minor"/>
+    </dgm:style>
+  </dgm:styleLbl>
+  <dgm:styleLbl name="fgAcc3">
+    <dgm:scene3d>
+      <a:camera prst="orthographicFront"/>
+      <a:lightRig rig="threePt" dir="t"/>
+    </dgm:scene3d>
+    <dgm:sp3d/>
+    <dgm:txPr/>
+    <dgm:style>
+      <a:lnRef idx="2">
+        <a:scrgbClr r="0" g="0" b="0"/>
+      </a:lnRef>
+      <a:fillRef idx="1">
+        <a:scrgbClr r="0" g="0" b="0"/>
+      </a:fillRef>
+      <a:effectRef idx="0">
+        <a:scrgbClr r="0" g="0" b="0"/>
+      </a:effectRef>
+      <a:fontRef idx="minor"/>
+    </dgm:style>
+  </dgm:styleLbl>
+  <dgm:styleLbl name="fgAcc4">
+    <dgm:scene3d>
+      <a:camera prst="orthographicFront"/>
+      <a:lightRig rig="threePt" dir="t"/>
+    </dgm:scene3d>
+    <dgm:sp3d/>
+    <dgm:txPr/>
+    <dgm:style>
+      <a:lnRef idx="2">
+        <a:scrgbClr r="0" g="0" b="0"/>
+      </a:lnRef>
+      <a:fillRef idx="1">
+        <a:scrgbClr r="0" g="0" b="0"/>
+      </a:fillRef>
+      <a:effectRef idx="0">
+        <a:scrgbClr r="0" g="0" b="0"/>
+      </a:effectRef>
+      <a:fontRef idx="minor"/>
+    </dgm:style>
+  </dgm:styleLbl>
+  <dgm:styleLbl name="bgShp">
+    <dgm:scene3d>
+      <a:camera prst="orthographicFront"/>
+      <a:lightRig rig="threePt" dir="t"/>
+    </dgm:scene3d>
+    <dgm:sp3d/>
+    <dgm:txPr/>
+    <dgm:style>
+      <a:lnRef idx="0">
+        <a:scrgbClr r="0" g="0" b="0"/>
+      </a:lnRef>
+      <a:fillRef idx="1">
+        <a:scrgbClr r="0" g="0" b="0"/>
+      </a:fillRef>
+      <a:effectRef idx="0">
+        <a:scrgbClr r="0" g="0" b="0"/>
+      </a:effectRef>
+      <a:fontRef idx="minor"/>
+    </dgm:style>
+  </dgm:styleLbl>
+  <dgm:styleLbl name="dkBgShp">
+    <dgm:scene3d>
+      <a:camera prst="orthographicFront"/>
+      <a:lightRig rig="threePt" dir="t"/>
+    </dgm:scene3d>
+    <dgm:sp3d/>
+    <dgm:txPr/>
+    <dgm:style>
+      <a:lnRef idx="0">
+        <a:scrgbClr r="0" g="0" b="0"/>
+      </a:lnRef>
+      <a:fillRef idx="1">
+        <a:scrgbClr r="0" g="0" b="0"/>
+      </a:fillRef>
+      <a:effectRef idx="0">
+        <a:scrgbClr r="0" g="0" b="0"/>
+      </a:effectRef>
+      <a:fontRef idx="minor"/>
+    </dgm:style>
+  </dgm:styleLbl>
+  <dgm:styleLbl name="trBgShp">
+    <dgm:scene3d>
+      <a:camera prst="orthographicFront"/>
+      <a:lightRig rig="threePt" dir="t"/>
+    </dgm:scene3d>
+    <dgm:sp3d/>
+    <dgm:txPr/>
+    <dgm:style>
+      <a:lnRef idx="0">
+        <a:scrgbClr r="0" g="0" b="0"/>
+      </a:lnRef>
+      <a:fillRef idx="1">
+        <a:scrgbClr r="0" g="0" b="0"/>
+      </a:fillRef>
+      <a:effectRef idx="0">
+        <a:scrgbClr r="0" g="0" b="0"/>
+      </a:effectRef>
+      <a:fontRef idx="minor"/>
+    </dgm:style>
+  </dgm:styleLbl>
+  <dgm:styleLbl name="fgShp">
+    <dgm:scene3d>
+      <a:camera prst="orthographicFront"/>
+      <a:lightRig rig="threePt" dir="t"/>
+    </dgm:scene3d>
+    <dgm:sp3d/>
+    <dgm:txPr/>
+    <dgm:style>
+      <a:lnRef idx="2">
+        <a:scrgbClr r="0" g="0" b="0"/>
+      </a:lnRef>
+      <a:fillRef idx="1">
+        <a:scrgbClr r="0" g="0" b="0"/>
+      </a:fillRef>
+      <a:effectRef idx="0">
+        <a:scrgbClr r="0" g="0" b="0"/>
+      </a:effectRef>
+      <a:fontRef idx="minor"/>
+    </dgm:style>
+  </dgm:styleLbl>
+  <dgm:styleLbl name="revTx">
+    <dgm:scene3d>
+      <a:camera prst="orthographicFront"/>
+      <a:lightRig rig="threePt" dir="t"/>
+    </dgm:scene3d>
+    <dgm:sp3d/>
+    <dgm:txPr/>
+    <dgm:style>
+      <a:lnRef idx="0">
+        <a:scrgbClr r="0" g="0" b="0"/>
+      </a:lnRef>
+      <a:fillRef idx="0">
+        <a:scrgbClr r="0" g="0" b="0"/>
+      </a:fillRef>
+      <a:effectRef idx="0">
+        <a:scrgbClr r="0" g="0" b="0"/>
+      </a:effectRef>
+      <a:fontRef idx="minor"/>
+    </dgm:style>
+  </dgm:styleLbl>
+</dgm:styleDef>
+</file>
+
+<file path=ppt/diagrams/quickStyle10.xml><?xml version="1.0" encoding="utf-8"?>
 <dgm:styleDef xmlns:dgm="http://schemas.openxmlformats.org/drawingml/2006/diagram" xmlns:a="http://schemas.openxmlformats.org/drawingml/2006/main" uniqueId="urn:microsoft.com/office/officeart/2005/8/quickstyle/simple1">
   <dgm:title val=""/>
   <dgm:desc val=""/>
@@ -33950,6 +37241,527 @@
 <file path=ppt/slides/slide15.xml><?xml version="1.0" encoding="utf-8"?>
 <p:sld xmlns:a="http://schemas.openxmlformats.org/drawingml/2006/main" xmlns:r="http://schemas.openxmlformats.org/officeDocument/2006/relationships" xmlns:p="http://schemas.openxmlformats.org/presentationml/2006/main">
   <p:cSld>
+    <p:bg>
+      <p:bgPr>
+        <a:solidFill>
+          <a:schemeClr val="bg1"/>
+        </a:solidFill>
+        <a:effectLst/>
+      </p:bgPr>
+    </p:bg>
+    <p:spTree>
+      <p:nvGrpSpPr>
+        <p:cNvPr id="1" name=""/>
+        <p:cNvGrpSpPr/>
+        <p:nvPr/>
+      </p:nvGrpSpPr>
+      <p:grpSpPr>
+        <a:xfrm>
+          <a:off x="0" y="0"/>
+          <a:ext cx="0" cy="0"/>
+          <a:chOff x="0" y="0"/>
+          <a:chExt cx="0" cy="0"/>
+        </a:xfrm>
+      </p:grpSpPr>
+      <p:sp useBgFill="1">
+        <p:nvSpPr>
+          <p:cNvPr id="9" name="Rectangle 8">
+            <a:extLst>
+              <a:ext uri="{FF2B5EF4-FFF2-40B4-BE49-F238E27FC236}">
+                <a16:creationId xmlns:a16="http://schemas.microsoft.com/office/drawing/2014/main" id="{94C58ED0-C700-47B2-8D54-31F4BB36BE92}"/>
+              </a:ext>
+              <a:ext uri="{C183D7F6-B498-43B3-948B-1728B52AA6E4}">
+                <adec:decorative xmlns:adec="http://schemas.microsoft.com/office/drawing/2017/decorative" val="1"/>
+              </a:ext>
+            </a:extLst>
+          </p:cNvPr>
+          <p:cNvSpPr>
+            <a:spLocks noGrp="1" noRot="1" noChangeAspect="1" noMove="1" noResize="1" noEditPoints="1" noAdjustHandles="1" noChangeArrowheads="1" noChangeShapeType="1" noTextEdit="1"/>
+          </p:cNvSpPr>
+          <p:nvPr>
+            <p:extLst>
+              <p:ext uri="{386F3935-93C4-4BCD-93E2-E3B085C9AB24}">
+                <p16:designElem xmlns:p16="http://schemas.microsoft.com/office/powerpoint/2015/main" val="1"/>
+              </p:ext>
+            </p:extLst>
+          </p:nvPr>
+        </p:nvSpPr>
+        <p:spPr>
+          <a:xfrm>
+            <a:off x="0" y="0"/>
+            <a:ext cx="12203081" cy="6858000"/>
+          </a:xfrm>
+          <a:prstGeom prst="rect">
+            <a:avLst/>
+          </a:prstGeom>
+          <a:ln>
+            <a:noFill/>
+          </a:ln>
+        </p:spPr>
+        <p:style>
+          <a:lnRef idx="2">
+            <a:schemeClr val="accent1">
+              <a:shade val="50000"/>
+            </a:schemeClr>
+          </a:lnRef>
+          <a:fillRef idx="1002">
+            <a:schemeClr val="lt1"/>
+          </a:fillRef>
+          <a:effectRef idx="0">
+            <a:schemeClr val="accent1"/>
+          </a:effectRef>
+          <a:fontRef idx="minor">
+            <a:schemeClr val="lt1"/>
+          </a:fontRef>
+        </p:style>
+        <p:txBody>
+          <a:bodyPr rtlCol="0" anchor="ctr"/>
+          <a:lstStyle/>
+          <a:p>
+            <a:pPr algn="ctr"/>
+            <a:endParaRPr lang="en-US"/>
+          </a:p>
+        </p:txBody>
+      </p:sp>
+      <p:sp>
+        <p:nvSpPr>
+          <p:cNvPr id="11" name="Rectangle 10">
+            <a:extLst>
+              <a:ext uri="{FF2B5EF4-FFF2-40B4-BE49-F238E27FC236}">
+                <a16:creationId xmlns:a16="http://schemas.microsoft.com/office/drawing/2014/main" id="{B2D40F7A-4BD9-4F50-A33B-8CB290C00C84}"/>
+              </a:ext>
+              <a:ext uri="{C183D7F6-B498-43B3-948B-1728B52AA6E4}">
+                <adec:decorative xmlns:adec="http://schemas.microsoft.com/office/drawing/2017/decorative" val="1"/>
+              </a:ext>
+            </a:extLst>
+          </p:cNvPr>
+          <p:cNvSpPr>
+            <a:spLocks noGrp="1" noRot="1" noChangeAspect="1" noMove="1" noResize="1" noEditPoints="1" noAdjustHandles="1" noChangeArrowheads="1" noChangeShapeType="1" noTextEdit="1"/>
+          </p:cNvSpPr>
+          <p:nvPr>
+            <p:extLst>
+              <p:ext uri="{386F3935-93C4-4BCD-93E2-E3B085C9AB24}">
+                <p16:designElem xmlns:p16="http://schemas.microsoft.com/office/powerpoint/2015/main" val="1"/>
+              </p:ext>
+            </p:extLst>
+          </p:nvPr>
+        </p:nvSpPr>
+        <p:spPr>
+          <a:xfrm>
+            <a:off x="7391973" y="643464"/>
+            <a:ext cx="4143830" cy="5566305"/>
+          </a:xfrm>
+          <a:prstGeom prst="rect">
+            <a:avLst/>
+          </a:prstGeom>
+          <a:solidFill>
+            <a:srgbClr val="FFFFFF"/>
+          </a:solidFill>
+          <a:ln w="6350" cap="flat" cmpd="sng" algn="ctr">
+            <a:noFill/>
+            <a:prstDash val="solid"/>
+          </a:ln>
+          <a:effectLst>
+            <a:outerShdw blurRad="50800" algn="ctr" rotWithShape="0">
+              <a:prstClr val="black">
+                <a:alpha val="66000"/>
+              </a:prstClr>
+            </a:outerShdw>
+            <a:softEdge rad="0"/>
+          </a:effectLst>
+        </p:spPr>
+        <p:txBody>
+          <a:bodyPr/>
+          <a:lstStyle/>
+          <a:p>
+            <a:endParaRPr lang="tr-TR"/>
+          </a:p>
+        </p:txBody>
+      </p:sp>
+      <p:sp>
+        <p:nvSpPr>
+          <p:cNvPr id="13" name="Rectangle 12">
+            <a:extLst>
+              <a:ext uri="{FF2B5EF4-FFF2-40B4-BE49-F238E27FC236}">
+                <a16:creationId xmlns:a16="http://schemas.microsoft.com/office/drawing/2014/main" id="{BD2FDAD1-72F9-4134-9A38-92BDC75F71B7}"/>
+              </a:ext>
+              <a:ext uri="{C183D7F6-B498-43B3-948B-1728B52AA6E4}">
+                <adec:decorative xmlns:adec="http://schemas.microsoft.com/office/drawing/2017/decorative" val="1"/>
+              </a:ext>
+            </a:extLst>
+          </p:cNvPr>
+          <p:cNvSpPr>
+            <a:spLocks noGrp="1" noRot="1" noChangeAspect="1" noMove="1" noResize="1" noEditPoints="1" noAdjustHandles="1" noChangeArrowheads="1" noChangeShapeType="1" noTextEdit="1"/>
+          </p:cNvSpPr>
+          <p:nvPr>
+            <p:extLst>
+              <p:ext uri="{386F3935-93C4-4BCD-93E2-E3B085C9AB24}">
+                <p16:designElem xmlns:p16="http://schemas.microsoft.com/office/powerpoint/2015/main" val="1"/>
+              </p:ext>
+            </p:extLst>
+          </p:nvPr>
+        </p:nvSpPr>
+        <p:spPr>
+          <a:xfrm>
+            <a:off x="7557364" y="806860"/>
+            <a:ext cx="3813048" cy="5239512"/>
+          </a:xfrm>
+          <a:prstGeom prst="rect">
+            <a:avLst/>
+          </a:prstGeom>
+          <a:solidFill>
+            <a:schemeClr val="bg1">
+              <a:lumMod val="85000"/>
+              <a:alpha val="60000"/>
+            </a:schemeClr>
+          </a:solidFill>
+          <a:ln>
+            <a:noFill/>
+          </a:ln>
+        </p:spPr>
+        <p:style>
+          <a:lnRef idx="2">
+            <a:schemeClr val="accent1">
+              <a:shade val="50000"/>
+            </a:schemeClr>
+          </a:lnRef>
+          <a:fillRef idx="1">
+            <a:schemeClr val="accent1"/>
+          </a:fillRef>
+          <a:effectRef idx="0">
+            <a:schemeClr val="accent1"/>
+          </a:effectRef>
+          <a:fontRef idx="minor">
+            <a:schemeClr val="lt1"/>
+          </a:fontRef>
+        </p:style>
+        <p:txBody>
+          <a:bodyPr/>
+          <a:lstStyle/>
+          <a:p>
+            <a:endParaRPr lang="tr-TR"/>
+          </a:p>
+        </p:txBody>
+      </p:sp>
+      <p:sp>
+        <p:nvSpPr>
+          <p:cNvPr id="2" name="Başlık 1">
+            <a:extLst>
+              <a:ext uri="{FF2B5EF4-FFF2-40B4-BE49-F238E27FC236}">
+                <a16:creationId xmlns:a16="http://schemas.microsoft.com/office/drawing/2014/main" id="{3FFFE223-B5B2-0537-BA7B-933FC82640C1}"/>
+              </a:ext>
+            </a:extLst>
+          </p:cNvPr>
+          <p:cNvSpPr>
+            <a:spLocks noGrp="1"/>
+          </p:cNvSpPr>
+          <p:nvPr>
+            <p:ph type="title"/>
+          </p:nvPr>
+        </p:nvSpPr>
+        <p:spPr>
+          <a:xfrm>
+            <a:off x="7747000" y="965200"/>
+            <a:ext cx="3454400" cy="4936067"/>
+          </a:xfrm>
+        </p:spPr>
+        <p:txBody>
+          <a:bodyPr>
+            <a:normAutofit/>
+          </a:bodyPr>
+          <a:lstStyle/>
+          <a:p>
+            <a:pPr algn="ctr"/>
+            <a:r>
+              <a:rPr lang="tr-TR" dirty="0"/>
+              <a:t>Step Tipleri</a:t>
+            </a:r>
+            <a:endParaRPr lang="tr-TR"/>
+          </a:p>
+        </p:txBody>
+      </p:sp>
+      <p:graphicFrame>
+        <p:nvGraphicFramePr>
+          <p:cNvPr id="5" name="İçerik Yer Tutucusu 2">
+            <a:extLst>
+              <a:ext uri="{FF2B5EF4-FFF2-40B4-BE49-F238E27FC236}">
+                <a16:creationId xmlns:a16="http://schemas.microsoft.com/office/drawing/2014/main" id="{F4FC3632-152D-BD5B-ECEC-2AB52D794628}"/>
+              </a:ext>
+            </a:extLst>
+          </p:cNvPr>
+          <p:cNvGraphicFramePr>
+            <a:graphicFrameLocks noGrp="1"/>
+          </p:cNvGraphicFramePr>
+          <p:nvPr>
+            <p:ph idx="1"/>
+            <p:extLst>
+              <p:ext uri="{D42A27DB-BD31-4B8C-83A1-F6EECF244321}">
+                <p14:modId xmlns:p14="http://schemas.microsoft.com/office/powerpoint/2010/main" val="4022157382"/>
+              </p:ext>
+            </p:extLst>
+          </p:nvPr>
+        </p:nvGraphicFramePr>
+        <p:xfrm>
+          <a:off x="793590" y="800946"/>
+          <a:ext cx="6036579" cy="5252381"/>
+        </p:xfrm>
+        <a:graphic>
+          <a:graphicData uri="http://schemas.openxmlformats.org/drawingml/2006/diagram">
+            <dgm:relIds xmlns:dgm="http://schemas.openxmlformats.org/drawingml/2006/diagram" xmlns:r="http://schemas.openxmlformats.org/officeDocument/2006/relationships" r:dm="rId2" r:lo="rId3" r:qs="rId4" r:cs="rId5"/>
+          </a:graphicData>
+        </a:graphic>
+      </p:graphicFrame>
+    </p:spTree>
+    <p:extLst>
+      <p:ext uri="{BB962C8B-B14F-4D97-AF65-F5344CB8AC3E}">
+        <p14:creationId xmlns:p14="http://schemas.microsoft.com/office/powerpoint/2010/main" val="2190745214"/>
+      </p:ext>
+    </p:extLst>
+  </p:cSld>
+  <p:clrMapOvr>
+    <a:masterClrMapping/>
+  </p:clrMapOvr>
+</p:sld>
+</file>
+
+<file path=ppt/slides/slide16.xml><?xml version="1.0" encoding="utf-8"?>
+<p:sld xmlns:a="http://schemas.openxmlformats.org/drawingml/2006/main" xmlns:r="http://schemas.openxmlformats.org/officeDocument/2006/relationships" xmlns:p="http://schemas.openxmlformats.org/presentationml/2006/main">
+  <p:cSld>
+    <p:bg>
+      <p:bgPr>
+        <a:solidFill>
+          <a:schemeClr val="bg1"/>
+        </a:solidFill>
+        <a:effectLst/>
+      </p:bgPr>
+    </p:bg>
+    <p:spTree>
+      <p:nvGrpSpPr>
+        <p:cNvPr id="1" name=""/>
+        <p:cNvGrpSpPr/>
+        <p:nvPr/>
+      </p:nvGrpSpPr>
+      <p:grpSpPr>
+        <a:xfrm>
+          <a:off x="0" y="0"/>
+          <a:ext cx="0" cy="0"/>
+          <a:chOff x="0" y="0"/>
+          <a:chExt cx="0" cy="0"/>
+        </a:xfrm>
+      </p:grpSpPr>
+      <p:sp useBgFill="1">
+        <p:nvSpPr>
+          <p:cNvPr id="19" name="Rectangle 18">
+            <a:extLst>
+              <a:ext uri="{FF2B5EF4-FFF2-40B4-BE49-F238E27FC236}">
+                <a16:creationId xmlns:a16="http://schemas.microsoft.com/office/drawing/2014/main" id="{1E94681D-2A4C-4A8D-B9B5-31D440D0328D}"/>
+              </a:ext>
+              <a:ext uri="{C183D7F6-B498-43B3-948B-1728B52AA6E4}">
+                <adec:decorative xmlns:adec="http://schemas.microsoft.com/office/drawing/2017/decorative" val="1"/>
+              </a:ext>
+            </a:extLst>
+          </p:cNvPr>
+          <p:cNvSpPr>
+            <a:spLocks noGrp="1" noRot="1" noChangeAspect="1" noMove="1" noResize="1" noEditPoints="1" noAdjustHandles="1" noChangeArrowheads="1" noChangeShapeType="1" noTextEdit="1"/>
+          </p:cNvSpPr>
+          <p:nvPr>
+            <p:extLst>
+              <p:ext uri="{386F3935-93C4-4BCD-93E2-E3B085C9AB24}">
+                <p16:designElem xmlns:p16="http://schemas.microsoft.com/office/powerpoint/2015/main" val="1"/>
+              </p:ext>
+            </p:extLst>
+          </p:nvPr>
+        </p:nvSpPr>
+        <p:spPr>
+          <a:xfrm>
+            <a:off x="0" y="0"/>
+            <a:ext cx="12192000" cy="6858000"/>
+          </a:xfrm>
+          <a:prstGeom prst="rect">
+            <a:avLst/>
+          </a:prstGeom>
+          <a:ln>
+            <a:noFill/>
+          </a:ln>
+        </p:spPr>
+        <p:style>
+          <a:lnRef idx="2">
+            <a:schemeClr val="accent1">
+              <a:shade val="50000"/>
+            </a:schemeClr>
+          </a:lnRef>
+          <a:fillRef idx="1">
+            <a:schemeClr val="accent1"/>
+          </a:fillRef>
+          <a:effectRef idx="0">
+            <a:schemeClr val="accent1"/>
+          </a:effectRef>
+          <a:fontRef idx="minor">
+            <a:schemeClr val="lt1"/>
+          </a:fontRef>
+        </p:style>
+        <p:txBody>
+          <a:bodyPr rtlCol="0" anchor="ctr"/>
+          <a:lstStyle/>
+          <a:p>
+            <a:pPr algn="ctr"/>
+            <a:endParaRPr lang="en-US"/>
+          </a:p>
+        </p:txBody>
+      </p:sp>
+      <p:sp>
+        <p:nvSpPr>
+          <p:cNvPr id="21" name="Rectangle 20">
+            <a:extLst>
+              <a:ext uri="{FF2B5EF4-FFF2-40B4-BE49-F238E27FC236}">
+                <a16:creationId xmlns:a16="http://schemas.microsoft.com/office/drawing/2014/main" id="{4EC7E010-C712-408D-9787-0842AFC9F4BB}"/>
+              </a:ext>
+              <a:ext uri="{C183D7F6-B498-43B3-948B-1728B52AA6E4}">
+                <adec:decorative xmlns:adec="http://schemas.microsoft.com/office/drawing/2017/decorative" val="1"/>
+              </a:ext>
+            </a:extLst>
+          </p:cNvPr>
+          <p:cNvSpPr>
+            <a:spLocks noGrp="1" noRot="1" noChangeAspect="1" noMove="1" noResize="1" noEditPoints="1" noAdjustHandles="1" noChangeArrowheads="1" noChangeShapeType="1" noTextEdit="1"/>
+          </p:cNvSpPr>
+          <p:nvPr>
+            <p:extLst>
+              <p:ext uri="{386F3935-93C4-4BCD-93E2-E3B085C9AB24}">
+                <p16:designElem xmlns:p16="http://schemas.microsoft.com/office/powerpoint/2015/main" val="1"/>
+              </p:ext>
+            </p:extLst>
+          </p:nvPr>
+        </p:nvSpPr>
+        <p:spPr>
+          <a:xfrm>
+            <a:off x="234696" y="237744"/>
+            <a:ext cx="11722608" cy="6382512"/>
+          </a:xfrm>
+          <a:prstGeom prst="rect">
+            <a:avLst/>
+          </a:prstGeom>
+          <a:solidFill>
+            <a:schemeClr val="bg1">
+              <a:lumMod val="75000"/>
+              <a:alpha val="60000"/>
+            </a:schemeClr>
+          </a:solidFill>
+          <a:ln w="6350" cap="flat" cmpd="sng" algn="ctr">
+            <a:noFill/>
+            <a:prstDash val="solid"/>
+          </a:ln>
+          <a:effectLst>
+            <a:softEdge rad="0"/>
+          </a:effectLst>
+        </p:spPr>
+        <p:txBody>
+          <a:bodyPr/>
+          <a:lstStyle/>
+          <a:p>
+            <a:endParaRPr lang="tr-TR"/>
+          </a:p>
+        </p:txBody>
+      </p:sp>
+      <p:sp>
+        <p:nvSpPr>
+          <p:cNvPr id="23" name="Rectangle 22">
+            <a:extLst>
+              <a:ext uri="{FF2B5EF4-FFF2-40B4-BE49-F238E27FC236}">
+                <a16:creationId xmlns:a16="http://schemas.microsoft.com/office/drawing/2014/main" id="{0503FCEF-A9BA-4991-9220-E36615FB8B53}"/>
+              </a:ext>
+              <a:ext uri="{C183D7F6-B498-43B3-948B-1728B52AA6E4}">
+                <adec:decorative xmlns:adec="http://schemas.microsoft.com/office/drawing/2017/decorative" val="1"/>
+              </a:ext>
+            </a:extLst>
+          </p:cNvPr>
+          <p:cNvSpPr>
+            <a:spLocks noGrp="1" noRot="1" noChangeAspect="1" noMove="1" noResize="1" noEditPoints="1" noAdjustHandles="1" noChangeArrowheads="1" noChangeShapeType="1" noTextEdit="1"/>
+          </p:cNvSpPr>
+          <p:nvPr>
+            <p:extLst>
+              <p:ext uri="{386F3935-93C4-4BCD-93E2-E3B085C9AB24}">
+                <p16:designElem xmlns:p16="http://schemas.microsoft.com/office/powerpoint/2015/main" val="1"/>
+              </p:ext>
+            </p:extLst>
+          </p:nvPr>
+        </p:nvSpPr>
+        <p:spPr>
+          <a:xfrm>
+            <a:off x="371856" y="374904"/>
+            <a:ext cx="11448288" cy="6108192"/>
+          </a:xfrm>
+          <a:prstGeom prst="rect">
+            <a:avLst/>
+          </a:prstGeom>
+          <a:noFill/>
+          <a:ln w="6350" cap="sq" cmpd="sng" algn="ctr">
+            <a:solidFill>
+              <a:schemeClr val="tx1">
+                <a:lumMod val="85000"/>
+                <a:lumOff val="15000"/>
+              </a:schemeClr>
+            </a:solidFill>
+            <a:prstDash val="solid"/>
+            <a:miter lim="800000"/>
+          </a:ln>
+          <a:effectLst/>
+        </p:spPr>
+        <p:txBody>
+          <a:bodyPr/>
+          <a:lstStyle/>
+          <a:p>
+            <a:endParaRPr lang="tr-TR"/>
+          </a:p>
+        </p:txBody>
+      </p:sp>
+      <p:pic>
+        <p:nvPicPr>
+          <p:cNvPr id="9" name="İçerik Yer Tutucusu 8" descr="ekran görüntüsü, metin, diyagram, yazı tipi içeren bir resim&#10;&#10;Açıklama otomatik olarak oluşturuldu">
+            <a:extLst>
+              <a:ext uri="{FF2B5EF4-FFF2-40B4-BE49-F238E27FC236}">
+                <a16:creationId xmlns:a16="http://schemas.microsoft.com/office/drawing/2014/main" id="{70935556-15CD-41D5-0C80-7C54B485DD21}"/>
+              </a:ext>
+            </a:extLst>
+          </p:cNvPr>
+          <p:cNvPicPr>
+            <a:picLocks noGrp="1" noChangeAspect="1"/>
+          </p:cNvPicPr>
+          <p:nvPr>
+            <p:ph idx="1"/>
+          </p:nvPr>
+        </p:nvPicPr>
+        <p:blipFill>
+          <a:blip r:embed="rId2"/>
+          <a:stretch>
+            <a:fillRect/>
+          </a:stretch>
+        </p:blipFill>
+        <p:spPr>
+          <a:xfrm>
+            <a:off x="1394677" y="643467"/>
+            <a:ext cx="9402646" cy="5571066"/>
+          </a:xfrm>
+          <a:prstGeom prst="rect">
+            <a:avLst/>
+          </a:prstGeom>
+        </p:spPr>
+      </p:pic>
+    </p:spTree>
+    <p:extLst>
+      <p:ext uri="{BB962C8B-B14F-4D97-AF65-F5344CB8AC3E}">
+        <p14:creationId xmlns:p14="http://schemas.microsoft.com/office/powerpoint/2010/main" val="2630568341"/>
+      </p:ext>
+    </p:extLst>
+  </p:cSld>
+  <p:clrMapOvr>
+    <a:masterClrMapping/>
+  </p:clrMapOvr>
+</p:sld>
+</file>
+
+<file path=ppt/slides/slide17.xml><?xml version="1.0" encoding="utf-8"?>
+<p:sld xmlns:a="http://schemas.openxmlformats.org/drawingml/2006/main" xmlns:r="http://schemas.openxmlformats.org/officeDocument/2006/relationships" xmlns:p="http://schemas.openxmlformats.org/presentationml/2006/main">
+  <p:cSld>
     <p:spTree>
       <p:nvGrpSpPr>
         <p:cNvPr id="1" name=""/>
@@ -34037,7 +37849,7 @@
 </p:sld>
 </file>
 
-<file path=ppt/slides/slide16.xml><?xml version="1.0" encoding="utf-8"?>
+<file path=ppt/slides/slide18.xml><?xml version="1.0" encoding="utf-8"?>
 <p:sld xmlns:a="http://schemas.openxmlformats.org/drawingml/2006/main" xmlns:r="http://schemas.openxmlformats.org/officeDocument/2006/relationships" xmlns:p="http://schemas.openxmlformats.org/presentationml/2006/main">
   <p:cSld>
     <p:spTree>
@@ -34165,7 +37977,7 @@
 </p:sld>
 </file>
 
-<file path=ppt/slides/slide17.xml><?xml version="1.0" encoding="utf-8"?>
+<file path=ppt/slides/slide19.xml><?xml version="1.0" encoding="utf-8"?>
 <p:sld xmlns:a="http://schemas.openxmlformats.org/drawingml/2006/main" xmlns:r="http://schemas.openxmlformats.org/officeDocument/2006/relationships" xmlns:p="http://schemas.openxmlformats.org/presentationml/2006/main">
   <p:cSld>
     <p:bg>
@@ -34525,7 +38337,301 @@
 </p:sld>
 </file>
 
-<file path=ppt/slides/slide18.xml><?xml version="1.0" encoding="utf-8"?>
+<file path=ppt/slides/slide2.xml><?xml version="1.0" encoding="utf-8"?>
+<p:sld xmlns:a="http://schemas.openxmlformats.org/drawingml/2006/main" xmlns:r="http://schemas.openxmlformats.org/officeDocument/2006/relationships" xmlns:p="http://schemas.openxmlformats.org/presentationml/2006/main">
+  <p:cSld>
+    <p:bg>
+      <p:bgPr>
+        <a:solidFill>
+          <a:schemeClr val="bg1"/>
+        </a:solidFill>
+        <a:effectLst/>
+      </p:bgPr>
+    </p:bg>
+    <p:spTree>
+      <p:nvGrpSpPr>
+        <p:cNvPr id="1" name=""/>
+        <p:cNvGrpSpPr/>
+        <p:nvPr/>
+      </p:nvGrpSpPr>
+      <p:grpSpPr>
+        <a:xfrm>
+          <a:off x="0" y="0"/>
+          <a:ext cx="0" cy="0"/>
+          <a:chOff x="0" y="0"/>
+          <a:chExt cx="0" cy="0"/>
+        </a:xfrm>
+      </p:grpSpPr>
+      <p:sp useBgFill="1">
+        <p:nvSpPr>
+          <p:cNvPr id="25" name="Rectangle 24">
+            <a:extLst>
+              <a:ext uri="{FF2B5EF4-FFF2-40B4-BE49-F238E27FC236}">
+                <a16:creationId xmlns:a16="http://schemas.microsoft.com/office/drawing/2014/main" id="{94C58ED0-C700-47B2-8D54-31F4BB36BE92}"/>
+              </a:ext>
+              <a:ext uri="{C183D7F6-B498-43B3-948B-1728B52AA6E4}">
+                <adec:decorative xmlns:adec="http://schemas.microsoft.com/office/drawing/2017/decorative" val="1"/>
+              </a:ext>
+            </a:extLst>
+          </p:cNvPr>
+          <p:cNvSpPr>
+            <a:spLocks noGrp="1" noRot="1" noChangeAspect="1" noMove="1" noResize="1" noEditPoints="1" noAdjustHandles="1" noChangeArrowheads="1" noChangeShapeType="1" noTextEdit="1"/>
+          </p:cNvSpPr>
+          <p:nvPr>
+            <p:extLst>
+              <p:ext uri="{386F3935-93C4-4BCD-93E2-E3B085C9AB24}">
+                <p16:designElem xmlns:p16="http://schemas.microsoft.com/office/powerpoint/2015/main" val="1"/>
+              </p:ext>
+            </p:extLst>
+          </p:nvPr>
+        </p:nvSpPr>
+        <p:spPr>
+          <a:xfrm>
+            <a:off x="0" y="0"/>
+            <a:ext cx="12203081" cy="6858000"/>
+          </a:xfrm>
+          <a:prstGeom prst="rect">
+            <a:avLst/>
+          </a:prstGeom>
+          <a:ln>
+            <a:noFill/>
+          </a:ln>
+        </p:spPr>
+        <p:style>
+          <a:lnRef idx="2">
+            <a:schemeClr val="accent1">
+              <a:shade val="50000"/>
+            </a:schemeClr>
+          </a:lnRef>
+          <a:fillRef idx="1002">
+            <a:schemeClr val="lt1"/>
+          </a:fillRef>
+          <a:effectRef idx="0">
+            <a:schemeClr val="accent1"/>
+          </a:effectRef>
+          <a:fontRef idx="minor">
+            <a:schemeClr val="lt1"/>
+          </a:fontRef>
+        </p:style>
+        <p:txBody>
+          <a:bodyPr rtlCol="0" anchor="ctr"/>
+          <a:lstStyle/>
+          <a:p>
+            <a:pPr algn="ctr"/>
+            <a:endParaRPr lang="en-US"/>
+          </a:p>
+        </p:txBody>
+      </p:sp>
+      <p:sp>
+        <p:nvSpPr>
+          <p:cNvPr id="27" name="Rectangle 26">
+            <a:extLst>
+              <a:ext uri="{FF2B5EF4-FFF2-40B4-BE49-F238E27FC236}">
+                <a16:creationId xmlns:a16="http://schemas.microsoft.com/office/drawing/2014/main" id="{B2D40F7A-4BD9-4F50-A33B-8CB290C00C84}"/>
+              </a:ext>
+              <a:ext uri="{C183D7F6-B498-43B3-948B-1728B52AA6E4}">
+                <adec:decorative xmlns:adec="http://schemas.microsoft.com/office/drawing/2017/decorative" val="1"/>
+              </a:ext>
+            </a:extLst>
+          </p:cNvPr>
+          <p:cNvSpPr>
+            <a:spLocks noGrp="1" noRot="1" noChangeAspect="1" noMove="1" noResize="1" noEditPoints="1" noAdjustHandles="1" noChangeArrowheads="1" noChangeShapeType="1" noTextEdit="1"/>
+          </p:cNvSpPr>
+          <p:nvPr>
+            <p:extLst>
+              <p:ext uri="{386F3935-93C4-4BCD-93E2-E3B085C9AB24}">
+                <p16:designElem xmlns:p16="http://schemas.microsoft.com/office/powerpoint/2015/main" val="1"/>
+              </p:ext>
+            </p:extLst>
+          </p:nvPr>
+        </p:nvSpPr>
+        <p:spPr>
+          <a:xfrm>
+            <a:off x="7391973" y="643464"/>
+            <a:ext cx="4143830" cy="5566305"/>
+          </a:xfrm>
+          <a:prstGeom prst="rect">
+            <a:avLst/>
+          </a:prstGeom>
+          <a:solidFill>
+            <a:srgbClr val="FFFFFF"/>
+          </a:solidFill>
+          <a:ln w="6350" cap="flat" cmpd="sng" algn="ctr">
+            <a:noFill/>
+            <a:prstDash val="solid"/>
+          </a:ln>
+          <a:effectLst>
+            <a:outerShdw blurRad="50800" algn="ctr" rotWithShape="0">
+              <a:prstClr val="black">
+                <a:alpha val="66000"/>
+              </a:prstClr>
+            </a:outerShdw>
+            <a:softEdge rad="0"/>
+          </a:effectLst>
+        </p:spPr>
+        <p:txBody>
+          <a:bodyPr/>
+          <a:lstStyle/>
+          <a:p>
+            <a:endParaRPr lang="tr-TR"/>
+          </a:p>
+        </p:txBody>
+      </p:sp>
+      <p:sp>
+        <p:nvSpPr>
+          <p:cNvPr id="29" name="Rectangle 28">
+            <a:extLst>
+              <a:ext uri="{FF2B5EF4-FFF2-40B4-BE49-F238E27FC236}">
+                <a16:creationId xmlns:a16="http://schemas.microsoft.com/office/drawing/2014/main" id="{BD2FDAD1-72F9-4134-9A38-92BDC75F71B7}"/>
+              </a:ext>
+              <a:ext uri="{C183D7F6-B498-43B3-948B-1728B52AA6E4}">
+                <adec:decorative xmlns:adec="http://schemas.microsoft.com/office/drawing/2017/decorative" val="1"/>
+              </a:ext>
+            </a:extLst>
+          </p:cNvPr>
+          <p:cNvSpPr>
+            <a:spLocks noGrp="1" noRot="1" noChangeAspect="1" noMove="1" noResize="1" noEditPoints="1" noAdjustHandles="1" noChangeArrowheads="1" noChangeShapeType="1" noTextEdit="1"/>
+          </p:cNvSpPr>
+          <p:nvPr>
+            <p:extLst>
+              <p:ext uri="{386F3935-93C4-4BCD-93E2-E3B085C9AB24}">
+                <p16:designElem xmlns:p16="http://schemas.microsoft.com/office/powerpoint/2015/main" val="1"/>
+              </p:ext>
+            </p:extLst>
+          </p:nvPr>
+        </p:nvSpPr>
+        <p:spPr>
+          <a:xfrm>
+            <a:off x="7557364" y="806860"/>
+            <a:ext cx="3813048" cy="5239512"/>
+          </a:xfrm>
+          <a:prstGeom prst="rect">
+            <a:avLst/>
+          </a:prstGeom>
+          <a:solidFill>
+            <a:schemeClr val="bg1">
+              <a:lumMod val="85000"/>
+              <a:alpha val="60000"/>
+            </a:schemeClr>
+          </a:solidFill>
+          <a:ln>
+            <a:noFill/>
+          </a:ln>
+        </p:spPr>
+        <p:style>
+          <a:lnRef idx="2">
+            <a:schemeClr val="accent1">
+              <a:shade val="50000"/>
+            </a:schemeClr>
+          </a:lnRef>
+          <a:fillRef idx="1">
+            <a:schemeClr val="accent1"/>
+          </a:fillRef>
+          <a:effectRef idx="0">
+            <a:schemeClr val="accent1"/>
+          </a:effectRef>
+          <a:fontRef idx="minor">
+            <a:schemeClr val="lt1"/>
+          </a:fontRef>
+        </p:style>
+        <p:txBody>
+          <a:bodyPr/>
+          <a:lstStyle/>
+          <a:p>
+            <a:endParaRPr lang="tr-TR"/>
+          </a:p>
+        </p:txBody>
+      </p:sp>
+      <p:sp>
+        <p:nvSpPr>
+          <p:cNvPr id="2" name="Başlık 1">
+            <a:extLst>
+              <a:ext uri="{FF2B5EF4-FFF2-40B4-BE49-F238E27FC236}">
+                <a16:creationId xmlns:a16="http://schemas.microsoft.com/office/drawing/2014/main" id="{8BA046F0-E768-39C7-1303-303D487DA2F8}"/>
+              </a:ext>
+            </a:extLst>
+          </p:cNvPr>
+          <p:cNvSpPr>
+            <a:spLocks noGrp="1"/>
+          </p:cNvSpPr>
+          <p:nvPr>
+            <p:ph type="title"/>
+          </p:nvPr>
+        </p:nvSpPr>
+        <p:spPr>
+          <a:xfrm>
+            <a:off x="7747000" y="965200"/>
+            <a:ext cx="3454400" cy="4936067"/>
+          </a:xfrm>
+        </p:spPr>
+        <p:txBody>
+          <a:bodyPr>
+            <a:normAutofit/>
+          </a:bodyPr>
+          <a:lstStyle/>
+          <a:p>
+            <a:pPr algn="ctr"/>
+            <a:r>
+              <a:rPr lang="tr-TR" dirty="0"/>
+              <a:t>Spring </a:t>
+            </a:r>
+            <a:r>
+              <a:rPr lang="tr-TR" dirty="0" err="1"/>
+              <a:t>Batch</a:t>
+            </a:r>
+            <a:r>
+              <a:rPr lang="tr-TR" dirty="0"/>
+              <a:t> Nedir 🤔</a:t>
+            </a:r>
+            <a:endParaRPr lang="tr-TR"/>
+          </a:p>
+        </p:txBody>
+      </p:sp>
+      <p:graphicFrame>
+        <p:nvGraphicFramePr>
+          <p:cNvPr id="12" name="İçerik Yer Tutucusu 2">
+            <a:extLst>
+              <a:ext uri="{FF2B5EF4-FFF2-40B4-BE49-F238E27FC236}">
+                <a16:creationId xmlns:a16="http://schemas.microsoft.com/office/drawing/2014/main" id="{3CE8BD8C-6606-B6E1-C34C-13181241BED9}"/>
+              </a:ext>
+            </a:extLst>
+          </p:cNvPr>
+          <p:cNvGraphicFramePr>
+            <a:graphicFrameLocks noGrp="1"/>
+          </p:cNvGraphicFramePr>
+          <p:nvPr>
+            <p:ph idx="1"/>
+            <p:extLst>
+              <p:ext uri="{D42A27DB-BD31-4B8C-83A1-F6EECF244321}">
+                <p14:modId xmlns:p14="http://schemas.microsoft.com/office/powerpoint/2010/main" val="3149343598"/>
+              </p:ext>
+            </p:extLst>
+          </p:nvPr>
+        </p:nvGraphicFramePr>
+        <p:xfrm>
+          <a:off x="793590" y="800946"/>
+          <a:ext cx="6036579" cy="5252381"/>
+        </p:xfrm>
+        <a:graphic>
+          <a:graphicData uri="http://schemas.openxmlformats.org/drawingml/2006/diagram">
+            <dgm:relIds xmlns:dgm="http://schemas.openxmlformats.org/drawingml/2006/diagram" xmlns:r="http://schemas.openxmlformats.org/officeDocument/2006/relationships" r:dm="rId2" r:lo="rId3" r:qs="rId4" r:cs="rId5"/>
+          </a:graphicData>
+        </a:graphic>
+      </p:graphicFrame>
+    </p:spTree>
+    <p:extLst>
+      <p:ext uri="{BB962C8B-B14F-4D97-AF65-F5344CB8AC3E}">
+        <p14:creationId xmlns:p14="http://schemas.microsoft.com/office/powerpoint/2010/main" val="1022894143"/>
+      </p:ext>
+    </p:extLst>
+  </p:cSld>
+  <p:clrMapOvr>
+    <a:masterClrMapping/>
+  </p:clrMapOvr>
+</p:sld>
+</file>
+
+<file path=ppt/slides/slide20.xml><?xml version="1.0" encoding="utf-8"?>
 <p:sld xmlns:a="http://schemas.openxmlformats.org/drawingml/2006/main" xmlns:r="http://schemas.openxmlformats.org/officeDocument/2006/relationships" xmlns:p="http://schemas.openxmlformats.org/presentationml/2006/main">
   <p:cSld>
     <p:bg>
@@ -35868,7 +39974,7 @@
 </p:sld>
 </file>
 
-<file path=ppt/slides/slide19.xml><?xml version="1.0" encoding="utf-8"?>
+<file path=ppt/slides/slide21.xml><?xml version="1.0" encoding="utf-8"?>
 <p:sld xmlns:a="http://schemas.openxmlformats.org/drawingml/2006/main" xmlns:r="http://schemas.openxmlformats.org/officeDocument/2006/relationships" xmlns:p="http://schemas.openxmlformats.org/presentationml/2006/main">
   <p:cSld>
     <p:bg>
@@ -36225,301 +40331,7 @@
 </p:sld>
 </file>
 
-<file path=ppt/slides/slide2.xml><?xml version="1.0" encoding="utf-8"?>
-<p:sld xmlns:a="http://schemas.openxmlformats.org/drawingml/2006/main" xmlns:r="http://schemas.openxmlformats.org/officeDocument/2006/relationships" xmlns:p="http://schemas.openxmlformats.org/presentationml/2006/main">
-  <p:cSld>
-    <p:bg>
-      <p:bgPr>
-        <a:solidFill>
-          <a:schemeClr val="bg1"/>
-        </a:solidFill>
-        <a:effectLst/>
-      </p:bgPr>
-    </p:bg>
-    <p:spTree>
-      <p:nvGrpSpPr>
-        <p:cNvPr id="1" name=""/>
-        <p:cNvGrpSpPr/>
-        <p:nvPr/>
-      </p:nvGrpSpPr>
-      <p:grpSpPr>
-        <a:xfrm>
-          <a:off x="0" y="0"/>
-          <a:ext cx="0" cy="0"/>
-          <a:chOff x="0" y="0"/>
-          <a:chExt cx="0" cy="0"/>
-        </a:xfrm>
-      </p:grpSpPr>
-      <p:sp useBgFill="1">
-        <p:nvSpPr>
-          <p:cNvPr id="25" name="Rectangle 24">
-            <a:extLst>
-              <a:ext uri="{FF2B5EF4-FFF2-40B4-BE49-F238E27FC236}">
-                <a16:creationId xmlns:a16="http://schemas.microsoft.com/office/drawing/2014/main" id="{94C58ED0-C700-47B2-8D54-31F4BB36BE92}"/>
-              </a:ext>
-              <a:ext uri="{C183D7F6-B498-43B3-948B-1728B52AA6E4}">
-                <adec:decorative xmlns:adec="http://schemas.microsoft.com/office/drawing/2017/decorative" val="1"/>
-              </a:ext>
-            </a:extLst>
-          </p:cNvPr>
-          <p:cNvSpPr>
-            <a:spLocks noGrp="1" noRot="1" noChangeAspect="1" noMove="1" noResize="1" noEditPoints="1" noAdjustHandles="1" noChangeArrowheads="1" noChangeShapeType="1" noTextEdit="1"/>
-          </p:cNvSpPr>
-          <p:nvPr>
-            <p:extLst>
-              <p:ext uri="{386F3935-93C4-4BCD-93E2-E3B085C9AB24}">
-                <p16:designElem xmlns:p16="http://schemas.microsoft.com/office/powerpoint/2015/main" val="1"/>
-              </p:ext>
-            </p:extLst>
-          </p:nvPr>
-        </p:nvSpPr>
-        <p:spPr>
-          <a:xfrm>
-            <a:off x="0" y="0"/>
-            <a:ext cx="12203081" cy="6858000"/>
-          </a:xfrm>
-          <a:prstGeom prst="rect">
-            <a:avLst/>
-          </a:prstGeom>
-          <a:ln>
-            <a:noFill/>
-          </a:ln>
-        </p:spPr>
-        <p:style>
-          <a:lnRef idx="2">
-            <a:schemeClr val="accent1">
-              <a:shade val="50000"/>
-            </a:schemeClr>
-          </a:lnRef>
-          <a:fillRef idx="1002">
-            <a:schemeClr val="lt1"/>
-          </a:fillRef>
-          <a:effectRef idx="0">
-            <a:schemeClr val="accent1"/>
-          </a:effectRef>
-          <a:fontRef idx="minor">
-            <a:schemeClr val="lt1"/>
-          </a:fontRef>
-        </p:style>
-        <p:txBody>
-          <a:bodyPr rtlCol="0" anchor="ctr"/>
-          <a:lstStyle/>
-          <a:p>
-            <a:pPr algn="ctr"/>
-            <a:endParaRPr lang="en-US"/>
-          </a:p>
-        </p:txBody>
-      </p:sp>
-      <p:sp>
-        <p:nvSpPr>
-          <p:cNvPr id="27" name="Rectangle 26">
-            <a:extLst>
-              <a:ext uri="{FF2B5EF4-FFF2-40B4-BE49-F238E27FC236}">
-                <a16:creationId xmlns:a16="http://schemas.microsoft.com/office/drawing/2014/main" id="{B2D40F7A-4BD9-4F50-A33B-8CB290C00C84}"/>
-              </a:ext>
-              <a:ext uri="{C183D7F6-B498-43B3-948B-1728B52AA6E4}">
-                <adec:decorative xmlns:adec="http://schemas.microsoft.com/office/drawing/2017/decorative" val="1"/>
-              </a:ext>
-            </a:extLst>
-          </p:cNvPr>
-          <p:cNvSpPr>
-            <a:spLocks noGrp="1" noRot="1" noChangeAspect="1" noMove="1" noResize="1" noEditPoints="1" noAdjustHandles="1" noChangeArrowheads="1" noChangeShapeType="1" noTextEdit="1"/>
-          </p:cNvSpPr>
-          <p:nvPr>
-            <p:extLst>
-              <p:ext uri="{386F3935-93C4-4BCD-93E2-E3B085C9AB24}">
-                <p16:designElem xmlns:p16="http://schemas.microsoft.com/office/powerpoint/2015/main" val="1"/>
-              </p:ext>
-            </p:extLst>
-          </p:nvPr>
-        </p:nvSpPr>
-        <p:spPr>
-          <a:xfrm>
-            <a:off x="7391973" y="643464"/>
-            <a:ext cx="4143830" cy="5566305"/>
-          </a:xfrm>
-          <a:prstGeom prst="rect">
-            <a:avLst/>
-          </a:prstGeom>
-          <a:solidFill>
-            <a:srgbClr val="FFFFFF"/>
-          </a:solidFill>
-          <a:ln w="6350" cap="flat" cmpd="sng" algn="ctr">
-            <a:noFill/>
-            <a:prstDash val="solid"/>
-          </a:ln>
-          <a:effectLst>
-            <a:outerShdw blurRad="50800" algn="ctr" rotWithShape="0">
-              <a:prstClr val="black">
-                <a:alpha val="66000"/>
-              </a:prstClr>
-            </a:outerShdw>
-            <a:softEdge rad="0"/>
-          </a:effectLst>
-        </p:spPr>
-        <p:txBody>
-          <a:bodyPr/>
-          <a:lstStyle/>
-          <a:p>
-            <a:endParaRPr lang="tr-TR"/>
-          </a:p>
-        </p:txBody>
-      </p:sp>
-      <p:sp>
-        <p:nvSpPr>
-          <p:cNvPr id="29" name="Rectangle 28">
-            <a:extLst>
-              <a:ext uri="{FF2B5EF4-FFF2-40B4-BE49-F238E27FC236}">
-                <a16:creationId xmlns:a16="http://schemas.microsoft.com/office/drawing/2014/main" id="{BD2FDAD1-72F9-4134-9A38-92BDC75F71B7}"/>
-              </a:ext>
-              <a:ext uri="{C183D7F6-B498-43B3-948B-1728B52AA6E4}">
-                <adec:decorative xmlns:adec="http://schemas.microsoft.com/office/drawing/2017/decorative" val="1"/>
-              </a:ext>
-            </a:extLst>
-          </p:cNvPr>
-          <p:cNvSpPr>
-            <a:spLocks noGrp="1" noRot="1" noChangeAspect="1" noMove="1" noResize="1" noEditPoints="1" noAdjustHandles="1" noChangeArrowheads="1" noChangeShapeType="1" noTextEdit="1"/>
-          </p:cNvSpPr>
-          <p:nvPr>
-            <p:extLst>
-              <p:ext uri="{386F3935-93C4-4BCD-93E2-E3B085C9AB24}">
-                <p16:designElem xmlns:p16="http://schemas.microsoft.com/office/powerpoint/2015/main" val="1"/>
-              </p:ext>
-            </p:extLst>
-          </p:nvPr>
-        </p:nvSpPr>
-        <p:spPr>
-          <a:xfrm>
-            <a:off x="7557364" y="806860"/>
-            <a:ext cx="3813048" cy="5239512"/>
-          </a:xfrm>
-          <a:prstGeom prst="rect">
-            <a:avLst/>
-          </a:prstGeom>
-          <a:solidFill>
-            <a:schemeClr val="bg1">
-              <a:lumMod val="85000"/>
-              <a:alpha val="60000"/>
-            </a:schemeClr>
-          </a:solidFill>
-          <a:ln>
-            <a:noFill/>
-          </a:ln>
-        </p:spPr>
-        <p:style>
-          <a:lnRef idx="2">
-            <a:schemeClr val="accent1">
-              <a:shade val="50000"/>
-            </a:schemeClr>
-          </a:lnRef>
-          <a:fillRef idx="1">
-            <a:schemeClr val="accent1"/>
-          </a:fillRef>
-          <a:effectRef idx="0">
-            <a:schemeClr val="accent1"/>
-          </a:effectRef>
-          <a:fontRef idx="minor">
-            <a:schemeClr val="lt1"/>
-          </a:fontRef>
-        </p:style>
-        <p:txBody>
-          <a:bodyPr/>
-          <a:lstStyle/>
-          <a:p>
-            <a:endParaRPr lang="tr-TR"/>
-          </a:p>
-        </p:txBody>
-      </p:sp>
-      <p:sp>
-        <p:nvSpPr>
-          <p:cNvPr id="2" name="Başlık 1">
-            <a:extLst>
-              <a:ext uri="{FF2B5EF4-FFF2-40B4-BE49-F238E27FC236}">
-                <a16:creationId xmlns:a16="http://schemas.microsoft.com/office/drawing/2014/main" id="{8BA046F0-E768-39C7-1303-303D487DA2F8}"/>
-              </a:ext>
-            </a:extLst>
-          </p:cNvPr>
-          <p:cNvSpPr>
-            <a:spLocks noGrp="1"/>
-          </p:cNvSpPr>
-          <p:nvPr>
-            <p:ph type="title"/>
-          </p:nvPr>
-        </p:nvSpPr>
-        <p:spPr>
-          <a:xfrm>
-            <a:off x="7747000" y="965200"/>
-            <a:ext cx="3454400" cy="4936067"/>
-          </a:xfrm>
-        </p:spPr>
-        <p:txBody>
-          <a:bodyPr>
-            <a:normAutofit/>
-          </a:bodyPr>
-          <a:lstStyle/>
-          <a:p>
-            <a:pPr algn="ctr"/>
-            <a:r>
-              <a:rPr lang="tr-TR" dirty="0"/>
-              <a:t>Spring </a:t>
-            </a:r>
-            <a:r>
-              <a:rPr lang="tr-TR" dirty="0" err="1"/>
-              <a:t>Batch</a:t>
-            </a:r>
-            <a:r>
-              <a:rPr lang="tr-TR" dirty="0"/>
-              <a:t> Nedir 🤔</a:t>
-            </a:r>
-            <a:endParaRPr lang="tr-TR"/>
-          </a:p>
-        </p:txBody>
-      </p:sp>
-      <p:graphicFrame>
-        <p:nvGraphicFramePr>
-          <p:cNvPr id="12" name="İçerik Yer Tutucusu 2">
-            <a:extLst>
-              <a:ext uri="{FF2B5EF4-FFF2-40B4-BE49-F238E27FC236}">
-                <a16:creationId xmlns:a16="http://schemas.microsoft.com/office/drawing/2014/main" id="{3CE8BD8C-6606-B6E1-C34C-13181241BED9}"/>
-              </a:ext>
-            </a:extLst>
-          </p:cNvPr>
-          <p:cNvGraphicFramePr>
-            <a:graphicFrameLocks noGrp="1"/>
-          </p:cNvGraphicFramePr>
-          <p:nvPr>
-            <p:ph idx="1"/>
-            <p:extLst>
-              <p:ext uri="{D42A27DB-BD31-4B8C-83A1-F6EECF244321}">
-                <p14:modId xmlns:p14="http://schemas.microsoft.com/office/powerpoint/2010/main" val="3149343598"/>
-              </p:ext>
-            </p:extLst>
-          </p:nvPr>
-        </p:nvGraphicFramePr>
-        <p:xfrm>
-          <a:off x="793590" y="800946"/>
-          <a:ext cx="6036579" cy="5252381"/>
-        </p:xfrm>
-        <a:graphic>
-          <a:graphicData uri="http://schemas.openxmlformats.org/drawingml/2006/diagram">
-            <dgm:relIds xmlns:dgm="http://schemas.openxmlformats.org/drawingml/2006/diagram" xmlns:r="http://schemas.openxmlformats.org/officeDocument/2006/relationships" r:dm="rId2" r:lo="rId3" r:qs="rId4" r:cs="rId5"/>
-          </a:graphicData>
-        </a:graphic>
-      </p:graphicFrame>
-    </p:spTree>
-    <p:extLst>
-      <p:ext uri="{BB962C8B-B14F-4D97-AF65-F5344CB8AC3E}">
-        <p14:creationId xmlns:p14="http://schemas.microsoft.com/office/powerpoint/2010/main" val="1022894143"/>
-      </p:ext>
-    </p:extLst>
-  </p:cSld>
-  <p:clrMapOvr>
-    <a:masterClrMapping/>
-  </p:clrMapOvr>
-</p:sld>
-</file>
-
-<file path=ppt/slides/slide20.xml><?xml version="1.0" encoding="utf-8"?>
+<file path=ppt/slides/slide22.xml><?xml version="1.0" encoding="utf-8"?>
 <p:sld xmlns:a="http://schemas.openxmlformats.org/drawingml/2006/main" xmlns:r="http://schemas.openxmlformats.org/officeDocument/2006/relationships" xmlns:p="http://schemas.openxmlformats.org/presentationml/2006/main">
   <p:cSld>
     <p:bg>
